--- a/The Stable Signature Rooting Watermarks in Latent Diffusion Models/Rooting Watermarks in Latent Diffusion Models.pptx
+++ b/The Stable Signature Rooting Watermarks in Latent Diffusion Models/Rooting Watermarks in Latent Diffusion Models.pptx
@@ -5,7 +5,7 @@
     <p:sldMasterId id="2147483648" r:id="rId1"/>
   </p:sldMasterIdLst>
   <p:notesMasterIdLst>
-    <p:notesMasterId r:id="rId10"/>
+    <p:notesMasterId r:id="rId14"/>
   </p:notesMasterIdLst>
   <p:sldIdLst>
     <p:sldId id="256" r:id="rId2"/>
@@ -14,8 +14,12 @@
     <p:sldId id="295" r:id="rId5"/>
     <p:sldId id="296" r:id="rId6"/>
     <p:sldId id="293" r:id="rId7"/>
-    <p:sldId id="286" r:id="rId8"/>
-    <p:sldId id="270" r:id="rId9"/>
+    <p:sldId id="297" r:id="rId8"/>
+    <p:sldId id="298" r:id="rId9"/>
+    <p:sldId id="299" r:id="rId10"/>
+    <p:sldId id="300" r:id="rId11"/>
+    <p:sldId id="286" r:id="rId12"/>
+    <p:sldId id="270" r:id="rId13"/>
   </p:sldIdLst>
   <p:sldSz cx="12192000" cy="6858000"/>
   <p:notesSz cx="6858000" cy="9144000"/>
@@ -548,7 +552,7 @@
           <a:p>
             <a:fld id="{17CD097A-5759-4135-9984-2451C32C3456}" type="slidenum">
               <a:rPr lang="ko-KR" altLang="en-US" smtClean="0"/>
-              <a:t>7</a:t>
+              <a:t>11</a:t>
             </a:fld>
             <a:endParaRPr lang="ko-KR" altLang="en-US"/>
           </a:p>
@@ -3862,6 +3866,650 @@
 </p:sld>
 </file>
 
+<file path=ppt/slides/slide10.xml><?xml version="1.0" encoding="utf-8"?>
+<p:sld xmlns:a="http://schemas.openxmlformats.org/drawingml/2006/main" xmlns:r="http://schemas.openxmlformats.org/officeDocument/2006/relationships" xmlns:p="http://schemas.openxmlformats.org/presentationml/2006/main">
+  <p:cSld>
+    <p:spTree>
+      <p:nvGrpSpPr>
+        <p:cNvPr id="1" name=""/>
+        <p:cNvGrpSpPr/>
+        <p:nvPr/>
+      </p:nvGrpSpPr>
+      <p:grpSpPr>
+        <a:xfrm>
+          <a:off x="0" y="0"/>
+          <a:ext cx="0" cy="0"/>
+          <a:chOff x="0" y="0"/>
+          <a:chExt cx="0" cy="0"/>
+        </a:xfrm>
+      </p:grpSpPr>
+      <p:sp>
+        <p:nvSpPr>
+          <p:cNvPr id="2" name="제목 1">
+            <a:extLst>
+              <a:ext uri="{FF2B5EF4-FFF2-40B4-BE49-F238E27FC236}">
+                <a16:creationId xmlns:a16="http://schemas.microsoft.com/office/drawing/2014/main" id="{44FE026F-B914-4142-BADB-732B8F33197D}"/>
+              </a:ext>
+            </a:extLst>
+          </p:cNvPr>
+          <p:cNvSpPr>
+            <a:spLocks noGrp="1"/>
+          </p:cNvSpPr>
+          <p:nvPr>
+            <p:ph type="title"/>
+          </p:nvPr>
+        </p:nvSpPr>
+        <p:spPr/>
+        <p:txBody>
+          <a:bodyPr/>
+          <a:lstStyle/>
+          <a:p>
+            <a:r>
+              <a:rPr lang="en-US" altLang="ko-KR" dirty="0"/>
+              <a:t>2. </a:t>
+            </a:r>
+            <a:r>
+              <a:rPr lang="ko-KR" altLang="en-US" dirty="0"/>
+              <a:t>모델</a:t>
+            </a:r>
+          </a:p>
+        </p:txBody>
+      </p:sp>
+      <p:sp>
+        <p:nvSpPr>
+          <p:cNvPr id="5" name="내용 개체 틀 2">
+            <a:extLst>
+              <a:ext uri="{FF2B5EF4-FFF2-40B4-BE49-F238E27FC236}">
+                <a16:creationId xmlns:a16="http://schemas.microsoft.com/office/drawing/2014/main" id="{695A909E-8A17-451D-B1FD-4ED5E9A31658}"/>
+              </a:ext>
+            </a:extLst>
+          </p:cNvPr>
+          <p:cNvSpPr txBox="1">
+            <a:spLocks/>
+          </p:cNvSpPr>
+          <p:nvPr/>
+        </p:nvSpPr>
+        <p:spPr>
+          <a:xfrm>
+            <a:off x="838199" y="1833889"/>
+            <a:ext cx="10515599" cy="4482689"/>
+          </a:xfrm>
+          <a:prstGeom prst="rect">
+            <a:avLst/>
+          </a:prstGeom>
+        </p:spPr>
+        <p:txBody>
+          <a:bodyPr vert="horz" lIns="91440" tIns="45720" rIns="91440" bIns="45720" rtlCol="0">
+            <a:normAutofit/>
+          </a:bodyPr>
+          <a:lstStyle>
+            <a:lvl1pPr marL="228600" indent="-228600" algn="l" defTabSz="914400" rtl="0" eaLnBrk="1" latinLnBrk="1" hangingPunct="1">
+              <a:lnSpc>
+                <a:spcPct val="90000"/>
+              </a:lnSpc>
+              <a:spcBef>
+                <a:spcPts val="1000"/>
+              </a:spcBef>
+              <a:buFont typeface="Arial" panose="020B0604020202020204" pitchFamily="34" charset="0"/>
+              <a:buChar char="•"/>
+              <a:defRPr sz="2800" kern="1200">
+                <a:solidFill>
+                  <a:schemeClr val="tx1"/>
+                </a:solidFill>
+                <a:latin typeface="+mn-lt"/>
+                <a:ea typeface="+mn-ea"/>
+                <a:cs typeface="+mn-cs"/>
+              </a:defRPr>
+            </a:lvl1pPr>
+            <a:lvl2pPr marL="685800" indent="-228600" algn="l" defTabSz="914400" rtl="0" eaLnBrk="1" latinLnBrk="1" hangingPunct="1">
+              <a:lnSpc>
+                <a:spcPct val="90000"/>
+              </a:lnSpc>
+              <a:spcBef>
+                <a:spcPts val="500"/>
+              </a:spcBef>
+              <a:buFont typeface="Arial" panose="020B0604020202020204" pitchFamily="34" charset="0"/>
+              <a:buChar char="•"/>
+              <a:defRPr sz="2400" kern="1200">
+                <a:solidFill>
+                  <a:schemeClr val="tx1"/>
+                </a:solidFill>
+                <a:latin typeface="+mn-lt"/>
+                <a:ea typeface="+mn-ea"/>
+                <a:cs typeface="+mn-cs"/>
+              </a:defRPr>
+            </a:lvl2pPr>
+            <a:lvl3pPr marL="1143000" indent="-228600" algn="l" defTabSz="914400" rtl="0" eaLnBrk="1" latinLnBrk="1" hangingPunct="1">
+              <a:lnSpc>
+                <a:spcPct val="90000"/>
+              </a:lnSpc>
+              <a:spcBef>
+                <a:spcPts val="500"/>
+              </a:spcBef>
+              <a:buFont typeface="Arial" panose="020B0604020202020204" pitchFamily="34" charset="0"/>
+              <a:buChar char="•"/>
+              <a:defRPr sz="2000" kern="1200">
+                <a:solidFill>
+                  <a:schemeClr val="tx1"/>
+                </a:solidFill>
+                <a:latin typeface="+mn-lt"/>
+                <a:ea typeface="+mn-ea"/>
+                <a:cs typeface="+mn-cs"/>
+              </a:defRPr>
+            </a:lvl3pPr>
+            <a:lvl4pPr marL="1600200" indent="-228600" algn="l" defTabSz="914400" rtl="0" eaLnBrk="1" latinLnBrk="1" hangingPunct="1">
+              <a:lnSpc>
+                <a:spcPct val="90000"/>
+              </a:lnSpc>
+              <a:spcBef>
+                <a:spcPts val="500"/>
+              </a:spcBef>
+              <a:buFont typeface="Arial" panose="020B0604020202020204" pitchFamily="34" charset="0"/>
+              <a:buChar char="•"/>
+              <a:defRPr sz="1800" kern="1200">
+                <a:solidFill>
+                  <a:schemeClr val="tx1"/>
+                </a:solidFill>
+                <a:latin typeface="+mn-lt"/>
+                <a:ea typeface="+mn-ea"/>
+                <a:cs typeface="+mn-cs"/>
+              </a:defRPr>
+            </a:lvl4pPr>
+            <a:lvl5pPr marL="2057400" indent="-228600" algn="l" defTabSz="914400" rtl="0" eaLnBrk="1" latinLnBrk="1" hangingPunct="1">
+              <a:lnSpc>
+                <a:spcPct val="90000"/>
+              </a:lnSpc>
+              <a:spcBef>
+                <a:spcPts val="500"/>
+              </a:spcBef>
+              <a:buFont typeface="Arial" panose="020B0604020202020204" pitchFamily="34" charset="0"/>
+              <a:buChar char="•"/>
+              <a:defRPr sz="1800" kern="1200">
+                <a:solidFill>
+                  <a:schemeClr val="tx1"/>
+                </a:solidFill>
+                <a:latin typeface="+mn-lt"/>
+                <a:ea typeface="+mn-ea"/>
+                <a:cs typeface="+mn-cs"/>
+              </a:defRPr>
+            </a:lvl5pPr>
+            <a:lvl6pPr marL="2514600" indent="-228600" algn="l" defTabSz="914400" rtl="0" eaLnBrk="1" latinLnBrk="1" hangingPunct="1">
+              <a:lnSpc>
+                <a:spcPct val="90000"/>
+              </a:lnSpc>
+              <a:spcBef>
+                <a:spcPts val="500"/>
+              </a:spcBef>
+              <a:buFont typeface="Arial" panose="020B0604020202020204" pitchFamily="34" charset="0"/>
+              <a:buChar char="•"/>
+              <a:defRPr sz="1800" kern="1200">
+                <a:solidFill>
+                  <a:schemeClr val="tx1"/>
+                </a:solidFill>
+                <a:latin typeface="+mn-lt"/>
+                <a:ea typeface="+mn-ea"/>
+                <a:cs typeface="+mn-cs"/>
+              </a:defRPr>
+            </a:lvl6pPr>
+            <a:lvl7pPr marL="2971800" indent="-228600" algn="l" defTabSz="914400" rtl="0" eaLnBrk="1" latinLnBrk="1" hangingPunct="1">
+              <a:lnSpc>
+                <a:spcPct val="90000"/>
+              </a:lnSpc>
+              <a:spcBef>
+                <a:spcPts val="500"/>
+              </a:spcBef>
+              <a:buFont typeface="Arial" panose="020B0604020202020204" pitchFamily="34" charset="0"/>
+              <a:buChar char="•"/>
+              <a:defRPr sz="1800" kern="1200">
+                <a:solidFill>
+                  <a:schemeClr val="tx1"/>
+                </a:solidFill>
+                <a:latin typeface="+mn-lt"/>
+                <a:ea typeface="+mn-ea"/>
+                <a:cs typeface="+mn-cs"/>
+              </a:defRPr>
+            </a:lvl7pPr>
+            <a:lvl8pPr marL="3429000" indent="-228600" algn="l" defTabSz="914400" rtl="0" eaLnBrk="1" latinLnBrk="1" hangingPunct="1">
+              <a:lnSpc>
+                <a:spcPct val="90000"/>
+              </a:lnSpc>
+              <a:spcBef>
+                <a:spcPts val="500"/>
+              </a:spcBef>
+              <a:buFont typeface="Arial" panose="020B0604020202020204" pitchFamily="34" charset="0"/>
+              <a:buChar char="•"/>
+              <a:defRPr sz="1800" kern="1200">
+                <a:solidFill>
+                  <a:schemeClr val="tx1"/>
+                </a:solidFill>
+                <a:latin typeface="+mn-lt"/>
+                <a:ea typeface="+mn-ea"/>
+                <a:cs typeface="+mn-cs"/>
+              </a:defRPr>
+            </a:lvl8pPr>
+            <a:lvl9pPr marL="3886200" indent="-228600" algn="l" defTabSz="914400" rtl="0" eaLnBrk="1" latinLnBrk="1" hangingPunct="1">
+              <a:lnSpc>
+                <a:spcPct val="90000"/>
+              </a:lnSpc>
+              <a:spcBef>
+                <a:spcPts val="500"/>
+              </a:spcBef>
+              <a:buFont typeface="Arial" panose="020B0604020202020204" pitchFamily="34" charset="0"/>
+              <a:buChar char="•"/>
+              <a:defRPr sz="1800" kern="1200">
+                <a:solidFill>
+                  <a:schemeClr val="tx1"/>
+                </a:solidFill>
+                <a:latin typeface="+mn-lt"/>
+                <a:ea typeface="+mn-ea"/>
+                <a:cs typeface="+mn-cs"/>
+              </a:defRPr>
+            </a:lvl9pPr>
+          </a:lstStyle>
+          <a:p>
+            <a:pPr marL="0" indent="0">
+              <a:buNone/>
+            </a:pPr>
+            <a:r>
+              <a:rPr lang="en-US" altLang="ko-KR" dirty="0"/>
+              <a:t>2-1. Discrete Cosine Transform(DCT)</a:t>
+            </a:r>
+          </a:p>
+          <a:p>
+            <a:r>
+              <a:rPr lang="ko-KR" altLang="en-US" dirty="0"/>
+              <a:t>사진을 압축하는 방법 중 하나로 </a:t>
+            </a:r>
+            <a:r>
+              <a:rPr lang="en-US" altLang="ko-KR" dirty="0"/>
+              <a:t>JPEG</a:t>
+            </a:r>
+            <a:r>
+              <a:rPr lang="ko-KR" altLang="en-US" dirty="0"/>
+              <a:t>에서 사용되는 방식</a:t>
+            </a:r>
+            <a:endParaRPr lang="en-US" altLang="ko-KR" dirty="0"/>
+          </a:p>
+        </p:txBody>
+      </p:sp>
+      <p:pic>
+        <p:nvPicPr>
+          <p:cNvPr id="1026" name="Picture 2">
+            <a:extLst>
+              <a:ext uri="{FF2B5EF4-FFF2-40B4-BE49-F238E27FC236}">
+                <a16:creationId xmlns:a16="http://schemas.microsoft.com/office/drawing/2014/main" id="{586D4280-3F15-4079-9BE7-A4633B5D777E}"/>
+              </a:ext>
+            </a:extLst>
+          </p:cNvPr>
+          <p:cNvPicPr>
+            <a:picLocks noChangeAspect="1" noChangeArrowheads="1"/>
+          </p:cNvPicPr>
+          <p:nvPr/>
+        </p:nvPicPr>
+        <p:blipFill>
+          <a:blip r:embed="rId2">
+            <a:extLst>
+              <a:ext uri="{28A0092B-C50C-407E-A947-70E740481C1C}">
+                <a14:useLocalDpi xmlns:a14="http://schemas.microsoft.com/office/drawing/2010/main" val="0"/>
+              </a:ext>
+            </a:extLst>
+          </a:blip>
+          <a:srcRect/>
+          <a:stretch>
+            <a:fillRect/>
+          </a:stretch>
+        </p:blipFill>
+        <p:spPr bwMode="auto">
+          <a:xfrm>
+            <a:off x="2962273" y="4216400"/>
+            <a:ext cx="6267450" cy="2276475"/>
+          </a:xfrm>
+          <a:prstGeom prst="rect">
+            <a:avLst/>
+          </a:prstGeom>
+          <a:noFill/>
+          <a:extLst>
+            <a:ext uri="{909E8E84-426E-40DD-AFC4-6F175D3DCCD1}">
+              <a14:hiddenFill xmlns:a14="http://schemas.microsoft.com/office/drawing/2010/main">
+                <a:solidFill>
+                  <a:srgbClr val="FFFFFF"/>
+                </a:solidFill>
+              </a14:hiddenFill>
+            </a:ext>
+          </a:extLst>
+        </p:spPr>
+      </p:pic>
+    </p:spTree>
+    <p:extLst>
+      <p:ext uri="{BB962C8B-B14F-4D97-AF65-F5344CB8AC3E}">
+        <p14:creationId xmlns:p14="http://schemas.microsoft.com/office/powerpoint/2010/main" val="2499773045"/>
+      </p:ext>
+    </p:extLst>
+  </p:cSld>
+  <p:clrMapOvr>
+    <a:masterClrMapping/>
+  </p:clrMapOvr>
+</p:sld>
+</file>
+
+<file path=ppt/slides/slide11.xml><?xml version="1.0" encoding="utf-8"?>
+<p:sld xmlns:a="http://schemas.openxmlformats.org/drawingml/2006/main" xmlns:r="http://schemas.openxmlformats.org/officeDocument/2006/relationships" xmlns:p="http://schemas.openxmlformats.org/presentationml/2006/main">
+  <p:cSld>
+    <p:spTree>
+      <p:nvGrpSpPr>
+        <p:cNvPr id="1" name=""/>
+        <p:cNvGrpSpPr/>
+        <p:nvPr/>
+      </p:nvGrpSpPr>
+      <p:grpSpPr>
+        <a:xfrm>
+          <a:off x="0" y="0"/>
+          <a:ext cx="0" cy="0"/>
+          <a:chOff x="0" y="0"/>
+          <a:chExt cx="0" cy="0"/>
+        </a:xfrm>
+      </p:grpSpPr>
+      <p:sp>
+        <p:nvSpPr>
+          <p:cNvPr id="2" name="제목 1">
+            <a:extLst>
+              <a:ext uri="{FF2B5EF4-FFF2-40B4-BE49-F238E27FC236}">
+                <a16:creationId xmlns:a16="http://schemas.microsoft.com/office/drawing/2014/main" id="{44FE026F-B914-4142-BADB-732B8F33197D}"/>
+              </a:ext>
+            </a:extLst>
+          </p:cNvPr>
+          <p:cNvSpPr>
+            <a:spLocks noGrp="1"/>
+          </p:cNvSpPr>
+          <p:nvPr>
+            <p:ph type="title"/>
+          </p:nvPr>
+        </p:nvSpPr>
+        <p:spPr/>
+        <p:txBody>
+          <a:bodyPr/>
+          <a:lstStyle/>
+          <a:p>
+            <a:r>
+              <a:rPr lang="en-US" altLang="ko-KR" dirty="0"/>
+              <a:t>3. </a:t>
+            </a:r>
+            <a:r>
+              <a:rPr lang="ko-KR" altLang="en-US" dirty="0"/>
+              <a:t>평가</a:t>
+            </a:r>
+          </a:p>
+        </p:txBody>
+      </p:sp>
+      <p:sp>
+        <p:nvSpPr>
+          <p:cNvPr id="7" name="내용 개체 틀 3">
+            <a:extLst>
+              <a:ext uri="{FF2B5EF4-FFF2-40B4-BE49-F238E27FC236}">
+                <a16:creationId xmlns:a16="http://schemas.microsoft.com/office/drawing/2014/main" id="{FAE9A106-6325-4963-AECD-3F7D178E7C79}"/>
+              </a:ext>
+            </a:extLst>
+          </p:cNvPr>
+          <p:cNvSpPr>
+            <a:spLocks noGrp="1"/>
+          </p:cNvSpPr>
+          <p:nvPr>
+            <p:ph idx="1"/>
+          </p:nvPr>
+        </p:nvSpPr>
+        <p:spPr>
+          <a:xfrm>
+            <a:off x="838200" y="1825625"/>
+            <a:ext cx="3599329" cy="4351338"/>
+          </a:xfrm>
+        </p:spPr>
+        <p:txBody>
+          <a:bodyPr/>
+          <a:lstStyle/>
+          <a:p>
+            <a:r>
+              <a:rPr lang="en-US" altLang="ko-KR" dirty="0">
+                <a:latin typeface="맑은 고딕 (본문)"/>
+              </a:rPr>
+              <a:t>GLIDE</a:t>
+            </a:r>
+          </a:p>
+          <a:p>
+            <a:pPr>
+              <a:buFontTx/>
+              <a:buChar char="-"/>
+            </a:pPr>
+            <a:r>
+              <a:rPr lang="en-US" altLang="ko-KR" dirty="0">
+                <a:latin typeface="맑은 고딕 (본문)"/>
+              </a:rPr>
+              <a:t>Text-image </a:t>
+            </a:r>
+            <a:r>
+              <a:rPr lang="ko-KR" altLang="en-US" dirty="0">
+                <a:latin typeface="맑은 고딕 (본문)"/>
+              </a:rPr>
+              <a:t>모델로 </a:t>
+            </a:r>
+            <a:r>
+              <a:rPr lang="en-US" altLang="ko-KR" dirty="0">
+                <a:latin typeface="맑은 고딕 (본문)"/>
+              </a:rPr>
+              <a:t>256*256 </a:t>
+            </a:r>
+            <a:r>
+              <a:rPr lang="ko-KR" altLang="en-US" dirty="0">
+                <a:latin typeface="맑은 고딕 (본문)"/>
+              </a:rPr>
+              <a:t>이미지를 생성하는 모델</a:t>
+            </a:r>
+            <a:endParaRPr lang="en-US" altLang="ko-KR" dirty="0">
+              <a:latin typeface="맑은 고딕 (본문)"/>
+            </a:endParaRPr>
+          </a:p>
+          <a:p>
+            <a:pPr>
+              <a:buFontTx/>
+              <a:buChar char="-"/>
+            </a:pPr>
+            <a:r>
+              <a:rPr lang="en-US" altLang="ko-KR" dirty="0">
+                <a:latin typeface="맑은 고딕 (본문)"/>
+              </a:rPr>
+              <a:t>CLIP Guidance</a:t>
+            </a:r>
+            <a:r>
+              <a:rPr lang="ko-KR" altLang="en-US" dirty="0">
+                <a:latin typeface="맑은 고딕 (본문)"/>
+              </a:rPr>
+              <a:t>와 </a:t>
+            </a:r>
+            <a:r>
+              <a:rPr lang="en-US" altLang="ko-KR" dirty="0">
+                <a:latin typeface="맑은 고딕 (본문)"/>
+              </a:rPr>
+              <a:t>Classifier-free guidance</a:t>
+            </a:r>
+            <a:r>
+              <a:rPr lang="ko-KR" altLang="en-US" dirty="0">
+                <a:latin typeface="맑은 고딕 (본문)"/>
+              </a:rPr>
+              <a:t>를 비교</a:t>
+            </a:r>
+          </a:p>
+        </p:txBody>
+      </p:sp>
+      <p:pic>
+        <p:nvPicPr>
+          <p:cNvPr id="1026" name="Picture 2" descr="그림1. GLIDE Architecture">
+            <a:extLst>
+              <a:ext uri="{FF2B5EF4-FFF2-40B4-BE49-F238E27FC236}">
+                <a16:creationId xmlns:a16="http://schemas.microsoft.com/office/drawing/2014/main" id="{E082C00A-006B-44FC-A896-EBDB3BA086A2}"/>
+              </a:ext>
+            </a:extLst>
+          </p:cNvPr>
+          <p:cNvPicPr>
+            <a:picLocks noChangeAspect="1" noChangeArrowheads="1"/>
+          </p:cNvPicPr>
+          <p:nvPr/>
+        </p:nvPicPr>
+        <p:blipFill>
+          <a:blip r:embed="rId3">
+            <a:extLst>
+              <a:ext uri="{28A0092B-C50C-407E-A947-70E740481C1C}">
+                <a14:useLocalDpi xmlns:a14="http://schemas.microsoft.com/office/drawing/2010/main" val="0"/>
+              </a:ext>
+            </a:extLst>
+          </a:blip>
+          <a:srcRect/>
+          <a:stretch>
+            <a:fillRect/>
+          </a:stretch>
+        </p:blipFill>
+        <p:spPr bwMode="auto">
+          <a:xfrm>
+            <a:off x="5233737" y="1027906"/>
+            <a:ext cx="6388768" cy="1721973"/>
+          </a:xfrm>
+          <a:prstGeom prst="rect">
+            <a:avLst/>
+          </a:prstGeom>
+          <a:noFill/>
+          <a:extLst>
+            <a:ext uri="{909E8E84-426E-40DD-AFC4-6F175D3DCCD1}">
+              <a14:hiddenFill xmlns:a14="http://schemas.microsoft.com/office/drawing/2010/main">
+                <a:solidFill>
+                  <a:srgbClr val="FFFFFF"/>
+                </a:solidFill>
+              </a14:hiddenFill>
+            </a:ext>
+          </a:extLst>
+        </p:spPr>
+      </p:pic>
+      <p:pic>
+        <p:nvPicPr>
+          <p:cNvPr id="1028" name="Picture 4" descr="그림3. GLIDE - Image Inpainting">
+            <a:extLst>
+              <a:ext uri="{FF2B5EF4-FFF2-40B4-BE49-F238E27FC236}">
+                <a16:creationId xmlns:a16="http://schemas.microsoft.com/office/drawing/2014/main" id="{4DE4945E-FA7B-493F-8613-06BD8F9B1230}"/>
+              </a:ext>
+            </a:extLst>
+          </p:cNvPr>
+          <p:cNvPicPr>
+            <a:picLocks noChangeAspect="1" noChangeArrowheads="1"/>
+          </p:cNvPicPr>
+          <p:nvPr/>
+        </p:nvPicPr>
+        <p:blipFill>
+          <a:blip r:embed="rId4">
+            <a:extLst>
+              <a:ext uri="{28A0092B-C50C-407E-A947-70E740481C1C}">
+                <a14:useLocalDpi xmlns:a14="http://schemas.microsoft.com/office/drawing/2010/main" val="0"/>
+              </a:ext>
+            </a:extLst>
+          </a:blip>
+          <a:srcRect/>
+          <a:stretch>
+            <a:fillRect/>
+          </a:stretch>
+        </p:blipFill>
+        <p:spPr bwMode="auto">
+          <a:xfrm>
+            <a:off x="6799729" y="3865353"/>
+            <a:ext cx="3886200" cy="2136651"/>
+          </a:xfrm>
+          <a:prstGeom prst="rect">
+            <a:avLst/>
+          </a:prstGeom>
+          <a:noFill/>
+          <a:extLst>
+            <a:ext uri="{909E8E84-426E-40DD-AFC4-6F175D3DCCD1}">
+              <a14:hiddenFill xmlns:a14="http://schemas.microsoft.com/office/drawing/2010/main">
+                <a:solidFill>
+                  <a:srgbClr val="FFFFFF"/>
+                </a:solidFill>
+              </a14:hiddenFill>
+            </a:ext>
+          </a:extLst>
+        </p:spPr>
+      </p:pic>
+    </p:spTree>
+    <p:extLst>
+      <p:ext uri="{BB962C8B-B14F-4D97-AF65-F5344CB8AC3E}">
+        <p14:creationId xmlns:p14="http://schemas.microsoft.com/office/powerpoint/2010/main" val="2661684346"/>
+      </p:ext>
+    </p:extLst>
+  </p:cSld>
+  <p:clrMapOvr>
+    <a:masterClrMapping/>
+  </p:clrMapOvr>
+</p:sld>
+</file>
+
+<file path=ppt/slides/slide12.xml><?xml version="1.0" encoding="utf-8"?>
+<p:sld xmlns:a="http://schemas.openxmlformats.org/drawingml/2006/main" xmlns:r="http://schemas.openxmlformats.org/officeDocument/2006/relationships" xmlns:p="http://schemas.openxmlformats.org/presentationml/2006/main">
+  <p:cSld>
+    <p:spTree>
+      <p:nvGrpSpPr>
+        <p:cNvPr id="1" name=""/>
+        <p:cNvGrpSpPr/>
+        <p:nvPr/>
+      </p:nvGrpSpPr>
+      <p:grpSpPr>
+        <a:xfrm>
+          <a:off x="0" y="0"/>
+          <a:ext cx="0" cy="0"/>
+          <a:chOff x="0" y="0"/>
+          <a:chExt cx="0" cy="0"/>
+        </a:xfrm>
+      </p:grpSpPr>
+      <p:sp>
+        <p:nvSpPr>
+          <p:cNvPr id="4" name="제목 3">
+            <a:extLst>
+              <a:ext uri="{FF2B5EF4-FFF2-40B4-BE49-F238E27FC236}">
+                <a16:creationId xmlns:a16="http://schemas.microsoft.com/office/drawing/2014/main" id="{F313114F-054B-4C61-802F-B24C61596829}"/>
+              </a:ext>
+            </a:extLst>
+          </p:cNvPr>
+          <p:cNvSpPr>
+            <a:spLocks noGrp="1"/>
+          </p:cNvSpPr>
+          <p:nvPr>
+            <p:ph type="title"/>
+          </p:nvPr>
+        </p:nvSpPr>
+        <p:spPr>
+          <a:xfrm>
+            <a:off x="838200" y="2766218"/>
+            <a:ext cx="10515600" cy="1325563"/>
+          </a:xfrm>
+        </p:spPr>
+        <p:txBody>
+          <a:bodyPr/>
+          <a:lstStyle/>
+          <a:p>
+            <a:pPr algn="ctr"/>
+            <a:r>
+              <a:rPr lang="ko-KR" altLang="en-US" dirty="0"/>
+              <a:t>감사합니다</a:t>
+            </a:r>
+          </a:p>
+        </p:txBody>
+      </p:sp>
+    </p:spTree>
+    <p:extLst>
+      <p:ext uri="{BB962C8B-B14F-4D97-AF65-F5344CB8AC3E}">
+        <p14:creationId xmlns:p14="http://schemas.microsoft.com/office/powerpoint/2010/main" val="4027504823"/>
+      </p:ext>
+    </p:extLst>
+  </p:cSld>
+  <p:clrMapOvr>
+    <a:masterClrMapping/>
+  </p:clrMapOvr>
+</p:sld>
+</file>
+
 <file path=ppt/slides/slide2.xml><?xml version="1.0" encoding="utf-8"?>
 <p:sld xmlns:a="http://schemas.openxmlformats.org/drawingml/2006/main" xmlns:r="http://schemas.openxmlformats.org/officeDocument/2006/relationships" xmlns:p="http://schemas.openxmlformats.org/presentationml/2006/main">
   <p:cSld>
@@ -3935,7 +4583,7 @@
         </p:spPr>
         <p:txBody>
           <a:bodyPr>
-            <a:normAutofit/>
+            <a:normAutofit lnSpcReduction="10000"/>
           </a:bodyPr>
           <a:lstStyle/>
           <a:p>
@@ -3984,12 +4632,16 @@
               <a:t>이진 서명은 </a:t>
             </a:r>
             <a:r>
+              <a:rPr lang="en-US" altLang="ko-KR" dirty="0" err="1"/>
+              <a:t>HiDDeN</a:t>
+            </a:r>
+            <a:r>
               <a:rPr lang="en-US" altLang="ko-KR" dirty="0"/>
-              <a:t>HIDDEN </a:t>
+              <a:t> </a:t>
             </a:r>
             <a:r>
               <a:rPr lang="ko-KR" altLang="en-US" dirty="0"/>
-              <a:t>이라는 모델을 사용해서 삽입</a:t>
+              <a:t>이라는 모델에서 변형한 모델로 삽입</a:t>
             </a:r>
           </a:p>
         </p:txBody>
@@ -4116,7 +4768,7 @@
           <a:p>
             <a:r>
               <a:rPr lang="en-US" altLang="ko-KR" dirty="0"/>
-              <a:t>Training</a:t>
+              <a:t>Fine-tuning</a:t>
             </a:r>
             <a:r>
               <a:rPr lang="ko-KR" altLang="en-US" dirty="0"/>
@@ -4128,15 +4780,7 @@
             </a:r>
             <a:r>
               <a:rPr lang="ko-KR" altLang="en-US" dirty="0"/>
-              <a:t> 이진 서명 </a:t>
-            </a:r>
-            <a:r>
-              <a:rPr lang="en-US" altLang="ko-KR" dirty="0"/>
-              <a:t>m</a:t>
-            </a:r>
-            <a:r>
-              <a:rPr lang="ko-KR" altLang="en-US" dirty="0"/>
-              <a:t>을 고정하고</a:t>
+              <a:t> 이진 서명을 고정하고</a:t>
             </a:r>
             <a:r>
               <a:rPr lang="en-US" altLang="ko-KR" dirty="0"/>
@@ -4156,7 +4800,7 @@
             </a:r>
             <a:r>
               <a:rPr lang="en-US" altLang="ko-KR" dirty="0"/>
-              <a:t>finetuning </a:t>
+              <a:t>Fine-tuning </a:t>
             </a:r>
             <a:r>
               <a:rPr lang="ko-KR" altLang="en-US" dirty="0"/>
@@ -5045,7 +5689,7 @@
         <p:spPr>
           <a:xfrm>
             <a:off x="838200" y="1506071"/>
-            <a:ext cx="10515600" cy="2889810"/>
+            <a:ext cx="5257800" cy="2889810"/>
           </a:xfrm>
         </p:spPr>
         <p:txBody>
@@ -5072,12 +5716,276 @@
           </a:p>
         </p:txBody>
       </p:sp>
+      <p:sp>
+        <p:nvSpPr>
+          <p:cNvPr id="5" name="내용 개체 틀 2">
+            <a:extLst>
+              <a:ext uri="{FF2B5EF4-FFF2-40B4-BE49-F238E27FC236}">
+                <a16:creationId xmlns:a16="http://schemas.microsoft.com/office/drawing/2014/main" id="{695A909E-8A17-451D-B1FD-4ED5E9A31658}"/>
+              </a:ext>
+            </a:extLst>
+          </p:cNvPr>
+          <p:cNvSpPr txBox="1">
+            <a:spLocks/>
+          </p:cNvSpPr>
+          <p:nvPr/>
+        </p:nvSpPr>
+        <p:spPr>
+          <a:xfrm>
+            <a:off x="838200" y="1833889"/>
+            <a:ext cx="10515600" cy="4482689"/>
+          </a:xfrm>
+          <a:prstGeom prst="rect">
+            <a:avLst/>
+          </a:prstGeom>
+        </p:spPr>
+        <p:txBody>
+          <a:bodyPr vert="horz" lIns="91440" tIns="45720" rIns="91440" bIns="45720" rtlCol="0">
+            <a:normAutofit/>
+          </a:bodyPr>
+          <a:lstStyle>
+            <a:lvl1pPr marL="228600" indent="-228600" algn="l" defTabSz="914400" rtl="0" eaLnBrk="1" latinLnBrk="1" hangingPunct="1">
+              <a:lnSpc>
+                <a:spcPct val="90000"/>
+              </a:lnSpc>
+              <a:spcBef>
+                <a:spcPts val="1000"/>
+              </a:spcBef>
+              <a:buFont typeface="Arial" panose="020B0604020202020204" pitchFamily="34" charset="0"/>
+              <a:buChar char="•"/>
+              <a:defRPr sz="2800" kern="1200">
+                <a:solidFill>
+                  <a:schemeClr val="tx1"/>
+                </a:solidFill>
+                <a:latin typeface="+mn-lt"/>
+                <a:ea typeface="+mn-ea"/>
+                <a:cs typeface="+mn-cs"/>
+              </a:defRPr>
+            </a:lvl1pPr>
+            <a:lvl2pPr marL="685800" indent="-228600" algn="l" defTabSz="914400" rtl="0" eaLnBrk="1" latinLnBrk="1" hangingPunct="1">
+              <a:lnSpc>
+                <a:spcPct val="90000"/>
+              </a:lnSpc>
+              <a:spcBef>
+                <a:spcPts val="500"/>
+              </a:spcBef>
+              <a:buFont typeface="Arial" panose="020B0604020202020204" pitchFamily="34" charset="0"/>
+              <a:buChar char="•"/>
+              <a:defRPr sz="2400" kern="1200">
+                <a:solidFill>
+                  <a:schemeClr val="tx1"/>
+                </a:solidFill>
+                <a:latin typeface="+mn-lt"/>
+                <a:ea typeface="+mn-ea"/>
+                <a:cs typeface="+mn-cs"/>
+              </a:defRPr>
+            </a:lvl2pPr>
+            <a:lvl3pPr marL="1143000" indent="-228600" algn="l" defTabSz="914400" rtl="0" eaLnBrk="1" latinLnBrk="1" hangingPunct="1">
+              <a:lnSpc>
+                <a:spcPct val="90000"/>
+              </a:lnSpc>
+              <a:spcBef>
+                <a:spcPts val="500"/>
+              </a:spcBef>
+              <a:buFont typeface="Arial" panose="020B0604020202020204" pitchFamily="34" charset="0"/>
+              <a:buChar char="•"/>
+              <a:defRPr sz="2000" kern="1200">
+                <a:solidFill>
+                  <a:schemeClr val="tx1"/>
+                </a:solidFill>
+                <a:latin typeface="+mn-lt"/>
+                <a:ea typeface="+mn-ea"/>
+                <a:cs typeface="+mn-cs"/>
+              </a:defRPr>
+            </a:lvl3pPr>
+            <a:lvl4pPr marL="1600200" indent="-228600" algn="l" defTabSz="914400" rtl="0" eaLnBrk="1" latinLnBrk="1" hangingPunct="1">
+              <a:lnSpc>
+                <a:spcPct val="90000"/>
+              </a:lnSpc>
+              <a:spcBef>
+                <a:spcPts val="500"/>
+              </a:spcBef>
+              <a:buFont typeface="Arial" panose="020B0604020202020204" pitchFamily="34" charset="0"/>
+              <a:buChar char="•"/>
+              <a:defRPr sz="1800" kern="1200">
+                <a:solidFill>
+                  <a:schemeClr val="tx1"/>
+                </a:solidFill>
+                <a:latin typeface="+mn-lt"/>
+                <a:ea typeface="+mn-ea"/>
+                <a:cs typeface="+mn-cs"/>
+              </a:defRPr>
+            </a:lvl4pPr>
+            <a:lvl5pPr marL="2057400" indent="-228600" algn="l" defTabSz="914400" rtl="0" eaLnBrk="1" latinLnBrk="1" hangingPunct="1">
+              <a:lnSpc>
+                <a:spcPct val="90000"/>
+              </a:lnSpc>
+              <a:spcBef>
+                <a:spcPts val="500"/>
+              </a:spcBef>
+              <a:buFont typeface="Arial" panose="020B0604020202020204" pitchFamily="34" charset="0"/>
+              <a:buChar char="•"/>
+              <a:defRPr sz="1800" kern="1200">
+                <a:solidFill>
+                  <a:schemeClr val="tx1"/>
+                </a:solidFill>
+                <a:latin typeface="+mn-lt"/>
+                <a:ea typeface="+mn-ea"/>
+                <a:cs typeface="+mn-cs"/>
+              </a:defRPr>
+            </a:lvl5pPr>
+            <a:lvl6pPr marL="2514600" indent="-228600" algn="l" defTabSz="914400" rtl="0" eaLnBrk="1" latinLnBrk="1" hangingPunct="1">
+              <a:lnSpc>
+                <a:spcPct val="90000"/>
+              </a:lnSpc>
+              <a:spcBef>
+                <a:spcPts val="500"/>
+              </a:spcBef>
+              <a:buFont typeface="Arial" panose="020B0604020202020204" pitchFamily="34" charset="0"/>
+              <a:buChar char="•"/>
+              <a:defRPr sz="1800" kern="1200">
+                <a:solidFill>
+                  <a:schemeClr val="tx1"/>
+                </a:solidFill>
+                <a:latin typeface="+mn-lt"/>
+                <a:ea typeface="+mn-ea"/>
+                <a:cs typeface="+mn-cs"/>
+              </a:defRPr>
+            </a:lvl6pPr>
+            <a:lvl7pPr marL="2971800" indent="-228600" algn="l" defTabSz="914400" rtl="0" eaLnBrk="1" latinLnBrk="1" hangingPunct="1">
+              <a:lnSpc>
+                <a:spcPct val="90000"/>
+              </a:lnSpc>
+              <a:spcBef>
+                <a:spcPts val="500"/>
+              </a:spcBef>
+              <a:buFont typeface="Arial" panose="020B0604020202020204" pitchFamily="34" charset="0"/>
+              <a:buChar char="•"/>
+              <a:defRPr sz="1800" kern="1200">
+                <a:solidFill>
+                  <a:schemeClr val="tx1"/>
+                </a:solidFill>
+                <a:latin typeface="+mn-lt"/>
+                <a:ea typeface="+mn-ea"/>
+                <a:cs typeface="+mn-cs"/>
+              </a:defRPr>
+            </a:lvl7pPr>
+            <a:lvl8pPr marL="3429000" indent="-228600" algn="l" defTabSz="914400" rtl="0" eaLnBrk="1" latinLnBrk="1" hangingPunct="1">
+              <a:lnSpc>
+                <a:spcPct val="90000"/>
+              </a:lnSpc>
+              <a:spcBef>
+                <a:spcPts val="500"/>
+              </a:spcBef>
+              <a:buFont typeface="Arial" panose="020B0604020202020204" pitchFamily="34" charset="0"/>
+              <a:buChar char="•"/>
+              <a:defRPr sz="1800" kern="1200">
+                <a:solidFill>
+                  <a:schemeClr val="tx1"/>
+                </a:solidFill>
+                <a:latin typeface="+mn-lt"/>
+                <a:ea typeface="+mn-ea"/>
+                <a:cs typeface="+mn-cs"/>
+              </a:defRPr>
+            </a:lvl8pPr>
+            <a:lvl9pPr marL="3886200" indent="-228600" algn="l" defTabSz="914400" rtl="0" eaLnBrk="1" latinLnBrk="1" hangingPunct="1">
+              <a:lnSpc>
+                <a:spcPct val="90000"/>
+              </a:lnSpc>
+              <a:spcBef>
+                <a:spcPts val="500"/>
+              </a:spcBef>
+              <a:buFont typeface="Arial" panose="020B0604020202020204" pitchFamily="34" charset="0"/>
+              <a:buChar char="•"/>
+              <a:defRPr sz="1800" kern="1200">
+                <a:solidFill>
+                  <a:schemeClr val="tx1"/>
+                </a:solidFill>
+                <a:latin typeface="+mn-lt"/>
+                <a:ea typeface="+mn-ea"/>
+                <a:cs typeface="+mn-cs"/>
+              </a:defRPr>
+            </a:lvl9pPr>
+          </a:lstStyle>
+          <a:p>
+            <a:pPr marL="514350" indent="-514350">
+              <a:buFont typeface="+mj-lt"/>
+              <a:buAutoNum type="arabicPeriod"/>
+            </a:pPr>
+            <a:r>
+              <a:rPr lang="en-US" altLang="ko-KR" dirty="0"/>
+              <a:t>Pre-train</a:t>
+            </a:r>
+          </a:p>
+          <a:p>
+            <a:r>
+              <a:rPr lang="ko-KR" altLang="en-US" dirty="0"/>
+              <a:t>먼저 이미지에 </a:t>
+            </a:r>
+            <a:r>
+              <a:rPr lang="ko-KR" altLang="en-US" dirty="0" err="1"/>
+              <a:t>랜덤한</a:t>
+            </a:r>
+            <a:r>
+              <a:rPr lang="ko-KR" altLang="en-US" dirty="0"/>
+              <a:t> 이진 서명을 삽입하고</a:t>
+            </a:r>
+            <a:r>
+              <a:rPr lang="en-US" altLang="ko-KR" dirty="0"/>
+              <a:t>, </a:t>
+            </a:r>
+            <a:r>
+              <a:rPr lang="ko-KR" altLang="en-US" dirty="0"/>
+              <a:t>그걸 다시 </a:t>
+            </a:r>
+            <a:r>
+              <a:rPr lang="en-US" altLang="ko-KR" dirty="0"/>
+              <a:t>decoding </a:t>
+            </a:r>
+            <a:r>
+              <a:rPr lang="ko-KR" altLang="en-US" dirty="0"/>
+              <a:t>하는 모델을 훈련</a:t>
+            </a:r>
+            <a:endParaRPr lang="en-US" altLang="ko-KR" dirty="0"/>
+          </a:p>
+          <a:p>
+            <a:r>
+              <a:rPr lang="ko-KR" altLang="en-US" dirty="0"/>
+              <a:t>단</a:t>
+            </a:r>
+            <a:r>
+              <a:rPr lang="en-US" altLang="ko-KR" dirty="0"/>
+              <a:t>, </a:t>
+            </a:r>
+            <a:r>
+              <a:rPr lang="ko-KR" altLang="en-US" dirty="0"/>
+              <a:t>여기서 </a:t>
+            </a:r>
+            <a:r>
+              <a:rPr lang="en-US" altLang="ko-KR" dirty="0"/>
+              <a:t>WE</a:t>
+            </a:r>
+            <a:r>
+              <a:rPr lang="ko-KR" altLang="en-US" dirty="0"/>
+              <a:t>는 차후 </a:t>
+            </a:r>
+            <a:r>
+              <a:rPr lang="en-US" altLang="ko-KR" dirty="0"/>
+              <a:t>Fine-tuning</a:t>
+            </a:r>
+            <a:r>
+              <a:rPr lang="ko-KR" altLang="en-US" dirty="0"/>
+              <a:t>에 사용하지 않음</a:t>
+            </a:r>
+          </a:p>
+        </p:txBody>
+      </p:sp>
       <p:pic>
         <p:nvPicPr>
-          <p:cNvPr id="6" name="그림 5">
-            <a:extLst>
-              <a:ext uri="{FF2B5EF4-FFF2-40B4-BE49-F238E27FC236}">
-                <a16:creationId xmlns:a16="http://schemas.microsoft.com/office/drawing/2014/main" id="{5C9C264D-3DB7-40C2-BA84-1FEF20927E3C}"/>
+          <p:cNvPr id="10" name="그림 9">
+            <a:extLst>
+              <a:ext uri="{FF2B5EF4-FFF2-40B4-BE49-F238E27FC236}">
+                <a16:creationId xmlns:a16="http://schemas.microsoft.com/office/drawing/2014/main" id="{98D78E2C-323C-417E-AF75-F3EEC1790978}"/>
               </a:ext>
             </a:extLst>
           </p:cNvPr>
@@ -5094,7 +6002,7 @@
         </p:blipFill>
         <p:spPr>
           <a:xfrm>
-            <a:off x="599308" y="4299269"/>
+            <a:off x="599308" y="4527869"/>
             <a:ext cx="10993384" cy="2105319"/>
           </a:xfrm>
           <a:prstGeom prst="rect">
@@ -5102,6 +6010,58 @@
           </a:prstGeom>
         </p:spPr>
       </p:pic>
+      <p:sp>
+        <p:nvSpPr>
+          <p:cNvPr id="4" name="직사각형 3">
+            <a:extLst>
+              <a:ext uri="{FF2B5EF4-FFF2-40B4-BE49-F238E27FC236}">
+                <a16:creationId xmlns:a16="http://schemas.microsoft.com/office/drawing/2014/main" id="{8BCD39C3-6B3F-47EE-A656-9EAB8D5C8D9A}"/>
+              </a:ext>
+            </a:extLst>
+          </p:cNvPr>
+          <p:cNvSpPr/>
+          <p:nvPr/>
+        </p:nvSpPr>
+        <p:spPr>
+          <a:xfrm>
+            <a:off x="599308" y="4527868"/>
+            <a:ext cx="4405829" cy="2105319"/>
+          </a:xfrm>
+          <a:prstGeom prst="rect">
+            <a:avLst/>
+          </a:prstGeom>
+          <a:noFill/>
+          <a:ln w="19050">
+            <a:solidFill>
+              <a:srgbClr val="FF0000"/>
+            </a:solidFill>
+          </a:ln>
+        </p:spPr>
+        <p:style>
+          <a:lnRef idx="2">
+            <a:schemeClr val="accent1">
+              <a:shade val="50000"/>
+            </a:schemeClr>
+          </a:lnRef>
+          <a:fillRef idx="1">
+            <a:schemeClr val="accent1"/>
+          </a:fillRef>
+          <a:effectRef idx="0">
+            <a:schemeClr val="accent1"/>
+          </a:effectRef>
+          <a:fontRef idx="minor">
+            <a:schemeClr val="lt1"/>
+          </a:fontRef>
+        </p:style>
+        <p:txBody>
+          <a:bodyPr rtlCol="0" anchor="ctr"/>
+          <a:lstStyle/>
+          <a:p>
+            <a:pPr algn="ctr"/>
+            <a:endParaRPr lang="ko-KR" altLang="en-US"/>
+          </a:p>
+        </p:txBody>
+      </p:sp>
     </p:spTree>
     <p:extLst>
       <p:ext uri="{BB962C8B-B14F-4D97-AF65-F5344CB8AC3E}">
@@ -5155,211 +6115,814 @@
           <a:p>
             <a:r>
               <a:rPr lang="en-US" altLang="ko-KR" dirty="0"/>
-              <a:t>3. </a:t>
+              <a:t>2. </a:t>
             </a:r>
             <a:r>
               <a:rPr lang="ko-KR" altLang="en-US" dirty="0"/>
-              <a:t>평가</a:t>
-            </a:r>
-          </a:p>
-        </p:txBody>
-      </p:sp>
-      <p:sp>
-        <p:nvSpPr>
-          <p:cNvPr id="7" name="내용 개체 틀 3">
-            <a:extLst>
-              <a:ext uri="{FF2B5EF4-FFF2-40B4-BE49-F238E27FC236}">
-                <a16:creationId xmlns:a16="http://schemas.microsoft.com/office/drawing/2014/main" id="{FAE9A106-6325-4963-AECD-3F7D178E7C79}"/>
-              </a:ext>
-            </a:extLst>
-          </p:cNvPr>
-          <p:cNvSpPr>
-            <a:spLocks noGrp="1"/>
-          </p:cNvSpPr>
-          <p:nvPr>
-            <p:ph idx="1"/>
-          </p:nvPr>
+              <a:t>모델</a:t>
+            </a:r>
+          </a:p>
+        </p:txBody>
+      </p:sp>
+      <p:sp>
+        <p:nvSpPr>
+          <p:cNvPr id="5" name="내용 개체 틀 2">
+            <a:extLst>
+              <a:ext uri="{FF2B5EF4-FFF2-40B4-BE49-F238E27FC236}">
+                <a16:creationId xmlns:a16="http://schemas.microsoft.com/office/drawing/2014/main" id="{695A909E-8A17-451D-B1FD-4ED5E9A31658}"/>
+              </a:ext>
+            </a:extLst>
+          </p:cNvPr>
+          <p:cNvSpPr txBox="1">
+            <a:spLocks/>
+          </p:cNvSpPr>
+          <p:nvPr/>
         </p:nvSpPr>
         <p:spPr>
           <a:xfrm>
-            <a:off x="838200" y="1825625"/>
-            <a:ext cx="3599329" cy="4351338"/>
+            <a:off x="838200" y="1833889"/>
+            <a:ext cx="4888832" cy="4482689"/>
           </a:xfrm>
+          <a:prstGeom prst="rect">
+            <a:avLst/>
+          </a:prstGeom>
         </p:spPr>
         <p:txBody>
-          <a:bodyPr/>
-          <a:lstStyle/>
-          <a:p>
-            <a:r>
-              <a:rPr lang="en-US" altLang="ko-KR" dirty="0">
-                <a:latin typeface="맑은 고딕 (본문)"/>
-              </a:rPr>
-              <a:t>GLIDE</a:t>
-            </a:r>
-          </a:p>
-          <a:p>
-            <a:pPr>
-              <a:buFontTx/>
-              <a:buChar char="-"/>
+          <a:bodyPr vert="horz" lIns="91440" tIns="45720" rIns="91440" bIns="45720" rtlCol="0">
+            <a:normAutofit/>
+          </a:bodyPr>
+          <a:lstStyle>
+            <a:lvl1pPr marL="228600" indent="-228600" algn="l" defTabSz="914400" rtl="0" eaLnBrk="1" latinLnBrk="1" hangingPunct="1">
+              <a:lnSpc>
+                <a:spcPct val="90000"/>
+              </a:lnSpc>
+              <a:spcBef>
+                <a:spcPts val="1000"/>
+              </a:spcBef>
+              <a:buFont typeface="Arial" panose="020B0604020202020204" pitchFamily="34" charset="0"/>
+              <a:buChar char="•"/>
+              <a:defRPr sz="2800" kern="1200">
+                <a:solidFill>
+                  <a:schemeClr val="tx1"/>
+                </a:solidFill>
+                <a:latin typeface="+mn-lt"/>
+                <a:ea typeface="+mn-ea"/>
+                <a:cs typeface="+mn-cs"/>
+              </a:defRPr>
+            </a:lvl1pPr>
+            <a:lvl2pPr marL="685800" indent="-228600" algn="l" defTabSz="914400" rtl="0" eaLnBrk="1" latinLnBrk="1" hangingPunct="1">
+              <a:lnSpc>
+                <a:spcPct val="90000"/>
+              </a:lnSpc>
+              <a:spcBef>
+                <a:spcPts val="500"/>
+              </a:spcBef>
+              <a:buFont typeface="Arial" panose="020B0604020202020204" pitchFamily="34" charset="0"/>
+              <a:buChar char="•"/>
+              <a:defRPr sz="2400" kern="1200">
+                <a:solidFill>
+                  <a:schemeClr val="tx1"/>
+                </a:solidFill>
+                <a:latin typeface="+mn-lt"/>
+                <a:ea typeface="+mn-ea"/>
+                <a:cs typeface="+mn-cs"/>
+              </a:defRPr>
+            </a:lvl2pPr>
+            <a:lvl3pPr marL="1143000" indent="-228600" algn="l" defTabSz="914400" rtl="0" eaLnBrk="1" latinLnBrk="1" hangingPunct="1">
+              <a:lnSpc>
+                <a:spcPct val="90000"/>
+              </a:lnSpc>
+              <a:spcBef>
+                <a:spcPts val="500"/>
+              </a:spcBef>
+              <a:buFont typeface="Arial" panose="020B0604020202020204" pitchFamily="34" charset="0"/>
+              <a:buChar char="•"/>
+              <a:defRPr sz="2000" kern="1200">
+                <a:solidFill>
+                  <a:schemeClr val="tx1"/>
+                </a:solidFill>
+                <a:latin typeface="+mn-lt"/>
+                <a:ea typeface="+mn-ea"/>
+                <a:cs typeface="+mn-cs"/>
+              </a:defRPr>
+            </a:lvl3pPr>
+            <a:lvl4pPr marL="1600200" indent="-228600" algn="l" defTabSz="914400" rtl="0" eaLnBrk="1" latinLnBrk="1" hangingPunct="1">
+              <a:lnSpc>
+                <a:spcPct val="90000"/>
+              </a:lnSpc>
+              <a:spcBef>
+                <a:spcPts val="500"/>
+              </a:spcBef>
+              <a:buFont typeface="Arial" panose="020B0604020202020204" pitchFamily="34" charset="0"/>
+              <a:buChar char="•"/>
+              <a:defRPr sz="1800" kern="1200">
+                <a:solidFill>
+                  <a:schemeClr val="tx1"/>
+                </a:solidFill>
+                <a:latin typeface="+mn-lt"/>
+                <a:ea typeface="+mn-ea"/>
+                <a:cs typeface="+mn-cs"/>
+              </a:defRPr>
+            </a:lvl4pPr>
+            <a:lvl5pPr marL="2057400" indent="-228600" algn="l" defTabSz="914400" rtl="0" eaLnBrk="1" latinLnBrk="1" hangingPunct="1">
+              <a:lnSpc>
+                <a:spcPct val="90000"/>
+              </a:lnSpc>
+              <a:spcBef>
+                <a:spcPts val="500"/>
+              </a:spcBef>
+              <a:buFont typeface="Arial" panose="020B0604020202020204" pitchFamily="34" charset="0"/>
+              <a:buChar char="•"/>
+              <a:defRPr sz="1800" kern="1200">
+                <a:solidFill>
+                  <a:schemeClr val="tx1"/>
+                </a:solidFill>
+                <a:latin typeface="+mn-lt"/>
+                <a:ea typeface="+mn-ea"/>
+                <a:cs typeface="+mn-cs"/>
+              </a:defRPr>
+            </a:lvl5pPr>
+            <a:lvl6pPr marL="2514600" indent="-228600" algn="l" defTabSz="914400" rtl="0" eaLnBrk="1" latinLnBrk="1" hangingPunct="1">
+              <a:lnSpc>
+                <a:spcPct val="90000"/>
+              </a:lnSpc>
+              <a:spcBef>
+                <a:spcPts val="500"/>
+              </a:spcBef>
+              <a:buFont typeface="Arial" panose="020B0604020202020204" pitchFamily="34" charset="0"/>
+              <a:buChar char="•"/>
+              <a:defRPr sz="1800" kern="1200">
+                <a:solidFill>
+                  <a:schemeClr val="tx1"/>
+                </a:solidFill>
+                <a:latin typeface="+mn-lt"/>
+                <a:ea typeface="+mn-ea"/>
+                <a:cs typeface="+mn-cs"/>
+              </a:defRPr>
+            </a:lvl6pPr>
+            <a:lvl7pPr marL="2971800" indent="-228600" algn="l" defTabSz="914400" rtl="0" eaLnBrk="1" latinLnBrk="1" hangingPunct="1">
+              <a:lnSpc>
+                <a:spcPct val="90000"/>
+              </a:lnSpc>
+              <a:spcBef>
+                <a:spcPts val="500"/>
+              </a:spcBef>
+              <a:buFont typeface="Arial" panose="020B0604020202020204" pitchFamily="34" charset="0"/>
+              <a:buChar char="•"/>
+              <a:defRPr sz="1800" kern="1200">
+                <a:solidFill>
+                  <a:schemeClr val="tx1"/>
+                </a:solidFill>
+                <a:latin typeface="+mn-lt"/>
+                <a:ea typeface="+mn-ea"/>
+                <a:cs typeface="+mn-cs"/>
+              </a:defRPr>
+            </a:lvl7pPr>
+            <a:lvl8pPr marL="3429000" indent="-228600" algn="l" defTabSz="914400" rtl="0" eaLnBrk="1" latinLnBrk="1" hangingPunct="1">
+              <a:lnSpc>
+                <a:spcPct val="90000"/>
+              </a:lnSpc>
+              <a:spcBef>
+                <a:spcPts val="500"/>
+              </a:spcBef>
+              <a:buFont typeface="Arial" panose="020B0604020202020204" pitchFamily="34" charset="0"/>
+              <a:buChar char="•"/>
+              <a:defRPr sz="1800" kern="1200">
+                <a:solidFill>
+                  <a:schemeClr val="tx1"/>
+                </a:solidFill>
+                <a:latin typeface="+mn-lt"/>
+                <a:ea typeface="+mn-ea"/>
+                <a:cs typeface="+mn-cs"/>
+              </a:defRPr>
+            </a:lvl8pPr>
+            <a:lvl9pPr marL="3886200" indent="-228600" algn="l" defTabSz="914400" rtl="0" eaLnBrk="1" latinLnBrk="1" hangingPunct="1">
+              <a:lnSpc>
+                <a:spcPct val="90000"/>
+              </a:lnSpc>
+              <a:spcBef>
+                <a:spcPts val="500"/>
+              </a:spcBef>
+              <a:buFont typeface="Arial" panose="020B0604020202020204" pitchFamily="34" charset="0"/>
+              <a:buChar char="•"/>
+              <a:defRPr sz="1800" kern="1200">
+                <a:solidFill>
+                  <a:schemeClr val="tx1"/>
+                </a:solidFill>
+                <a:latin typeface="+mn-lt"/>
+                <a:ea typeface="+mn-ea"/>
+                <a:cs typeface="+mn-cs"/>
+              </a:defRPr>
+            </a:lvl9pPr>
+          </a:lstStyle>
+          <a:p>
+            <a:pPr marL="514350" indent="-514350">
+              <a:buFont typeface="+mj-lt"/>
+              <a:buAutoNum type="arabicPeriod"/>
             </a:pPr>
             <a:r>
-              <a:rPr lang="en-US" altLang="ko-KR" dirty="0">
-                <a:latin typeface="맑은 고딕 (본문)"/>
-              </a:rPr>
-              <a:t>Text-image </a:t>
-            </a:r>
-            <a:r>
-              <a:rPr lang="ko-KR" altLang="en-US" dirty="0">
-                <a:latin typeface="맑은 고딕 (본문)"/>
-              </a:rPr>
-              <a:t>모델로 </a:t>
-            </a:r>
-            <a:r>
-              <a:rPr lang="en-US" altLang="ko-KR" dirty="0">
-                <a:latin typeface="맑은 고딕 (본문)"/>
-              </a:rPr>
-              <a:t>256*256 </a:t>
-            </a:r>
-            <a:r>
-              <a:rPr lang="ko-KR" altLang="en-US" dirty="0">
-                <a:latin typeface="맑은 고딕 (본문)"/>
-              </a:rPr>
-              <a:t>이미지를 생성하는 모델</a:t>
-            </a:r>
-            <a:endParaRPr lang="en-US" altLang="ko-KR" dirty="0">
-              <a:latin typeface="맑은 고딕 (본문)"/>
-            </a:endParaRPr>
-          </a:p>
-          <a:p>
-            <a:pPr>
-              <a:buFontTx/>
-              <a:buChar char="-"/>
-            </a:pPr>
-            <a:r>
-              <a:rPr lang="en-US" altLang="ko-KR" dirty="0">
-                <a:latin typeface="맑은 고딕 (본문)"/>
-              </a:rPr>
-              <a:t>CLIP Guidance</a:t>
-            </a:r>
-            <a:r>
-              <a:rPr lang="ko-KR" altLang="en-US" dirty="0">
-                <a:latin typeface="맑은 고딕 (본문)"/>
-              </a:rPr>
-              <a:t>와 </a:t>
-            </a:r>
-            <a:r>
-              <a:rPr lang="en-US" altLang="ko-KR" dirty="0">
-                <a:latin typeface="맑은 고딕 (본문)"/>
-              </a:rPr>
-              <a:t>Classifier-free guidance</a:t>
-            </a:r>
-            <a:r>
-              <a:rPr lang="ko-KR" altLang="en-US" dirty="0">
-                <a:latin typeface="맑은 고딕 (본문)"/>
-              </a:rPr>
-              <a:t>를 비교</a:t>
-            </a:r>
+              <a:rPr lang="en-US" altLang="ko-KR" dirty="0"/>
+              <a:t>Pre-train</a:t>
+            </a:r>
+            <a:endParaRPr lang="ko-KR" altLang="en-US" dirty="0"/>
           </a:p>
         </p:txBody>
       </p:sp>
       <p:pic>
         <p:nvPicPr>
-          <p:cNvPr id="1026" name="Picture 2" descr="그림1. GLIDE Architecture">
-            <a:extLst>
-              <a:ext uri="{FF2B5EF4-FFF2-40B4-BE49-F238E27FC236}">
-                <a16:creationId xmlns:a16="http://schemas.microsoft.com/office/drawing/2014/main" id="{E082C00A-006B-44FC-A896-EBDB3BA086A2}"/>
+          <p:cNvPr id="8" name="그림 7">
+            <a:extLst>
+              <a:ext uri="{FF2B5EF4-FFF2-40B4-BE49-F238E27FC236}">
+                <a16:creationId xmlns:a16="http://schemas.microsoft.com/office/drawing/2014/main" id="{C7044178-25B5-42D0-9114-B6D736F0AAB3}"/>
               </a:ext>
             </a:extLst>
           </p:cNvPr>
           <p:cNvPicPr>
-            <a:picLocks noChangeAspect="1" noChangeArrowheads="1"/>
+            <a:picLocks noChangeAspect="1"/>
           </p:cNvPicPr>
           <p:nvPr/>
         </p:nvPicPr>
         <p:blipFill>
-          <a:blip r:embed="rId3">
-            <a:extLst>
-              <a:ext uri="{28A0092B-C50C-407E-A947-70E740481C1C}">
-                <a14:useLocalDpi xmlns:a14="http://schemas.microsoft.com/office/drawing/2010/main" val="0"/>
-              </a:ext>
-            </a:extLst>
-          </a:blip>
-          <a:srcRect/>
+          <a:blip r:embed="rId2"/>
           <a:stretch>
             <a:fillRect/>
           </a:stretch>
         </p:blipFill>
-        <p:spPr bwMode="auto">
+        <p:spPr>
           <a:xfrm>
-            <a:off x="5233737" y="1027906"/>
-            <a:ext cx="6388768" cy="1721973"/>
+            <a:off x="3874169" y="2538381"/>
+            <a:ext cx="4179441" cy="581587"/>
           </a:xfrm>
           <a:prstGeom prst="rect">
             <a:avLst/>
           </a:prstGeom>
-          <a:noFill/>
-          <a:extLst>
-            <a:ext uri="{909E8E84-426E-40DD-AFC4-6F175D3DCCD1}">
-              <a14:hiddenFill xmlns:a14="http://schemas.microsoft.com/office/drawing/2010/main">
+        </p:spPr>
+      </p:pic>
+      <p:sp>
+        <p:nvSpPr>
+          <p:cNvPr id="9" name="내용 개체 틀 2">
+            <a:extLst>
+              <a:ext uri="{FF2B5EF4-FFF2-40B4-BE49-F238E27FC236}">
+                <a16:creationId xmlns:a16="http://schemas.microsoft.com/office/drawing/2014/main" id="{5728998F-A9F3-4F4E-A099-BE16A5DB3737}"/>
+              </a:ext>
+            </a:extLst>
+          </p:cNvPr>
+          <p:cNvSpPr txBox="1">
+            <a:spLocks/>
+          </p:cNvSpPr>
+          <p:nvPr/>
+        </p:nvSpPr>
+        <p:spPr>
+          <a:xfrm>
+            <a:off x="4102770" y="3394708"/>
+            <a:ext cx="3784196" cy="1935282"/>
+          </a:xfrm>
+          <a:prstGeom prst="rect">
+            <a:avLst/>
+          </a:prstGeom>
+        </p:spPr>
+        <p:txBody>
+          <a:bodyPr vert="horz" lIns="91440" tIns="45720" rIns="91440" bIns="45720" rtlCol="0">
+            <a:normAutofit fontScale="40000" lnSpcReduction="20000"/>
+          </a:bodyPr>
+          <a:lstStyle>
+            <a:lvl1pPr marL="228600" indent="-228600" algn="l" defTabSz="914400" rtl="0" eaLnBrk="1" latinLnBrk="1" hangingPunct="1">
+              <a:lnSpc>
+                <a:spcPct val="90000"/>
+              </a:lnSpc>
+              <a:spcBef>
+                <a:spcPts val="1000"/>
+              </a:spcBef>
+              <a:buFont typeface="Arial" panose="020B0604020202020204" pitchFamily="34" charset="0"/>
+              <a:buChar char="•"/>
+              <a:defRPr sz="2800" kern="1200">
                 <a:solidFill>
-                  <a:srgbClr val="FFFFFF"/>
+                  <a:schemeClr val="tx1"/>
                 </a:solidFill>
-              </a14:hiddenFill>
-            </a:ext>
-          </a:extLst>
+                <a:latin typeface="+mn-lt"/>
+                <a:ea typeface="+mn-ea"/>
+                <a:cs typeface="+mn-cs"/>
+              </a:defRPr>
+            </a:lvl1pPr>
+            <a:lvl2pPr marL="685800" indent="-228600" algn="l" defTabSz="914400" rtl="0" eaLnBrk="1" latinLnBrk="1" hangingPunct="1">
+              <a:lnSpc>
+                <a:spcPct val="90000"/>
+              </a:lnSpc>
+              <a:spcBef>
+                <a:spcPts val="500"/>
+              </a:spcBef>
+              <a:buFont typeface="Arial" panose="020B0604020202020204" pitchFamily="34" charset="0"/>
+              <a:buChar char="•"/>
+              <a:defRPr sz="2400" kern="1200">
+                <a:solidFill>
+                  <a:schemeClr val="tx1"/>
+                </a:solidFill>
+                <a:latin typeface="+mn-lt"/>
+                <a:ea typeface="+mn-ea"/>
+                <a:cs typeface="+mn-cs"/>
+              </a:defRPr>
+            </a:lvl2pPr>
+            <a:lvl3pPr marL="1143000" indent="-228600" algn="l" defTabSz="914400" rtl="0" eaLnBrk="1" latinLnBrk="1" hangingPunct="1">
+              <a:lnSpc>
+                <a:spcPct val="90000"/>
+              </a:lnSpc>
+              <a:spcBef>
+                <a:spcPts val="500"/>
+              </a:spcBef>
+              <a:buFont typeface="Arial" panose="020B0604020202020204" pitchFamily="34" charset="0"/>
+              <a:buChar char="•"/>
+              <a:defRPr sz="2000" kern="1200">
+                <a:solidFill>
+                  <a:schemeClr val="tx1"/>
+                </a:solidFill>
+                <a:latin typeface="+mn-lt"/>
+                <a:ea typeface="+mn-ea"/>
+                <a:cs typeface="+mn-cs"/>
+              </a:defRPr>
+            </a:lvl3pPr>
+            <a:lvl4pPr marL="1600200" indent="-228600" algn="l" defTabSz="914400" rtl="0" eaLnBrk="1" latinLnBrk="1" hangingPunct="1">
+              <a:lnSpc>
+                <a:spcPct val="90000"/>
+              </a:lnSpc>
+              <a:spcBef>
+                <a:spcPts val="500"/>
+              </a:spcBef>
+              <a:buFont typeface="Arial" panose="020B0604020202020204" pitchFamily="34" charset="0"/>
+              <a:buChar char="•"/>
+              <a:defRPr sz="1800" kern="1200">
+                <a:solidFill>
+                  <a:schemeClr val="tx1"/>
+                </a:solidFill>
+                <a:latin typeface="+mn-lt"/>
+                <a:ea typeface="+mn-ea"/>
+                <a:cs typeface="+mn-cs"/>
+              </a:defRPr>
+            </a:lvl4pPr>
+            <a:lvl5pPr marL="2057400" indent="-228600" algn="l" defTabSz="914400" rtl="0" eaLnBrk="1" latinLnBrk="1" hangingPunct="1">
+              <a:lnSpc>
+                <a:spcPct val="90000"/>
+              </a:lnSpc>
+              <a:spcBef>
+                <a:spcPts val="500"/>
+              </a:spcBef>
+              <a:buFont typeface="Arial" panose="020B0604020202020204" pitchFamily="34" charset="0"/>
+              <a:buChar char="•"/>
+              <a:defRPr sz="1800" kern="1200">
+                <a:solidFill>
+                  <a:schemeClr val="tx1"/>
+                </a:solidFill>
+                <a:latin typeface="+mn-lt"/>
+                <a:ea typeface="+mn-ea"/>
+                <a:cs typeface="+mn-cs"/>
+              </a:defRPr>
+            </a:lvl5pPr>
+            <a:lvl6pPr marL="2514600" indent="-228600" algn="l" defTabSz="914400" rtl="0" eaLnBrk="1" latinLnBrk="1" hangingPunct="1">
+              <a:lnSpc>
+                <a:spcPct val="90000"/>
+              </a:lnSpc>
+              <a:spcBef>
+                <a:spcPts val="500"/>
+              </a:spcBef>
+              <a:buFont typeface="Arial" panose="020B0604020202020204" pitchFamily="34" charset="0"/>
+              <a:buChar char="•"/>
+              <a:defRPr sz="1800" kern="1200">
+                <a:solidFill>
+                  <a:schemeClr val="tx1"/>
+                </a:solidFill>
+                <a:latin typeface="+mn-lt"/>
+                <a:ea typeface="+mn-ea"/>
+                <a:cs typeface="+mn-cs"/>
+              </a:defRPr>
+            </a:lvl6pPr>
+            <a:lvl7pPr marL="2971800" indent="-228600" algn="l" defTabSz="914400" rtl="0" eaLnBrk="1" latinLnBrk="1" hangingPunct="1">
+              <a:lnSpc>
+                <a:spcPct val="90000"/>
+              </a:lnSpc>
+              <a:spcBef>
+                <a:spcPts val="500"/>
+              </a:spcBef>
+              <a:buFont typeface="Arial" panose="020B0604020202020204" pitchFamily="34" charset="0"/>
+              <a:buChar char="•"/>
+              <a:defRPr sz="1800" kern="1200">
+                <a:solidFill>
+                  <a:schemeClr val="tx1"/>
+                </a:solidFill>
+                <a:latin typeface="+mn-lt"/>
+                <a:ea typeface="+mn-ea"/>
+                <a:cs typeface="+mn-cs"/>
+              </a:defRPr>
+            </a:lvl7pPr>
+            <a:lvl8pPr marL="3429000" indent="-228600" algn="l" defTabSz="914400" rtl="0" eaLnBrk="1" latinLnBrk="1" hangingPunct="1">
+              <a:lnSpc>
+                <a:spcPct val="90000"/>
+              </a:lnSpc>
+              <a:spcBef>
+                <a:spcPts val="500"/>
+              </a:spcBef>
+              <a:buFont typeface="Arial" panose="020B0604020202020204" pitchFamily="34" charset="0"/>
+              <a:buChar char="•"/>
+              <a:defRPr sz="1800" kern="1200">
+                <a:solidFill>
+                  <a:schemeClr val="tx1"/>
+                </a:solidFill>
+                <a:latin typeface="+mn-lt"/>
+                <a:ea typeface="+mn-ea"/>
+                <a:cs typeface="+mn-cs"/>
+              </a:defRPr>
+            </a:lvl8pPr>
+            <a:lvl9pPr marL="3886200" indent="-228600" algn="l" defTabSz="914400" rtl="0" eaLnBrk="1" latinLnBrk="1" hangingPunct="1">
+              <a:lnSpc>
+                <a:spcPct val="90000"/>
+              </a:lnSpc>
+              <a:spcBef>
+                <a:spcPts val="500"/>
+              </a:spcBef>
+              <a:buFont typeface="Arial" panose="020B0604020202020204" pitchFamily="34" charset="0"/>
+              <a:buChar char="•"/>
+              <a:defRPr sz="1800" kern="1200">
+                <a:solidFill>
+                  <a:schemeClr val="tx1"/>
+                </a:solidFill>
+                <a:latin typeface="+mn-lt"/>
+                <a:ea typeface="+mn-ea"/>
+                <a:cs typeface="+mn-cs"/>
+              </a:defRPr>
+            </a:lvl9pPr>
+          </a:lstStyle>
+          <a:p>
+            <a:pPr algn="l">
+              <a:buFont typeface="Arial" panose="020B0604020202020204" pitchFamily="34" charset="0"/>
+              <a:buChar char="•"/>
+            </a:pPr>
+            <a:r>
+              <a:rPr lang="en-US" altLang="ko-KR" b="0" i="1" dirty="0" err="1">
+                <a:effectLst/>
+                <a:latin typeface="KaTeX_Math"/>
+              </a:rPr>
+              <a:t>Lm</a:t>
+            </a:r>
+            <a:r>
+              <a:rPr lang="ko-KR" altLang="en-US" b="0" i="0" dirty="0">
+                <a:effectLst/>
+                <a:latin typeface="KaTeX_Main"/>
+              </a:rPr>
+              <a:t>​</a:t>
+            </a:r>
+            <a:r>
+              <a:rPr lang="ko-KR" altLang="en-US" b="0" i="0" dirty="0">
+                <a:effectLst/>
+                <a:latin typeface="Söhne"/>
+              </a:rPr>
+              <a:t> </a:t>
+            </a:r>
+            <a:r>
+              <a:rPr lang="en-US" altLang="ko-KR" b="0" i="0" dirty="0">
+                <a:effectLst/>
+                <a:latin typeface="Söhne"/>
+              </a:rPr>
+              <a:t>: </a:t>
+            </a:r>
+            <a:r>
+              <a:rPr lang="ko-KR" altLang="en-US" b="0" i="0" dirty="0">
+                <a:effectLst/>
+                <a:latin typeface="Söhne"/>
+              </a:rPr>
+              <a:t>메시지 손실</a:t>
+            </a:r>
+            <a:endParaRPr lang="en-US" altLang="ko-KR" b="0" i="0" dirty="0">
+              <a:effectLst/>
+              <a:latin typeface="Söhne"/>
+            </a:endParaRPr>
+          </a:p>
+          <a:p>
+            <a:pPr algn="l">
+              <a:buFont typeface="Arial" panose="020B0604020202020204" pitchFamily="34" charset="0"/>
+              <a:buChar char="•"/>
+            </a:pPr>
+            <a:r>
+              <a:rPr lang="en-US" altLang="ko-KR" b="0" i="1" dirty="0">
+                <a:effectLst/>
+                <a:latin typeface="KaTeX_Math"/>
+              </a:rPr>
+              <a:t>k</a:t>
+            </a:r>
+            <a:r>
+              <a:rPr lang="ko-KR" altLang="en-US" b="0" i="0" dirty="0">
+                <a:effectLst/>
+                <a:latin typeface="Söhne"/>
+              </a:rPr>
+              <a:t> </a:t>
+            </a:r>
+            <a:r>
+              <a:rPr lang="en-US" altLang="ko-KR" b="0" i="0" dirty="0">
+                <a:effectLst/>
+                <a:latin typeface="Söhne"/>
+              </a:rPr>
+              <a:t>: </a:t>
+            </a:r>
+            <a:r>
+              <a:rPr lang="ko-KR" altLang="en-US" b="0" i="0" dirty="0">
+                <a:effectLst/>
+                <a:latin typeface="Söhne"/>
+              </a:rPr>
+              <a:t>메시지 비트의 수</a:t>
+            </a:r>
+            <a:endParaRPr lang="en-US" altLang="ko-KR" b="0" i="0" dirty="0">
+              <a:effectLst/>
+              <a:latin typeface="Söhne"/>
+            </a:endParaRPr>
+          </a:p>
+          <a:p>
+            <a:pPr algn="l">
+              <a:buFont typeface="Arial" panose="020B0604020202020204" pitchFamily="34" charset="0"/>
+              <a:buChar char="•"/>
+            </a:pPr>
+            <a:r>
+              <a:rPr lang="en-US" altLang="ko-KR" b="0" i="1" dirty="0" err="1">
+                <a:effectLst/>
+                <a:latin typeface="KaTeX_Math"/>
+              </a:rPr>
+              <a:t>i</a:t>
+            </a:r>
+            <a:r>
+              <a:rPr lang="ko-KR" altLang="en-US" b="0" i="0" dirty="0">
+                <a:effectLst/>
+                <a:latin typeface="Söhne"/>
+              </a:rPr>
+              <a:t> </a:t>
+            </a:r>
+            <a:r>
+              <a:rPr lang="en-US" altLang="ko-KR" b="0" i="0" dirty="0">
+                <a:effectLst/>
+                <a:latin typeface="Söhne"/>
+              </a:rPr>
+              <a:t>: </a:t>
+            </a:r>
+            <a:r>
+              <a:rPr lang="ko-KR" altLang="en-US" b="0" i="0" dirty="0">
+                <a:effectLst/>
+                <a:latin typeface="Söhne"/>
+              </a:rPr>
+              <a:t>비트 인덱스</a:t>
+            </a:r>
+            <a:endParaRPr lang="en-US" altLang="ko-KR" b="0" i="0" dirty="0">
+              <a:effectLst/>
+              <a:latin typeface="Söhne"/>
+            </a:endParaRPr>
+          </a:p>
+          <a:p>
+            <a:pPr algn="l">
+              <a:buFont typeface="Arial" panose="020B0604020202020204" pitchFamily="34" charset="0"/>
+              <a:buChar char="•"/>
+            </a:pPr>
+            <a:r>
+              <a:rPr lang="en-US" altLang="ko-KR" b="0" i="0" dirty="0">
+                <a:effectLst/>
+                <a:latin typeface="Söhne"/>
+              </a:rPr>
+              <a:t>m : </a:t>
+            </a:r>
+            <a:r>
+              <a:rPr lang="ko-KR" altLang="en-US" b="0" i="0" dirty="0">
+                <a:effectLst/>
+                <a:latin typeface="Söhne"/>
+              </a:rPr>
+              <a:t>원본 메시지</a:t>
+            </a:r>
+            <a:endParaRPr lang="en-US" altLang="ko-KR" b="0" i="0" dirty="0">
+              <a:effectLst/>
+              <a:latin typeface="Söhne"/>
+            </a:endParaRPr>
+          </a:p>
+          <a:p>
+            <a:pPr algn="l">
+              <a:buFont typeface="Arial" panose="020B0604020202020204" pitchFamily="34" charset="0"/>
+              <a:buChar char="•"/>
+            </a:pPr>
+            <a:r>
+              <a:rPr lang="en-US" altLang="ko-KR" b="0" i="1" dirty="0">
+                <a:effectLst/>
+                <a:latin typeface="KaTeX_Math"/>
+              </a:rPr>
+              <a:t>mi</a:t>
+            </a:r>
+            <a:r>
+              <a:rPr lang="ko-KR" altLang="en-US" b="0" i="0" dirty="0">
+                <a:effectLst/>
+                <a:latin typeface="KaTeX_Main"/>
+              </a:rPr>
+              <a:t>​</a:t>
+            </a:r>
+            <a:r>
+              <a:rPr lang="ko-KR" altLang="en-US" b="0" i="0" dirty="0">
+                <a:effectLst/>
+                <a:latin typeface="Söhne"/>
+              </a:rPr>
+              <a:t> </a:t>
+            </a:r>
+            <a:r>
+              <a:rPr lang="en-US" altLang="ko-KR" b="0" i="0" dirty="0">
+                <a:effectLst/>
+                <a:latin typeface="Söhne"/>
+              </a:rPr>
+              <a:t>: </a:t>
+            </a:r>
+            <a:r>
+              <a:rPr lang="ko-KR" altLang="en-US" b="0" i="0" dirty="0">
+                <a:effectLst/>
+                <a:latin typeface="Söhne"/>
+              </a:rPr>
+              <a:t>원본 메시지의 </a:t>
+            </a:r>
+            <a:r>
+              <a:rPr lang="en-US" altLang="ko-KR" b="0" i="1" dirty="0" err="1">
+                <a:effectLst/>
+                <a:latin typeface="KaTeX_Math"/>
+              </a:rPr>
+              <a:t>i</a:t>
+            </a:r>
+            <a:r>
+              <a:rPr lang="ko-KR" altLang="en-US" b="0" i="0" dirty="0">
+                <a:effectLst/>
+                <a:latin typeface="Söhne"/>
+              </a:rPr>
+              <a:t> 번째 비트</a:t>
+            </a:r>
+            <a:endParaRPr lang="en-US" altLang="ko-KR" b="0" i="0" dirty="0">
+              <a:effectLst/>
+              <a:latin typeface="Söhne"/>
+            </a:endParaRPr>
+          </a:p>
+          <a:p>
+            <a:pPr algn="l">
+              <a:buFont typeface="Arial" panose="020B0604020202020204" pitchFamily="34" charset="0"/>
+              <a:buChar char="•"/>
+            </a:pPr>
+            <a:r>
+              <a:rPr lang="en-US" altLang="ko-KR" b="0" i="1" dirty="0">
+                <a:effectLst/>
+                <a:latin typeface="KaTeX_Math"/>
+              </a:rPr>
+              <a:t>m</a:t>
+            </a:r>
+            <a:r>
+              <a:rPr lang="en-US" altLang="ko-KR" b="0" i="0" dirty="0">
+                <a:effectLst/>
+                <a:latin typeface="KaTeX_Main"/>
+              </a:rPr>
+              <a:t>′</a:t>
+            </a:r>
+            <a:r>
+              <a:rPr lang="ko-KR" altLang="en-US" b="0" i="0" dirty="0">
+                <a:effectLst/>
+                <a:latin typeface="Söhne"/>
+              </a:rPr>
+              <a:t> </a:t>
+            </a:r>
+            <a:r>
+              <a:rPr lang="en-US" altLang="ko-KR" b="0" i="0" dirty="0">
+                <a:effectLst/>
+                <a:latin typeface="Söhne"/>
+              </a:rPr>
+              <a:t>: </a:t>
+            </a:r>
+            <a:r>
+              <a:rPr lang="ko-KR" altLang="en-US" b="0" i="0" dirty="0">
+                <a:effectLst/>
+                <a:latin typeface="Söhne"/>
+              </a:rPr>
+              <a:t>변형된 이미지에서 추출된 메시지</a:t>
+            </a:r>
+            <a:endParaRPr lang="en-US" altLang="ko-KR" b="0" i="0" dirty="0">
+              <a:effectLst/>
+              <a:latin typeface="Söhne"/>
+            </a:endParaRPr>
+          </a:p>
+          <a:p>
+            <a:pPr algn="l">
+              <a:buFont typeface="Arial" panose="020B0604020202020204" pitchFamily="34" charset="0"/>
+              <a:buChar char="•"/>
+            </a:pPr>
+            <a:r>
+              <a:rPr lang="en-US" altLang="ko-KR" b="0" i="1" dirty="0">
+                <a:effectLst/>
+                <a:latin typeface="KaTeX_Math"/>
+              </a:rPr>
+              <a:t>mi</a:t>
+            </a:r>
+            <a:r>
+              <a:rPr lang="en-US" altLang="ko-KR" b="0" i="0" dirty="0">
+                <a:effectLst/>
+                <a:latin typeface="KaTeX_Main"/>
+              </a:rPr>
+              <a:t>′​</a:t>
+            </a:r>
+            <a:r>
+              <a:rPr lang="ko-KR" altLang="en-US" b="0" i="0" dirty="0">
+                <a:effectLst/>
+                <a:latin typeface="Söhne"/>
+              </a:rPr>
+              <a:t> </a:t>
+            </a:r>
+            <a:r>
+              <a:rPr lang="en-US" altLang="ko-KR" b="0" i="0" dirty="0">
+                <a:effectLst/>
+                <a:latin typeface="Söhne"/>
+              </a:rPr>
+              <a:t>: </a:t>
+            </a:r>
+            <a:r>
+              <a:rPr lang="ko-KR" altLang="en-US" b="0" i="0" dirty="0">
+                <a:effectLst/>
+                <a:latin typeface="Söhne"/>
+              </a:rPr>
+              <a:t>변형된 이미지에서 추출된 메시지의 </a:t>
+            </a:r>
+            <a:r>
+              <a:rPr lang="en-US" altLang="ko-KR" b="0" i="1" dirty="0" err="1">
+                <a:effectLst/>
+                <a:latin typeface="KaTeX_Math"/>
+              </a:rPr>
+              <a:t>i</a:t>
+            </a:r>
+            <a:r>
+              <a:rPr lang="ko-KR" altLang="en-US" b="0" i="0" dirty="0">
+                <a:effectLst/>
+                <a:latin typeface="Söhne"/>
+              </a:rPr>
+              <a:t> 번째 값</a:t>
+            </a:r>
+            <a:endParaRPr lang="en-US" altLang="ko-KR" b="0" i="0" dirty="0">
+              <a:effectLst/>
+              <a:latin typeface="Söhne"/>
+            </a:endParaRPr>
+          </a:p>
+        </p:txBody>
+      </p:sp>
+      <p:pic>
+        <p:nvPicPr>
+          <p:cNvPr id="12" name="그림 11">
+            <a:extLst>
+              <a:ext uri="{FF2B5EF4-FFF2-40B4-BE49-F238E27FC236}">
+                <a16:creationId xmlns:a16="http://schemas.microsoft.com/office/drawing/2014/main" id="{B6B695CC-0568-433E-A7D1-B9473B04D68E}"/>
+              </a:ext>
+            </a:extLst>
+          </p:cNvPr>
+          <p:cNvPicPr>
+            <a:picLocks noChangeAspect="1"/>
+          </p:cNvPicPr>
+          <p:nvPr/>
+        </p:nvPicPr>
+        <p:blipFill>
+          <a:blip r:embed="rId3"/>
+          <a:stretch>
+            <a:fillRect/>
+          </a:stretch>
+        </p:blipFill>
+        <p:spPr>
+          <a:xfrm>
+            <a:off x="2537916" y="5916472"/>
+            <a:ext cx="7116168" cy="800212"/>
+          </a:xfrm>
+          <a:prstGeom prst="rect">
+            <a:avLst/>
+          </a:prstGeom>
         </p:spPr>
       </p:pic>
       <p:pic>
         <p:nvPicPr>
-          <p:cNvPr id="1028" name="Picture 4" descr="그림3. GLIDE - Image Inpainting">
-            <a:extLst>
-              <a:ext uri="{FF2B5EF4-FFF2-40B4-BE49-F238E27FC236}">
-                <a16:creationId xmlns:a16="http://schemas.microsoft.com/office/drawing/2014/main" id="{4DE4945E-FA7B-493F-8613-06BD8F9B1230}"/>
+          <p:cNvPr id="14" name="그림 13">
+            <a:extLst>
+              <a:ext uri="{FF2B5EF4-FFF2-40B4-BE49-F238E27FC236}">
+                <a16:creationId xmlns:a16="http://schemas.microsoft.com/office/drawing/2014/main" id="{C26170EF-FADF-4A26-80DB-B426E5314DEB}"/>
               </a:ext>
             </a:extLst>
           </p:cNvPr>
           <p:cNvPicPr>
-            <a:picLocks noChangeAspect="1" noChangeArrowheads="1"/>
+            <a:picLocks noChangeAspect="1"/>
           </p:cNvPicPr>
           <p:nvPr/>
         </p:nvPicPr>
         <p:blipFill>
-          <a:blip r:embed="rId4">
-            <a:extLst>
-              <a:ext uri="{28A0092B-C50C-407E-A947-70E740481C1C}">
-                <a14:useLocalDpi xmlns:a14="http://schemas.microsoft.com/office/drawing/2010/main" val="0"/>
-              </a:ext>
-            </a:extLst>
-          </a:blip>
-          <a:srcRect/>
+          <a:blip r:embed="rId4"/>
           <a:stretch>
             <a:fillRect/>
           </a:stretch>
         </p:blipFill>
-        <p:spPr bwMode="auto">
+        <p:spPr>
           <a:xfrm>
-            <a:off x="6799729" y="3865353"/>
-            <a:ext cx="3886200" cy="2136651"/>
+            <a:off x="2561732" y="5602103"/>
+            <a:ext cx="7068536" cy="314369"/>
           </a:xfrm>
           <a:prstGeom prst="rect">
             <a:avLst/>
           </a:prstGeom>
-          <a:noFill/>
-          <a:extLst>
-            <a:ext uri="{909E8E84-426E-40DD-AFC4-6F175D3DCCD1}">
-              <a14:hiddenFill xmlns:a14="http://schemas.microsoft.com/office/drawing/2010/main">
-                <a:solidFill>
-                  <a:srgbClr val="FFFFFF"/>
-                </a:solidFill>
-              </a14:hiddenFill>
-            </a:ext>
-          </a:extLst>
         </p:spPr>
       </p:pic>
     </p:spTree>
     <p:extLst>
       <p:ext uri="{BB962C8B-B14F-4D97-AF65-F5344CB8AC3E}">
-        <p14:creationId xmlns:p14="http://schemas.microsoft.com/office/powerpoint/2010/main" val="2661684346"/>
+        <p14:creationId xmlns:p14="http://schemas.microsoft.com/office/powerpoint/2010/main" val="3480955113"/>
       </p:ext>
     </p:extLst>
   </p:cSld>
@@ -5388,10 +6951,10 @@
       </p:grpSpPr>
       <p:sp>
         <p:nvSpPr>
-          <p:cNvPr id="4" name="제목 3">
-            <a:extLst>
-              <a:ext uri="{FF2B5EF4-FFF2-40B4-BE49-F238E27FC236}">
-                <a16:creationId xmlns:a16="http://schemas.microsoft.com/office/drawing/2014/main" id="{F313114F-054B-4C61-802F-B24C61596829}"/>
+          <p:cNvPr id="2" name="제목 1">
+            <a:extLst>
+              <a:ext uri="{FF2B5EF4-FFF2-40B4-BE49-F238E27FC236}">
+                <a16:creationId xmlns:a16="http://schemas.microsoft.com/office/drawing/2014/main" id="{44FE026F-B914-4142-BADB-732B8F33197D}"/>
               </a:ext>
             </a:extLst>
           </p:cNvPr>
@@ -5402,28 +6965,2003 @@
             <p:ph type="title"/>
           </p:nvPr>
         </p:nvSpPr>
+        <p:spPr/>
+        <p:txBody>
+          <a:bodyPr/>
+          <a:lstStyle/>
+          <a:p>
+            <a:r>
+              <a:rPr lang="en-US" altLang="ko-KR" dirty="0"/>
+              <a:t>2. </a:t>
+            </a:r>
+            <a:r>
+              <a:rPr lang="ko-KR" altLang="en-US" dirty="0"/>
+              <a:t>모델</a:t>
+            </a:r>
+          </a:p>
+        </p:txBody>
+      </p:sp>
+      <p:sp>
+        <p:nvSpPr>
+          <p:cNvPr id="3" name="내용 개체 틀 2">
+            <a:extLst>
+              <a:ext uri="{FF2B5EF4-FFF2-40B4-BE49-F238E27FC236}">
+                <a16:creationId xmlns:a16="http://schemas.microsoft.com/office/drawing/2014/main" id="{D63970B6-5284-4F9C-BDF9-4E45BBA90717}"/>
+              </a:ext>
+            </a:extLst>
+          </p:cNvPr>
+          <p:cNvSpPr>
+            <a:spLocks noGrp="1"/>
+          </p:cNvSpPr>
+          <p:nvPr>
+            <p:ph idx="1"/>
+          </p:nvPr>
+        </p:nvSpPr>
         <p:spPr>
           <a:xfrm>
-            <a:off x="838200" y="2766218"/>
-            <a:ext cx="10515600" cy="1325563"/>
+            <a:off x="838200" y="1506071"/>
+            <a:ext cx="5257800" cy="2889810"/>
           </a:xfrm>
         </p:spPr>
         <p:txBody>
-          <a:bodyPr/>
+          <a:bodyPr>
+            <a:normAutofit/>
+          </a:bodyPr>
           <a:lstStyle/>
           <a:p>
+            <a:endParaRPr lang="en-US" altLang="ko-KR" sz="2800" dirty="0">
+              <a:latin typeface="맑은 고딕 (본문)"/>
+            </a:endParaRPr>
+          </a:p>
+          <a:p>
+            <a:pPr marL="342900" indent="-342900" algn="l">
+              <a:buFontTx/>
+              <a:buChar char="-"/>
+            </a:pPr>
+            <a:endParaRPr lang="en-US" altLang="ko-KR" sz="2800" dirty="0">
+              <a:latin typeface="맑은 고딕 (본문)"/>
+            </a:endParaRPr>
+          </a:p>
+          <a:p>
+            <a:endParaRPr lang="ko-KR" altLang="en-US" dirty="0"/>
+          </a:p>
+        </p:txBody>
+      </p:sp>
+      <p:pic>
+        <p:nvPicPr>
+          <p:cNvPr id="6" name="그림 5">
+            <a:extLst>
+              <a:ext uri="{FF2B5EF4-FFF2-40B4-BE49-F238E27FC236}">
+                <a16:creationId xmlns:a16="http://schemas.microsoft.com/office/drawing/2014/main" id="{5C9C264D-3DB7-40C2-BA84-1FEF20927E3C}"/>
+              </a:ext>
+            </a:extLst>
+          </p:cNvPr>
+          <p:cNvPicPr>
+            <a:picLocks noChangeAspect="1"/>
+          </p:cNvPicPr>
+          <p:nvPr/>
+        </p:nvPicPr>
+        <p:blipFill>
+          <a:blip r:embed="rId2"/>
+          <a:stretch>
+            <a:fillRect/>
+          </a:stretch>
+        </p:blipFill>
+        <p:spPr>
+          <a:xfrm>
+            <a:off x="599308" y="4527869"/>
+            <a:ext cx="10993384" cy="2105319"/>
+          </a:xfrm>
+          <a:prstGeom prst="rect">
+            <a:avLst/>
+          </a:prstGeom>
+        </p:spPr>
+      </p:pic>
+      <p:sp>
+        <p:nvSpPr>
+          <p:cNvPr id="5" name="내용 개체 틀 2">
+            <a:extLst>
+              <a:ext uri="{FF2B5EF4-FFF2-40B4-BE49-F238E27FC236}">
+                <a16:creationId xmlns:a16="http://schemas.microsoft.com/office/drawing/2014/main" id="{695A909E-8A17-451D-B1FD-4ED5E9A31658}"/>
+              </a:ext>
+            </a:extLst>
+          </p:cNvPr>
+          <p:cNvSpPr txBox="1">
+            <a:spLocks/>
+          </p:cNvSpPr>
+          <p:nvPr/>
+        </p:nvSpPr>
+        <p:spPr>
+          <a:xfrm>
+            <a:off x="838200" y="1833889"/>
+            <a:ext cx="10515600" cy="4482689"/>
+          </a:xfrm>
+          <a:prstGeom prst="rect">
+            <a:avLst/>
+          </a:prstGeom>
+        </p:spPr>
+        <p:txBody>
+          <a:bodyPr vert="horz" lIns="91440" tIns="45720" rIns="91440" bIns="45720" rtlCol="0">
+            <a:normAutofit/>
+          </a:bodyPr>
+          <a:lstStyle>
+            <a:lvl1pPr marL="228600" indent="-228600" algn="l" defTabSz="914400" rtl="0" eaLnBrk="1" latinLnBrk="1" hangingPunct="1">
+              <a:lnSpc>
+                <a:spcPct val="90000"/>
+              </a:lnSpc>
+              <a:spcBef>
+                <a:spcPts val="1000"/>
+              </a:spcBef>
+              <a:buFont typeface="Arial" panose="020B0604020202020204" pitchFamily="34" charset="0"/>
+              <a:buChar char="•"/>
+              <a:defRPr sz="2800" kern="1200">
+                <a:solidFill>
+                  <a:schemeClr val="tx1"/>
+                </a:solidFill>
+                <a:latin typeface="+mn-lt"/>
+                <a:ea typeface="+mn-ea"/>
+                <a:cs typeface="+mn-cs"/>
+              </a:defRPr>
+            </a:lvl1pPr>
+            <a:lvl2pPr marL="685800" indent="-228600" algn="l" defTabSz="914400" rtl="0" eaLnBrk="1" latinLnBrk="1" hangingPunct="1">
+              <a:lnSpc>
+                <a:spcPct val="90000"/>
+              </a:lnSpc>
+              <a:spcBef>
+                <a:spcPts val="500"/>
+              </a:spcBef>
+              <a:buFont typeface="Arial" panose="020B0604020202020204" pitchFamily="34" charset="0"/>
+              <a:buChar char="•"/>
+              <a:defRPr sz="2400" kern="1200">
+                <a:solidFill>
+                  <a:schemeClr val="tx1"/>
+                </a:solidFill>
+                <a:latin typeface="+mn-lt"/>
+                <a:ea typeface="+mn-ea"/>
+                <a:cs typeface="+mn-cs"/>
+              </a:defRPr>
+            </a:lvl2pPr>
+            <a:lvl3pPr marL="1143000" indent="-228600" algn="l" defTabSz="914400" rtl="0" eaLnBrk="1" latinLnBrk="1" hangingPunct="1">
+              <a:lnSpc>
+                <a:spcPct val="90000"/>
+              </a:lnSpc>
+              <a:spcBef>
+                <a:spcPts val="500"/>
+              </a:spcBef>
+              <a:buFont typeface="Arial" panose="020B0604020202020204" pitchFamily="34" charset="0"/>
+              <a:buChar char="•"/>
+              <a:defRPr sz="2000" kern="1200">
+                <a:solidFill>
+                  <a:schemeClr val="tx1"/>
+                </a:solidFill>
+                <a:latin typeface="+mn-lt"/>
+                <a:ea typeface="+mn-ea"/>
+                <a:cs typeface="+mn-cs"/>
+              </a:defRPr>
+            </a:lvl3pPr>
+            <a:lvl4pPr marL="1600200" indent="-228600" algn="l" defTabSz="914400" rtl="0" eaLnBrk="1" latinLnBrk="1" hangingPunct="1">
+              <a:lnSpc>
+                <a:spcPct val="90000"/>
+              </a:lnSpc>
+              <a:spcBef>
+                <a:spcPts val="500"/>
+              </a:spcBef>
+              <a:buFont typeface="Arial" panose="020B0604020202020204" pitchFamily="34" charset="0"/>
+              <a:buChar char="•"/>
+              <a:defRPr sz="1800" kern="1200">
+                <a:solidFill>
+                  <a:schemeClr val="tx1"/>
+                </a:solidFill>
+                <a:latin typeface="+mn-lt"/>
+                <a:ea typeface="+mn-ea"/>
+                <a:cs typeface="+mn-cs"/>
+              </a:defRPr>
+            </a:lvl4pPr>
+            <a:lvl5pPr marL="2057400" indent="-228600" algn="l" defTabSz="914400" rtl="0" eaLnBrk="1" latinLnBrk="1" hangingPunct="1">
+              <a:lnSpc>
+                <a:spcPct val="90000"/>
+              </a:lnSpc>
+              <a:spcBef>
+                <a:spcPts val="500"/>
+              </a:spcBef>
+              <a:buFont typeface="Arial" panose="020B0604020202020204" pitchFamily="34" charset="0"/>
+              <a:buChar char="•"/>
+              <a:defRPr sz="1800" kern="1200">
+                <a:solidFill>
+                  <a:schemeClr val="tx1"/>
+                </a:solidFill>
+                <a:latin typeface="+mn-lt"/>
+                <a:ea typeface="+mn-ea"/>
+                <a:cs typeface="+mn-cs"/>
+              </a:defRPr>
+            </a:lvl5pPr>
+            <a:lvl6pPr marL="2514600" indent="-228600" algn="l" defTabSz="914400" rtl="0" eaLnBrk="1" latinLnBrk="1" hangingPunct="1">
+              <a:lnSpc>
+                <a:spcPct val="90000"/>
+              </a:lnSpc>
+              <a:spcBef>
+                <a:spcPts val="500"/>
+              </a:spcBef>
+              <a:buFont typeface="Arial" panose="020B0604020202020204" pitchFamily="34" charset="0"/>
+              <a:buChar char="•"/>
+              <a:defRPr sz="1800" kern="1200">
+                <a:solidFill>
+                  <a:schemeClr val="tx1"/>
+                </a:solidFill>
+                <a:latin typeface="+mn-lt"/>
+                <a:ea typeface="+mn-ea"/>
+                <a:cs typeface="+mn-cs"/>
+              </a:defRPr>
+            </a:lvl6pPr>
+            <a:lvl7pPr marL="2971800" indent="-228600" algn="l" defTabSz="914400" rtl="0" eaLnBrk="1" latinLnBrk="1" hangingPunct="1">
+              <a:lnSpc>
+                <a:spcPct val="90000"/>
+              </a:lnSpc>
+              <a:spcBef>
+                <a:spcPts val="500"/>
+              </a:spcBef>
+              <a:buFont typeface="Arial" panose="020B0604020202020204" pitchFamily="34" charset="0"/>
+              <a:buChar char="•"/>
+              <a:defRPr sz="1800" kern="1200">
+                <a:solidFill>
+                  <a:schemeClr val="tx1"/>
+                </a:solidFill>
+                <a:latin typeface="+mn-lt"/>
+                <a:ea typeface="+mn-ea"/>
+                <a:cs typeface="+mn-cs"/>
+              </a:defRPr>
+            </a:lvl7pPr>
+            <a:lvl8pPr marL="3429000" indent="-228600" algn="l" defTabSz="914400" rtl="0" eaLnBrk="1" latinLnBrk="1" hangingPunct="1">
+              <a:lnSpc>
+                <a:spcPct val="90000"/>
+              </a:lnSpc>
+              <a:spcBef>
+                <a:spcPts val="500"/>
+              </a:spcBef>
+              <a:buFont typeface="Arial" panose="020B0604020202020204" pitchFamily="34" charset="0"/>
+              <a:buChar char="•"/>
+              <a:defRPr sz="1800" kern="1200">
+                <a:solidFill>
+                  <a:schemeClr val="tx1"/>
+                </a:solidFill>
+                <a:latin typeface="+mn-lt"/>
+                <a:ea typeface="+mn-ea"/>
+                <a:cs typeface="+mn-cs"/>
+              </a:defRPr>
+            </a:lvl8pPr>
+            <a:lvl9pPr marL="3886200" indent="-228600" algn="l" defTabSz="914400" rtl="0" eaLnBrk="1" latinLnBrk="1" hangingPunct="1">
+              <a:lnSpc>
+                <a:spcPct val="90000"/>
+              </a:lnSpc>
+              <a:spcBef>
+                <a:spcPts val="500"/>
+              </a:spcBef>
+              <a:buFont typeface="Arial" panose="020B0604020202020204" pitchFamily="34" charset="0"/>
+              <a:buChar char="•"/>
+              <a:defRPr sz="1800" kern="1200">
+                <a:solidFill>
+                  <a:schemeClr val="tx1"/>
+                </a:solidFill>
+                <a:latin typeface="+mn-lt"/>
+                <a:ea typeface="+mn-ea"/>
+                <a:cs typeface="+mn-cs"/>
+              </a:defRPr>
+            </a:lvl9pPr>
+          </a:lstStyle>
+          <a:p>
+            <a:pPr marL="514350" indent="-514350">
+              <a:buFont typeface="+mj-lt"/>
+              <a:buAutoNum type="arabicPeriod" startAt="2"/>
+            </a:pPr>
+            <a:r>
+              <a:rPr lang="en-US" altLang="ko-KR" dirty="0"/>
+              <a:t>Fine-tuning</a:t>
+            </a:r>
+          </a:p>
+          <a:p>
+            <a:r>
+              <a:rPr lang="ko-KR" altLang="en-US" dirty="0"/>
+              <a:t>다른 </a:t>
+            </a:r>
+            <a:r>
+              <a:rPr lang="en-US" altLang="ko-KR" dirty="0"/>
+              <a:t>Laten Diffusion Model</a:t>
+            </a:r>
+            <a:r>
+              <a:rPr lang="ko-KR" altLang="en-US" dirty="0"/>
+              <a:t>을 그대로 사용</a:t>
+            </a:r>
+            <a:endParaRPr lang="en-US" altLang="ko-KR" dirty="0"/>
+          </a:p>
+          <a:p>
+            <a:r>
+              <a:rPr lang="ko-KR" altLang="en-US" dirty="0"/>
+              <a:t>이미지에 고정시킨 이진 서명을 삽입하고</a:t>
+            </a:r>
+            <a:r>
+              <a:rPr lang="en-US" altLang="ko-KR" dirty="0"/>
+              <a:t>, </a:t>
+            </a:r>
+            <a:r>
+              <a:rPr lang="ko-KR" altLang="en-US" dirty="0"/>
+              <a:t>그걸 다시 </a:t>
+            </a:r>
+            <a:r>
+              <a:rPr lang="en-US" altLang="ko-KR" dirty="0"/>
+              <a:t>decoding </a:t>
+            </a:r>
+            <a:r>
+              <a:rPr lang="ko-KR" altLang="en-US" dirty="0"/>
+              <a:t>하는 모델을 훈련</a:t>
+            </a:r>
+            <a:endParaRPr lang="en-US" altLang="ko-KR" dirty="0"/>
+          </a:p>
+          <a:p>
+            <a:r>
+              <a:rPr lang="ko-KR" altLang="en-US" dirty="0" err="1"/>
+              <a:t>학습하는건</a:t>
+            </a:r>
+            <a:r>
+              <a:rPr lang="ko-KR" altLang="en-US" dirty="0"/>
+              <a:t> </a:t>
+            </a:r>
+            <a:r>
+              <a:rPr lang="en-US" altLang="ko-KR" dirty="0"/>
+              <a:t>Decoder</a:t>
+            </a:r>
+            <a:r>
+              <a:rPr lang="ko-KR" altLang="en-US" dirty="0"/>
+              <a:t>만</a:t>
+            </a:r>
+            <a:endParaRPr lang="en-US" altLang="ko-KR" dirty="0"/>
+          </a:p>
+          <a:p>
+            <a:endParaRPr lang="ko-KR" altLang="en-US" dirty="0"/>
+          </a:p>
+        </p:txBody>
+      </p:sp>
+      <p:sp>
+        <p:nvSpPr>
+          <p:cNvPr id="4" name="직사각형 3">
+            <a:extLst>
+              <a:ext uri="{FF2B5EF4-FFF2-40B4-BE49-F238E27FC236}">
+                <a16:creationId xmlns:a16="http://schemas.microsoft.com/office/drawing/2014/main" id="{8BCD39C3-6B3F-47EE-A656-9EAB8D5C8D9A}"/>
+              </a:ext>
+            </a:extLst>
+          </p:cNvPr>
+          <p:cNvSpPr/>
+          <p:nvPr/>
+        </p:nvSpPr>
+        <p:spPr>
+          <a:xfrm>
+            <a:off x="4954741" y="4343400"/>
+            <a:ext cx="4201292" cy="2514600"/>
+          </a:xfrm>
+          <a:prstGeom prst="rect">
+            <a:avLst/>
+          </a:prstGeom>
+          <a:noFill/>
+          <a:ln w="19050">
+            <a:solidFill>
+              <a:srgbClr val="FF0000"/>
+            </a:solidFill>
+          </a:ln>
+        </p:spPr>
+        <p:style>
+          <a:lnRef idx="2">
+            <a:schemeClr val="accent1">
+              <a:shade val="50000"/>
+            </a:schemeClr>
+          </a:lnRef>
+          <a:fillRef idx="1">
+            <a:schemeClr val="accent1"/>
+          </a:fillRef>
+          <a:effectRef idx="0">
+            <a:schemeClr val="accent1"/>
+          </a:effectRef>
+          <a:fontRef idx="minor">
+            <a:schemeClr val="lt1"/>
+          </a:fontRef>
+        </p:style>
+        <p:txBody>
+          <a:bodyPr rtlCol="0" anchor="ctr"/>
+          <a:lstStyle/>
+          <a:p>
             <a:pPr algn="ctr"/>
-            <a:r>
-              <a:rPr lang="ko-KR" altLang="en-US" dirty="0"/>
-              <a:t>감사합니다</a:t>
-            </a:r>
+            <a:endParaRPr lang="ko-KR" altLang="en-US" dirty="0"/>
           </a:p>
         </p:txBody>
       </p:sp>
     </p:spTree>
     <p:extLst>
       <p:ext uri="{BB962C8B-B14F-4D97-AF65-F5344CB8AC3E}">
-        <p14:creationId xmlns:p14="http://schemas.microsoft.com/office/powerpoint/2010/main" val="4027504823"/>
+        <p14:creationId xmlns:p14="http://schemas.microsoft.com/office/powerpoint/2010/main" val="745785701"/>
+      </p:ext>
+    </p:extLst>
+  </p:cSld>
+  <p:clrMapOvr>
+    <a:masterClrMapping/>
+  </p:clrMapOvr>
+</p:sld>
+</file>
+
+<file path=ppt/slides/slide9.xml><?xml version="1.0" encoding="utf-8"?>
+<p:sld xmlns:a="http://schemas.openxmlformats.org/drawingml/2006/main" xmlns:r="http://schemas.openxmlformats.org/officeDocument/2006/relationships" xmlns:p="http://schemas.openxmlformats.org/presentationml/2006/main">
+  <p:cSld>
+    <p:spTree>
+      <p:nvGrpSpPr>
+        <p:cNvPr id="1" name=""/>
+        <p:cNvGrpSpPr/>
+        <p:nvPr/>
+      </p:nvGrpSpPr>
+      <p:grpSpPr>
+        <a:xfrm>
+          <a:off x="0" y="0"/>
+          <a:ext cx="0" cy="0"/>
+          <a:chOff x="0" y="0"/>
+          <a:chExt cx="0" cy="0"/>
+        </a:xfrm>
+      </p:grpSpPr>
+      <p:sp>
+        <p:nvSpPr>
+          <p:cNvPr id="2" name="제목 1">
+            <a:extLst>
+              <a:ext uri="{FF2B5EF4-FFF2-40B4-BE49-F238E27FC236}">
+                <a16:creationId xmlns:a16="http://schemas.microsoft.com/office/drawing/2014/main" id="{44FE026F-B914-4142-BADB-732B8F33197D}"/>
+              </a:ext>
+            </a:extLst>
+          </p:cNvPr>
+          <p:cNvSpPr>
+            <a:spLocks noGrp="1"/>
+          </p:cNvSpPr>
+          <p:nvPr>
+            <p:ph type="title"/>
+          </p:nvPr>
+        </p:nvSpPr>
+        <p:spPr/>
+        <p:txBody>
+          <a:bodyPr/>
+          <a:lstStyle/>
+          <a:p>
+            <a:r>
+              <a:rPr lang="en-US" altLang="ko-KR" dirty="0"/>
+              <a:t>2. </a:t>
+            </a:r>
+            <a:r>
+              <a:rPr lang="ko-KR" altLang="en-US" dirty="0"/>
+              <a:t>모델</a:t>
+            </a:r>
+          </a:p>
+        </p:txBody>
+      </p:sp>
+      <p:sp>
+        <p:nvSpPr>
+          <p:cNvPr id="5" name="내용 개체 틀 2">
+            <a:extLst>
+              <a:ext uri="{FF2B5EF4-FFF2-40B4-BE49-F238E27FC236}">
+                <a16:creationId xmlns:a16="http://schemas.microsoft.com/office/drawing/2014/main" id="{695A909E-8A17-451D-B1FD-4ED5E9A31658}"/>
+              </a:ext>
+            </a:extLst>
+          </p:cNvPr>
+          <p:cNvSpPr txBox="1">
+            <a:spLocks/>
+          </p:cNvSpPr>
+          <p:nvPr/>
+        </p:nvSpPr>
+        <p:spPr>
+          <a:xfrm>
+            <a:off x="838200" y="1833889"/>
+            <a:ext cx="4888832" cy="4482689"/>
+          </a:xfrm>
+          <a:prstGeom prst="rect">
+            <a:avLst/>
+          </a:prstGeom>
+        </p:spPr>
+        <p:txBody>
+          <a:bodyPr vert="horz" lIns="91440" tIns="45720" rIns="91440" bIns="45720" rtlCol="0">
+            <a:normAutofit/>
+          </a:bodyPr>
+          <a:lstStyle>
+            <a:lvl1pPr marL="228600" indent="-228600" algn="l" defTabSz="914400" rtl="0" eaLnBrk="1" latinLnBrk="1" hangingPunct="1">
+              <a:lnSpc>
+                <a:spcPct val="90000"/>
+              </a:lnSpc>
+              <a:spcBef>
+                <a:spcPts val="1000"/>
+              </a:spcBef>
+              <a:buFont typeface="Arial" panose="020B0604020202020204" pitchFamily="34" charset="0"/>
+              <a:buChar char="•"/>
+              <a:defRPr sz="2800" kern="1200">
+                <a:solidFill>
+                  <a:schemeClr val="tx1"/>
+                </a:solidFill>
+                <a:latin typeface="+mn-lt"/>
+                <a:ea typeface="+mn-ea"/>
+                <a:cs typeface="+mn-cs"/>
+              </a:defRPr>
+            </a:lvl1pPr>
+            <a:lvl2pPr marL="685800" indent="-228600" algn="l" defTabSz="914400" rtl="0" eaLnBrk="1" latinLnBrk="1" hangingPunct="1">
+              <a:lnSpc>
+                <a:spcPct val="90000"/>
+              </a:lnSpc>
+              <a:spcBef>
+                <a:spcPts val="500"/>
+              </a:spcBef>
+              <a:buFont typeface="Arial" panose="020B0604020202020204" pitchFamily="34" charset="0"/>
+              <a:buChar char="•"/>
+              <a:defRPr sz="2400" kern="1200">
+                <a:solidFill>
+                  <a:schemeClr val="tx1"/>
+                </a:solidFill>
+                <a:latin typeface="+mn-lt"/>
+                <a:ea typeface="+mn-ea"/>
+                <a:cs typeface="+mn-cs"/>
+              </a:defRPr>
+            </a:lvl2pPr>
+            <a:lvl3pPr marL="1143000" indent="-228600" algn="l" defTabSz="914400" rtl="0" eaLnBrk="1" latinLnBrk="1" hangingPunct="1">
+              <a:lnSpc>
+                <a:spcPct val="90000"/>
+              </a:lnSpc>
+              <a:spcBef>
+                <a:spcPts val="500"/>
+              </a:spcBef>
+              <a:buFont typeface="Arial" panose="020B0604020202020204" pitchFamily="34" charset="0"/>
+              <a:buChar char="•"/>
+              <a:defRPr sz="2000" kern="1200">
+                <a:solidFill>
+                  <a:schemeClr val="tx1"/>
+                </a:solidFill>
+                <a:latin typeface="+mn-lt"/>
+                <a:ea typeface="+mn-ea"/>
+                <a:cs typeface="+mn-cs"/>
+              </a:defRPr>
+            </a:lvl3pPr>
+            <a:lvl4pPr marL="1600200" indent="-228600" algn="l" defTabSz="914400" rtl="0" eaLnBrk="1" latinLnBrk="1" hangingPunct="1">
+              <a:lnSpc>
+                <a:spcPct val="90000"/>
+              </a:lnSpc>
+              <a:spcBef>
+                <a:spcPts val="500"/>
+              </a:spcBef>
+              <a:buFont typeface="Arial" panose="020B0604020202020204" pitchFamily="34" charset="0"/>
+              <a:buChar char="•"/>
+              <a:defRPr sz="1800" kern="1200">
+                <a:solidFill>
+                  <a:schemeClr val="tx1"/>
+                </a:solidFill>
+                <a:latin typeface="+mn-lt"/>
+                <a:ea typeface="+mn-ea"/>
+                <a:cs typeface="+mn-cs"/>
+              </a:defRPr>
+            </a:lvl4pPr>
+            <a:lvl5pPr marL="2057400" indent="-228600" algn="l" defTabSz="914400" rtl="0" eaLnBrk="1" latinLnBrk="1" hangingPunct="1">
+              <a:lnSpc>
+                <a:spcPct val="90000"/>
+              </a:lnSpc>
+              <a:spcBef>
+                <a:spcPts val="500"/>
+              </a:spcBef>
+              <a:buFont typeface="Arial" panose="020B0604020202020204" pitchFamily="34" charset="0"/>
+              <a:buChar char="•"/>
+              <a:defRPr sz="1800" kern="1200">
+                <a:solidFill>
+                  <a:schemeClr val="tx1"/>
+                </a:solidFill>
+                <a:latin typeface="+mn-lt"/>
+                <a:ea typeface="+mn-ea"/>
+                <a:cs typeface="+mn-cs"/>
+              </a:defRPr>
+            </a:lvl5pPr>
+            <a:lvl6pPr marL="2514600" indent="-228600" algn="l" defTabSz="914400" rtl="0" eaLnBrk="1" latinLnBrk="1" hangingPunct="1">
+              <a:lnSpc>
+                <a:spcPct val="90000"/>
+              </a:lnSpc>
+              <a:spcBef>
+                <a:spcPts val="500"/>
+              </a:spcBef>
+              <a:buFont typeface="Arial" panose="020B0604020202020204" pitchFamily="34" charset="0"/>
+              <a:buChar char="•"/>
+              <a:defRPr sz="1800" kern="1200">
+                <a:solidFill>
+                  <a:schemeClr val="tx1"/>
+                </a:solidFill>
+                <a:latin typeface="+mn-lt"/>
+                <a:ea typeface="+mn-ea"/>
+                <a:cs typeface="+mn-cs"/>
+              </a:defRPr>
+            </a:lvl6pPr>
+            <a:lvl7pPr marL="2971800" indent="-228600" algn="l" defTabSz="914400" rtl="0" eaLnBrk="1" latinLnBrk="1" hangingPunct="1">
+              <a:lnSpc>
+                <a:spcPct val="90000"/>
+              </a:lnSpc>
+              <a:spcBef>
+                <a:spcPts val="500"/>
+              </a:spcBef>
+              <a:buFont typeface="Arial" panose="020B0604020202020204" pitchFamily="34" charset="0"/>
+              <a:buChar char="•"/>
+              <a:defRPr sz="1800" kern="1200">
+                <a:solidFill>
+                  <a:schemeClr val="tx1"/>
+                </a:solidFill>
+                <a:latin typeface="+mn-lt"/>
+                <a:ea typeface="+mn-ea"/>
+                <a:cs typeface="+mn-cs"/>
+              </a:defRPr>
+            </a:lvl7pPr>
+            <a:lvl8pPr marL="3429000" indent="-228600" algn="l" defTabSz="914400" rtl="0" eaLnBrk="1" latinLnBrk="1" hangingPunct="1">
+              <a:lnSpc>
+                <a:spcPct val="90000"/>
+              </a:lnSpc>
+              <a:spcBef>
+                <a:spcPts val="500"/>
+              </a:spcBef>
+              <a:buFont typeface="Arial" panose="020B0604020202020204" pitchFamily="34" charset="0"/>
+              <a:buChar char="•"/>
+              <a:defRPr sz="1800" kern="1200">
+                <a:solidFill>
+                  <a:schemeClr val="tx1"/>
+                </a:solidFill>
+                <a:latin typeface="+mn-lt"/>
+                <a:ea typeface="+mn-ea"/>
+                <a:cs typeface="+mn-cs"/>
+              </a:defRPr>
+            </a:lvl8pPr>
+            <a:lvl9pPr marL="3886200" indent="-228600" algn="l" defTabSz="914400" rtl="0" eaLnBrk="1" latinLnBrk="1" hangingPunct="1">
+              <a:lnSpc>
+                <a:spcPct val="90000"/>
+              </a:lnSpc>
+              <a:spcBef>
+                <a:spcPts val="500"/>
+              </a:spcBef>
+              <a:buFont typeface="Arial" panose="020B0604020202020204" pitchFamily="34" charset="0"/>
+              <a:buChar char="•"/>
+              <a:defRPr sz="1800" kern="1200">
+                <a:solidFill>
+                  <a:schemeClr val="tx1"/>
+                </a:solidFill>
+                <a:latin typeface="+mn-lt"/>
+                <a:ea typeface="+mn-ea"/>
+                <a:cs typeface="+mn-cs"/>
+              </a:defRPr>
+            </a:lvl9pPr>
+          </a:lstStyle>
+          <a:p>
+            <a:pPr marL="514350" indent="-514350">
+              <a:buFont typeface="+mj-lt"/>
+              <a:buAutoNum type="arabicPeriod" startAt="2"/>
+            </a:pPr>
+            <a:r>
+              <a:rPr lang="en-US" altLang="ko-KR" dirty="0"/>
+              <a:t>Fine-tuning</a:t>
+            </a:r>
+          </a:p>
+        </p:txBody>
+      </p:sp>
+      <p:pic>
+        <p:nvPicPr>
+          <p:cNvPr id="8" name="그림 7">
+            <a:extLst>
+              <a:ext uri="{FF2B5EF4-FFF2-40B4-BE49-F238E27FC236}">
+                <a16:creationId xmlns:a16="http://schemas.microsoft.com/office/drawing/2014/main" id="{C7044178-25B5-42D0-9114-B6D736F0AAB3}"/>
+              </a:ext>
+            </a:extLst>
+          </p:cNvPr>
+          <p:cNvPicPr>
+            <a:picLocks noChangeAspect="1"/>
+          </p:cNvPicPr>
+          <p:nvPr/>
+        </p:nvPicPr>
+        <p:blipFill>
+          <a:blip r:embed="rId2"/>
+          <a:stretch>
+            <a:fillRect/>
+          </a:stretch>
+        </p:blipFill>
+        <p:spPr>
+          <a:xfrm>
+            <a:off x="3392905" y="2538381"/>
+            <a:ext cx="4179441" cy="581587"/>
+          </a:xfrm>
+          <a:prstGeom prst="rect">
+            <a:avLst/>
+          </a:prstGeom>
+        </p:spPr>
+      </p:pic>
+      <p:sp>
+        <p:nvSpPr>
+          <p:cNvPr id="9" name="내용 개체 틀 2">
+            <a:extLst>
+              <a:ext uri="{FF2B5EF4-FFF2-40B4-BE49-F238E27FC236}">
+                <a16:creationId xmlns:a16="http://schemas.microsoft.com/office/drawing/2014/main" id="{5728998F-A9F3-4F4E-A099-BE16A5DB3737}"/>
+              </a:ext>
+            </a:extLst>
+          </p:cNvPr>
+          <p:cNvSpPr txBox="1">
+            <a:spLocks/>
+          </p:cNvSpPr>
+          <p:nvPr/>
+        </p:nvSpPr>
+        <p:spPr>
+          <a:xfrm>
+            <a:off x="3621506" y="3394708"/>
+            <a:ext cx="3784196" cy="1935282"/>
+          </a:xfrm>
+          <a:prstGeom prst="rect">
+            <a:avLst/>
+          </a:prstGeom>
+        </p:spPr>
+        <p:txBody>
+          <a:bodyPr vert="horz" lIns="91440" tIns="45720" rIns="91440" bIns="45720" rtlCol="0">
+            <a:normAutofit fontScale="40000" lnSpcReduction="20000"/>
+          </a:bodyPr>
+          <a:lstStyle>
+            <a:lvl1pPr marL="228600" indent="-228600" algn="l" defTabSz="914400" rtl="0" eaLnBrk="1" latinLnBrk="1" hangingPunct="1">
+              <a:lnSpc>
+                <a:spcPct val="90000"/>
+              </a:lnSpc>
+              <a:spcBef>
+                <a:spcPts val="1000"/>
+              </a:spcBef>
+              <a:buFont typeface="Arial" panose="020B0604020202020204" pitchFamily="34" charset="0"/>
+              <a:buChar char="•"/>
+              <a:defRPr sz="2800" kern="1200">
+                <a:solidFill>
+                  <a:schemeClr val="tx1"/>
+                </a:solidFill>
+                <a:latin typeface="+mn-lt"/>
+                <a:ea typeface="+mn-ea"/>
+                <a:cs typeface="+mn-cs"/>
+              </a:defRPr>
+            </a:lvl1pPr>
+            <a:lvl2pPr marL="685800" indent="-228600" algn="l" defTabSz="914400" rtl="0" eaLnBrk="1" latinLnBrk="1" hangingPunct="1">
+              <a:lnSpc>
+                <a:spcPct val="90000"/>
+              </a:lnSpc>
+              <a:spcBef>
+                <a:spcPts val="500"/>
+              </a:spcBef>
+              <a:buFont typeface="Arial" panose="020B0604020202020204" pitchFamily="34" charset="0"/>
+              <a:buChar char="•"/>
+              <a:defRPr sz="2400" kern="1200">
+                <a:solidFill>
+                  <a:schemeClr val="tx1"/>
+                </a:solidFill>
+                <a:latin typeface="+mn-lt"/>
+                <a:ea typeface="+mn-ea"/>
+                <a:cs typeface="+mn-cs"/>
+              </a:defRPr>
+            </a:lvl2pPr>
+            <a:lvl3pPr marL="1143000" indent="-228600" algn="l" defTabSz="914400" rtl="0" eaLnBrk="1" latinLnBrk="1" hangingPunct="1">
+              <a:lnSpc>
+                <a:spcPct val="90000"/>
+              </a:lnSpc>
+              <a:spcBef>
+                <a:spcPts val="500"/>
+              </a:spcBef>
+              <a:buFont typeface="Arial" panose="020B0604020202020204" pitchFamily="34" charset="0"/>
+              <a:buChar char="•"/>
+              <a:defRPr sz="2000" kern="1200">
+                <a:solidFill>
+                  <a:schemeClr val="tx1"/>
+                </a:solidFill>
+                <a:latin typeface="+mn-lt"/>
+                <a:ea typeface="+mn-ea"/>
+                <a:cs typeface="+mn-cs"/>
+              </a:defRPr>
+            </a:lvl3pPr>
+            <a:lvl4pPr marL="1600200" indent="-228600" algn="l" defTabSz="914400" rtl="0" eaLnBrk="1" latinLnBrk="1" hangingPunct="1">
+              <a:lnSpc>
+                <a:spcPct val="90000"/>
+              </a:lnSpc>
+              <a:spcBef>
+                <a:spcPts val="500"/>
+              </a:spcBef>
+              <a:buFont typeface="Arial" panose="020B0604020202020204" pitchFamily="34" charset="0"/>
+              <a:buChar char="•"/>
+              <a:defRPr sz="1800" kern="1200">
+                <a:solidFill>
+                  <a:schemeClr val="tx1"/>
+                </a:solidFill>
+                <a:latin typeface="+mn-lt"/>
+                <a:ea typeface="+mn-ea"/>
+                <a:cs typeface="+mn-cs"/>
+              </a:defRPr>
+            </a:lvl4pPr>
+            <a:lvl5pPr marL="2057400" indent="-228600" algn="l" defTabSz="914400" rtl="0" eaLnBrk="1" latinLnBrk="1" hangingPunct="1">
+              <a:lnSpc>
+                <a:spcPct val="90000"/>
+              </a:lnSpc>
+              <a:spcBef>
+                <a:spcPts val="500"/>
+              </a:spcBef>
+              <a:buFont typeface="Arial" panose="020B0604020202020204" pitchFamily="34" charset="0"/>
+              <a:buChar char="•"/>
+              <a:defRPr sz="1800" kern="1200">
+                <a:solidFill>
+                  <a:schemeClr val="tx1"/>
+                </a:solidFill>
+                <a:latin typeface="+mn-lt"/>
+                <a:ea typeface="+mn-ea"/>
+                <a:cs typeface="+mn-cs"/>
+              </a:defRPr>
+            </a:lvl5pPr>
+            <a:lvl6pPr marL="2514600" indent="-228600" algn="l" defTabSz="914400" rtl="0" eaLnBrk="1" latinLnBrk="1" hangingPunct="1">
+              <a:lnSpc>
+                <a:spcPct val="90000"/>
+              </a:lnSpc>
+              <a:spcBef>
+                <a:spcPts val="500"/>
+              </a:spcBef>
+              <a:buFont typeface="Arial" panose="020B0604020202020204" pitchFamily="34" charset="0"/>
+              <a:buChar char="•"/>
+              <a:defRPr sz="1800" kern="1200">
+                <a:solidFill>
+                  <a:schemeClr val="tx1"/>
+                </a:solidFill>
+                <a:latin typeface="+mn-lt"/>
+                <a:ea typeface="+mn-ea"/>
+                <a:cs typeface="+mn-cs"/>
+              </a:defRPr>
+            </a:lvl6pPr>
+            <a:lvl7pPr marL="2971800" indent="-228600" algn="l" defTabSz="914400" rtl="0" eaLnBrk="1" latinLnBrk="1" hangingPunct="1">
+              <a:lnSpc>
+                <a:spcPct val="90000"/>
+              </a:lnSpc>
+              <a:spcBef>
+                <a:spcPts val="500"/>
+              </a:spcBef>
+              <a:buFont typeface="Arial" panose="020B0604020202020204" pitchFamily="34" charset="0"/>
+              <a:buChar char="•"/>
+              <a:defRPr sz="1800" kern="1200">
+                <a:solidFill>
+                  <a:schemeClr val="tx1"/>
+                </a:solidFill>
+                <a:latin typeface="+mn-lt"/>
+                <a:ea typeface="+mn-ea"/>
+                <a:cs typeface="+mn-cs"/>
+              </a:defRPr>
+            </a:lvl7pPr>
+            <a:lvl8pPr marL="3429000" indent="-228600" algn="l" defTabSz="914400" rtl="0" eaLnBrk="1" latinLnBrk="1" hangingPunct="1">
+              <a:lnSpc>
+                <a:spcPct val="90000"/>
+              </a:lnSpc>
+              <a:spcBef>
+                <a:spcPts val="500"/>
+              </a:spcBef>
+              <a:buFont typeface="Arial" panose="020B0604020202020204" pitchFamily="34" charset="0"/>
+              <a:buChar char="•"/>
+              <a:defRPr sz="1800" kern="1200">
+                <a:solidFill>
+                  <a:schemeClr val="tx1"/>
+                </a:solidFill>
+                <a:latin typeface="+mn-lt"/>
+                <a:ea typeface="+mn-ea"/>
+                <a:cs typeface="+mn-cs"/>
+              </a:defRPr>
+            </a:lvl8pPr>
+            <a:lvl9pPr marL="3886200" indent="-228600" algn="l" defTabSz="914400" rtl="0" eaLnBrk="1" latinLnBrk="1" hangingPunct="1">
+              <a:lnSpc>
+                <a:spcPct val="90000"/>
+              </a:lnSpc>
+              <a:spcBef>
+                <a:spcPts val="500"/>
+              </a:spcBef>
+              <a:buFont typeface="Arial" panose="020B0604020202020204" pitchFamily="34" charset="0"/>
+              <a:buChar char="•"/>
+              <a:defRPr sz="1800" kern="1200">
+                <a:solidFill>
+                  <a:schemeClr val="tx1"/>
+                </a:solidFill>
+                <a:latin typeface="+mn-lt"/>
+                <a:ea typeface="+mn-ea"/>
+                <a:cs typeface="+mn-cs"/>
+              </a:defRPr>
+            </a:lvl9pPr>
+          </a:lstStyle>
+          <a:p>
+            <a:pPr algn="l">
+              <a:buFont typeface="Arial" panose="020B0604020202020204" pitchFamily="34" charset="0"/>
+              <a:buChar char="•"/>
+            </a:pPr>
+            <a:r>
+              <a:rPr lang="en-US" altLang="ko-KR" b="0" i="1" dirty="0" err="1">
+                <a:effectLst/>
+                <a:latin typeface="KaTeX_Math"/>
+              </a:rPr>
+              <a:t>Lm</a:t>
+            </a:r>
+            <a:r>
+              <a:rPr lang="ko-KR" altLang="en-US" b="0" i="0" dirty="0">
+                <a:effectLst/>
+                <a:latin typeface="KaTeX_Main"/>
+              </a:rPr>
+              <a:t>​</a:t>
+            </a:r>
+            <a:r>
+              <a:rPr lang="ko-KR" altLang="en-US" b="0" i="0" dirty="0">
+                <a:effectLst/>
+                <a:latin typeface="Söhne"/>
+              </a:rPr>
+              <a:t> </a:t>
+            </a:r>
+            <a:r>
+              <a:rPr lang="en-US" altLang="ko-KR" b="0" i="0" dirty="0">
+                <a:effectLst/>
+                <a:latin typeface="Söhne"/>
+              </a:rPr>
+              <a:t>: </a:t>
+            </a:r>
+            <a:r>
+              <a:rPr lang="ko-KR" altLang="en-US" b="0" i="0" dirty="0">
+                <a:effectLst/>
+                <a:latin typeface="Söhne"/>
+              </a:rPr>
+              <a:t>메시지 </a:t>
+            </a:r>
+            <a:r>
+              <a:rPr lang="en-US" altLang="ko-KR" sz="2800" b="0" i="0" dirty="0">
+                <a:effectLst/>
+                <a:latin typeface="Söhne"/>
+              </a:rPr>
+              <a:t>loss</a:t>
+            </a:r>
+            <a:endParaRPr lang="en-US" altLang="ko-KR" b="0" i="0" dirty="0">
+              <a:effectLst/>
+              <a:latin typeface="Söhne"/>
+            </a:endParaRPr>
+          </a:p>
+          <a:p>
+            <a:pPr algn="l">
+              <a:buFont typeface="Arial" panose="020B0604020202020204" pitchFamily="34" charset="0"/>
+              <a:buChar char="•"/>
+            </a:pPr>
+            <a:r>
+              <a:rPr lang="en-US" altLang="ko-KR" b="0" i="1" dirty="0">
+                <a:effectLst/>
+                <a:latin typeface="KaTeX_Math"/>
+              </a:rPr>
+              <a:t>k</a:t>
+            </a:r>
+            <a:r>
+              <a:rPr lang="ko-KR" altLang="en-US" b="0" i="0" dirty="0">
+                <a:effectLst/>
+                <a:latin typeface="Söhne"/>
+              </a:rPr>
+              <a:t> </a:t>
+            </a:r>
+            <a:r>
+              <a:rPr lang="en-US" altLang="ko-KR" b="0" i="0" dirty="0">
+                <a:effectLst/>
+                <a:latin typeface="Söhne"/>
+              </a:rPr>
+              <a:t>: </a:t>
+            </a:r>
+            <a:r>
+              <a:rPr lang="ko-KR" altLang="en-US" b="0" i="0" dirty="0">
+                <a:effectLst/>
+                <a:latin typeface="Söhne"/>
+              </a:rPr>
+              <a:t>메시지 비트의 수</a:t>
+            </a:r>
+            <a:endParaRPr lang="en-US" altLang="ko-KR" b="0" i="0" dirty="0">
+              <a:effectLst/>
+              <a:latin typeface="Söhne"/>
+            </a:endParaRPr>
+          </a:p>
+          <a:p>
+            <a:pPr algn="l">
+              <a:buFont typeface="Arial" panose="020B0604020202020204" pitchFamily="34" charset="0"/>
+              <a:buChar char="•"/>
+            </a:pPr>
+            <a:r>
+              <a:rPr lang="en-US" altLang="ko-KR" b="0" i="1" dirty="0" err="1">
+                <a:effectLst/>
+                <a:latin typeface="KaTeX_Math"/>
+              </a:rPr>
+              <a:t>i</a:t>
+            </a:r>
+            <a:r>
+              <a:rPr lang="ko-KR" altLang="en-US" b="0" i="0" dirty="0">
+                <a:effectLst/>
+                <a:latin typeface="Söhne"/>
+              </a:rPr>
+              <a:t> </a:t>
+            </a:r>
+            <a:r>
+              <a:rPr lang="en-US" altLang="ko-KR" b="0" i="0" dirty="0">
+                <a:effectLst/>
+                <a:latin typeface="Söhne"/>
+              </a:rPr>
+              <a:t>: </a:t>
+            </a:r>
+            <a:r>
+              <a:rPr lang="ko-KR" altLang="en-US" b="0" i="0" dirty="0">
+                <a:effectLst/>
+                <a:latin typeface="Söhne"/>
+              </a:rPr>
+              <a:t>비트 인덱스</a:t>
+            </a:r>
+            <a:endParaRPr lang="en-US" altLang="ko-KR" b="0" i="0" dirty="0">
+              <a:effectLst/>
+              <a:latin typeface="Söhne"/>
+            </a:endParaRPr>
+          </a:p>
+          <a:p>
+            <a:pPr algn="l">
+              <a:buFont typeface="Arial" panose="020B0604020202020204" pitchFamily="34" charset="0"/>
+              <a:buChar char="•"/>
+            </a:pPr>
+            <a:r>
+              <a:rPr lang="en-US" altLang="ko-KR" b="0" i="1" dirty="0">
+                <a:effectLst/>
+                <a:latin typeface="KaTeX_Math"/>
+              </a:rPr>
+              <a:t>m</a:t>
+            </a:r>
+            <a:r>
+              <a:rPr lang="en-US" altLang="ko-KR" b="0" i="0" dirty="0">
+                <a:effectLst/>
+                <a:latin typeface="Söhne"/>
+              </a:rPr>
+              <a:t> : </a:t>
+            </a:r>
+            <a:r>
+              <a:rPr lang="ko-KR" altLang="en-US" b="0" i="0" dirty="0">
+                <a:effectLst/>
+                <a:latin typeface="Söhne"/>
+              </a:rPr>
+              <a:t>원본 메시지</a:t>
+            </a:r>
+            <a:endParaRPr lang="en-US" altLang="ko-KR" b="0" i="0" dirty="0">
+              <a:effectLst/>
+              <a:latin typeface="Söhne"/>
+            </a:endParaRPr>
+          </a:p>
+          <a:p>
+            <a:pPr algn="l">
+              <a:buFont typeface="Arial" panose="020B0604020202020204" pitchFamily="34" charset="0"/>
+              <a:buChar char="•"/>
+            </a:pPr>
+            <a:r>
+              <a:rPr lang="en-US" altLang="ko-KR" b="0" i="1" dirty="0">
+                <a:effectLst/>
+                <a:latin typeface="KaTeX_Math"/>
+              </a:rPr>
+              <a:t>mi</a:t>
+            </a:r>
+            <a:r>
+              <a:rPr lang="ko-KR" altLang="en-US" b="0" i="0" dirty="0">
+                <a:effectLst/>
+                <a:latin typeface="KaTeX_Main"/>
+              </a:rPr>
+              <a:t>​</a:t>
+            </a:r>
+            <a:r>
+              <a:rPr lang="ko-KR" altLang="en-US" b="0" i="0" dirty="0">
+                <a:effectLst/>
+                <a:latin typeface="Söhne"/>
+              </a:rPr>
+              <a:t> </a:t>
+            </a:r>
+            <a:r>
+              <a:rPr lang="en-US" altLang="ko-KR" b="0" i="0" dirty="0">
+                <a:effectLst/>
+                <a:latin typeface="Söhne"/>
+              </a:rPr>
+              <a:t>: </a:t>
+            </a:r>
+            <a:r>
+              <a:rPr lang="ko-KR" altLang="en-US" b="0" i="0" dirty="0">
+                <a:effectLst/>
+                <a:latin typeface="Söhne"/>
+              </a:rPr>
+              <a:t>원본 메시지의 </a:t>
+            </a:r>
+            <a:r>
+              <a:rPr lang="en-US" altLang="ko-KR" b="0" i="1" dirty="0" err="1">
+                <a:effectLst/>
+                <a:latin typeface="KaTeX_Math"/>
+              </a:rPr>
+              <a:t>i</a:t>
+            </a:r>
+            <a:r>
+              <a:rPr lang="ko-KR" altLang="en-US" b="0" i="0" dirty="0">
+                <a:effectLst/>
+                <a:latin typeface="Söhne"/>
+              </a:rPr>
+              <a:t> 번째 비트</a:t>
+            </a:r>
+            <a:endParaRPr lang="en-US" altLang="ko-KR" b="0" i="0" dirty="0">
+              <a:effectLst/>
+              <a:latin typeface="Söhne"/>
+            </a:endParaRPr>
+          </a:p>
+          <a:p>
+            <a:pPr algn="l">
+              <a:buFont typeface="Arial" panose="020B0604020202020204" pitchFamily="34" charset="0"/>
+              <a:buChar char="•"/>
+            </a:pPr>
+            <a:r>
+              <a:rPr lang="en-US" altLang="ko-KR" b="0" i="1" dirty="0">
+                <a:effectLst/>
+                <a:latin typeface="KaTeX_Math"/>
+              </a:rPr>
+              <a:t>m</a:t>
+            </a:r>
+            <a:r>
+              <a:rPr lang="en-US" altLang="ko-KR" b="0" i="0" dirty="0">
+                <a:effectLst/>
+                <a:latin typeface="KaTeX_Main"/>
+              </a:rPr>
+              <a:t>′</a:t>
+            </a:r>
+            <a:r>
+              <a:rPr lang="ko-KR" altLang="en-US" b="0" i="0" dirty="0">
+                <a:effectLst/>
+                <a:latin typeface="Söhne"/>
+              </a:rPr>
+              <a:t> </a:t>
+            </a:r>
+            <a:r>
+              <a:rPr lang="en-US" altLang="ko-KR" b="0" i="0" dirty="0">
+                <a:effectLst/>
+                <a:latin typeface="Söhne"/>
+              </a:rPr>
+              <a:t>: </a:t>
+            </a:r>
+            <a:r>
+              <a:rPr lang="ko-KR" altLang="en-US" b="0" i="0" dirty="0">
+                <a:effectLst/>
+                <a:latin typeface="Söhne"/>
+              </a:rPr>
+              <a:t>변형된 이미지에서 추출된 메시지</a:t>
+            </a:r>
+            <a:endParaRPr lang="en-US" altLang="ko-KR" b="0" i="0" dirty="0">
+              <a:effectLst/>
+              <a:latin typeface="Söhne"/>
+            </a:endParaRPr>
+          </a:p>
+          <a:p>
+            <a:pPr algn="l">
+              <a:buFont typeface="Arial" panose="020B0604020202020204" pitchFamily="34" charset="0"/>
+              <a:buChar char="•"/>
+            </a:pPr>
+            <a:r>
+              <a:rPr lang="en-US" altLang="ko-KR" b="0" i="1" dirty="0">
+                <a:effectLst/>
+                <a:latin typeface="KaTeX_Math"/>
+              </a:rPr>
+              <a:t>mi</a:t>
+            </a:r>
+            <a:r>
+              <a:rPr lang="en-US" altLang="ko-KR" b="0" i="0" dirty="0">
+                <a:effectLst/>
+                <a:latin typeface="KaTeX_Main"/>
+              </a:rPr>
+              <a:t>′​</a:t>
+            </a:r>
+            <a:r>
+              <a:rPr lang="ko-KR" altLang="en-US" b="0" i="0" dirty="0">
+                <a:effectLst/>
+                <a:latin typeface="Söhne"/>
+              </a:rPr>
+              <a:t> </a:t>
+            </a:r>
+            <a:r>
+              <a:rPr lang="en-US" altLang="ko-KR" b="0" i="0" dirty="0">
+                <a:effectLst/>
+                <a:latin typeface="Söhne"/>
+              </a:rPr>
+              <a:t>: </a:t>
+            </a:r>
+            <a:r>
+              <a:rPr lang="ko-KR" altLang="en-US" b="0" i="0" dirty="0">
+                <a:effectLst/>
+                <a:latin typeface="Söhne"/>
+              </a:rPr>
+              <a:t>변형된 이미지에서 추출된 메시지의 </a:t>
+            </a:r>
+            <a:r>
+              <a:rPr lang="en-US" altLang="ko-KR" b="0" i="1" dirty="0" err="1">
+                <a:effectLst/>
+                <a:latin typeface="KaTeX_Math"/>
+              </a:rPr>
+              <a:t>i</a:t>
+            </a:r>
+            <a:r>
+              <a:rPr lang="ko-KR" altLang="en-US" b="0" i="0" dirty="0">
+                <a:effectLst/>
+                <a:latin typeface="Söhne"/>
+              </a:rPr>
+              <a:t> 번째 값</a:t>
+            </a:r>
+            <a:endParaRPr lang="en-US" altLang="ko-KR" b="0" i="0" dirty="0">
+              <a:effectLst/>
+              <a:latin typeface="Söhne"/>
+            </a:endParaRPr>
+          </a:p>
+        </p:txBody>
+      </p:sp>
+      <p:pic>
+        <p:nvPicPr>
+          <p:cNvPr id="4" name="그림 3">
+            <a:extLst>
+              <a:ext uri="{FF2B5EF4-FFF2-40B4-BE49-F238E27FC236}">
+                <a16:creationId xmlns:a16="http://schemas.microsoft.com/office/drawing/2014/main" id="{CC03ACBF-FEDB-48D2-9A4E-D366B8D40E38}"/>
+              </a:ext>
+            </a:extLst>
+          </p:cNvPr>
+          <p:cNvPicPr>
+            <a:picLocks noChangeAspect="1"/>
+          </p:cNvPicPr>
+          <p:nvPr/>
+        </p:nvPicPr>
+        <p:blipFill>
+          <a:blip r:embed="rId3"/>
+          <a:stretch>
+            <a:fillRect/>
+          </a:stretch>
+        </p:blipFill>
+        <p:spPr>
+          <a:xfrm>
+            <a:off x="954958" y="2671989"/>
+            <a:ext cx="1606774" cy="314369"/>
+          </a:xfrm>
+          <a:prstGeom prst="rect">
+            <a:avLst/>
+          </a:prstGeom>
+        </p:spPr>
+      </p:pic>
+      <p:sp>
+        <p:nvSpPr>
+          <p:cNvPr id="10" name="내용 개체 틀 2">
+            <a:extLst>
+              <a:ext uri="{FF2B5EF4-FFF2-40B4-BE49-F238E27FC236}">
+                <a16:creationId xmlns:a16="http://schemas.microsoft.com/office/drawing/2014/main" id="{3D1A3911-07F0-4062-960B-7C673FA628F6}"/>
+              </a:ext>
+            </a:extLst>
+          </p:cNvPr>
+          <p:cNvSpPr txBox="1">
+            <a:spLocks/>
+          </p:cNvSpPr>
+          <p:nvPr/>
+        </p:nvSpPr>
+        <p:spPr>
+          <a:xfrm>
+            <a:off x="7940844" y="2671988"/>
+            <a:ext cx="3784196" cy="2525653"/>
+          </a:xfrm>
+          <a:prstGeom prst="rect">
+            <a:avLst/>
+          </a:prstGeom>
+        </p:spPr>
+        <p:txBody>
+          <a:bodyPr vert="horz" lIns="91440" tIns="45720" rIns="91440" bIns="45720" rtlCol="0">
+            <a:noAutofit/>
+          </a:bodyPr>
+          <a:lstStyle>
+            <a:lvl1pPr marL="228600" indent="-228600" algn="l" defTabSz="914400" rtl="0" eaLnBrk="1" latinLnBrk="1" hangingPunct="1">
+              <a:lnSpc>
+                <a:spcPct val="90000"/>
+              </a:lnSpc>
+              <a:spcBef>
+                <a:spcPts val="1000"/>
+              </a:spcBef>
+              <a:buFont typeface="Arial" panose="020B0604020202020204" pitchFamily="34" charset="0"/>
+              <a:buChar char="•"/>
+              <a:defRPr sz="2800" kern="1200">
+                <a:solidFill>
+                  <a:schemeClr val="tx1"/>
+                </a:solidFill>
+                <a:latin typeface="+mn-lt"/>
+                <a:ea typeface="+mn-ea"/>
+                <a:cs typeface="+mn-cs"/>
+              </a:defRPr>
+            </a:lvl1pPr>
+            <a:lvl2pPr marL="685800" indent="-228600" algn="l" defTabSz="914400" rtl="0" eaLnBrk="1" latinLnBrk="1" hangingPunct="1">
+              <a:lnSpc>
+                <a:spcPct val="90000"/>
+              </a:lnSpc>
+              <a:spcBef>
+                <a:spcPts val="500"/>
+              </a:spcBef>
+              <a:buFont typeface="Arial" panose="020B0604020202020204" pitchFamily="34" charset="0"/>
+              <a:buChar char="•"/>
+              <a:defRPr sz="2400" kern="1200">
+                <a:solidFill>
+                  <a:schemeClr val="tx1"/>
+                </a:solidFill>
+                <a:latin typeface="+mn-lt"/>
+                <a:ea typeface="+mn-ea"/>
+                <a:cs typeface="+mn-cs"/>
+              </a:defRPr>
+            </a:lvl2pPr>
+            <a:lvl3pPr marL="1143000" indent="-228600" algn="l" defTabSz="914400" rtl="0" eaLnBrk="1" latinLnBrk="1" hangingPunct="1">
+              <a:lnSpc>
+                <a:spcPct val="90000"/>
+              </a:lnSpc>
+              <a:spcBef>
+                <a:spcPts val="500"/>
+              </a:spcBef>
+              <a:buFont typeface="Arial" panose="020B0604020202020204" pitchFamily="34" charset="0"/>
+              <a:buChar char="•"/>
+              <a:defRPr sz="2000" kern="1200">
+                <a:solidFill>
+                  <a:schemeClr val="tx1"/>
+                </a:solidFill>
+                <a:latin typeface="+mn-lt"/>
+                <a:ea typeface="+mn-ea"/>
+                <a:cs typeface="+mn-cs"/>
+              </a:defRPr>
+            </a:lvl3pPr>
+            <a:lvl4pPr marL="1600200" indent="-228600" algn="l" defTabSz="914400" rtl="0" eaLnBrk="1" latinLnBrk="1" hangingPunct="1">
+              <a:lnSpc>
+                <a:spcPct val="90000"/>
+              </a:lnSpc>
+              <a:spcBef>
+                <a:spcPts val="500"/>
+              </a:spcBef>
+              <a:buFont typeface="Arial" panose="020B0604020202020204" pitchFamily="34" charset="0"/>
+              <a:buChar char="•"/>
+              <a:defRPr sz="1800" kern="1200">
+                <a:solidFill>
+                  <a:schemeClr val="tx1"/>
+                </a:solidFill>
+                <a:latin typeface="+mn-lt"/>
+                <a:ea typeface="+mn-ea"/>
+                <a:cs typeface="+mn-cs"/>
+              </a:defRPr>
+            </a:lvl4pPr>
+            <a:lvl5pPr marL="2057400" indent="-228600" algn="l" defTabSz="914400" rtl="0" eaLnBrk="1" latinLnBrk="1" hangingPunct="1">
+              <a:lnSpc>
+                <a:spcPct val="90000"/>
+              </a:lnSpc>
+              <a:spcBef>
+                <a:spcPts val="500"/>
+              </a:spcBef>
+              <a:buFont typeface="Arial" panose="020B0604020202020204" pitchFamily="34" charset="0"/>
+              <a:buChar char="•"/>
+              <a:defRPr sz="1800" kern="1200">
+                <a:solidFill>
+                  <a:schemeClr val="tx1"/>
+                </a:solidFill>
+                <a:latin typeface="+mn-lt"/>
+                <a:ea typeface="+mn-ea"/>
+                <a:cs typeface="+mn-cs"/>
+              </a:defRPr>
+            </a:lvl5pPr>
+            <a:lvl6pPr marL="2514600" indent="-228600" algn="l" defTabSz="914400" rtl="0" eaLnBrk="1" latinLnBrk="1" hangingPunct="1">
+              <a:lnSpc>
+                <a:spcPct val="90000"/>
+              </a:lnSpc>
+              <a:spcBef>
+                <a:spcPts val="500"/>
+              </a:spcBef>
+              <a:buFont typeface="Arial" panose="020B0604020202020204" pitchFamily="34" charset="0"/>
+              <a:buChar char="•"/>
+              <a:defRPr sz="1800" kern="1200">
+                <a:solidFill>
+                  <a:schemeClr val="tx1"/>
+                </a:solidFill>
+                <a:latin typeface="+mn-lt"/>
+                <a:ea typeface="+mn-ea"/>
+                <a:cs typeface="+mn-cs"/>
+              </a:defRPr>
+            </a:lvl6pPr>
+            <a:lvl7pPr marL="2971800" indent="-228600" algn="l" defTabSz="914400" rtl="0" eaLnBrk="1" latinLnBrk="1" hangingPunct="1">
+              <a:lnSpc>
+                <a:spcPct val="90000"/>
+              </a:lnSpc>
+              <a:spcBef>
+                <a:spcPts val="500"/>
+              </a:spcBef>
+              <a:buFont typeface="Arial" panose="020B0604020202020204" pitchFamily="34" charset="0"/>
+              <a:buChar char="•"/>
+              <a:defRPr sz="1800" kern="1200">
+                <a:solidFill>
+                  <a:schemeClr val="tx1"/>
+                </a:solidFill>
+                <a:latin typeface="+mn-lt"/>
+                <a:ea typeface="+mn-ea"/>
+                <a:cs typeface="+mn-cs"/>
+              </a:defRPr>
+            </a:lvl7pPr>
+            <a:lvl8pPr marL="3429000" indent="-228600" algn="l" defTabSz="914400" rtl="0" eaLnBrk="1" latinLnBrk="1" hangingPunct="1">
+              <a:lnSpc>
+                <a:spcPct val="90000"/>
+              </a:lnSpc>
+              <a:spcBef>
+                <a:spcPts val="500"/>
+              </a:spcBef>
+              <a:buFont typeface="Arial" panose="020B0604020202020204" pitchFamily="34" charset="0"/>
+              <a:buChar char="•"/>
+              <a:defRPr sz="1800" kern="1200">
+                <a:solidFill>
+                  <a:schemeClr val="tx1"/>
+                </a:solidFill>
+                <a:latin typeface="+mn-lt"/>
+                <a:ea typeface="+mn-ea"/>
+                <a:cs typeface="+mn-cs"/>
+              </a:defRPr>
+            </a:lvl8pPr>
+            <a:lvl9pPr marL="3886200" indent="-228600" algn="l" defTabSz="914400" rtl="0" eaLnBrk="1" latinLnBrk="1" hangingPunct="1">
+              <a:lnSpc>
+                <a:spcPct val="90000"/>
+              </a:lnSpc>
+              <a:spcBef>
+                <a:spcPts val="500"/>
+              </a:spcBef>
+              <a:buFont typeface="Arial" panose="020B0604020202020204" pitchFamily="34" charset="0"/>
+              <a:buChar char="•"/>
+              <a:defRPr sz="1800" kern="1200">
+                <a:solidFill>
+                  <a:schemeClr val="tx1"/>
+                </a:solidFill>
+                <a:latin typeface="+mn-lt"/>
+                <a:ea typeface="+mn-ea"/>
+                <a:cs typeface="+mn-cs"/>
+              </a:defRPr>
+            </a:lvl9pPr>
+          </a:lstStyle>
+          <a:p>
+            <a:pPr marL="0" indent="0" algn="l">
+              <a:buNone/>
+            </a:pPr>
+            <a:r>
+              <a:rPr lang="en-US" altLang="ko-KR" sz="1100" b="0" i="1" dirty="0">
+                <a:effectLst/>
+                <a:latin typeface="KaTeX_Math"/>
+              </a:rPr>
+              <a:t>Li</a:t>
+            </a:r>
+            <a:r>
+              <a:rPr lang="ko-KR" altLang="en-US" sz="1100" b="0" i="0" dirty="0">
+                <a:effectLst/>
+                <a:latin typeface="KaTeX_Main"/>
+              </a:rPr>
+              <a:t>​</a:t>
+            </a:r>
+            <a:r>
+              <a:rPr lang="ko-KR" altLang="en-US" sz="1100" b="0" i="0" dirty="0">
+                <a:effectLst/>
+                <a:latin typeface="Söhne"/>
+              </a:rPr>
+              <a:t> </a:t>
+            </a:r>
+            <a:r>
+              <a:rPr lang="en-US" altLang="ko-KR" sz="1100" b="0" i="0" dirty="0">
+                <a:effectLst/>
+                <a:latin typeface="Söhne"/>
+              </a:rPr>
+              <a:t>: </a:t>
+            </a:r>
+            <a:r>
+              <a:rPr lang="ko-KR" altLang="en-US" sz="1100" b="0" i="0" dirty="0">
+                <a:effectLst/>
+                <a:latin typeface="Söhne"/>
+              </a:rPr>
+              <a:t>이미지 </a:t>
+            </a:r>
+            <a:r>
+              <a:rPr lang="en-US" altLang="ko-KR" sz="1100" b="0" i="0" dirty="0">
+                <a:effectLst/>
+                <a:latin typeface="Söhne"/>
+              </a:rPr>
+              <a:t>loss</a:t>
+            </a:r>
+          </a:p>
+          <a:p>
+            <a:pPr marL="0" indent="0" algn="l">
+              <a:buNone/>
+            </a:pPr>
+            <a:r>
+              <a:rPr lang="ko-KR" altLang="en-US" sz="1100" dirty="0">
+                <a:latin typeface="Söhne"/>
+              </a:rPr>
+              <a:t>얼마나 원본 이미지와 비슷하게 복원하였는가</a:t>
+            </a:r>
+            <a:endParaRPr lang="en-US" altLang="ko-KR" sz="1100" dirty="0">
+              <a:latin typeface="Söhne"/>
+            </a:endParaRPr>
+          </a:p>
+          <a:p>
+            <a:pPr marL="0" indent="0" algn="l">
+              <a:buNone/>
+            </a:pPr>
+            <a:endParaRPr lang="en-US" altLang="ko-KR" sz="1100" dirty="0">
+              <a:latin typeface="Söhne"/>
+            </a:endParaRPr>
+          </a:p>
+          <a:p>
+            <a:pPr marL="0" indent="0" algn="l">
+              <a:buNone/>
+            </a:pPr>
+            <a:r>
+              <a:rPr lang="ko-KR" altLang="en-US" sz="1100" b="0" i="0" dirty="0">
+                <a:effectLst/>
+                <a:latin typeface="Söhne"/>
+              </a:rPr>
+              <a:t>사용 가능한 </a:t>
+            </a:r>
+            <a:r>
+              <a:rPr lang="en-US" altLang="ko-KR" sz="1100" b="0" i="0" dirty="0">
+                <a:effectLst/>
+                <a:latin typeface="Söhne"/>
+              </a:rPr>
+              <a:t>loss</a:t>
+            </a:r>
+          </a:p>
+          <a:p>
+            <a:pPr algn="l">
+              <a:buFont typeface="Arial" panose="020B0604020202020204" pitchFamily="34" charset="0"/>
+              <a:buChar char="•"/>
+            </a:pPr>
+            <a:r>
+              <a:rPr lang="en-US" altLang="ko-KR" sz="1100" b="0" i="0" dirty="0">
+                <a:effectLst/>
+                <a:latin typeface="Söhne"/>
+              </a:rPr>
+              <a:t>Watson-VGG(Default)</a:t>
+            </a:r>
+          </a:p>
+          <a:p>
+            <a:pPr algn="l">
+              <a:buFont typeface="Arial" panose="020B0604020202020204" pitchFamily="34" charset="0"/>
+              <a:buChar char="•"/>
+            </a:pPr>
+            <a:r>
+              <a:rPr lang="en-US" altLang="ko-KR" sz="1100" dirty="0">
+                <a:latin typeface="Söhne"/>
+              </a:rPr>
+              <a:t>Watson-</a:t>
+            </a:r>
+            <a:r>
+              <a:rPr lang="en-US" altLang="ko-KR" sz="1100" dirty="0" err="1">
+                <a:latin typeface="Söhne"/>
+              </a:rPr>
+              <a:t>dft</a:t>
+            </a:r>
+            <a:endParaRPr lang="en-US" altLang="ko-KR" sz="1100" dirty="0">
+              <a:latin typeface="Söhne"/>
+            </a:endParaRPr>
+          </a:p>
+          <a:p>
+            <a:r>
+              <a:rPr lang="en-US" altLang="ko-KR" sz="1100" dirty="0">
+                <a:latin typeface="Söhne"/>
+              </a:rPr>
+              <a:t>Watson-</a:t>
+            </a:r>
+            <a:r>
+              <a:rPr lang="en-US" altLang="ko-KR" sz="1100" dirty="0" err="1">
+                <a:latin typeface="Söhne"/>
+              </a:rPr>
+              <a:t>fft</a:t>
+            </a:r>
+            <a:endParaRPr lang="en-US" altLang="ko-KR" sz="1100" b="0" i="0" dirty="0">
+              <a:effectLst/>
+              <a:latin typeface="Söhne"/>
+            </a:endParaRPr>
+          </a:p>
+          <a:p>
+            <a:pPr algn="l">
+              <a:buFont typeface="Arial" panose="020B0604020202020204" pitchFamily="34" charset="0"/>
+              <a:buChar char="•"/>
+            </a:pPr>
+            <a:r>
+              <a:rPr lang="en-US" altLang="ko-KR" sz="1100" b="0" i="0" dirty="0">
+                <a:effectLst/>
+                <a:latin typeface="Söhne"/>
+              </a:rPr>
+              <a:t>MSE</a:t>
+            </a:r>
+          </a:p>
+          <a:p>
+            <a:pPr algn="l">
+              <a:buFont typeface="Arial" panose="020B0604020202020204" pitchFamily="34" charset="0"/>
+              <a:buChar char="•"/>
+            </a:pPr>
+            <a:r>
+              <a:rPr lang="en-US" altLang="ko-KR" sz="1100" dirty="0">
+                <a:latin typeface="Söhne"/>
+              </a:rPr>
+              <a:t>SSIM</a:t>
+            </a:r>
+            <a:endParaRPr lang="en-US" altLang="ko-KR" sz="1100" b="0" i="0" dirty="0">
+              <a:effectLst/>
+              <a:latin typeface="Söhne"/>
+            </a:endParaRPr>
+          </a:p>
+        </p:txBody>
+      </p:sp>
+      <p:sp>
+        <p:nvSpPr>
+          <p:cNvPr id="11" name="내용 개체 틀 2">
+            <a:extLst>
+              <a:ext uri="{FF2B5EF4-FFF2-40B4-BE49-F238E27FC236}">
+                <a16:creationId xmlns:a16="http://schemas.microsoft.com/office/drawing/2014/main" id="{C0CC596D-AEAD-45D2-99A9-582DF33A93DD}"/>
+              </a:ext>
+            </a:extLst>
+          </p:cNvPr>
+          <p:cNvSpPr txBox="1">
+            <a:spLocks/>
+          </p:cNvSpPr>
+          <p:nvPr/>
+        </p:nvSpPr>
+        <p:spPr>
+          <a:xfrm>
+            <a:off x="669634" y="3394708"/>
+            <a:ext cx="2157787" cy="1935282"/>
+          </a:xfrm>
+          <a:prstGeom prst="rect">
+            <a:avLst/>
+          </a:prstGeom>
+        </p:spPr>
+        <p:txBody>
+          <a:bodyPr vert="horz" lIns="91440" tIns="45720" rIns="91440" bIns="45720" rtlCol="0">
+            <a:normAutofit/>
+          </a:bodyPr>
+          <a:lstStyle>
+            <a:lvl1pPr marL="228600" indent="-228600" algn="l" defTabSz="914400" rtl="0" eaLnBrk="1" latinLnBrk="1" hangingPunct="1">
+              <a:lnSpc>
+                <a:spcPct val="90000"/>
+              </a:lnSpc>
+              <a:spcBef>
+                <a:spcPts val="1000"/>
+              </a:spcBef>
+              <a:buFont typeface="Arial" panose="020B0604020202020204" pitchFamily="34" charset="0"/>
+              <a:buChar char="•"/>
+              <a:defRPr sz="2800" kern="1200">
+                <a:solidFill>
+                  <a:schemeClr val="tx1"/>
+                </a:solidFill>
+                <a:latin typeface="+mn-lt"/>
+                <a:ea typeface="+mn-ea"/>
+                <a:cs typeface="+mn-cs"/>
+              </a:defRPr>
+            </a:lvl1pPr>
+            <a:lvl2pPr marL="685800" indent="-228600" algn="l" defTabSz="914400" rtl="0" eaLnBrk="1" latinLnBrk="1" hangingPunct="1">
+              <a:lnSpc>
+                <a:spcPct val="90000"/>
+              </a:lnSpc>
+              <a:spcBef>
+                <a:spcPts val="500"/>
+              </a:spcBef>
+              <a:buFont typeface="Arial" panose="020B0604020202020204" pitchFamily="34" charset="0"/>
+              <a:buChar char="•"/>
+              <a:defRPr sz="2400" kern="1200">
+                <a:solidFill>
+                  <a:schemeClr val="tx1"/>
+                </a:solidFill>
+                <a:latin typeface="+mn-lt"/>
+                <a:ea typeface="+mn-ea"/>
+                <a:cs typeface="+mn-cs"/>
+              </a:defRPr>
+            </a:lvl2pPr>
+            <a:lvl3pPr marL="1143000" indent="-228600" algn="l" defTabSz="914400" rtl="0" eaLnBrk="1" latinLnBrk="1" hangingPunct="1">
+              <a:lnSpc>
+                <a:spcPct val="90000"/>
+              </a:lnSpc>
+              <a:spcBef>
+                <a:spcPts val="500"/>
+              </a:spcBef>
+              <a:buFont typeface="Arial" panose="020B0604020202020204" pitchFamily="34" charset="0"/>
+              <a:buChar char="•"/>
+              <a:defRPr sz="2000" kern="1200">
+                <a:solidFill>
+                  <a:schemeClr val="tx1"/>
+                </a:solidFill>
+                <a:latin typeface="+mn-lt"/>
+                <a:ea typeface="+mn-ea"/>
+                <a:cs typeface="+mn-cs"/>
+              </a:defRPr>
+            </a:lvl3pPr>
+            <a:lvl4pPr marL="1600200" indent="-228600" algn="l" defTabSz="914400" rtl="0" eaLnBrk="1" latinLnBrk="1" hangingPunct="1">
+              <a:lnSpc>
+                <a:spcPct val="90000"/>
+              </a:lnSpc>
+              <a:spcBef>
+                <a:spcPts val="500"/>
+              </a:spcBef>
+              <a:buFont typeface="Arial" panose="020B0604020202020204" pitchFamily="34" charset="0"/>
+              <a:buChar char="•"/>
+              <a:defRPr sz="1800" kern="1200">
+                <a:solidFill>
+                  <a:schemeClr val="tx1"/>
+                </a:solidFill>
+                <a:latin typeface="+mn-lt"/>
+                <a:ea typeface="+mn-ea"/>
+                <a:cs typeface="+mn-cs"/>
+              </a:defRPr>
+            </a:lvl4pPr>
+            <a:lvl5pPr marL="2057400" indent="-228600" algn="l" defTabSz="914400" rtl="0" eaLnBrk="1" latinLnBrk="1" hangingPunct="1">
+              <a:lnSpc>
+                <a:spcPct val="90000"/>
+              </a:lnSpc>
+              <a:spcBef>
+                <a:spcPts val="500"/>
+              </a:spcBef>
+              <a:buFont typeface="Arial" panose="020B0604020202020204" pitchFamily="34" charset="0"/>
+              <a:buChar char="•"/>
+              <a:defRPr sz="1800" kern="1200">
+                <a:solidFill>
+                  <a:schemeClr val="tx1"/>
+                </a:solidFill>
+                <a:latin typeface="+mn-lt"/>
+                <a:ea typeface="+mn-ea"/>
+                <a:cs typeface="+mn-cs"/>
+              </a:defRPr>
+            </a:lvl5pPr>
+            <a:lvl6pPr marL="2514600" indent="-228600" algn="l" defTabSz="914400" rtl="0" eaLnBrk="1" latinLnBrk="1" hangingPunct="1">
+              <a:lnSpc>
+                <a:spcPct val="90000"/>
+              </a:lnSpc>
+              <a:spcBef>
+                <a:spcPts val="500"/>
+              </a:spcBef>
+              <a:buFont typeface="Arial" panose="020B0604020202020204" pitchFamily="34" charset="0"/>
+              <a:buChar char="•"/>
+              <a:defRPr sz="1800" kern="1200">
+                <a:solidFill>
+                  <a:schemeClr val="tx1"/>
+                </a:solidFill>
+                <a:latin typeface="+mn-lt"/>
+                <a:ea typeface="+mn-ea"/>
+                <a:cs typeface="+mn-cs"/>
+              </a:defRPr>
+            </a:lvl6pPr>
+            <a:lvl7pPr marL="2971800" indent="-228600" algn="l" defTabSz="914400" rtl="0" eaLnBrk="1" latinLnBrk="1" hangingPunct="1">
+              <a:lnSpc>
+                <a:spcPct val="90000"/>
+              </a:lnSpc>
+              <a:spcBef>
+                <a:spcPts val="500"/>
+              </a:spcBef>
+              <a:buFont typeface="Arial" panose="020B0604020202020204" pitchFamily="34" charset="0"/>
+              <a:buChar char="•"/>
+              <a:defRPr sz="1800" kern="1200">
+                <a:solidFill>
+                  <a:schemeClr val="tx1"/>
+                </a:solidFill>
+                <a:latin typeface="+mn-lt"/>
+                <a:ea typeface="+mn-ea"/>
+                <a:cs typeface="+mn-cs"/>
+              </a:defRPr>
+            </a:lvl7pPr>
+            <a:lvl8pPr marL="3429000" indent="-228600" algn="l" defTabSz="914400" rtl="0" eaLnBrk="1" latinLnBrk="1" hangingPunct="1">
+              <a:lnSpc>
+                <a:spcPct val="90000"/>
+              </a:lnSpc>
+              <a:spcBef>
+                <a:spcPts val="500"/>
+              </a:spcBef>
+              <a:buFont typeface="Arial" panose="020B0604020202020204" pitchFamily="34" charset="0"/>
+              <a:buChar char="•"/>
+              <a:defRPr sz="1800" kern="1200">
+                <a:solidFill>
+                  <a:schemeClr val="tx1"/>
+                </a:solidFill>
+                <a:latin typeface="+mn-lt"/>
+                <a:ea typeface="+mn-ea"/>
+                <a:cs typeface="+mn-cs"/>
+              </a:defRPr>
+            </a:lvl8pPr>
+            <a:lvl9pPr marL="3886200" indent="-228600" algn="l" defTabSz="914400" rtl="0" eaLnBrk="1" latinLnBrk="1" hangingPunct="1">
+              <a:lnSpc>
+                <a:spcPct val="90000"/>
+              </a:lnSpc>
+              <a:spcBef>
+                <a:spcPts val="500"/>
+              </a:spcBef>
+              <a:buFont typeface="Arial" panose="020B0604020202020204" pitchFamily="34" charset="0"/>
+              <a:buChar char="•"/>
+              <a:defRPr sz="1800" kern="1200">
+                <a:solidFill>
+                  <a:schemeClr val="tx1"/>
+                </a:solidFill>
+                <a:latin typeface="+mn-lt"/>
+                <a:ea typeface="+mn-ea"/>
+                <a:cs typeface="+mn-cs"/>
+              </a:defRPr>
+            </a:lvl9pPr>
+          </a:lstStyle>
+          <a:p>
+            <a:pPr algn="l">
+              <a:buFont typeface="Arial" panose="020B0604020202020204" pitchFamily="34" charset="0"/>
+              <a:buChar char="•"/>
+            </a:pPr>
+            <a:r>
+              <a:rPr lang="en-US" altLang="ko-KR" sz="1100" b="0" i="1" dirty="0">
+                <a:effectLst/>
+                <a:latin typeface="KaTeX_Math"/>
+              </a:rPr>
+              <a:t>L</a:t>
+            </a:r>
+            <a:r>
+              <a:rPr lang="ko-KR" altLang="en-US" sz="1100" b="0" i="0" dirty="0">
+                <a:effectLst/>
+                <a:latin typeface="Söhne"/>
+              </a:rPr>
+              <a:t> </a:t>
+            </a:r>
+            <a:r>
+              <a:rPr lang="en-US" altLang="ko-KR" sz="1100" b="0" i="0" dirty="0">
+                <a:effectLst/>
+                <a:latin typeface="Söhne"/>
+              </a:rPr>
+              <a:t>: </a:t>
+            </a:r>
+            <a:r>
+              <a:rPr lang="ko-KR" altLang="en-US" sz="1100" b="0" i="0" dirty="0">
+                <a:effectLst/>
+                <a:latin typeface="Söhne"/>
+              </a:rPr>
+              <a:t>전체 </a:t>
+            </a:r>
+            <a:r>
+              <a:rPr lang="en-US" altLang="ko-KR" sz="1100" b="0" i="0" dirty="0">
+                <a:effectLst/>
+                <a:latin typeface="Söhne"/>
+              </a:rPr>
+              <a:t>loss</a:t>
+            </a:r>
+          </a:p>
+          <a:p>
+            <a:pPr algn="l">
+              <a:buFont typeface="Arial" panose="020B0604020202020204" pitchFamily="34" charset="0"/>
+              <a:buChar char="•"/>
+            </a:pPr>
+            <a:r>
+              <a:rPr lang="en-US" altLang="ko-KR" sz="1100" b="0" i="1" dirty="0" err="1">
+                <a:effectLst/>
+                <a:latin typeface="KaTeX_Math"/>
+              </a:rPr>
+              <a:t>Lm</a:t>
+            </a:r>
+            <a:r>
+              <a:rPr lang="en-US" altLang="ko-KR" sz="1100" b="0" i="0" dirty="0">
+                <a:effectLst/>
+                <a:latin typeface="Söhne"/>
+              </a:rPr>
+              <a:t>​ : </a:t>
+            </a:r>
+            <a:r>
+              <a:rPr lang="ko-KR" altLang="en-US" sz="1100" b="0" i="0" dirty="0">
+                <a:effectLst/>
+                <a:latin typeface="Söhne"/>
+              </a:rPr>
+              <a:t>메시지 </a:t>
+            </a:r>
+            <a:r>
+              <a:rPr lang="en-US" altLang="ko-KR" sz="1100" b="0" i="0" dirty="0">
+                <a:effectLst/>
+                <a:latin typeface="Söhne"/>
+              </a:rPr>
+              <a:t>loss</a:t>
+            </a:r>
+          </a:p>
+          <a:p>
+            <a:pPr algn="l">
+              <a:buFont typeface="Arial" panose="020B0604020202020204" pitchFamily="34" charset="0"/>
+              <a:buChar char="•"/>
+            </a:pPr>
+            <a:r>
+              <a:rPr lang="en-US" altLang="ko-KR" sz="1100" b="0" i="1" dirty="0">
+                <a:effectLst/>
+                <a:latin typeface="KaTeX_Math"/>
+              </a:rPr>
+              <a:t>Li</a:t>
+            </a:r>
+            <a:r>
+              <a:rPr lang="en-US" altLang="ko-KR" sz="1100" b="0" i="0" dirty="0">
+                <a:effectLst/>
+                <a:latin typeface="Söhne"/>
+              </a:rPr>
+              <a:t> : </a:t>
+            </a:r>
+            <a:r>
+              <a:rPr lang="ko-KR" altLang="en-US" sz="1100" dirty="0">
+                <a:latin typeface="Söhne"/>
+              </a:rPr>
+              <a:t>이미</a:t>
+            </a:r>
+            <a:r>
+              <a:rPr lang="ko-KR" altLang="en-US" sz="1100" b="0" i="0" dirty="0">
+                <a:effectLst/>
+                <a:latin typeface="Söhne"/>
+              </a:rPr>
+              <a:t>지 </a:t>
+            </a:r>
+            <a:r>
+              <a:rPr lang="en-US" altLang="ko-KR" sz="1100" b="0" i="0" dirty="0">
+                <a:effectLst/>
+                <a:latin typeface="Söhne"/>
+              </a:rPr>
+              <a:t>loss</a:t>
+            </a:r>
+            <a:endParaRPr lang="ko-KR" altLang="en-US" sz="1100" b="0" i="0" dirty="0">
+              <a:effectLst/>
+              <a:latin typeface="Söhne"/>
+            </a:endParaRPr>
+          </a:p>
+          <a:p>
+            <a:pPr algn="l">
+              <a:buFont typeface="Arial" panose="020B0604020202020204" pitchFamily="34" charset="0"/>
+              <a:buChar char="•"/>
+            </a:pPr>
+            <a:r>
+              <a:rPr lang="el-GR" altLang="ko-KR" sz="1100" b="0" i="1" dirty="0">
+                <a:effectLst/>
+                <a:latin typeface="KaTeX_Math"/>
+              </a:rPr>
+              <a:t>λ</a:t>
+            </a:r>
+            <a:r>
+              <a:rPr lang="en-US" altLang="ko-KR" sz="1100" b="0" i="1" dirty="0" err="1">
+                <a:effectLst/>
+                <a:latin typeface="KaTeX_Math"/>
+              </a:rPr>
+              <a:t>i</a:t>
+            </a:r>
+            <a:r>
+              <a:rPr lang="en-US" altLang="ko-KR" sz="1100" b="0" i="0" dirty="0">
+                <a:effectLst/>
+                <a:latin typeface="Söhne"/>
+              </a:rPr>
+              <a:t>​ : </a:t>
+            </a:r>
+            <a:r>
+              <a:rPr lang="ko-KR" altLang="en-US" sz="1100" b="0" i="0" dirty="0">
+                <a:effectLst/>
+                <a:latin typeface="Söhne"/>
+              </a:rPr>
+              <a:t>이미지 </a:t>
+            </a:r>
+            <a:r>
+              <a:rPr lang="en-US" altLang="ko-KR" sz="1100" b="0" i="0" dirty="0">
+                <a:effectLst/>
+                <a:latin typeface="Söhne"/>
+              </a:rPr>
+              <a:t>loss</a:t>
+            </a:r>
+            <a:r>
+              <a:rPr lang="ko-KR" altLang="en-US" sz="1100" b="0" i="0" dirty="0">
+                <a:effectLst/>
+                <a:latin typeface="Söhne"/>
+              </a:rPr>
+              <a:t> 가중치</a:t>
+            </a:r>
+            <a:endParaRPr lang="ko-KR" altLang="en-US" sz="1100" b="0" i="1" dirty="0">
+              <a:effectLst/>
+              <a:latin typeface="KaTeX_Math"/>
+            </a:endParaRPr>
+          </a:p>
+          <a:p>
+            <a:pPr algn="l">
+              <a:buFont typeface="Arial" panose="020B0604020202020204" pitchFamily="34" charset="0"/>
+              <a:buChar char="•"/>
+            </a:pPr>
+            <a:endParaRPr lang="en-US" altLang="ko-KR" sz="1100" b="0" i="0" dirty="0">
+              <a:effectLst/>
+              <a:latin typeface="Söhne"/>
+            </a:endParaRPr>
+          </a:p>
+          <a:p>
+            <a:pPr algn="l">
+              <a:buFont typeface="Arial" panose="020B0604020202020204" pitchFamily="34" charset="0"/>
+              <a:buChar char="•"/>
+            </a:pPr>
+            <a:endParaRPr lang="en-US" altLang="ko-KR" sz="1100" b="0" i="0" dirty="0">
+              <a:effectLst/>
+              <a:latin typeface="Söhne"/>
+            </a:endParaRPr>
+          </a:p>
+        </p:txBody>
+      </p:sp>
+    </p:spTree>
+    <p:extLst>
+      <p:ext uri="{BB962C8B-B14F-4D97-AF65-F5344CB8AC3E}">
+        <p14:creationId xmlns:p14="http://schemas.microsoft.com/office/powerpoint/2010/main" val="1395833746"/>
       </p:ext>
     </p:extLst>
   </p:cSld>

--- a/The Stable Signature Rooting Watermarks in Latent Diffusion Models/Rooting Watermarks in Latent Diffusion Models.pptx
+++ b/The Stable Signature Rooting Watermarks in Latent Diffusion Models/Rooting Watermarks in Latent Diffusion Models.pptx
@@ -220,7 +220,7 @@
           <a:p>
             <a:fld id="{4890B703-0836-499D-9F8D-D18F794AD7C3}" type="datetimeFigureOut">
               <a:rPr lang="ko-KR" altLang="en-US" smtClean="0"/>
-              <a:t>2023-10-26</a:t>
+              <a:t>2023-11-09</a:t>
             </a:fld>
             <a:endParaRPr lang="ko-KR" altLang="en-US"/>
           </a:p>
@@ -718,7 +718,7 @@
           <a:p>
             <a:fld id="{C98425AB-0F5E-4B1B-A3F7-CE19EA6D8895}" type="datetimeFigureOut">
               <a:rPr lang="ko-KR" altLang="en-US" smtClean="0"/>
-              <a:t>2023-10-26</a:t>
+              <a:t>2023-11-09</a:t>
             </a:fld>
             <a:endParaRPr lang="ko-KR" altLang="en-US"/>
           </a:p>
@@ -916,7 +916,7 @@
           <a:p>
             <a:fld id="{C98425AB-0F5E-4B1B-A3F7-CE19EA6D8895}" type="datetimeFigureOut">
               <a:rPr lang="ko-KR" altLang="en-US" smtClean="0"/>
-              <a:t>2023-10-26</a:t>
+              <a:t>2023-11-09</a:t>
             </a:fld>
             <a:endParaRPr lang="ko-KR" altLang="en-US"/>
           </a:p>
@@ -1124,7 +1124,7 @@
           <a:p>
             <a:fld id="{C98425AB-0F5E-4B1B-A3F7-CE19EA6D8895}" type="datetimeFigureOut">
               <a:rPr lang="ko-KR" altLang="en-US" smtClean="0"/>
-              <a:t>2023-10-26</a:t>
+              <a:t>2023-11-09</a:t>
             </a:fld>
             <a:endParaRPr lang="ko-KR" altLang="en-US"/>
           </a:p>
@@ -1322,7 +1322,7 @@
           <a:p>
             <a:fld id="{C98425AB-0F5E-4B1B-A3F7-CE19EA6D8895}" type="datetimeFigureOut">
               <a:rPr lang="ko-KR" altLang="en-US" smtClean="0"/>
-              <a:t>2023-10-26</a:t>
+              <a:t>2023-11-09</a:t>
             </a:fld>
             <a:endParaRPr lang="ko-KR" altLang="en-US"/>
           </a:p>
@@ -1597,7 +1597,7 @@
           <a:p>
             <a:fld id="{C98425AB-0F5E-4B1B-A3F7-CE19EA6D8895}" type="datetimeFigureOut">
               <a:rPr lang="ko-KR" altLang="en-US" smtClean="0"/>
-              <a:t>2023-10-26</a:t>
+              <a:t>2023-11-09</a:t>
             </a:fld>
             <a:endParaRPr lang="ko-KR" altLang="en-US"/>
           </a:p>
@@ -1862,7 +1862,7 @@
           <a:p>
             <a:fld id="{C98425AB-0F5E-4B1B-A3F7-CE19EA6D8895}" type="datetimeFigureOut">
               <a:rPr lang="ko-KR" altLang="en-US" smtClean="0"/>
-              <a:t>2023-10-26</a:t>
+              <a:t>2023-11-09</a:t>
             </a:fld>
             <a:endParaRPr lang="ko-KR" altLang="en-US"/>
           </a:p>
@@ -2274,7 +2274,7 @@
           <a:p>
             <a:fld id="{C98425AB-0F5E-4B1B-A3F7-CE19EA6D8895}" type="datetimeFigureOut">
               <a:rPr lang="ko-KR" altLang="en-US" smtClean="0"/>
-              <a:t>2023-10-26</a:t>
+              <a:t>2023-11-09</a:t>
             </a:fld>
             <a:endParaRPr lang="ko-KR" altLang="en-US"/>
           </a:p>
@@ -2415,7 +2415,7 @@
           <a:p>
             <a:fld id="{C98425AB-0F5E-4B1B-A3F7-CE19EA6D8895}" type="datetimeFigureOut">
               <a:rPr lang="ko-KR" altLang="en-US" smtClean="0"/>
-              <a:t>2023-10-26</a:t>
+              <a:t>2023-11-09</a:t>
             </a:fld>
             <a:endParaRPr lang="ko-KR" altLang="en-US"/>
           </a:p>
@@ -2528,7 +2528,7 @@
           <a:p>
             <a:fld id="{C98425AB-0F5E-4B1B-A3F7-CE19EA6D8895}" type="datetimeFigureOut">
               <a:rPr lang="ko-KR" altLang="en-US" smtClean="0"/>
-              <a:t>2023-10-26</a:t>
+              <a:t>2023-11-09</a:t>
             </a:fld>
             <a:endParaRPr lang="ko-KR" altLang="en-US"/>
           </a:p>
@@ -2839,7 +2839,7 @@
           <a:p>
             <a:fld id="{C98425AB-0F5E-4B1B-A3F7-CE19EA6D8895}" type="datetimeFigureOut">
               <a:rPr lang="ko-KR" altLang="en-US" smtClean="0"/>
-              <a:t>2023-10-26</a:t>
+              <a:t>2023-11-09</a:t>
             </a:fld>
             <a:endParaRPr lang="ko-KR" altLang="en-US"/>
           </a:p>
@@ -3127,7 +3127,7 @@
           <a:p>
             <a:fld id="{C98425AB-0F5E-4B1B-A3F7-CE19EA6D8895}" type="datetimeFigureOut">
               <a:rPr lang="ko-KR" altLang="en-US" smtClean="0"/>
-              <a:t>2023-10-26</a:t>
+              <a:t>2023-11-09</a:t>
             </a:fld>
             <a:endParaRPr lang="ko-KR" altLang="en-US"/>
           </a:p>
@@ -3368,7 +3368,7 @@
           <a:p>
             <a:fld id="{C98425AB-0F5E-4B1B-A3F7-CE19EA6D8895}" type="datetimeFigureOut">
               <a:rPr lang="ko-KR" altLang="en-US" smtClean="0"/>
-              <a:t>2023-10-26</a:t>
+              <a:t>2023-11-09</a:t>
             </a:fld>
             <a:endParaRPr lang="ko-KR" altLang="en-US"/>
           </a:p>
@@ -4128,6 +4128,32 @@
               <a:rPr lang="ko-KR" altLang="en-US" dirty="0"/>
               <a:t>에서 사용되는 방식</a:t>
             </a:r>
+            <a:endParaRPr lang="en-US" altLang="ko-KR" dirty="0"/>
+          </a:p>
+          <a:p>
+            <a:r>
+              <a:rPr lang="en-US" altLang="ko-KR" dirty="0"/>
+              <a:t>8*8 </a:t>
+            </a:r>
+            <a:r>
+              <a:rPr lang="ko-KR" altLang="en-US" dirty="0"/>
+              <a:t>픽셀로 분할한 후</a:t>
+            </a:r>
+            <a:r>
+              <a:rPr lang="en-US" altLang="ko-KR" dirty="0"/>
+              <a:t>, cos </a:t>
+            </a:r>
+            <a:r>
+              <a:rPr lang="ko-KR" altLang="en-US" dirty="0"/>
+              <a:t>모양을 </a:t>
+            </a:r>
+            <a:r>
+              <a:rPr lang="ko-KR" altLang="en-US"/>
+              <a:t>가지는 주기함수의 형태로 근사해서 표현</a:t>
+            </a:r>
+            <a:endParaRPr lang="en-US" altLang="ko-KR" dirty="0"/>
+          </a:p>
+          <a:p>
             <a:endParaRPr lang="en-US" altLang="ko-KR" dirty="0"/>
           </a:p>
         </p:txBody>

--- a/The Stable Signature Rooting Watermarks in Latent Diffusion Models/Rooting Watermarks in Latent Diffusion Models.pptx
+++ b/The Stable Signature Rooting Watermarks in Latent Diffusion Models/Rooting Watermarks in Latent Diffusion Models.pptx
@@ -1,11 +1,11 @@
 
 <file path=ppt/presentation.xml><?xml version="1.0" encoding="utf-8"?>
-<p:presentation xmlns:a="http://schemas.openxmlformats.org/drawingml/2006/main" xmlns:r="http://schemas.openxmlformats.org/officeDocument/2006/relationships" xmlns:p="http://schemas.openxmlformats.org/presentationml/2006/main" saveSubsetFonts="1">
+<p:presentation xmlns:a="http://schemas.openxmlformats.org/drawingml/2006/main" xmlns:r="http://schemas.openxmlformats.org/officeDocument/2006/relationships" xmlns:p="http://schemas.openxmlformats.org/presentationml/2006/main">
   <p:sldMasterIdLst>
     <p:sldMasterId id="2147483648" r:id="rId1"/>
   </p:sldMasterIdLst>
   <p:notesMasterIdLst>
-    <p:notesMasterId r:id="rId14"/>
+    <p:notesMasterId r:id="rId19"/>
   </p:notesMasterIdLst>
   <p:sldIdLst>
     <p:sldId id="256" r:id="rId2"/>
@@ -18,8 +18,13 @@
     <p:sldId id="298" r:id="rId9"/>
     <p:sldId id="299" r:id="rId10"/>
     <p:sldId id="300" r:id="rId11"/>
-    <p:sldId id="286" r:id="rId12"/>
-    <p:sldId id="270" r:id="rId13"/>
+    <p:sldId id="303" r:id="rId12"/>
+    <p:sldId id="301" r:id="rId13"/>
+    <p:sldId id="302" r:id="rId14"/>
+    <p:sldId id="304" r:id="rId15"/>
+    <p:sldId id="305" r:id="rId16"/>
+    <p:sldId id="286" r:id="rId17"/>
+    <p:sldId id="270" r:id="rId18"/>
   </p:sldIdLst>
   <p:sldSz cx="12192000" cy="6858000"/>
   <p:notesSz cx="6858000" cy="9144000"/>
@@ -128,13 +133,7 @@
 
 <file path=ppt/commentAuthors.xml><?xml version="1.0" encoding="utf-8"?>
 <p:cmAuthorLst xmlns:a="http://schemas.openxmlformats.org/drawingml/2006/main" xmlns:r="http://schemas.openxmlformats.org/officeDocument/2006/relationships" xmlns:p="http://schemas.openxmlformats.org/presentationml/2006/main">
-  <p:cmAuthor id="1" name="기범" initials="기" lastIdx="1" clrIdx="0">
-    <p:extLst>
-      <p:ext uri="{19B8F6BF-5375-455C-9EA6-DF929625EA0E}">
-        <p15:presenceInfo xmlns:p15="http://schemas.microsoft.com/office/powerpoint/2012/main" userId="f26098a9e64b74f4" providerId="Windows Live"/>
-      </p:ext>
-    </p:extLst>
-  </p:cmAuthor>
+  <p:cmAuthor id="1" name="기범" initials="기" lastIdx="1" clrIdx="0"/>
 </p:cmAuthorLst>
 </file>
 
@@ -180,13 +179,16 @@
           </a:prstGeom>
         </p:spPr>
         <p:txBody>
-          <a:bodyPr vert="horz" lIns="91440" tIns="45720" rIns="91440" bIns="45720" rtlCol="0"/>
+          <a:bodyPr vert="horz" lIns="91440" tIns="45720" rIns="91440" bIns="45720"/>
           <a:lstStyle>
             <a:lvl1pPr algn="l">
               <a:defRPr sz="1200"/>
             </a:lvl1pPr>
           </a:lstStyle>
           <a:p>
+            <a:pPr lvl="0">
+              <a:defRPr/>
+            </a:pPr>
             <a:endParaRPr lang="ko-KR" altLang="en-US"/>
           </a:p>
         </p:txBody>
@@ -211,16 +213,22 @@
           </a:prstGeom>
         </p:spPr>
         <p:txBody>
-          <a:bodyPr vert="horz" lIns="91440" tIns="45720" rIns="91440" bIns="45720" rtlCol="0"/>
+          <a:bodyPr vert="horz" lIns="91440" tIns="45720" rIns="91440" bIns="45720"/>
           <a:lstStyle>
             <a:lvl1pPr algn="r">
               <a:defRPr sz="1200"/>
             </a:lvl1pPr>
           </a:lstStyle>
           <a:p>
-            <a:fld id="{4890B703-0836-499D-9F8D-D18F794AD7C3}" type="datetimeFigureOut">
-              <a:rPr lang="ko-KR" altLang="en-US" smtClean="0"/>
-              <a:t>2023-11-09</a:t>
+            <a:pPr lvl="0">
+              <a:defRPr/>
+            </a:pPr>
+            <a:fld id="{4890B703-0836-499D-9F8D-D18F794AD7C3}" type="datetime1">
+              <a:rPr lang="ko-KR" altLang="en-US"/>
+              <a:pPr lvl="0">
+                <a:defRPr/>
+              </a:pPr>
+              <a:t>2023-11-15</a:t>
             </a:fld>
             <a:endParaRPr lang="ko-KR" altLang="en-US"/>
           </a:p>
@@ -230,7 +238,7 @@
         <p:nvSpPr>
           <p:cNvPr id="4" name="슬라이드 이미지 개체 틀 3"/>
           <p:cNvSpPr>
-            <a:spLocks noGrp="1" noRot="1" noChangeAspect="1"/>
+            <a:spLocks noGrp="1" noRot="1" noChangeAspect="1" noTextEdit="1"/>
           </p:cNvSpPr>
           <p:nvPr>
             <p:ph type="sldImg" idx="2"/>
@@ -252,9 +260,12 @@
           </a:ln>
         </p:spPr>
         <p:txBody>
-          <a:bodyPr vert="horz" lIns="91440" tIns="45720" rIns="91440" bIns="45720" rtlCol="0" anchor="ctr"/>
+          <a:bodyPr vert="horz" lIns="91440" tIns="45720" rIns="91440" bIns="45720" anchor="ctr"/>
           <a:lstStyle/>
           <a:p>
+            <a:pPr lvl="0">
+              <a:defRPr/>
+            </a:pPr>
             <a:endParaRPr lang="ko-KR" altLang="en-US"/>
           </a:p>
         </p:txBody>
@@ -279,38 +290,48 @@
           </a:prstGeom>
         </p:spPr>
         <p:txBody>
-          <a:bodyPr vert="horz" lIns="91440" tIns="45720" rIns="91440" bIns="45720" rtlCol="0"/>
+          <a:bodyPr vert="horz" lIns="91440" tIns="45720" rIns="91440" bIns="45720"/>
           <a:lstStyle/>
           <a:p>
-            <a:pPr lvl="0"/>
+            <a:pPr lvl="0">
+              <a:defRPr/>
+            </a:pPr>
             <a:r>
               <a:rPr lang="ko-KR" altLang="en-US"/>
               <a:t>마스터 텍스트 스타일을 편집하려면 클릭</a:t>
             </a:r>
           </a:p>
           <a:p>
-            <a:pPr lvl="1"/>
+            <a:pPr lvl="1">
+              <a:defRPr/>
+            </a:pPr>
             <a:r>
               <a:rPr lang="ko-KR" altLang="en-US"/>
               <a:t>두 번째 수준</a:t>
             </a:r>
           </a:p>
           <a:p>
-            <a:pPr lvl="2"/>
+            <a:pPr lvl="2">
+              <a:defRPr/>
+            </a:pPr>
             <a:r>
               <a:rPr lang="ko-KR" altLang="en-US"/>
               <a:t>세 번째 수준</a:t>
             </a:r>
           </a:p>
           <a:p>
-            <a:pPr lvl="3"/>
+            <a:pPr lvl="3">
+              <a:defRPr/>
+            </a:pPr>
             <a:r>
               <a:rPr lang="ko-KR" altLang="en-US"/>
               <a:t>네 번째 수준</a:t>
             </a:r>
           </a:p>
           <a:p>
-            <a:pPr lvl="4"/>
+            <a:pPr lvl="4">
+              <a:defRPr/>
+            </a:pPr>
             <a:r>
               <a:rPr lang="ko-KR" altLang="en-US"/>
               <a:t>다섯 번째 수준</a:t>
@@ -338,13 +359,16 @@
           </a:prstGeom>
         </p:spPr>
         <p:txBody>
-          <a:bodyPr vert="horz" lIns="91440" tIns="45720" rIns="91440" bIns="45720" rtlCol="0" anchor="b"/>
+          <a:bodyPr vert="horz" lIns="91440" tIns="45720" rIns="91440" bIns="45720" anchor="b"/>
           <a:lstStyle>
             <a:lvl1pPr algn="l">
               <a:defRPr sz="1200"/>
             </a:lvl1pPr>
           </a:lstStyle>
           <a:p>
+            <a:pPr lvl="0">
+              <a:defRPr/>
+            </a:pPr>
             <a:endParaRPr lang="ko-KR" altLang="en-US"/>
           </a:p>
         </p:txBody>
@@ -369,15 +393,21 @@
           </a:prstGeom>
         </p:spPr>
         <p:txBody>
-          <a:bodyPr vert="horz" lIns="91440" tIns="45720" rIns="91440" bIns="45720" rtlCol="0" anchor="b"/>
+          <a:bodyPr vert="horz" lIns="91440" tIns="45720" rIns="91440" bIns="45720" anchor="b"/>
           <a:lstStyle>
             <a:lvl1pPr algn="r">
               <a:defRPr sz="1200"/>
             </a:lvl1pPr>
           </a:lstStyle>
           <a:p>
+            <a:pPr lvl="0">
+              <a:defRPr/>
+            </a:pPr>
             <a:fld id="{17CD097A-5759-4135-9984-2451C32C3456}" type="slidenum">
-              <a:rPr lang="ko-KR" altLang="en-US" smtClean="0"/>
+              <a:rPr lang="ko-KR" altLang="en-US"/>
+              <a:pPr lvl="0">
+                <a:defRPr/>
+              </a:pPr>
               <a:t>‹#›</a:t>
             </a:fld>
             <a:endParaRPr lang="ko-KR" altLang="en-US"/>
@@ -392,6 +422,7 @@
     </p:extLst>
   </p:cSld>
   <p:clrMap bg1="lt1" tx1="dk1" bg2="lt2" tx2="dk2" accent1="accent1" accent2="accent2" accent3="accent3" accent4="accent4" accent5="accent5" accent6="accent6" hlink="hlink" folHlink="folHlink"/>
+  <p:hf hdr="0" ftr="0" dt="0"/>
   <p:notesStyle>
     <a:lvl1pPr marL="0" algn="l" defTabSz="914400" rtl="0" eaLnBrk="1" latinLnBrk="1" hangingPunct="1">
       <a:defRPr sz="1200" kern="1200">
@@ -506,6 +537,496 @@
       </p:grpSpPr>
       <p:sp>
         <p:nvSpPr>
+          <p:cNvPr id="2" name="슬라이드 이미지 개체 틀 3"/>
+          <p:cNvSpPr>
+            <a:spLocks noGrp="1" noRot="1" noChangeAspect="1" noTextEdit="1"/>
+          </p:cNvSpPr>
+          <p:nvPr>
+            <p:ph type="sldImg" idx="2"/>
+          </p:nvPr>
+        </p:nvSpPr>
+        <p:spPr/>
+        <p:txBody>
+          <a:bodyPr/>
+          <a:lstStyle/>
+          <a:p>
+            <a:endParaRPr lang="ko-KR" altLang="en-US"/>
+          </a:p>
+        </p:txBody>
+      </p:sp>
+      <p:sp>
+        <p:nvSpPr>
+          <p:cNvPr id="3" name="슬라이드 노트 개체 틀 4"/>
+          <p:cNvSpPr>
+            <a:spLocks noGrp="1"/>
+          </p:cNvSpPr>
+          <p:nvPr>
+            <p:ph type="body" sz="quarter" idx="3"/>
+          </p:nvPr>
+        </p:nvSpPr>
+        <p:spPr/>
+        <p:txBody>
+          <a:bodyPr/>
+          <a:lstStyle/>
+          <a:p>
+            <a:pPr>
+              <a:defRPr/>
+            </a:pPr>
+            <a:endParaRPr lang="en-US" altLang="ko-KR"/>
+          </a:p>
+        </p:txBody>
+      </p:sp>
+      <p:sp>
+        <p:nvSpPr>
+          <p:cNvPr id="4" name="슬라이드 번호 개체 틀 6"/>
+          <p:cNvSpPr>
+            <a:spLocks noGrp="1"/>
+          </p:cNvSpPr>
+          <p:nvPr>
+            <p:ph type="sldNum" sz="quarter" idx="5"/>
+          </p:nvPr>
+        </p:nvSpPr>
+        <p:spPr/>
+        <p:txBody>
+          <a:bodyPr/>
+          <a:lstStyle/>
+          <a:p>
+            <a:pPr lvl="0"/>
+            <a:fld id="{17CD097A-5759-4135-9984-2451C32C3456}" type="slidenum">
+              <a:rPr lang="ko-KR" altLang="en-US" smtClean="0"/>
+              <a:t>10</a:t>
+            </a:fld>
+            <a:endParaRPr lang="ko-KR" altLang="en-US"/>
+          </a:p>
+        </p:txBody>
+      </p:sp>
+    </p:spTree>
+    <p:extLst>
+      <p:ext uri="{BB962C8B-B14F-4D97-AF65-F5344CB8AC3E}">
+        <p14:creationId xmlns:p14="http://schemas.microsoft.com/office/powerpoint/2010/main" val="2686782785"/>
+      </p:ext>
+    </p:extLst>
+  </p:cSld>
+  <p:clrMapOvr>
+    <a:masterClrMapping/>
+  </p:clrMapOvr>
+</p:notes>
+</file>
+
+<file path=ppt/notesSlides/notesSlide2.xml><?xml version="1.0" encoding="utf-8"?>
+<p:notes xmlns:a="http://schemas.openxmlformats.org/drawingml/2006/main" xmlns:r="http://schemas.openxmlformats.org/officeDocument/2006/relationships" xmlns:p="http://schemas.openxmlformats.org/presentationml/2006/main">
+  <p:cSld>
+    <p:spTree>
+      <p:nvGrpSpPr>
+        <p:cNvPr id="1" name=""/>
+        <p:cNvGrpSpPr/>
+        <p:nvPr/>
+      </p:nvGrpSpPr>
+      <p:grpSpPr>
+        <a:xfrm>
+          <a:off x="0" y="0"/>
+          <a:ext cx="0" cy="0"/>
+          <a:chOff x="0" y="0"/>
+          <a:chExt cx="0" cy="0"/>
+        </a:xfrm>
+      </p:grpSpPr>
+      <p:sp>
+        <p:nvSpPr>
+          <p:cNvPr id="2" name="슬라이드 이미지 개체 틀 3"/>
+          <p:cNvSpPr>
+            <a:spLocks noGrp="1" noRot="1" noChangeAspect="1" noTextEdit="1"/>
+          </p:cNvSpPr>
+          <p:nvPr>
+            <p:ph type="sldImg" idx="2"/>
+          </p:nvPr>
+        </p:nvSpPr>
+        <p:spPr/>
+        <p:txBody>
+          <a:bodyPr/>
+          <a:lstStyle/>
+          <a:p>
+            <a:endParaRPr lang="ko-KR" altLang="en-US"/>
+          </a:p>
+        </p:txBody>
+      </p:sp>
+      <p:sp>
+        <p:nvSpPr>
+          <p:cNvPr id="3" name="슬라이드 노트 개체 틀 4"/>
+          <p:cNvSpPr>
+            <a:spLocks noGrp="1"/>
+          </p:cNvSpPr>
+          <p:nvPr>
+            <p:ph type="body" sz="quarter" idx="3"/>
+          </p:nvPr>
+        </p:nvSpPr>
+        <p:spPr/>
+        <p:txBody>
+          <a:bodyPr/>
+          <a:lstStyle/>
+          <a:p>
+            <a:pPr>
+              <a:defRPr/>
+            </a:pPr>
+            <a:endParaRPr lang="ko-KR" altLang="en-US"/>
+          </a:p>
+        </p:txBody>
+      </p:sp>
+      <p:sp>
+        <p:nvSpPr>
+          <p:cNvPr id="4" name="슬라이드 번호 개체 틀 6"/>
+          <p:cNvSpPr>
+            <a:spLocks noGrp="1"/>
+          </p:cNvSpPr>
+          <p:nvPr>
+            <p:ph type="sldNum" sz="quarter" idx="5"/>
+          </p:nvPr>
+        </p:nvSpPr>
+        <p:spPr/>
+        <p:txBody>
+          <a:bodyPr/>
+          <a:lstStyle/>
+          <a:p>
+            <a:pPr lvl="0"/>
+            <a:fld id="{17CD097A-5759-4135-9984-2451C32C3456}" type="slidenum">
+              <a:rPr lang="ko-KR" altLang="en-US" smtClean="0"/>
+              <a:t>11</a:t>
+            </a:fld>
+            <a:endParaRPr lang="ko-KR" altLang="en-US"/>
+          </a:p>
+        </p:txBody>
+      </p:sp>
+    </p:spTree>
+    <p:extLst>
+      <p:ext uri="{BB962C8B-B14F-4D97-AF65-F5344CB8AC3E}">
+        <p14:creationId xmlns:p14="http://schemas.microsoft.com/office/powerpoint/2010/main" val="936740587"/>
+      </p:ext>
+    </p:extLst>
+  </p:cSld>
+  <p:clrMapOvr>
+    <a:masterClrMapping/>
+  </p:clrMapOvr>
+</p:notes>
+</file>
+
+<file path=ppt/notesSlides/notesSlide3.xml><?xml version="1.0" encoding="utf-8"?>
+<p:notes xmlns:a="http://schemas.openxmlformats.org/drawingml/2006/main" xmlns:r="http://schemas.openxmlformats.org/officeDocument/2006/relationships" xmlns:p="http://schemas.openxmlformats.org/presentationml/2006/main">
+  <p:cSld>
+    <p:spTree>
+      <p:nvGrpSpPr>
+        <p:cNvPr id="1" name=""/>
+        <p:cNvGrpSpPr/>
+        <p:nvPr/>
+      </p:nvGrpSpPr>
+      <p:grpSpPr>
+        <a:xfrm>
+          <a:off x="0" y="0"/>
+          <a:ext cx="0" cy="0"/>
+          <a:chOff x="0" y="0"/>
+          <a:chExt cx="0" cy="0"/>
+        </a:xfrm>
+      </p:grpSpPr>
+      <p:sp>
+        <p:nvSpPr>
+          <p:cNvPr id="2" name="슬라이드 이미지 개체 틀 3"/>
+          <p:cNvSpPr>
+            <a:spLocks noGrp="1" noRot="1" noChangeAspect="1" noTextEdit="1"/>
+          </p:cNvSpPr>
+          <p:nvPr>
+            <p:ph type="sldImg" idx="2"/>
+          </p:nvPr>
+        </p:nvSpPr>
+        <p:spPr/>
+        <p:txBody>
+          <a:bodyPr/>
+          <a:lstStyle/>
+          <a:p>
+            <a:endParaRPr lang="en-US" altLang="ko-KR"/>
+          </a:p>
+        </p:txBody>
+      </p:sp>
+      <p:sp>
+        <p:nvSpPr>
+          <p:cNvPr id="3" name="슬라이드 노트 개체 틀 4"/>
+          <p:cNvSpPr>
+            <a:spLocks noGrp="1"/>
+          </p:cNvSpPr>
+          <p:nvPr>
+            <p:ph type="body" sz="quarter" idx="3"/>
+          </p:nvPr>
+        </p:nvSpPr>
+        <p:spPr/>
+        <p:txBody>
+          <a:bodyPr/>
+          <a:lstStyle/>
+          <a:p>
+            <a:pPr>
+              <a:defRPr/>
+            </a:pPr>
+            <a:endParaRPr lang="ko-KR" altLang="en-US"/>
+          </a:p>
+        </p:txBody>
+      </p:sp>
+      <p:sp>
+        <p:nvSpPr>
+          <p:cNvPr id="4" name="슬라이드 번호 개체 틀 6"/>
+          <p:cNvSpPr>
+            <a:spLocks noGrp="1"/>
+          </p:cNvSpPr>
+          <p:nvPr>
+            <p:ph type="sldNum" sz="quarter" idx="5"/>
+          </p:nvPr>
+        </p:nvSpPr>
+        <p:spPr/>
+        <p:txBody>
+          <a:bodyPr/>
+          <a:lstStyle/>
+          <a:p>
+            <a:pPr lvl="0">
+              <a:defRPr/>
+            </a:pPr>
+            <a:fld id="{17CD097A-5759-4135-9984-2451C32C3456}" type="slidenum">
+              <a:rPr lang="ko-KR" altLang="en-US"/>
+              <a:pPr lvl="0">
+                <a:defRPr/>
+              </a:pPr>
+              <a:t>12</a:t>
+            </a:fld>
+            <a:endParaRPr lang="ko-KR" altLang="en-US"/>
+          </a:p>
+        </p:txBody>
+      </p:sp>
+    </p:spTree>
+    <p:extLst>
+      <p:ext uri="{BB962C8B-B14F-4D97-AF65-F5344CB8AC3E}">
+        <p14:creationId xmlns:p14="http://schemas.microsoft.com/office/powerpoint/2010/main" val="3459667178"/>
+      </p:ext>
+    </p:extLst>
+  </p:cSld>
+  <p:clrMapOvr>
+    <a:masterClrMapping/>
+  </p:clrMapOvr>
+</p:notes>
+</file>
+
+<file path=ppt/notesSlides/notesSlide4.xml><?xml version="1.0" encoding="utf-8"?>
+<p:notes xmlns:a="http://schemas.openxmlformats.org/drawingml/2006/main" xmlns:r="http://schemas.openxmlformats.org/officeDocument/2006/relationships" xmlns:p="http://schemas.openxmlformats.org/presentationml/2006/main">
+  <p:cSld>
+    <p:spTree>
+      <p:nvGrpSpPr>
+        <p:cNvPr id="1" name=""/>
+        <p:cNvGrpSpPr/>
+        <p:nvPr/>
+      </p:nvGrpSpPr>
+      <p:grpSpPr>
+        <a:xfrm>
+          <a:off x="0" y="0"/>
+          <a:ext cx="0" cy="0"/>
+          <a:chOff x="0" y="0"/>
+          <a:chExt cx="0" cy="0"/>
+        </a:xfrm>
+      </p:grpSpPr>
+      <p:sp>
+        <p:nvSpPr>
+          <p:cNvPr id="2" name="슬라이드 이미지 개체 틀 3"/>
+          <p:cNvSpPr>
+            <a:spLocks noGrp="1" noRot="1" noChangeAspect="1" noTextEdit="1"/>
+          </p:cNvSpPr>
+          <p:nvPr>
+            <p:ph type="sldImg" idx="2"/>
+          </p:nvPr>
+        </p:nvSpPr>
+        <p:spPr/>
+        <p:txBody>
+          <a:bodyPr/>
+          <a:lstStyle/>
+          <a:p>
+            <a:endParaRPr lang="ko-KR" altLang="en-US"/>
+          </a:p>
+        </p:txBody>
+      </p:sp>
+      <p:sp>
+        <p:nvSpPr>
+          <p:cNvPr id="3" name="슬라이드 노트 개체 틀 4"/>
+          <p:cNvSpPr>
+            <a:spLocks noGrp="1"/>
+          </p:cNvSpPr>
+          <p:nvPr>
+            <p:ph type="body" sz="quarter" idx="3"/>
+          </p:nvPr>
+        </p:nvSpPr>
+        <p:spPr/>
+        <p:txBody>
+          <a:bodyPr/>
+          <a:lstStyle/>
+          <a:p>
+            <a:pPr>
+              <a:defRPr/>
+            </a:pPr>
+            <a:endParaRPr lang="ko-KR" altLang="en-US"/>
+          </a:p>
+        </p:txBody>
+      </p:sp>
+      <p:sp>
+        <p:nvSpPr>
+          <p:cNvPr id="4" name="슬라이드 번호 개체 틀 6"/>
+          <p:cNvSpPr>
+            <a:spLocks noGrp="1"/>
+          </p:cNvSpPr>
+          <p:nvPr>
+            <p:ph type="sldNum" sz="quarter" idx="5"/>
+          </p:nvPr>
+        </p:nvSpPr>
+        <p:spPr/>
+        <p:txBody>
+          <a:bodyPr/>
+          <a:lstStyle/>
+          <a:p>
+            <a:pPr lvl="0">
+              <a:defRPr/>
+            </a:pPr>
+            <a:fld id="{17CD097A-5759-4135-9984-2451C32C3456}" type="slidenum">
+              <a:rPr lang="ko-KR" altLang="en-US"/>
+              <a:pPr lvl="0">
+                <a:defRPr/>
+              </a:pPr>
+              <a:t>14</a:t>
+            </a:fld>
+            <a:endParaRPr lang="ko-KR" altLang="en-US"/>
+          </a:p>
+        </p:txBody>
+      </p:sp>
+    </p:spTree>
+    <p:extLst>
+      <p:ext uri="{BB962C8B-B14F-4D97-AF65-F5344CB8AC3E}">
+        <p14:creationId xmlns:p14="http://schemas.microsoft.com/office/powerpoint/2010/main" val="3836569641"/>
+      </p:ext>
+    </p:extLst>
+  </p:cSld>
+  <p:clrMapOvr>
+    <a:masterClrMapping/>
+  </p:clrMapOvr>
+</p:notes>
+</file>
+
+<file path=ppt/notesSlides/notesSlide5.xml><?xml version="1.0" encoding="utf-8"?>
+<p:notes xmlns:a="http://schemas.openxmlformats.org/drawingml/2006/main" xmlns:r="http://schemas.openxmlformats.org/officeDocument/2006/relationships" xmlns:p="http://schemas.openxmlformats.org/presentationml/2006/main">
+  <p:cSld>
+    <p:spTree>
+      <p:nvGrpSpPr>
+        <p:cNvPr id="1" name=""/>
+        <p:cNvGrpSpPr/>
+        <p:nvPr/>
+      </p:nvGrpSpPr>
+      <p:grpSpPr>
+        <a:xfrm>
+          <a:off x="0" y="0"/>
+          <a:ext cx="0" cy="0"/>
+          <a:chOff x="0" y="0"/>
+          <a:chExt cx="0" cy="0"/>
+        </a:xfrm>
+      </p:grpSpPr>
+      <p:sp>
+        <p:nvSpPr>
+          <p:cNvPr id="2" name="슬라이드 이미지 개체 틀 3"/>
+          <p:cNvSpPr>
+            <a:spLocks noGrp="1" noRot="1" noChangeAspect="1" noTextEdit="1"/>
+          </p:cNvSpPr>
+          <p:nvPr>
+            <p:ph type="sldImg" idx="2"/>
+          </p:nvPr>
+        </p:nvSpPr>
+        <p:spPr/>
+        <p:txBody>
+          <a:bodyPr/>
+          <a:lstStyle/>
+          <a:p>
+            <a:endParaRPr lang="ko-KR" altLang="en-US"/>
+          </a:p>
+        </p:txBody>
+      </p:sp>
+      <p:sp>
+        <p:nvSpPr>
+          <p:cNvPr id="3" name="슬라이드 노트 개체 틀 4"/>
+          <p:cNvSpPr>
+            <a:spLocks noGrp="1"/>
+          </p:cNvSpPr>
+          <p:nvPr>
+            <p:ph type="body" sz="quarter" idx="3"/>
+          </p:nvPr>
+        </p:nvSpPr>
+        <p:spPr/>
+        <p:txBody>
+          <a:bodyPr/>
+          <a:lstStyle/>
+          <a:p>
+            <a:pPr>
+              <a:defRPr/>
+            </a:pPr>
+            <a:endParaRPr lang="ko-KR" altLang="en-US"/>
+          </a:p>
+        </p:txBody>
+      </p:sp>
+      <p:sp>
+        <p:nvSpPr>
+          <p:cNvPr id="4" name="슬라이드 번호 개체 틀 6"/>
+          <p:cNvSpPr>
+            <a:spLocks noGrp="1"/>
+          </p:cNvSpPr>
+          <p:nvPr>
+            <p:ph type="sldNum" sz="quarter" idx="5"/>
+          </p:nvPr>
+        </p:nvSpPr>
+        <p:spPr/>
+        <p:txBody>
+          <a:bodyPr/>
+          <a:lstStyle/>
+          <a:p>
+            <a:pPr lvl="0">
+              <a:defRPr/>
+            </a:pPr>
+            <a:fld id="{17CD097A-5759-4135-9984-2451C32C3456}" type="slidenum">
+              <a:rPr lang="ko-KR" altLang="en-US"/>
+              <a:pPr lvl="0">
+                <a:defRPr/>
+              </a:pPr>
+              <a:t>15</a:t>
+            </a:fld>
+            <a:endParaRPr lang="ko-KR" altLang="en-US"/>
+          </a:p>
+        </p:txBody>
+      </p:sp>
+    </p:spTree>
+    <p:extLst>
+      <p:ext uri="{BB962C8B-B14F-4D97-AF65-F5344CB8AC3E}">
+        <p14:creationId xmlns:p14="http://schemas.microsoft.com/office/powerpoint/2010/main" val="3402879181"/>
+      </p:ext>
+    </p:extLst>
+  </p:cSld>
+  <p:clrMapOvr>
+    <a:masterClrMapping/>
+  </p:clrMapOvr>
+</p:notes>
+</file>
+
+<file path=ppt/notesSlides/notesSlide6.xml><?xml version="1.0" encoding="utf-8"?>
+<p:notes xmlns:a="http://schemas.openxmlformats.org/drawingml/2006/main" xmlns:r="http://schemas.openxmlformats.org/officeDocument/2006/relationships" xmlns:p="http://schemas.openxmlformats.org/presentationml/2006/main">
+  <p:cSld>
+    <p:spTree>
+      <p:nvGrpSpPr>
+        <p:cNvPr id="1" name=""/>
+        <p:cNvGrpSpPr/>
+        <p:nvPr/>
+      </p:nvGrpSpPr>
+      <p:grpSpPr>
+        <a:xfrm>
+          <a:off x="0" y="0"/>
+          <a:ext cx="0" cy="0"/>
+          <a:chOff x="0" y="0"/>
+          <a:chExt cx="0" cy="0"/>
+        </a:xfrm>
+      </p:grpSpPr>
+      <p:sp>
+        <p:nvSpPr>
           <p:cNvPr id="2" name="슬라이드 이미지 개체 틀 1"/>
           <p:cNvSpPr>
             <a:spLocks noGrp="1" noRot="1" noChangeAspect="1"/>
@@ -552,7 +1073,7 @@
           <a:p>
             <a:fld id="{17CD097A-5759-4135-9984-2451C32C3456}" type="slidenum">
               <a:rPr lang="ko-KR" altLang="en-US" smtClean="0"/>
-              <a:t>11</a:t>
+              <a:t>16</a:t>
             </a:fld>
             <a:endParaRPr lang="ko-KR" altLang="en-US"/>
           </a:p>
@@ -718,7 +1239,7 @@
           <a:p>
             <a:fld id="{C98425AB-0F5E-4B1B-A3F7-CE19EA6D8895}" type="datetimeFigureOut">
               <a:rPr lang="ko-KR" altLang="en-US" smtClean="0"/>
-              <a:t>2023-11-09</a:t>
+              <a:t>2023-11-15</a:t>
             </a:fld>
             <a:endParaRPr lang="ko-KR" altLang="en-US"/>
           </a:p>
@@ -916,7 +1437,7 @@
           <a:p>
             <a:fld id="{C98425AB-0F5E-4B1B-A3F7-CE19EA6D8895}" type="datetimeFigureOut">
               <a:rPr lang="ko-KR" altLang="en-US" smtClean="0"/>
-              <a:t>2023-11-09</a:t>
+              <a:t>2023-11-15</a:t>
             </a:fld>
             <a:endParaRPr lang="ko-KR" altLang="en-US"/>
           </a:p>
@@ -1124,7 +1645,7 @@
           <a:p>
             <a:fld id="{C98425AB-0F5E-4B1B-A3F7-CE19EA6D8895}" type="datetimeFigureOut">
               <a:rPr lang="ko-KR" altLang="en-US" smtClean="0"/>
-              <a:t>2023-11-09</a:t>
+              <a:t>2023-11-15</a:t>
             </a:fld>
             <a:endParaRPr lang="ko-KR" altLang="en-US"/>
           </a:p>
@@ -1322,7 +1843,7 @@
           <a:p>
             <a:fld id="{C98425AB-0F5E-4B1B-A3F7-CE19EA6D8895}" type="datetimeFigureOut">
               <a:rPr lang="ko-KR" altLang="en-US" smtClean="0"/>
-              <a:t>2023-11-09</a:t>
+              <a:t>2023-11-15</a:t>
             </a:fld>
             <a:endParaRPr lang="ko-KR" altLang="en-US"/>
           </a:p>
@@ -1597,7 +2118,7 @@
           <a:p>
             <a:fld id="{C98425AB-0F5E-4B1B-A3F7-CE19EA6D8895}" type="datetimeFigureOut">
               <a:rPr lang="ko-KR" altLang="en-US" smtClean="0"/>
-              <a:t>2023-11-09</a:t>
+              <a:t>2023-11-15</a:t>
             </a:fld>
             <a:endParaRPr lang="ko-KR" altLang="en-US"/>
           </a:p>
@@ -1862,7 +2383,7 @@
           <a:p>
             <a:fld id="{C98425AB-0F5E-4B1B-A3F7-CE19EA6D8895}" type="datetimeFigureOut">
               <a:rPr lang="ko-KR" altLang="en-US" smtClean="0"/>
-              <a:t>2023-11-09</a:t>
+              <a:t>2023-11-15</a:t>
             </a:fld>
             <a:endParaRPr lang="ko-KR" altLang="en-US"/>
           </a:p>
@@ -2274,7 +2795,7 @@
           <a:p>
             <a:fld id="{C98425AB-0F5E-4B1B-A3F7-CE19EA6D8895}" type="datetimeFigureOut">
               <a:rPr lang="ko-KR" altLang="en-US" smtClean="0"/>
-              <a:t>2023-11-09</a:t>
+              <a:t>2023-11-15</a:t>
             </a:fld>
             <a:endParaRPr lang="ko-KR" altLang="en-US"/>
           </a:p>
@@ -2415,7 +2936,7 @@
           <a:p>
             <a:fld id="{C98425AB-0F5E-4B1B-A3F7-CE19EA6D8895}" type="datetimeFigureOut">
               <a:rPr lang="ko-KR" altLang="en-US" smtClean="0"/>
-              <a:t>2023-11-09</a:t>
+              <a:t>2023-11-15</a:t>
             </a:fld>
             <a:endParaRPr lang="ko-KR" altLang="en-US"/>
           </a:p>
@@ -2528,7 +3049,7 @@
           <a:p>
             <a:fld id="{C98425AB-0F5E-4B1B-A3F7-CE19EA6D8895}" type="datetimeFigureOut">
               <a:rPr lang="ko-KR" altLang="en-US" smtClean="0"/>
-              <a:t>2023-11-09</a:t>
+              <a:t>2023-11-15</a:t>
             </a:fld>
             <a:endParaRPr lang="ko-KR" altLang="en-US"/>
           </a:p>
@@ -2839,7 +3360,7 @@
           <a:p>
             <a:fld id="{C98425AB-0F5E-4B1B-A3F7-CE19EA6D8895}" type="datetimeFigureOut">
               <a:rPr lang="ko-KR" altLang="en-US" smtClean="0"/>
-              <a:t>2023-11-09</a:t>
+              <a:t>2023-11-15</a:t>
             </a:fld>
             <a:endParaRPr lang="ko-KR" altLang="en-US"/>
           </a:p>
@@ -3127,7 +3648,7 @@
           <a:p>
             <a:fld id="{C98425AB-0F5E-4B1B-A3F7-CE19EA6D8895}" type="datetimeFigureOut">
               <a:rPr lang="ko-KR" altLang="en-US" smtClean="0"/>
-              <a:t>2023-11-09</a:t>
+              <a:t>2023-11-15</a:t>
             </a:fld>
             <a:endParaRPr lang="ko-KR" altLang="en-US"/>
           </a:p>
@@ -3368,7 +3889,7 @@
           <a:p>
             <a:fld id="{C98425AB-0F5E-4B1B-A3F7-CE19EA6D8895}" type="datetimeFigureOut">
               <a:rPr lang="ko-KR" altLang="en-US" smtClean="0"/>
-              <a:t>2023-11-09</a:t>
+              <a:t>2023-11-15</a:t>
             </a:fld>
             <a:endParaRPr lang="ko-KR" altLang="en-US"/>
           </a:p>
@@ -3917,16 +4438,8 @@
       </p:sp>
       <p:sp>
         <p:nvSpPr>
-          <p:cNvPr id="5" name="내용 개체 틀 2">
-            <a:extLst>
-              <a:ext uri="{FF2B5EF4-FFF2-40B4-BE49-F238E27FC236}">
-                <a16:creationId xmlns:a16="http://schemas.microsoft.com/office/drawing/2014/main" id="{695A909E-8A17-451D-B1FD-4ED5E9A31658}"/>
-              </a:ext>
-            </a:extLst>
-          </p:cNvPr>
-          <p:cNvSpPr txBox="1">
-            <a:spLocks/>
-          </p:cNvSpPr>
+          <p:cNvPr id="5" name="내용 개체 틀 2"/>
+          <p:cNvSpPr txBox="1"/>
           <p:nvPr/>
         </p:nvSpPr>
         <p:spPr>
@@ -3939,7 +4452,7 @@
           </a:prstGeom>
         </p:spPr>
         <p:txBody>
-          <a:bodyPr vert="horz" lIns="91440" tIns="45720" rIns="91440" bIns="45720" rtlCol="0">
+          <a:bodyPr vert="horz" lIns="91440" tIns="45720" rIns="91440" bIns="45720">
             <a:normAutofit/>
           </a:bodyPr>
           <a:lstStyle>
@@ -3950,7 +4463,7 @@
               <a:spcBef>
                 <a:spcPts val="1000"/>
               </a:spcBef>
-              <a:buFont typeface="Arial" panose="020B0604020202020204" pitchFamily="34" charset="0"/>
+              <a:buFont typeface="Arial"/>
               <a:buChar char="•"/>
               <a:defRPr sz="2800" kern="1200">
                 <a:solidFill>
@@ -3968,7 +4481,7 @@
               <a:spcBef>
                 <a:spcPts val="500"/>
               </a:spcBef>
-              <a:buFont typeface="Arial" panose="020B0604020202020204" pitchFamily="34" charset="0"/>
+              <a:buFont typeface="Arial"/>
               <a:buChar char="•"/>
               <a:defRPr sz="2400" kern="1200">
                 <a:solidFill>
@@ -3986,7 +4499,7 @@
               <a:spcBef>
                 <a:spcPts val="500"/>
               </a:spcBef>
-              <a:buFont typeface="Arial" panose="020B0604020202020204" pitchFamily="34" charset="0"/>
+              <a:buFont typeface="Arial"/>
               <a:buChar char="•"/>
               <a:defRPr sz="2000" kern="1200">
                 <a:solidFill>
@@ -4004,7 +4517,7 @@
               <a:spcBef>
                 <a:spcPts val="500"/>
               </a:spcBef>
-              <a:buFont typeface="Arial" panose="020B0604020202020204" pitchFamily="34" charset="0"/>
+              <a:buFont typeface="Arial"/>
               <a:buChar char="•"/>
               <a:defRPr sz="1800" kern="1200">
                 <a:solidFill>
@@ -4022,7 +4535,7 @@
               <a:spcBef>
                 <a:spcPts val="500"/>
               </a:spcBef>
-              <a:buFont typeface="Arial" panose="020B0604020202020204" pitchFamily="34" charset="0"/>
+              <a:buFont typeface="Arial"/>
               <a:buChar char="•"/>
               <a:defRPr sz="1800" kern="1200">
                 <a:solidFill>
@@ -4040,7 +4553,7 @@
               <a:spcBef>
                 <a:spcPts val="500"/>
               </a:spcBef>
-              <a:buFont typeface="Arial" panose="020B0604020202020204" pitchFamily="34" charset="0"/>
+              <a:buFont typeface="Arial"/>
               <a:buChar char="•"/>
               <a:defRPr sz="1800" kern="1200">
                 <a:solidFill>
@@ -4058,7 +4571,7 @@
               <a:spcBef>
                 <a:spcPts val="500"/>
               </a:spcBef>
-              <a:buFont typeface="Arial" panose="020B0604020202020204" pitchFamily="34" charset="0"/>
+              <a:buFont typeface="Arial"/>
               <a:buChar char="•"/>
               <a:defRPr sz="1800" kern="1200">
                 <a:solidFill>
@@ -4076,7 +4589,7 @@
               <a:spcBef>
                 <a:spcPts val="500"/>
               </a:spcBef>
-              <a:buFont typeface="Arial" panose="020B0604020202020204" pitchFamily="34" charset="0"/>
+              <a:buFont typeface="Arial"/>
               <a:buChar char="•"/>
               <a:defRPr sz="1800" kern="1200">
                 <a:solidFill>
@@ -4094,7 +4607,7 @@
               <a:spcBef>
                 <a:spcPts val="500"/>
               </a:spcBef>
-              <a:buFont typeface="Arial" panose="020B0604020202020204" pitchFamily="34" charset="0"/>
+              <a:buFont typeface="Arial"/>
               <a:buChar char="•"/>
               <a:defRPr sz="1800" kern="1200">
                 <a:solidFill>
@@ -4109,100 +4622,317 @@
           <a:p>
             <a:pPr marL="0" indent="0">
               <a:buNone/>
+              <a:defRPr/>
             </a:pPr>
             <a:r>
-              <a:rPr lang="en-US" altLang="ko-KR" dirty="0"/>
+              <a:rPr lang="en-US" altLang="ko-KR"/>
               <a:t>2-1. Discrete Cosine Transform(DCT)</a:t>
             </a:r>
           </a:p>
           <a:p>
-            <a:r>
-              <a:rPr lang="ko-KR" altLang="en-US" dirty="0"/>
+            <a:pPr lvl="0">
+              <a:defRPr/>
+            </a:pPr>
+            <a:r>
+              <a:rPr lang="ko-KR" altLang="en-US" sz="2300"/>
               <a:t>사진을 압축하는 방법 중 하나로 </a:t>
             </a:r>
             <a:r>
-              <a:rPr lang="en-US" altLang="ko-KR" dirty="0"/>
+              <a:rPr lang="en-US" altLang="ko-KR" sz="2300"/>
               <a:t>JPEG</a:t>
             </a:r>
             <a:r>
-              <a:rPr lang="ko-KR" altLang="en-US" dirty="0"/>
+              <a:rPr lang="ko-KR" altLang="en-US" sz="2300"/>
               <a:t>에서 사용되는 방식</a:t>
             </a:r>
-            <a:endParaRPr lang="en-US" altLang="ko-KR" dirty="0"/>
-          </a:p>
-          <a:p>
-            <a:r>
-              <a:rPr lang="en-US" altLang="ko-KR" dirty="0"/>
+          </a:p>
+          <a:p>
+            <a:pPr lvl="0">
+              <a:defRPr/>
+            </a:pPr>
+            <a:r>
+              <a:rPr lang="ko-KR" altLang="en-US" sz="2300"/>
+              <a:t>이미지를 공간 영역(Spatial Domain)에서 주파수 영역(Frequency Domain)으로 변환</a:t>
+            </a:r>
+          </a:p>
+          <a:p>
+            <a:pPr lvl="0">
+              <a:defRPr/>
+            </a:pPr>
+            <a:r>
+              <a:rPr lang="en-US" altLang="ko-KR" sz="2300"/>
               <a:t>8*8 </a:t>
             </a:r>
             <a:r>
-              <a:rPr lang="ko-KR" altLang="en-US" dirty="0"/>
-              <a:t>픽셀로 분할한 후</a:t>
-            </a:r>
-            <a:r>
-              <a:rPr lang="en-US" altLang="ko-KR" dirty="0"/>
-              <a:t>, cos </a:t>
-            </a:r>
-            <a:r>
-              <a:rPr lang="ko-KR" altLang="en-US" dirty="0"/>
-              <a:t>모양을 </a:t>
-            </a:r>
-            <a:r>
-              <a:rPr lang="ko-KR" altLang="en-US"/>
-              <a:t>가지는 주기함수의 형태로 근사해서 표현</a:t>
-            </a:r>
-            <a:endParaRPr lang="en-US" altLang="ko-KR" dirty="0"/>
-          </a:p>
-          <a:p>
-            <a:endParaRPr lang="en-US" altLang="ko-KR" dirty="0"/>
+              <a:rPr lang="ko-KR" altLang="en-US" sz="2300"/>
+              <a:t>픽셀의 블록으로 분할한 후</a:t>
+            </a:r>
+            <a:r>
+              <a:rPr lang="en-US" altLang="ko-KR" sz="2300"/>
+              <a:t>, cos</a:t>
+            </a:r>
+            <a:r>
+              <a:rPr lang="ko-KR" altLang="en-US" sz="2300"/>
+              <a:t>의 합으로 표현</a:t>
+            </a:r>
+          </a:p>
+          <a:p>
+            <a:pPr lvl="0">
+              <a:defRPr/>
+            </a:pPr>
+            <a:endParaRPr lang="en-US" altLang="ko-KR"/>
           </a:p>
         </p:txBody>
       </p:sp>
       <p:pic>
         <p:nvPicPr>
-          <p:cNvPr id="1026" name="Picture 2">
-            <a:extLst>
-              <a:ext uri="{FF2B5EF4-FFF2-40B4-BE49-F238E27FC236}">
-                <a16:creationId xmlns:a16="http://schemas.microsoft.com/office/drawing/2014/main" id="{586D4280-3F15-4079-9BE7-A4633B5D777E}"/>
-              </a:ext>
-            </a:extLst>
-          </p:cNvPr>
+          <p:cNvPr id="1027" name="그림 1026"/>
           <p:cNvPicPr>
-            <a:picLocks noChangeAspect="1" noChangeArrowheads="1"/>
+            <a:picLocks noChangeAspect="1"/>
           </p:cNvPicPr>
           <p:nvPr/>
         </p:nvPicPr>
-        <p:blipFill>
-          <a:blip r:embed="rId2">
-            <a:extLst>
-              <a:ext uri="{28A0092B-C50C-407E-A947-70E740481C1C}">
-                <a14:useLocalDpi xmlns:a14="http://schemas.microsoft.com/office/drawing/2010/main" val="0"/>
-              </a:ext>
-            </a:extLst>
-          </a:blip>
-          <a:srcRect/>
+        <p:blipFill rotWithShape="1">
+          <a:blip r:embed="rId3"/>
           <a:stretch>
             <a:fillRect/>
           </a:stretch>
         </p:blipFill>
-        <p:spPr bwMode="auto">
+        <p:spPr>
           <a:xfrm>
-            <a:off x="2962273" y="4216400"/>
-            <a:ext cx="6267450" cy="2276475"/>
+            <a:off x="6467148" y="4067111"/>
+            <a:ext cx="5539644" cy="782775"/>
           </a:xfrm>
           <a:prstGeom prst="rect">
             <a:avLst/>
           </a:prstGeom>
-          <a:noFill/>
-          <a:extLst>
-            <a:ext uri="{909E8E84-426E-40DD-AFC4-6F175D3DCCD1}">
-              <a14:hiddenFill xmlns:a14="http://schemas.microsoft.com/office/drawing/2010/main">
-                <a:solidFill>
-                  <a:srgbClr val="FFFFFF"/>
-                </a:solidFill>
-              </a14:hiddenFill>
-            </a:ext>
-          </a:extLst>
+        </p:spPr>
+      </p:pic>
+      <p:sp>
+        <p:nvSpPr>
+          <p:cNvPr id="1028" name="내용 개체 틀 2"/>
+          <p:cNvSpPr txBox="1"/>
+          <p:nvPr/>
+        </p:nvSpPr>
+        <p:spPr>
+          <a:xfrm>
+            <a:off x="7014785" y="5002093"/>
+            <a:ext cx="4439039" cy="1267208"/>
+          </a:xfrm>
+          <a:prstGeom prst="rect">
+            <a:avLst/>
+          </a:prstGeom>
+        </p:spPr>
+        <p:txBody>
+          <a:bodyPr vert="horz" lIns="91440" tIns="45720" rIns="91440" bIns="45720">
+            <a:noAutofit/>
+          </a:bodyPr>
+          <a:lstStyle/>
+          <a:p>
+            <a:pPr marL="228600" indent="-228600" algn="l" defTabSz="914400" rtl="0" eaLnBrk="1" latinLnBrk="1" hangingPunct="1">
+              <a:lnSpc>
+                <a:spcPct val="90000"/>
+              </a:lnSpc>
+              <a:spcBef>
+                <a:spcPts val="1000"/>
+              </a:spcBef>
+              <a:spcAft>
+                <a:spcPts val="0"/>
+              </a:spcAft>
+              <a:buFont typeface="Arial"/>
+              <a:buChar char="•"/>
+              <a:defRPr/>
+            </a:pPr>
+            <a:r>
+              <a:rPr kumimoji="0" lang="en-US" altLang="ko-KR" sz="1100" b="0" i="0" u="none" strike="noStrike" kern="1200" cap="none" spc="0" normalizeH="0" baseline="0">
+                <a:solidFill>
+                  <a:srgbClr val="000000"/>
+                </a:solidFill>
+                <a:effectLst/>
+              </a:rPr>
+              <a:t>f(x,y) : 이미지에서 (x,y) 위치의 픽셀 값</a:t>
+            </a:r>
+          </a:p>
+          <a:p>
+            <a:pPr marL="228600" indent="-228600" algn="l" defTabSz="914400" rtl="0" eaLnBrk="1" latinLnBrk="1" hangingPunct="1">
+              <a:lnSpc>
+                <a:spcPct val="90000"/>
+              </a:lnSpc>
+              <a:spcBef>
+                <a:spcPts val="1000"/>
+              </a:spcBef>
+              <a:spcAft>
+                <a:spcPts val="0"/>
+              </a:spcAft>
+              <a:buFont typeface="Arial"/>
+              <a:buChar char="•"/>
+              <a:defRPr/>
+            </a:pPr>
+            <a:r>
+              <a:rPr kumimoji="0" lang="en-US" altLang="ko-KR" sz="1100" b="0" i="0" u="none" strike="noStrike" kern="1200" cap="none" spc="0" normalizeH="0" baseline="0">
+                <a:solidFill>
+                  <a:srgbClr val="000000"/>
+                </a:solidFill>
+                <a:effectLst/>
+              </a:rPr>
+              <a:t>M, N : 변환을 적용할 블록의 크기(</a:t>
+            </a:r>
+            <a:r>
+              <a:rPr kumimoji="0" lang="ko-KR" altLang="en-US" sz="1100" b="0" i="0" u="none" strike="noStrike" kern="1200" cap="none" spc="0" normalizeH="0" baseline="0">
+                <a:solidFill>
+                  <a:srgbClr val="000000"/>
+                </a:solidFill>
+                <a:effectLst/>
+              </a:rPr>
+              <a:t>보통 </a:t>
+            </a:r>
+            <a:r>
+              <a:rPr kumimoji="0" lang="en-US" altLang="ko-KR" sz="1100" b="0" i="0" u="none" strike="noStrike" kern="1200" cap="none" spc="0" normalizeH="0" baseline="0">
+                <a:solidFill>
+                  <a:srgbClr val="000000"/>
+                </a:solidFill>
+                <a:effectLst/>
+              </a:rPr>
+              <a:t>8*8</a:t>
+            </a:r>
+            <a:r>
+              <a:rPr kumimoji="0" lang="ko-KR" altLang="en-US" sz="1100" b="0" i="0" u="none" strike="noStrike" kern="1200" cap="none" spc="0" normalizeH="0" baseline="0">
+                <a:solidFill>
+                  <a:srgbClr val="000000"/>
+                </a:solidFill>
+                <a:effectLst/>
+              </a:rPr>
+              <a:t> </a:t>
+            </a:r>
+            <a:r>
+              <a:rPr kumimoji="0" lang="en-US" altLang="ko-KR" sz="1100" b="0" i="0" u="none" strike="noStrike" kern="1200" cap="none" spc="0" normalizeH="0" baseline="0">
+                <a:solidFill>
+                  <a:srgbClr val="000000"/>
+                </a:solidFill>
+                <a:effectLst/>
+              </a:rPr>
+              <a:t>or 16*16)</a:t>
+            </a:r>
+          </a:p>
+          <a:p>
+            <a:pPr marL="228600" indent="-228600" algn="l" defTabSz="914400" rtl="0" eaLnBrk="1" latinLnBrk="1" hangingPunct="1">
+              <a:lnSpc>
+                <a:spcPct val="90000"/>
+              </a:lnSpc>
+              <a:spcBef>
+                <a:spcPts val="1000"/>
+              </a:spcBef>
+              <a:spcAft>
+                <a:spcPts val="0"/>
+              </a:spcAft>
+              <a:buFont typeface="Arial"/>
+              <a:buChar char="•"/>
+              <a:defRPr/>
+            </a:pPr>
+            <a:r>
+              <a:rPr kumimoji="0" lang="en-US" altLang="ko-KR" sz="1100" b="0" i="0" u="none" strike="noStrike" kern="1200" cap="none" spc="0" normalizeH="0" baseline="0">
+                <a:solidFill>
+                  <a:srgbClr val="000000"/>
+                </a:solidFill>
+                <a:effectLst/>
+              </a:rPr>
+              <a:t>DCT(u,v) : (u,v) 위치의 DCT 계수</a:t>
+            </a:r>
+          </a:p>
+          <a:p>
+            <a:pPr marL="228600" indent="-228600" algn="l" defTabSz="914400" rtl="0" eaLnBrk="1" latinLnBrk="1" hangingPunct="1">
+              <a:lnSpc>
+                <a:spcPct val="90000"/>
+              </a:lnSpc>
+              <a:spcBef>
+                <a:spcPts val="1000"/>
+              </a:spcBef>
+              <a:spcAft>
+                <a:spcPts val="0"/>
+              </a:spcAft>
+              <a:buFont typeface="Arial"/>
+              <a:buChar char="•"/>
+              <a:defRPr/>
+            </a:pPr>
+            <a:r>
+              <a:rPr kumimoji="0" lang="en-US" altLang="ko-KR" sz="1100" b="0" i="0" u="none" strike="noStrike" kern="1200" cap="none" spc="0" normalizeH="0" baseline="0">
+                <a:solidFill>
+                  <a:srgbClr val="000000"/>
+                </a:solidFill>
+                <a:effectLst/>
+              </a:rPr>
+              <a:t>C(u), C(v)</a:t>
+            </a:r>
+            <a:r>
+              <a:rPr kumimoji="0" lang="ko-KR" altLang="en-US" sz="1100" b="0" i="0" u="none" strike="noStrike" kern="1200" cap="none" spc="0" normalizeH="0" baseline="0">
+                <a:solidFill>
+                  <a:srgbClr val="000000"/>
+                </a:solidFill>
+                <a:effectLst/>
+              </a:rPr>
+              <a:t> </a:t>
+            </a:r>
+            <a:r>
+              <a:rPr kumimoji="0" lang="en-US" altLang="ko-KR" sz="1100" b="0" i="0" u="none" strike="noStrike" kern="1200" cap="none" spc="0" normalizeH="0" baseline="0">
+                <a:solidFill>
+                  <a:srgbClr val="000000"/>
+                </a:solidFill>
+                <a:effectLst/>
+              </a:rPr>
+              <a:t>: 정규화 계수</a:t>
+            </a:r>
+            <a:r>
+              <a:rPr kumimoji="0" lang="ko-KR" altLang="en-US" sz="1100" b="0" i="0" u="none" strike="noStrike" kern="1200" cap="none" spc="0" normalizeH="0" baseline="0">
+                <a:solidFill>
+                  <a:srgbClr val="000000"/>
+                </a:solidFill>
+                <a:effectLst/>
+              </a:rPr>
+              <a:t>로</a:t>
+            </a:r>
+            <a:r>
+              <a:rPr kumimoji="0" lang="en-US" altLang="ko-KR" sz="1100" b="0" i="0" u="none" strike="noStrike" kern="1200" cap="none" spc="0" normalizeH="0" baseline="0">
+                <a:solidFill>
+                  <a:srgbClr val="000000"/>
+                </a:solidFill>
+                <a:effectLst/>
+              </a:rPr>
+              <a:t>, u와 v가 0일 때 sqrt(1/N) 의 값을 가지며, 그렇지 않으면 sqrt(2/N) 의 값을 가</a:t>
+            </a:r>
+            <a:r>
+              <a:rPr kumimoji="0" lang="ko-KR" altLang="en-US" sz="1100" b="0" i="0" u="none" strike="noStrike" kern="1200" cap="none" spc="0" normalizeH="0" baseline="0">
+                <a:solidFill>
+                  <a:srgbClr val="000000"/>
+                </a:solidFill>
+                <a:effectLst/>
+              </a:rPr>
+              <a:t>짐</a:t>
+            </a:r>
+          </a:p>
+        </p:txBody>
+      </p:sp>
+      <p:pic>
+        <p:nvPicPr>
+          <p:cNvPr id="1029" name="그림 1028"/>
+          <p:cNvPicPr>
+            <a:picLocks noChangeAspect="1"/>
+          </p:cNvPicPr>
+          <p:nvPr/>
+        </p:nvPicPr>
+        <p:blipFill rotWithShape="1">
+          <a:blip r:embed="rId4"/>
+          <a:stretch>
+            <a:fillRect/>
+          </a:stretch>
+        </p:blipFill>
+        <p:spPr>
+          <a:xfrm>
+            <a:off x="342899" y="4142846"/>
+            <a:ext cx="5844117" cy="2122711"/>
+          </a:xfrm>
+          <a:prstGeom prst="rect">
+            <a:avLst/>
+          </a:prstGeom>
         </p:spPr>
       </p:pic>
     </p:spTree>
@@ -4215,10 +4945,2298 @@
   <p:clrMapOvr>
     <a:masterClrMapping/>
   </p:clrMapOvr>
+  <mc:AlternateContent xmlns:mc="http://schemas.openxmlformats.org/markup-compatibility/2006" xmlns:p14="http://schemas.microsoft.com/office/powerpoint/2010/main">
+    <mc:Choice Requires="p14">
+      <p:transition/>
+    </mc:Choice>
+    <mc:Fallback xmlns:dsp="http://schemas.microsoft.com/office/drawing/2008/diagram" xmlns:dgm="http://schemas.openxmlformats.org/drawingml/2006/diagram" xmlns:c="http://schemas.openxmlformats.org/drawingml/2006/chart" xmlns="">
+      <p:transition/>
+    </mc:Fallback>
+  </mc:AlternateContent>
 </p:sld>
 </file>
 
 <file path=ppt/slides/slide11.xml><?xml version="1.0" encoding="utf-8"?>
+<p:sld xmlns:a="http://schemas.openxmlformats.org/drawingml/2006/main" xmlns:r="http://schemas.openxmlformats.org/officeDocument/2006/relationships" xmlns:p="http://schemas.openxmlformats.org/presentationml/2006/main">
+  <p:cSld>
+    <p:spTree>
+      <p:nvGrpSpPr>
+        <p:cNvPr id="1" name=""/>
+        <p:cNvGrpSpPr/>
+        <p:nvPr/>
+      </p:nvGrpSpPr>
+      <p:grpSpPr>
+        <a:xfrm>
+          <a:off x="0" y="0"/>
+          <a:ext cx="0" cy="0"/>
+          <a:chOff x="0" y="0"/>
+          <a:chExt cx="0" cy="0"/>
+        </a:xfrm>
+      </p:grpSpPr>
+      <p:sp>
+        <p:nvSpPr>
+          <p:cNvPr id="2" name="제목 1"/>
+          <p:cNvSpPr>
+            <a:spLocks noGrp="1"/>
+          </p:cNvSpPr>
+          <p:nvPr>
+            <p:ph type="title"/>
+          </p:nvPr>
+        </p:nvSpPr>
+        <p:spPr/>
+        <p:txBody>
+          <a:bodyPr/>
+          <a:lstStyle/>
+          <a:p>
+            <a:pPr lvl="0">
+              <a:defRPr/>
+            </a:pPr>
+            <a:r>
+              <a:rPr lang="en-US" altLang="ko-KR"/>
+              <a:t>2. </a:t>
+            </a:r>
+            <a:r>
+              <a:rPr lang="ko-KR" altLang="en-US"/>
+              <a:t>모델</a:t>
+            </a:r>
+          </a:p>
+        </p:txBody>
+      </p:sp>
+      <p:sp>
+        <p:nvSpPr>
+          <p:cNvPr id="5" name="내용 개체 틀 2"/>
+          <p:cNvSpPr txBox="1"/>
+          <p:nvPr/>
+        </p:nvSpPr>
+        <p:spPr>
+          <a:xfrm>
+            <a:off x="838199" y="1833889"/>
+            <a:ext cx="10515599" cy="4482689"/>
+          </a:xfrm>
+          <a:prstGeom prst="rect">
+            <a:avLst/>
+          </a:prstGeom>
+        </p:spPr>
+        <p:txBody>
+          <a:bodyPr vert="horz" lIns="91440" tIns="45720" rIns="91440" bIns="45720">
+            <a:normAutofit/>
+          </a:bodyPr>
+          <a:lstStyle>
+            <a:lvl1pPr marL="228600" indent="-228600" algn="l" defTabSz="914400" rtl="0" eaLnBrk="1" latinLnBrk="1" hangingPunct="1">
+              <a:lnSpc>
+                <a:spcPct val="90000"/>
+              </a:lnSpc>
+              <a:spcBef>
+                <a:spcPts val="1000"/>
+              </a:spcBef>
+              <a:buFont typeface="Arial"/>
+              <a:buChar char="•"/>
+              <a:defRPr sz="2800" kern="1200">
+                <a:solidFill>
+                  <a:schemeClr val="tx1"/>
+                </a:solidFill>
+                <a:latin typeface="+mn-lt"/>
+                <a:ea typeface="+mn-ea"/>
+                <a:cs typeface="+mn-cs"/>
+              </a:defRPr>
+            </a:lvl1pPr>
+            <a:lvl2pPr marL="685800" indent="-228600" algn="l" defTabSz="914400" rtl="0" eaLnBrk="1" latinLnBrk="1" hangingPunct="1">
+              <a:lnSpc>
+                <a:spcPct val="90000"/>
+              </a:lnSpc>
+              <a:spcBef>
+                <a:spcPts val="500"/>
+              </a:spcBef>
+              <a:buFont typeface="Arial"/>
+              <a:buChar char="•"/>
+              <a:defRPr sz="2400" kern="1200">
+                <a:solidFill>
+                  <a:schemeClr val="tx1"/>
+                </a:solidFill>
+                <a:latin typeface="+mn-lt"/>
+                <a:ea typeface="+mn-ea"/>
+                <a:cs typeface="+mn-cs"/>
+              </a:defRPr>
+            </a:lvl2pPr>
+            <a:lvl3pPr marL="1143000" indent="-228600" algn="l" defTabSz="914400" rtl="0" eaLnBrk="1" latinLnBrk="1" hangingPunct="1">
+              <a:lnSpc>
+                <a:spcPct val="90000"/>
+              </a:lnSpc>
+              <a:spcBef>
+                <a:spcPts val="500"/>
+              </a:spcBef>
+              <a:buFont typeface="Arial"/>
+              <a:buChar char="•"/>
+              <a:defRPr sz="2000" kern="1200">
+                <a:solidFill>
+                  <a:schemeClr val="tx1"/>
+                </a:solidFill>
+                <a:latin typeface="+mn-lt"/>
+                <a:ea typeface="+mn-ea"/>
+                <a:cs typeface="+mn-cs"/>
+              </a:defRPr>
+            </a:lvl3pPr>
+            <a:lvl4pPr marL="1600200" indent="-228600" algn="l" defTabSz="914400" rtl="0" eaLnBrk="1" latinLnBrk="1" hangingPunct="1">
+              <a:lnSpc>
+                <a:spcPct val="90000"/>
+              </a:lnSpc>
+              <a:spcBef>
+                <a:spcPts val="500"/>
+              </a:spcBef>
+              <a:buFont typeface="Arial"/>
+              <a:buChar char="•"/>
+              <a:defRPr sz="1800" kern="1200">
+                <a:solidFill>
+                  <a:schemeClr val="tx1"/>
+                </a:solidFill>
+                <a:latin typeface="+mn-lt"/>
+                <a:ea typeface="+mn-ea"/>
+                <a:cs typeface="+mn-cs"/>
+              </a:defRPr>
+            </a:lvl4pPr>
+            <a:lvl5pPr marL="2057400" indent="-228600" algn="l" defTabSz="914400" rtl="0" eaLnBrk="1" latinLnBrk="1" hangingPunct="1">
+              <a:lnSpc>
+                <a:spcPct val="90000"/>
+              </a:lnSpc>
+              <a:spcBef>
+                <a:spcPts val="500"/>
+              </a:spcBef>
+              <a:buFont typeface="Arial"/>
+              <a:buChar char="•"/>
+              <a:defRPr sz="1800" kern="1200">
+                <a:solidFill>
+                  <a:schemeClr val="tx1"/>
+                </a:solidFill>
+                <a:latin typeface="+mn-lt"/>
+                <a:ea typeface="+mn-ea"/>
+                <a:cs typeface="+mn-cs"/>
+              </a:defRPr>
+            </a:lvl5pPr>
+            <a:lvl6pPr marL="2514600" indent="-228600" algn="l" defTabSz="914400" rtl="0" eaLnBrk="1" latinLnBrk="1" hangingPunct="1">
+              <a:lnSpc>
+                <a:spcPct val="90000"/>
+              </a:lnSpc>
+              <a:spcBef>
+                <a:spcPts val="500"/>
+              </a:spcBef>
+              <a:buFont typeface="Arial"/>
+              <a:buChar char="•"/>
+              <a:defRPr sz="1800" kern="1200">
+                <a:solidFill>
+                  <a:schemeClr val="tx1"/>
+                </a:solidFill>
+                <a:latin typeface="+mn-lt"/>
+                <a:ea typeface="+mn-ea"/>
+                <a:cs typeface="+mn-cs"/>
+              </a:defRPr>
+            </a:lvl6pPr>
+            <a:lvl7pPr marL="2971800" indent="-228600" algn="l" defTabSz="914400" rtl="0" eaLnBrk="1" latinLnBrk="1" hangingPunct="1">
+              <a:lnSpc>
+                <a:spcPct val="90000"/>
+              </a:lnSpc>
+              <a:spcBef>
+                <a:spcPts val="500"/>
+              </a:spcBef>
+              <a:buFont typeface="Arial"/>
+              <a:buChar char="•"/>
+              <a:defRPr sz="1800" kern="1200">
+                <a:solidFill>
+                  <a:schemeClr val="tx1"/>
+                </a:solidFill>
+                <a:latin typeface="+mn-lt"/>
+                <a:ea typeface="+mn-ea"/>
+                <a:cs typeface="+mn-cs"/>
+              </a:defRPr>
+            </a:lvl7pPr>
+            <a:lvl8pPr marL="3429000" indent="-228600" algn="l" defTabSz="914400" rtl="0" eaLnBrk="1" latinLnBrk="1" hangingPunct="1">
+              <a:lnSpc>
+                <a:spcPct val="90000"/>
+              </a:lnSpc>
+              <a:spcBef>
+                <a:spcPts val="500"/>
+              </a:spcBef>
+              <a:buFont typeface="Arial"/>
+              <a:buChar char="•"/>
+              <a:defRPr sz="1800" kern="1200">
+                <a:solidFill>
+                  <a:schemeClr val="tx1"/>
+                </a:solidFill>
+                <a:latin typeface="+mn-lt"/>
+                <a:ea typeface="+mn-ea"/>
+                <a:cs typeface="+mn-cs"/>
+              </a:defRPr>
+            </a:lvl8pPr>
+            <a:lvl9pPr marL="3886200" indent="-228600" algn="l" defTabSz="914400" rtl="0" eaLnBrk="1" latinLnBrk="1" hangingPunct="1">
+              <a:lnSpc>
+                <a:spcPct val="90000"/>
+              </a:lnSpc>
+              <a:spcBef>
+                <a:spcPts val="500"/>
+              </a:spcBef>
+              <a:buFont typeface="Arial"/>
+              <a:buChar char="•"/>
+              <a:defRPr sz="1800" kern="1200">
+                <a:solidFill>
+                  <a:schemeClr val="tx1"/>
+                </a:solidFill>
+                <a:latin typeface="+mn-lt"/>
+                <a:ea typeface="+mn-ea"/>
+                <a:cs typeface="+mn-cs"/>
+              </a:defRPr>
+            </a:lvl9pPr>
+          </a:lstStyle>
+          <a:p>
+            <a:pPr marL="0" indent="0">
+              <a:buNone/>
+              <a:defRPr/>
+            </a:pPr>
+            <a:r>
+              <a:rPr lang="en-US" altLang="ko-KR"/>
+              <a:t>2-1. Discrete Cosine Transform(DCT)</a:t>
+            </a:r>
+          </a:p>
+          <a:p>
+            <a:pPr lvl="0">
+              <a:defRPr/>
+            </a:pPr>
+            <a:endParaRPr lang="ko-KR" altLang="en-US"/>
+          </a:p>
+          <a:p>
+            <a:pPr lvl="0">
+              <a:defRPr/>
+            </a:pPr>
+            <a:endParaRPr lang="en-US" altLang="ko-KR"/>
+          </a:p>
+        </p:txBody>
+      </p:sp>
+      <p:pic>
+        <p:nvPicPr>
+          <p:cNvPr id="1033" name="그림 1032"/>
+          <p:cNvPicPr>
+            <a:picLocks noChangeAspect="1"/>
+          </p:cNvPicPr>
+          <p:nvPr/>
+        </p:nvPicPr>
+        <p:blipFill rotWithShape="1">
+          <a:blip r:embed="rId3"/>
+          <a:stretch>
+            <a:fillRect/>
+          </a:stretch>
+        </p:blipFill>
+        <p:spPr>
+          <a:xfrm>
+            <a:off x="836839" y="2474869"/>
+            <a:ext cx="10715625" cy="1908262"/>
+          </a:xfrm>
+          <a:prstGeom prst="rect">
+            <a:avLst/>
+          </a:prstGeom>
+        </p:spPr>
+      </p:pic>
+      <p:pic>
+        <p:nvPicPr>
+          <p:cNvPr id="1034" name="그림 1033"/>
+          <p:cNvPicPr>
+            <a:picLocks noChangeAspect="1"/>
+          </p:cNvPicPr>
+          <p:nvPr/>
+        </p:nvPicPr>
+        <p:blipFill rotWithShape="1">
+          <a:blip r:embed="rId4"/>
+          <a:stretch>
+            <a:fillRect/>
+          </a:stretch>
+        </p:blipFill>
+        <p:spPr>
+          <a:xfrm>
+            <a:off x="711652" y="4600574"/>
+            <a:ext cx="5087710" cy="1880240"/>
+          </a:xfrm>
+          <a:prstGeom prst="rect">
+            <a:avLst/>
+          </a:prstGeom>
+        </p:spPr>
+      </p:pic>
+      <p:pic>
+        <p:nvPicPr>
+          <p:cNvPr id="4" name="그림 3">
+            <a:extLst>
+              <a:ext uri="{FF2B5EF4-FFF2-40B4-BE49-F238E27FC236}">
+                <a16:creationId xmlns:a16="http://schemas.microsoft.com/office/drawing/2014/main" id="{A82AF6C3-D042-4AA8-A7BB-0AD062AB79BC}"/>
+              </a:ext>
+            </a:extLst>
+          </p:cNvPr>
+          <p:cNvPicPr>
+            <a:picLocks noChangeAspect="1"/>
+          </p:cNvPicPr>
+          <p:nvPr/>
+        </p:nvPicPr>
+        <p:blipFill rotWithShape="1">
+          <a:blip r:embed="rId5"/>
+          <a:srcRect l="51647"/>
+          <a:stretch/>
+        </p:blipFill>
+        <p:spPr>
+          <a:xfrm>
+            <a:off x="6392640" y="4509618"/>
+            <a:ext cx="5201483" cy="1915681"/>
+          </a:xfrm>
+          <a:prstGeom prst="rect">
+            <a:avLst/>
+          </a:prstGeom>
+        </p:spPr>
+      </p:pic>
+    </p:spTree>
+    <p:extLst>
+      <p:ext uri="{BB962C8B-B14F-4D97-AF65-F5344CB8AC3E}">
+        <p14:creationId xmlns:p14="http://schemas.microsoft.com/office/powerpoint/2010/main" val="3280123842"/>
+      </p:ext>
+    </p:extLst>
+  </p:cSld>
+  <p:clrMapOvr>
+    <a:masterClrMapping/>
+  </p:clrMapOvr>
+  <mc:AlternateContent xmlns:mc="http://schemas.openxmlformats.org/markup-compatibility/2006" xmlns:p14="http://schemas.microsoft.com/office/powerpoint/2010/main">
+    <mc:Choice Requires="p14">
+      <p:transition/>
+    </mc:Choice>
+    <mc:Fallback xmlns:dsp="http://schemas.microsoft.com/office/drawing/2008/diagram" xmlns:dgm="http://schemas.openxmlformats.org/drawingml/2006/diagram" xmlns:c="http://schemas.openxmlformats.org/drawingml/2006/chart" xmlns="">
+      <p:transition/>
+    </mc:Fallback>
+  </mc:AlternateContent>
+</p:sld>
+</file>
+
+<file path=ppt/slides/slide12.xml><?xml version="1.0" encoding="utf-8"?>
+<p:sld xmlns:a="http://schemas.openxmlformats.org/drawingml/2006/main" xmlns:r="http://schemas.openxmlformats.org/officeDocument/2006/relationships" xmlns:p="http://schemas.openxmlformats.org/presentationml/2006/main">
+  <p:cSld>
+    <p:spTree>
+      <p:nvGrpSpPr>
+        <p:cNvPr id="1" name=""/>
+        <p:cNvGrpSpPr/>
+        <p:nvPr/>
+      </p:nvGrpSpPr>
+      <p:grpSpPr>
+        <a:xfrm>
+          <a:off x="0" y="0"/>
+          <a:ext cx="0" cy="0"/>
+          <a:chOff x="0" y="0"/>
+          <a:chExt cx="0" cy="0"/>
+        </a:xfrm>
+      </p:grpSpPr>
+      <p:sp>
+        <p:nvSpPr>
+          <p:cNvPr id="2" name="제목 1"/>
+          <p:cNvSpPr>
+            <a:spLocks noGrp="1"/>
+          </p:cNvSpPr>
+          <p:nvPr>
+            <p:ph type="title"/>
+          </p:nvPr>
+        </p:nvSpPr>
+        <p:spPr/>
+        <p:txBody>
+          <a:bodyPr/>
+          <a:lstStyle/>
+          <a:p>
+            <a:pPr lvl="0">
+              <a:defRPr/>
+            </a:pPr>
+            <a:r>
+              <a:rPr lang="en-US" altLang="ko-KR"/>
+              <a:t>2. </a:t>
+            </a:r>
+            <a:r>
+              <a:rPr lang="ko-KR" altLang="en-US"/>
+              <a:t>모델</a:t>
+            </a:r>
+          </a:p>
+        </p:txBody>
+      </p:sp>
+      <p:sp>
+        <p:nvSpPr>
+          <p:cNvPr id="5" name="내용 개체 틀 2"/>
+          <p:cNvSpPr txBox="1"/>
+          <p:nvPr/>
+        </p:nvSpPr>
+        <p:spPr>
+          <a:xfrm>
+            <a:off x="838199" y="1833889"/>
+            <a:ext cx="10515599" cy="4482689"/>
+          </a:xfrm>
+          <a:prstGeom prst="rect">
+            <a:avLst/>
+          </a:prstGeom>
+        </p:spPr>
+        <p:txBody>
+          <a:bodyPr vert="horz" lIns="91440" tIns="45720" rIns="91440" bIns="45720">
+            <a:normAutofit/>
+          </a:bodyPr>
+          <a:lstStyle>
+            <a:lvl1pPr marL="228600" indent="-228600" algn="l" defTabSz="914400" rtl="0" eaLnBrk="1" latinLnBrk="1" hangingPunct="1">
+              <a:lnSpc>
+                <a:spcPct val="90000"/>
+              </a:lnSpc>
+              <a:spcBef>
+                <a:spcPts val="1000"/>
+              </a:spcBef>
+              <a:buFont typeface="Arial"/>
+              <a:buChar char="•"/>
+              <a:defRPr sz="2800" kern="1200">
+                <a:solidFill>
+                  <a:schemeClr val="tx1"/>
+                </a:solidFill>
+                <a:latin typeface="+mn-lt"/>
+                <a:ea typeface="+mn-ea"/>
+                <a:cs typeface="+mn-cs"/>
+              </a:defRPr>
+            </a:lvl1pPr>
+            <a:lvl2pPr marL="685800" indent="-228600" algn="l" defTabSz="914400" rtl="0" eaLnBrk="1" latinLnBrk="1" hangingPunct="1">
+              <a:lnSpc>
+                <a:spcPct val="90000"/>
+              </a:lnSpc>
+              <a:spcBef>
+                <a:spcPts val="500"/>
+              </a:spcBef>
+              <a:buFont typeface="Arial"/>
+              <a:buChar char="•"/>
+              <a:defRPr sz="2400" kern="1200">
+                <a:solidFill>
+                  <a:schemeClr val="tx1"/>
+                </a:solidFill>
+                <a:latin typeface="+mn-lt"/>
+                <a:ea typeface="+mn-ea"/>
+                <a:cs typeface="+mn-cs"/>
+              </a:defRPr>
+            </a:lvl2pPr>
+            <a:lvl3pPr marL="1143000" indent="-228600" algn="l" defTabSz="914400" rtl="0" eaLnBrk="1" latinLnBrk="1" hangingPunct="1">
+              <a:lnSpc>
+                <a:spcPct val="90000"/>
+              </a:lnSpc>
+              <a:spcBef>
+                <a:spcPts val="500"/>
+              </a:spcBef>
+              <a:buFont typeface="Arial"/>
+              <a:buChar char="•"/>
+              <a:defRPr sz="2000" kern="1200">
+                <a:solidFill>
+                  <a:schemeClr val="tx1"/>
+                </a:solidFill>
+                <a:latin typeface="+mn-lt"/>
+                <a:ea typeface="+mn-ea"/>
+                <a:cs typeface="+mn-cs"/>
+              </a:defRPr>
+            </a:lvl3pPr>
+            <a:lvl4pPr marL="1600200" indent="-228600" algn="l" defTabSz="914400" rtl="0" eaLnBrk="1" latinLnBrk="1" hangingPunct="1">
+              <a:lnSpc>
+                <a:spcPct val="90000"/>
+              </a:lnSpc>
+              <a:spcBef>
+                <a:spcPts val="500"/>
+              </a:spcBef>
+              <a:buFont typeface="Arial"/>
+              <a:buChar char="•"/>
+              <a:defRPr sz="1800" kern="1200">
+                <a:solidFill>
+                  <a:schemeClr val="tx1"/>
+                </a:solidFill>
+                <a:latin typeface="+mn-lt"/>
+                <a:ea typeface="+mn-ea"/>
+                <a:cs typeface="+mn-cs"/>
+              </a:defRPr>
+            </a:lvl4pPr>
+            <a:lvl5pPr marL="2057400" indent="-228600" algn="l" defTabSz="914400" rtl="0" eaLnBrk="1" latinLnBrk="1" hangingPunct="1">
+              <a:lnSpc>
+                <a:spcPct val="90000"/>
+              </a:lnSpc>
+              <a:spcBef>
+                <a:spcPts val="500"/>
+              </a:spcBef>
+              <a:buFont typeface="Arial"/>
+              <a:buChar char="•"/>
+              <a:defRPr sz="1800" kern="1200">
+                <a:solidFill>
+                  <a:schemeClr val="tx1"/>
+                </a:solidFill>
+                <a:latin typeface="+mn-lt"/>
+                <a:ea typeface="+mn-ea"/>
+                <a:cs typeface="+mn-cs"/>
+              </a:defRPr>
+            </a:lvl5pPr>
+            <a:lvl6pPr marL="2514600" indent="-228600" algn="l" defTabSz="914400" rtl="0" eaLnBrk="1" latinLnBrk="1" hangingPunct="1">
+              <a:lnSpc>
+                <a:spcPct val="90000"/>
+              </a:lnSpc>
+              <a:spcBef>
+                <a:spcPts val="500"/>
+              </a:spcBef>
+              <a:buFont typeface="Arial"/>
+              <a:buChar char="•"/>
+              <a:defRPr sz="1800" kern="1200">
+                <a:solidFill>
+                  <a:schemeClr val="tx1"/>
+                </a:solidFill>
+                <a:latin typeface="+mn-lt"/>
+                <a:ea typeface="+mn-ea"/>
+                <a:cs typeface="+mn-cs"/>
+              </a:defRPr>
+            </a:lvl6pPr>
+            <a:lvl7pPr marL="2971800" indent="-228600" algn="l" defTabSz="914400" rtl="0" eaLnBrk="1" latinLnBrk="1" hangingPunct="1">
+              <a:lnSpc>
+                <a:spcPct val="90000"/>
+              </a:lnSpc>
+              <a:spcBef>
+                <a:spcPts val="500"/>
+              </a:spcBef>
+              <a:buFont typeface="Arial"/>
+              <a:buChar char="•"/>
+              <a:defRPr sz="1800" kern="1200">
+                <a:solidFill>
+                  <a:schemeClr val="tx1"/>
+                </a:solidFill>
+                <a:latin typeface="+mn-lt"/>
+                <a:ea typeface="+mn-ea"/>
+                <a:cs typeface="+mn-cs"/>
+              </a:defRPr>
+            </a:lvl7pPr>
+            <a:lvl8pPr marL="3429000" indent="-228600" algn="l" defTabSz="914400" rtl="0" eaLnBrk="1" latinLnBrk="1" hangingPunct="1">
+              <a:lnSpc>
+                <a:spcPct val="90000"/>
+              </a:lnSpc>
+              <a:spcBef>
+                <a:spcPts val="500"/>
+              </a:spcBef>
+              <a:buFont typeface="Arial"/>
+              <a:buChar char="•"/>
+              <a:defRPr sz="1800" kern="1200">
+                <a:solidFill>
+                  <a:schemeClr val="tx1"/>
+                </a:solidFill>
+                <a:latin typeface="+mn-lt"/>
+                <a:ea typeface="+mn-ea"/>
+                <a:cs typeface="+mn-cs"/>
+              </a:defRPr>
+            </a:lvl8pPr>
+            <a:lvl9pPr marL="3886200" indent="-228600" algn="l" defTabSz="914400" rtl="0" eaLnBrk="1" latinLnBrk="1" hangingPunct="1">
+              <a:lnSpc>
+                <a:spcPct val="90000"/>
+              </a:lnSpc>
+              <a:spcBef>
+                <a:spcPts val="500"/>
+              </a:spcBef>
+              <a:buFont typeface="Arial"/>
+              <a:buChar char="•"/>
+              <a:defRPr sz="1800" kern="1200">
+                <a:solidFill>
+                  <a:schemeClr val="tx1"/>
+                </a:solidFill>
+                <a:latin typeface="+mn-lt"/>
+                <a:ea typeface="+mn-ea"/>
+                <a:cs typeface="+mn-cs"/>
+              </a:defRPr>
+            </a:lvl9pPr>
+          </a:lstStyle>
+          <a:p>
+            <a:pPr marL="0" indent="0">
+              <a:buNone/>
+              <a:defRPr/>
+            </a:pPr>
+            <a:r>
+              <a:rPr lang="en-US" altLang="ko-KR"/>
+              <a:t>2-2. Watson’s Perceptual Model</a:t>
+            </a:r>
+          </a:p>
+          <a:p>
+            <a:pPr lvl="0">
+              <a:defRPr/>
+            </a:pPr>
+            <a:r>
+              <a:rPr lang="en-US" altLang="ko-KR"/>
+              <a:t>DCT</a:t>
+            </a:r>
+            <a:r>
+              <a:rPr lang="ko-KR" altLang="en-US"/>
+              <a:t> 방법으로 이미지를 압축한 후</a:t>
+            </a:r>
+            <a:r>
+              <a:rPr lang="en-US" altLang="ko-KR"/>
+              <a:t>,</a:t>
+            </a:r>
+            <a:r>
+              <a:rPr lang="ko-KR" altLang="en-US"/>
+              <a:t> 압축된 이미지와 원본 이미지와의 손실을 인지적인 관점에서 계산하는 모델</a:t>
+            </a:r>
+          </a:p>
+          <a:p>
+            <a:pPr lvl="0">
+              <a:defRPr/>
+            </a:pPr>
+            <a:endParaRPr lang="en-US" altLang="ko-KR"/>
+          </a:p>
+          <a:p>
+            <a:pPr lvl="0">
+              <a:defRPr/>
+            </a:pPr>
+            <a:r>
+              <a:rPr lang="en-US" altLang="ko-KR"/>
+              <a:t>luminance masking, contrast masking,</a:t>
+            </a:r>
+            <a:r>
+              <a:rPr lang="ko-KR" altLang="en-US"/>
+              <a:t> 그리고</a:t>
+            </a:r>
+            <a:r>
+              <a:rPr lang="en-US" altLang="ko-KR"/>
+              <a:t> sensitivity</a:t>
+            </a:r>
+            <a:r>
+              <a:rPr lang="ko-KR" altLang="en-US"/>
+              <a:t>를 고려하여 계산</a:t>
+            </a:r>
+          </a:p>
+          <a:p>
+            <a:pPr marL="0" lvl="0" indent="0">
+              <a:buNone/>
+              <a:defRPr/>
+            </a:pPr>
+            <a:endParaRPr lang="ko-KR" altLang="en-US"/>
+          </a:p>
+        </p:txBody>
+      </p:sp>
+    </p:spTree>
+    <p:extLst>
+      <p:ext uri="{BB962C8B-B14F-4D97-AF65-F5344CB8AC3E}">
+        <p14:creationId xmlns:p14="http://schemas.microsoft.com/office/powerpoint/2010/main" val="1373236590"/>
+      </p:ext>
+    </p:extLst>
+  </p:cSld>
+  <p:clrMapOvr>
+    <a:masterClrMapping/>
+  </p:clrMapOvr>
+  <mc:AlternateContent xmlns:mc="http://schemas.openxmlformats.org/markup-compatibility/2006" xmlns:p14="http://schemas.microsoft.com/office/powerpoint/2010/main">
+    <mc:Choice Requires="p14">
+      <p:transition/>
+    </mc:Choice>
+    <mc:Fallback xmlns:dsp="http://schemas.microsoft.com/office/drawing/2008/diagram" xmlns:dgm="http://schemas.openxmlformats.org/drawingml/2006/diagram" xmlns:c="http://schemas.openxmlformats.org/drawingml/2006/chart" xmlns="">
+      <p:transition/>
+    </mc:Fallback>
+  </mc:AlternateContent>
+</p:sld>
+</file>
+
+<file path=ppt/slides/slide13.xml><?xml version="1.0" encoding="utf-8"?>
+<p:sld xmlns:a="http://schemas.openxmlformats.org/drawingml/2006/main" xmlns:r="http://schemas.openxmlformats.org/officeDocument/2006/relationships" xmlns:p="http://schemas.openxmlformats.org/presentationml/2006/main">
+  <p:cSld>
+    <p:spTree>
+      <p:nvGrpSpPr>
+        <p:cNvPr id="1" name=""/>
+        <p:cNvGrpSpPr/>
+        <p:nvPr/>
+      </p:nvGrpSpPr>
+      <p:grpSpPr>
+        <a:xfrm>
+          <a:off x="0" y="0"/>
+          <a:ext cx="0" cy="0"/>
+          <a:chOff x="0" y="0"/>
+          <a:chExt cx="0" cy="0"/>
+        </a:xfrm>
+      </p:grpSpPr>
+      <p:sp>
+        <p:nvSpPr>
+          <p:cNvPr id="2" name="제목 1"/>
+          <p:cNvSpPr>
+            <a:spLocks noGrp="1"/>
+          </p:cNvSpPr>
+          <p:nvPr>
+            <p:ph type="title"/>
+          </p:nvPr>
+        </p:nvSpPr>
+        <p:spPr/>
+        <p:txBody>
+          <a:bodyPr/>
+          <a:lstStyle/>
+          <a:p>
+            <a:pPr lvl="0">
+              <a:defRPr/>
+            </a:pPr>
+            <a:r>
+              <a:rPr lang="en-US" altLang="ko-KR"/>
+              <a:t>2. </a:t>
+            </a:r>
+            <a:r>
+              <a:rPr lang="ko-KR" altLang="en-US"/>
+              <a:t>모델</a:t>
+            </a:r>
+          </a:p>
+        </p:txBody>
+      </p:sp>
+      <p:sp>
+        <p:nvSpPr>
+          <p:cNvPr id="5" name="내용 개체 틀 2"/>
+          <p:cNvSpPr txBox="1"/>
+          <p:nvPr/>
+        </p:nvSpPr>
+        <p:spPr>
+          <a:xfrm>
+            <a:off x="838199" y="1833889"/>
+            <a:ext cx="10515599" cy="4482689"/>
+          </a:xfrm>
+          <a:prstGeom prst="rect">
+            <a:avLst/>
+          </a:prstGeom>
+        </p:spPr>
+        <p:txBody>
+          <a:bodyPr vert="horz" lIns="91440" tIns="45720" rIns="91440" bIns="45720">
+            <a:normAutofit/>
+          </a:bodyPr>
+          <a:lstStyle>
+            <a:lvl1pPr marL="228600" indent="-228600" algn="l" defTabSz="914400" rtl="0" eaLnBrk="1" latinLnBrk="1" hangingPunct="1">
+              <a:lnSpc>
+                <a:spcPct val="90000"/>
+              </a:lnSpc>
+              <a:spcBef>
+                <a:spcPts val="1000"/>
+              </a:spcBef>
+              <a:buFont typeface="Arial"/>
+              <a:buChar char="•"/>
+              <a:defRPr sz="2800" kern="1200">
+                <a:solidFill>
+                  <a:schemeClr val="tx1"/>
+                </a:solidFill>
+                <a:latin typeface="+mn-lt"/>
+                <a:ea typeface="+mn-ea"/>
+                <a:cs typeface="+mn-cs"/>
+              </a:defRPr>
+            </a:lvl1pPr>
+            <a:lvl2pPr marL="685800" indent="-228600" algn="l" defTabSz="914400" rtl="0" eaLnBrk="1" latinLnBrk="1" hangingPunct="1">
+              <a:lnSpc>
+                <a:spcPct val="90000"/>
+              </a:lnSpc>
+              <a:spcBef>
+                <a:spcPts val="500"/>
+              </a:spcBef>
+              <a:buFont typeface="Arial"/>
+              <a:buChar char="•"/>
+              <a:defRPr sz="2400" kern="1200">
+                <a:solidFill>
+                  <a:schemeClr val="tx1"/>
+                </a:solidFill>
+                <a:latin typeface="+mn-lt"/>
+                <a:ea typeface="+mn-ea"/>
+                <a:cs typeface="+mn-cs"/>
+              </a:defRPr>
+            </a:lvl2pPr>
+            <a:lvl3pPr marL="1143000" indent="-228600" algn="l" defTabSz="914400" rtl="0" eaLnBrk="1" latinLnBrk="1" hangingPunct="1">
+              <a:lnSpc>
+                <a:spcPct val="90000"/>
+              </a:lnSpc>
+              <a:spcBef>
+                <a:spcPts val="500"/>
+              </a:spcBef>
+              <a:buFont typeface="Arial"/>
+              <a:buChar char="•"/>
+              <a:defRPr sz="2000" kern="1200">
+                <a:solidFill>
+                  <a:schemeClr val="tx1"/>
+                </a:solidFill>
+                <a:latin typeface="+mn-lt"/>
+                <a:ea typeface="+mn-ea"/>
+                <a:cs typeface="+mn-cs"/>
+              </a:defRPr>
+            </a:lvl3pPr>
+            <a:lvl4pPr marL="1600200" indent="-228600" algn="l" defTabSz="914400" rtl="0" eaLnBrk="1" latinLnBrk="1" hangingPunct="1">
+              <a:lnSpc>
+                <a:spcPct val="90000"/>
+              </a:lnSpc>
+              <a:spcBef>
+                <a:spcPts val="500"/>
+              </a:spcBef>
+              <a:buFont typeface="Arial"/>
+              <a:buChar char="•"/>
+              <a:defRPr sz="1800" kern="1200">
+                <a:solidFill>
+                  <a:schemeClr val="tx1"/>
+                </a:solidFill>
+                <a:latin typeface="+mn-lt"/>
+                <a:ea typeface="+mn-ea"/>
+                <a:cs typeface="+mn-cs"/>
+              </a:defRPr>
+            </a:lvl4pPr>
+            <a:lvl5pPr marL="2057400" indent="-228600" algn="l" defTabSz="914400" rtl="0" eaLnBrk="1" latinLnBrk="1" hangingPunct="1">
+              <a:lnSpc>
+                <a:spcPct val="90000"/>
+              </a:lnSpc>
+              <a:spcBef>
+                <a:spcPts val="500"/>
+              </a:spcBef>
+              <a:buFont typeface="Arial"/>
+              <a:buChar char="•"/>
+              <a:defRPr sz="1800" kern="1200">
+                <a:solidFill>
+                  <a:schemeClr val="tx1"/>
+                </a:solidFill>
+                <a:latin typeface="+mn-lt"/>
+                <a:ea typeface="+mn-ea"/>
+                <a:cs typeface="+mn-cs"/>
+              </a:defRPr>
+            </a:lvl5pPr>
+            <a:lvl6pPr marL="2514600" indent="-228600" algn="l" defTabSz="914400" rtl="0" eaLnBrk="1" latinLnBrk="1" hangingPunct="1">
+              <a:lnSpc>
+                <a:spcPct val="90000"/>
+              </a:lnSpc>
+              <a:spcBef>
+                <a:spcPts val="500"/>
+              </a:spcBef>
+              <a:buFont typeface="Arial"/>
+              <a:buChar char="•"/>
+              <a:defRPr sz="1800" kern="1200">
+                <a:solidFill>
+                  <a:schemeClr val="tx1"/>
+                </a:solidFill>
+                <a:latin typeface="+mn-lt"/>
+                <a:ea typeface="+mn-ea"/>
+                <a:cs typeface="+mn-cs"/>
+              </a:defRPr>
+            </a:lvl6pPr>
+            <a:lvl7pPr marL="2971800" indent="-228600" algn="l" defTabSz="914400" rtl="0" eaLnBrk="1" latinLnBrk="1" hangingPunct="1">
+              <a:lnSpc>
+                <a:spcPct val="90000"/>
+              </a:lnSpc>
+              <a:spcBef>
+                <a:spcPts val="500"/>
+              </a:spcBef>
+              <a:buFont typeface="Arial"/>
+              <a:buChar char="•"/>
+              <a:defRPr sz="1800" kern="1200">
+                <a:solidFill>
+                  <a:schemeClr val="tx1"/>
+                </a:solidFill>
+                <a:latin typeface="+mn-lt"/>
+                <a:ea typeface="+mn-ea"/>
+                <a:cs typeface="+mn-cs"/>
+              </a:defRPr>
+            </a:lvl7pPr>
+            <a:lvl8pPr marL="3429000" indent="-228600" algn="l" defTabSz="914400" rtl="0" eaLnBrk="1" latinLnBrk="1" hangingPunct="1">
+              <a:lnSpc>
+                <a:spcPct val="90000"/>
+              </a:lnSpc>
+              <a:spcBef>
+                <a:spcPts val="500"/>
+              </a:spcBef>
+              <a:buFont typeface="Arial"/>
+              <a:buChar char="•"/>
+              <a:defRPr sz="1800" kern="1200">
+                <a:solidFill>
+                  <a:schemeClr val="tx1"/>
+                </a:solidFill>
+                <a:latin typeface="+mn-lt"/>
+                <a:ea typeface="+mn-ea"/>
+                <a:cs typeface="+mn-cs"/>
+              </a:defRPr>
+            </a:lvl8pPr>
+            <a:lvl9pPr marL="3886200" indent="-228600" algn="l" defTabSz="914400" rtl="0" eaLnBrk="1" latinLnBrk="1" hangingPunct="1">
+              <a:lnSpc>
+                <a:spcPct val="90000"/>
+              </a:lnSpc>
+              <a:spcBef>
+                <a:spcPts val="500"/>
+              </a:spcBef>
+              <a:buFont typeface="Arial"/>
+              <a:buChar char="•"/>
+              <a:defRPr sz="1800" kern="1200">
+                <a:solidFill>
+                  <a:schemeClr val="tx1"/>
+                </a:solidFill>
+                <a:latin typeface="+mn-lt"/>
+                <a:ea typeface="+mn-ea"/>
+                <a:cs typeface="+mn-cs"/>
+              </a:defRPr>
+            </a:lvl9pPr>
+          </a:lstStyle>
+          <a:p>
+            <a:pPr marL="0" indent="0">
+              <a:buNone/>
+              <a:defRPr/>
+            </a:pPr>
+            <a:r>
+              <a:rPr lang="en-US" altLang="ko-KR"/>
+              <a:t>2-2. Watson’s Perceptual Model</a:t>
+            </a:r>
+          </a:p>
+          <a:p>
+            <a:pPr lvl="0">
+              <a:defRPr/>
+            </a:pPr>
+            <a:endParaRPr lang="ko-KR" altLang="en-US"/>
+          </a:p>
+          <a:p>
+            <a:pPr lvl="0">
+              <a:defRPr/>
+            </a:pPr>
+            <a:endParaRPr lang="ko-KR" altLang="en-US"/>
+          </a:p>
+        </p:txBody>
+      </p:sp>
+      <p:pic>
+        <p:nvPicPr>
+          <p:cNvPr id="1028" name="그림 1027"/>
+          <p:cNvPicPr>
+            <a:picLocks noChangeAspect="1"/>
+          </p:cNvPicPr>
+          <p:nvPr/>
+        </p:nvPicPr>
+        <p:blipFill rotWithShape="1">
+          <a:blip r:embed="rId2"/>
+          <a:stretch>
+            <a:fillRect/>
+          </a:stretch>
+        </p:blipFill>
+        <p:spPr>
+          <a:xfrm>
+            <a:off x="857590" y="2805652"/>
+            <a:ext cx="4553585" cy="1028843"/>
+          </a:xfrm>
+          <a:prstGeom prst="rect">
+            <a:avLst/>
+          </a:prstGeom>
+        </p:spPr>
+      </p:pic>
+      <p:sp>
+        <p:nvSpPr>
+          <p:cNvPr id="1029" name="내용 개체 틀 2"/>
+          <p:cNvSpPr txBox="1"/>
+          <p:nvPr/>
+        </p:nvSpPr>
+        <p:spPr>
+          <a:xfrm>
+            <a:off x="6614028" y="3002454"/>
+            <a:ext cx="5120342" cy="3304500"/>
+          </a:xfrm>
+          <a:prstGeom prst="rect">
+            <a:avLst/>
+          </a:prstGeom>
+        </p:spPr>
+        <p:txBody>
+          <a:bodyPr vert="horz" wrap="square" lIns="91440" tIns="45720" rIns="91440" bIns="45720" anchor="t">
+            <a:normAutofit lnSpcReduction="10000"/>
+          </a:bodyPr>
+          <a:lstStyle/>
+          <a:p>
+            <a:pPr marL="228600" indent="-228600" defTabSz="914400">
+              <a:lnSpc>
+                <a:spcPct val="110000"/>
+              </a:lnSpc>
+              <a:spcBef>
+                <a:spcPts val="1000"/>
+              </a:spcBef>
+              <a:buFont typeface="Arial"/>
+              <a:buChar char="•"/>
+              <a:defRPr/>
+            </a:pPr>
+            <a:r>
+              <a:rPr lang="en-US" altLang="ko-KR" sz="1100" baseline="0">
+                <a:solidFill>
+                  <a:srgbClr val="000000"/>
+                </a:solidFill>
+                <a:effectLst/>
+              </a:rPr>
+              <a:t>C_ijk: </a:t>
+            </a:r>
+            <a:r>
+              <a:rPr lang="ko-KR" altLang="en-US" sz="1100" baseline="0">
+                <a:solidFill>
+                  <a:srgbClr val="000000"/>
+                </a:solidFill>
+                <a:effectLst/>
+              </a:rPr>
+              <a:t>원본 이미지의 </a:t>
+            </a:r>
+            <a:r>
+              <a:rPr lang="en-US" altLang="ko-KR" sz="1100" baseline="0">
+                <a:solidFill>
+                  <a:srgbClr val="000000"/>
+                </a:solidFill>
+                <a:effectLst/>
+              </a:rPr>
+              <a:t>k</a:t>
+            </a:r>
+            <a:r>
+              <a:rPr lang="ko-KR" altLang="en-US" sz="1100" baseline="0">
+                <a:solidFill>
+                  <a:srgbClr val="000000"/>
+                </a:solidFill>
+                <a:effectLst/>
+              </a:rPr>
+              <a:t>번째 블록의 </a:t>
+            </a:r>
+            <a:r>
+              <a:rPr lang="en-US" altLang="ko-KR" sz="1100" baseline="0">
+                <a:solidFill>
+                  <a:srgbClr val="000000"/>
+                </a:solidFill>
+                <a:effectLst/>
+              </a:rPr>
+              <a:t>(i,j)</a:t>
+            </a:r>
+            <a:r>
+              <a:rPr lang="ko-KR" altLang="en-US" sz="1100" baseline="0">
+                <a:solidFill>
+                  <a:srgbClr val="000000"/>
+                </a:solidFill>
+                <a:effectLst/>
+              </a:rPr>
+              <a:t> </a:t>
+            </a:r>
+            <a:r>
+              <a:rPr lang="en-US" altLang="ko-KR" sz="1100" baseline="0">
+                <a:solidFill>
+                  <a:srgbClr val="000000"/>
+                </a:solidFill>
+                <a:effectLst/>
+              </a:rPr>
+              <a:t>DCT</a:t>
+            </a:r>
+            <a:r>
+              <a:rPr lang="ko-KR" altLang="en-US" sz="1100" baseline="0">
+                <a:solidFill>
+                  <a:srgbClr val="000000"/>
+                </a:solidFill>
+                <a:effectLst/>
+              </a:rPr>
+              <a:t> 계수</a:t>
+            </a:r>
+          </a:p>
+          <a:p>
+            <a:pPr marL="228600" indent="-228600" defTabSz="914400">
+              <a:lnSpc>
+                <a:spcPct val="110000"/>
+              </a:lnSpc>
+              <a:spcBef>
+                <a:spcPts val="1000"/>
+              </a:spcBef>
+              <a:buFont typeface="Arial"/>
+              <a:buChar char="•"/>
+              <a:defRPr/>
+            </a:pPr>
+            <a:r>
+              <a:rPr lang="en-US" altLang="ko-KR" sz="1100" baseline="0">
+                <a:solidFill>
+                  <a:srgbClr val="000000"/>
+                </a:solidFill>
+                <a:effectLst/>
+              </a:rPr>
+              <a:t>C’_ijk: DCT</a:t>
+            </a:r>
+            <a:r>
+              <a:rPr lang="ko-KR" altLang="en-US" sz="1100" baseline="0">
+                <a:solidFill>
+                  <a:srgbClr val="000000"/>
+                </a:solidFill>
+                <a:effectLst/>
+              </a:rPr>
+              <a:t> 변환을 적용한 이미지의 </a:t>
+            </a:r>
+            <a:r>
+              <a:rPr lang="en-US" altLang="ko-KR" sz="1100" baseline="0">
+                <a:solidFill>
+                  <a:srgbClr val="000000"/>
+                </a:solidFill>
+                <a:effectLst/>
+              </a:rPr>
+              <a:t>k</a:t>
+            </a:r>
+            <a:r>
+              <a:rPr lang="ko-KR" altLang="en-US" sz="1100" baseline="0">
+                <a:solidFill>
+                  <a:srgbClr val="000000"/>
+                </a:solidFill>
+                <a:effectLst/>
+              </a:rPr>
+              <a:t>번째 블록의 </a:t>
+            </a:r>
+            <a:r>
+              <a:rPr lang="en-US" altLang="ko-KR" sz="1100" baseline="0">
+                <a:solidFill>
+                  <a:srgbClr val="000000"/>
+                </a:solidFill>
+                <a:effectLst/>
+              </a:rPr>
+              <a:t>(i,j)</a:t>
+            </a:r>
+            <a:r>
+              <a:rPr lang="ko-KR" altLang="en-US" sz="1100" baseline="0">
+                <a:solidFill>
+                  <a:srgbClr val="000000"/>
+                </a:solidFill>
+                <a:effectLst/>
+              </a:rPr>
+              <a:t> </a:t>
+            </a:r>
+            <a:r>
+              <a:rPr lang="en-US" altLang="ko-KR" sz="1100" baseline="0">
+                <a:solidFill>
+                  <a:srgbClr val="000000"/>
+                </a:solidFill>
+                <a:effectLst/>
+              </a:rPr>
+              <a:t>DCT</a:t>
+            </a:r>
+            <a:r>
+              <a:rPr lang="ko-KR" altLang="en-US" sz="1100" baseline="0">
+                <a:solidFill>
+                  <a:srgbClr val="000000"/>
+                </a:solidFill>
+                <a:effectLst/>
+              </a:rPr>
+              <a:t> 계수</a:t>
+            </a:r>
+          </a:p>
+          <a:p>
+            <a:pPr marL="228600" indent="-228600" defTabSz="914400">
+              <a:lnSpc>
+                <a:spcPct val="110000"/>
+              </a:lnSpc>
+              <a:spcBef>
+                <a:spcPts val="1000"/>
+              </a:spcBef>
+              <a:buFont typeface="Arial"/>
+              <a:buChar char="•"/>
+              <a:defRPr/>
+            </a:pPr>
+            <a:r>
+              <a:rPr lang="en-US" altLang="ko-KR" sz="1100" baseline="0">
+                <a:solidFill>
+                  <a:srgbClr val="000000"/>
+                </a:solidFill>
+                <a:effectLst/>
+              </a:rPr>
+              <a:t>S_ijk: </a:t>
+            </a:r>
+            <a:r>
+              <a:rPr lang="ko-KR" altLang="en-US" sz="1100" baseline="0">
+                <a:solidFill>
+                  <a:srgbClr val="000000"/>
+                </a:solidFill>
+                <a:effectLst/>
+              </a:rPr>
+              <a:t>이미지의 </a:t>
+            </a:r>
+            <a:r>
+              <a:rPr lang="en-US" altLang="ko-KR" sz="1100" baseline="0">
+                <a:solidFill>
+                  <a:srgbClr val="000000"/>
+                </a:solidFill>
+                <a:effectLst/>
+              </a:rPr>
+              <a:t>k</a:t>
+            </a:r>
+            <a:r>
+              <a:rPr lang="ko-KR" altLang="en-US" sz="1100" baseline="0">
+                <a:solidFill>
+                  <a:srgbClr val="000000"/>
+                </a:solidFill>
+                <a:effectLst/>
+              </a:rPr>
+              <a:t>번째 블록의 </a:t>
+            </a:r>
+            <a:r>
+              <a:rPr lang="en-US" altLang="ko-KR" sz="1100" baseline="0">
+                <a:solidFill>
+                  <a:srgbClr val="000000"/>
+                </a:solidFill>
+                <a:effectLst/>
+              </a:rPr>
+              <a:t>(i,j)</a:t>
+            </a:r>
+            <a:r>
+              <a:rPr lang="ko-KR" altLang="en-US" sz="1100" baseline="0">
+                <a:solidFill>
+                  <a:srgbClr val="000000"/>
+                </a:solidFill>
+                <a:effectLst/>
+              </a:rPr>
+              <a:t> </a:t>
+            </a:r>
+            <a:r>
+              <a:rPr lang="en-US" altLang="ko-KR" sz="1100" baseline="0">
+                <a:solidFill>
+                  <a:srgbClr val="000000"/>
+                </a:solidFill>
+                <a:effectLst/>
+              </a:rPr>
+              <a:t>DCT 계수의 민감도</a:t>
+            </a:r>
+          </a:p>
+          <a:p>
+            <a:pPr marL="228600" indent="-228600" defTabSz="914400">
+              <a:lnSpc>
+                <a:spcPct val="110000"/>
+              </a:lnSpc>
+              <a:spcBef>
+                <a:spcPts val="1000"/>
+              </a:spcBef>
+              <a:buFont typeface="Arial"/>
+              <a:buChar char="•"/>
+              <a:defRPr/>
+            </a:pPr>
+            <a:r>
+              <a:rPr lang="en-US" altLang="ko-KR" sz="1100" baseline="0">
+                <a:solidFill>
+                  <a:srgbClr val="000000"/>
+                </a:solidFill>
+                <a:effectLst/>
+              </a:rPr>
+              <a:t>T:</a:t>
+            </a:r>
+            <a:r>
+              <a:rPr lang="ko-KR" altLang="en-US" sz="1100" baseline="0">
+                <a:solidFill>
+                  <a:srgbClr val="000000"/>
+                </a:solidFill>
+                <a:effectLst/>
+              </a:rPr>
+              <a:t> </a:t>
+            </a:r>
+            <a:r>
+              <a:rPr lang="en-US" altLang="ko-KR" sz="1100" baseline="0">
+                <a:solidFill>
+                  <a:srgbClr val="000000"/>
+                </a:solidFill>
+                <a:effectLst/>
+              </a:rPr>
+              <a:t>sensity 테이블로, 이미지의 개별 DCT 성분에 대한 변화에 대한 인간의 민감도를 저장</a:t>
+            </a:r>
+          </a:p>
+          <a:p>
+            <a:pPr marL="228600" indent="-228600" defTabSz="914400">
+              <a:lnSpc>
+                <a:spcPct val="110000"/>
+              </a:lnSpc>
+              <a:spcBef>
+                <a:spcPts val="1000"/>
+              </a:spcBef>
+              <a:buFont typeface="Arial"/>
+              <a:buChar char="•"/>
+              <a:defRPr/>
+            </a:pPr>
+            <a:r>
+              <a:rPr lang="en-US" altLang="ko-KR" sz="1100" baseline="0">
+                <a:solidFill>
+                  <a:srgbClr val="000000"/>
+                </a:solidFill>
+                <a:effectLst/>
+              </a:rPr>
+              <a:t>T_L_ijk: </a:t>
+            </a:r>
+            <a:r>
+              <a:rPr lang="en-US" altLang="ko-KR" sz="1100" baseline="0">
+                <a:solidFill>
+                  <a:srgbClr val="000000"/>
+                </a:solidFill>
+              </a:rPr>
+              <a:t>luminance masking</a:t>
+            </a:r>
+            <a:r>
+              <a:rPr lang="en-US" altLang="ko-KR" sz="1100" baseline="0">
+                <a:solidFill>
+                  <a:srgbClr val="000000"/>
+                </a:solidFill>
+                <a:effectLst/>
+              </a:rPr>
+              <a:t> 임</a:t>
+            </a:r>
+            <a:r>
+              <a:rPr lang="ko-KR" altLang="en-US" sz="1100" baseline="0">
+                <a:solidFill>
+                  <a:srgbClr val="000000"/>
+                </a:solidFill>
+                <a:effectLst/>
+              </a:rPr>
+              <a:t>계</a:t>
+            </a:r>
+            <a:r>
+              <a:rPr lang="en-US" altLang="ko-KR" sz="1100" baseline="0">
+                <a:solidFill>
+                  <a:srgbClr val="000000"/>
+                </a:solidFill>
+                <a:effectLst/>
+              </a:rPr>
+              <a:t>값으로, 각 블록의 DCT 계수에 대한 인간의 민감도를 밝기에 따라 조정한 값</a:t>
+            </a:r>
+          </a:p>
+          <a:p>
+            <a:pPr marL="228600" indent="-228600" defTabSz="914400">
+              <a:lnSpc>
+                <a:spcPct val="110000"/>
+              </a:lnSpc>
+              <a:spcBef>
+                <a:spcPts val="1000"/>
+              </a:spcBef>
+              <a:buFont typeface="Arial"/>
+              <a:buChar char="•"/>
+              <a:defRPr/>
+            </a:pPr>
+            <a:r>
+              <a:rPr lang="en-US" altLang="ko-KR" sz="1100" baseline="0">
+                <a:solidFill>
+                  <a:srgbClr val="000000"/>
+                </a:solidFill>
+                <a:effectLst/>
+              </a:rPr>
+              <a:t>C_00k: 이는 k번째 블록의 평균 밝기</a:t>
+            </a:r>
+          </a:p>
+          <a:p>
+            <a:pPr marL="228600" indent="-228600" defTabSz="914400">
+              <a:lnSpc>
+                <a:spcPct val="110000"/>
+              </a:lnSpc>
+              <a:spcBef>
+                <a:spcPts val="1000"/>
+              </a:spcBef>
+              <a:buFont typeface="Arial"/>
+              <a:buChar char="•"/>
+              <a:defRPr/>
+            </a:pPr>
+            <a:r>
+              <a:rPr lang="en-US" altLang="ko-KR" sz="1100" baseline="0">
+                <a:solidFill>
+                  <a:srgbClr val="000000"/>
+                </a:solidFill>
+                <a:effectLst/>
+              </a:rPr>
+              <a:t>C¯_00: 모든 블록의 C_00k 값의 평균</a:t>
+            </a:r>
+          </a:p>
+          <a:p>
+            <a:pPr marL="228600" indent="-228600" defTabSz="914400">
+              <a:lnSpc>
+                <a:spcPct val="110000"/>
+              </a:lnSpc>
+              <a:spcBef>
+                <a:spcPts val="1000"/>
+              </a:spcBef>
+              <a:buFont typeface="Arial"/>
+              <a:buChar char="•"/>
+              <a:defRPr/>
+            </a:pPr>
+            <a:r>
+              <a:rPr lang="el-GR" altLang="en-US" sz="1100" baseline="0">
+                <a:solidFill>
+                  <a:srgbClr val="000000"/>
+                </a:solidFill>
+                <a:effectLst/>
+              </a:rPr>
+              <a:t>α</a:t>
+            </a:r>
+            <a:r>
+              <a:rPr lang="en-US" altLang="ko-KR" sz="1100" baseline="0">
+                <a:solidFill>
+                  <a:srgbClr val="000000"/>
+                </a:solidFill>
+                <a:effectLst/>
+              </a:rPr>
+              <a:t>: </a:t>
+            </a:r>
+            <a:r>
+              <a:rPr lang="ko-KR" altLang="en-US" sz="1100" baseline="0">
+                <a:solidFill>
+                  <a:srgbClr val="000000"/>
+                </a:solidFill>
+                <a:effectLst/>
+              </a:rPr>
+              <a:t>고정된 상수</a:t>
+            </a:r>
+            <a:r>
+              <a:rPr lang="en-US" altLang="ko-KR" sz="1100" baseline="0">
+                <a:solidFill>
+                  <a:srgbClr val="000000"/>
+                </a:solidFill>
+                <a:effectLst/>
+              </a:rPr>
+              <a:t>,</a:t>
+            </a:r>
+            <a:r>
+              <a:rPr lang="ko-KR" altLang="en-US" sz="1100" baseline="0">
+                <a:solidFill>
+                  <a:srgbClr val="000000"/>
+                </a:solidFill>
+                <a:effectLst/>
+              </a:rPr>
+              <a:t> 제안된 값은 </a:t>
+            </a:r>
+            <a:r>
+              <a:rPr lang="en-US" altLang="ko-KR" sz="1100" baseline="0">
+                <a:solidFill>
+                  <a:srgbClr val="000000"/>
+                </a:solidFill>
+                <a:effectLst/>
+              </a:rPr>
+              <a:t>0.649</a:t>
+            </a:r>
+          </a:p>
+          <a:p>
+            <a:pPr marL="228600" indent="-228600" defTabSz="914400">
+              <a:lnSpc>
+                <a:spcPct val="110000"/>
+              </a:lnSpc>
+              <a:spcBef>
+                <a:spcPts val="1000"/>
+              </a:spcBef>
+              <a:buFont typeface="Arial"/>
+              <a:buChar char="•"/>
+              <a:defRPr/>
+            </a:pPr>
+            <a:r>
+              <a:rPr lang="en-US" altLang="ko-KR" sz="1100" baseline="0">
+                <a:solidFill>
+                  <a:srgbClr val="000000"/>
+                </a:solidFill>
+                <a:effectLst/>
+              </a:rPr>
+              <a:t>r: </a:t>
+            </a:r>
+            <a:r>
+              <a:rPr lang="ko-KR" altLang="en-US" sz="1100" baseline="0">
+                <a:solidFill>
+                  <a:srgbClr val="000000"/>
+                </a:solidFill>
+                <a:effectLst/>
+              </a:rPr>
+              <a:t>고정된 상수</a:t>
+            </a:r>
+            <a:r>
+              <a:rPr lang="en-US" altLang="ko-KR" sz="1100" baseline="0">
+                <a:solidFill>
+                  <a:srgbClr val="000000"/>
+                </a:solidFill>
+                <a:effectLst/>
+              </a:rPr>
+              <a:t>,</a:t>
+            </a:r>
+            <a:r>
+              <a:rPr lang="ko-KR" altLang="en-US" sz="1100" baseline="0">
+                <a:solidFill>
+                  <a:srgbClr val="000000"/>
+                </a:solidFill>
+                <a:effectLst/>
+              </a:rPr>
+              <a:t> 제안된 값은</a:t>
+            </a:r>
+            <a:r>
+              <a:rPr lang="en-US" altLang="ko-KR" sz="1100" baseline="0">
+                <a:solidFill>
+                  <a:srgbClr val="000000"/>
+                </a:solidFill>
+                <a:effectLst/>
+              </a:rPr>
+              <a:t> 0.7</a:t>
+            </a:r>
+          </a:p>
+          <a:p>
+            <a:pPr marL="228600" indent="-228600" defTabSz="914400">
+              <a:lnSpc>
+                <a:spcPct val="110000"/>
+              </a:lnSpc>
+              <a:spcBef>
+                <a:spcPts val="1000"/>
+              </a:spcBef>
+              <a:buFont typeface="Arial"/>
+              <a:buChar char="•"/>
+              <a:defRPr/>
+            </a:pPr>
+            <a:endParaRPr lang="en-US" altLang="ko-KR" sz="1100" baseline="0">
+              <a:solidFill>
+                <a:srgbClr val="000000"/>
+              </a:solidFill>
+              <a:effectLst/>
+            </a:endParaRPr>
+          </a:p>
+        </p:txBody>
+      </p:sp>
+      <p:pic>
+        <p:nvPicPr>
+          <p:cNvPr id="1030" name="그림 1029"/>
+          <p:cNvPicPr>
+            <a:picLocks noChangeAspect="1"/>
+          </p:cNvPicPr>
+          <p:nvPr/>
+        </p:nvPicPr>
+        <p:blipFill rotWithShape="1">
+          <a:blip r:embed="rId3"/>
+          <a:stretch>
+            <a:fillRect/>
+          </a:stretch>
+        </p:blipFill>
+        <p:spPr>
+          <a:xfrm>
+            <a:off x="878224" y="4224472"/>
+            <a:ext cx="2762635" cy="933580"/>
+          </a:xfrm>
+          <a:prstGeom prst="rect">
+            <a:avLst/>
+          </a:prstGeom>
+        </p:spPr>
+      </p:pic>
+      <p:pic>
+        <p:nvPicPr>
+          <p:cNvPr id="1031" name="그림 1030"/>
+          <p:cNvPicPr>
+            <a:picLocks noChangeAspect="1"/>
+          </p:cNvPicPr>
+          <p:nvPr/>
+        </p:nvPicPr>
+        <p:blipFill rotWithShape="1">
+          <a:blip r:embed="rId4"/>
+          <a:stretch>
+            <a:fillRect/>
+          </a:stretch>
+        </p:blipFill>
+        <p:spPr>
+          <a:xfrm>
+            <a:off x="930502" y="5736127"/>
+            <a:ext cx="4324953" cy="571579"/>
+          </a:xfrm>
+          <a:prstGeom prst="rect">
+            <a:avLst/>
+          </a:prstGeom>
+        </p:spPr>
+      </p:pic>
+    </p:spTree>
+    <p:extLst>
+      <p:ext uri="{BB962C8B-B14F-4D97-AF65-F5344CB8AC3E}">
+        <p14:creationId xmlns:p14="http://schemas.microsoft.com/office/powerpoint/2010/main" val="920164113"/>
+      </p:ext>
+    </p:extLst>
+  </p:cSld>
+  <p:clrMapOvr>
+    <a:masterClrMapping/>
+  </p:clrMapOvr>
+  <mc:AlternateContent xmlns:mc="http://schemas.openxmlformats.org/markup-compatibility/2006" xmlns:p14="http://schemas.microsoft.com/office/powerpoint/2010/main">
+    <mc:Choice Requires="p14">
+      <p:transition/>
+    </mc:Choice>
+    <mc:Fallback xmlns:dsp="http://schemas.microsoft.com/office/drawing/2008/diagram" xmlns:dgm="http://schemas.openxmlformats.org/drawingml/2006/diagram" xmlns:c="http://schemas.openxmlformats.org/drawingml/2006/chart" xmlns="">
+      <p:transition/>
+    </mc:Fallback>
+  </mc:AlternateContent>
+</p:sld>
+</file>
+
+<file path=ppt/slides/slide14.xml><?xml version="1.0" encoding="utf-8"?>
+<p:sld xmlns:a="http://schemas.openxmlformats.org/drawingml/2006/main" xmlns:r="http://schemas.openxmlformats.org/officeDocument/2006/relationships" xmlns:p="http://schemas.openxmlformats.org/presentationml/2006/main">
+  <p:cSld>
+    <p:spTree>
+      <p:nvGrpSpPr>
+        <p:cNvPr id="1" name=""/>
+        <p:cNvGrpSpPr/>
+        <p:nvPr/>
+      </p:nvGrpSpPr>
+      <p:grpSpPr>
+        <a:xfrm>
+          <a:off x="0" y="0"/>
+          <a:ext cx="0" cy="0"/>
+          <a:chOff x="0" y="0"/>
+          <a:chExt cx="0" cy="0"/>
+        </a:xfrm>
+      </p:grpSpPr>
+      <p:sp>
+        <p:nvSpPr>
+          <p:cNvPr id="2" name="제목 1"/>
+          <p:cNvSpPr>
+            <a:spLocks noGrp="1"/>
+          </p:cNvSpPr>
+          <p:nvPr>
+            <p:ph type="title"/>
+          </p:nvPr>
+        </p:nvSpPr>
+        <p:spPr/>
+        <p:txBody>
+          <a:bodyPr/>
+          <a:lstStyle/>
+          <a:p>
+            <a:pPr lvl="0">
+              <a:defRPr/>
+            </a:pPr>
+            <a:r>
+              <a:rPr lang="en-US" altLang="ko-KR"/>
+              <a:t>2. </a:t>
+            </a:r>
+            <a:r>
+              <a:rPr lang="ko-KR" altLang="en-US"/>
+              <a:t>모델</a:t>
+            </a:r>
+          </a:p>
+        </p:txBody>
+      </p:sp>
+      <p:sp>
+        <p:nvSpPr>
+          <p:cNvPr id="5" name="내용 개체 틀 2"/>
+          <p:cNvSpPr txBox="1"/>
+          <p:nvPr/>
+        </p:nvSpPr>
+        <p:spPr>
+          <a:xfrm>
+            <a:off x="838199" y="1833889"/>
+            <a:ext cx="10515599" cy="4482689"/>
+          </a:xfrm>
+          <a:prstGeom prst="rect">
+            <a:avLst/>
+          </a:prstGeom>
+        </p:spPr>
+        <p:txBody>
+          <a:bodyPr vert="horz" lIns="91440" tIns="45720" rIns="91440" bIns="45720">
+            <a:normAutofit/>
+          </a:bodyPr>
+          <a:lstStyle>
+            <a:lvl1pPr marL="228600" indent="-228600" algn="l" defTabSz="914400" rtl="0" eaLnBrk="1" latinLnBrk="1" hangingPunct="1">
+              <a:lnSpc>
+                <a:spcPct val="90000"/>
+              </a:lnSpc>
+              <a:spcBef>
+                <a:spcPts val="1000"/>
+              </a:spcBef>
+              <a:buFont typeface="Arial"/>
+              <a:buChar char="•"/>
+              <a:defRPr sz="2800" kern="1200">
+                <a:solidFill>
+                  <a:schemeClr val="tx1"/>
+                </a:solidFill>
+                <a:latin typeface="+mn-lt"/>
+                <a:ea typeface="+mn-ea"/>
+                <a:cs typeface="+mn-cs"/>
+              </a:defRPr>
+            </a:lvl1pPr>
+            <a:lvl2pPr marL="685800" indent="-228600" algn="l" defTabSz="914400" rtl="0" eaLnBrk="1" latinLnBrk="1" hangingPunct="1">
+              <a:lnSpc>
+                <a:spcPct val="90000"/>
+              </a:lnSpc>
+              <a:spcBef>
+                <a:spcPts val="500"/>
+              </a:spcBef>
+              <a:buFont typeface="Arial"/>
+              <a:buChar char="•"/>
+              <a:defRPr sz="2400" kern="1200">
+                <a:solidFill>
+                  <a:schemeClr val="tx1"/>
+                </a:solidFill>
+                <a:latin typeface="+mn-lt"/>
+                <a:ea typeface="+mn-ea"/>
+                <a:cs typeface="+mn-cs"/>
+              </a:defRPr>
+            </a:lvl2pPr>
+            <a:lvl3pPr marL="1143000" indent="-228600" algn="l" defTabSz="914400" rtl="0" eaLnBrk="1" latinLnBrk="1" hangingPunct="1">
+              <a:lnSpc>
+                <a:spcPct val="90000"/>
+              </a:lnSpc>
+              <a:spcBef>
+                <a:spcPts val="500"/>
+              </a:spcBef>
+              <a:buFont typeface="Arial"/>
+              <a:buChar char="•"/>
+              <a:defRPr sz="2000" kern="1200">
+                <a:solidFill>
+                  <a:schemeClr val="tx1"/>
+                </a:solidFill>
+                <a:latin typeface="+mn-lt"/>
+                <a:ea typeface="+mn-ea"/>
+                <a:cs typeface="+mn-cs"/>
+              </a:defRPr>
+            </a:lvl3pPr>
+            <a:lvl4pPr marL="1600200" indent="-228600" algn="l" defTabSz="914400" rtl="0" eaLnBrk="1" latinLnBrk="1" hangingPunct="1">
+              <a:lnSpc>
+                <a:spcPct val="90000"/>
+              </a:lnSpc>
+              <a:spcBef>
+                <a:spcPts val="500"/>
+              </a:spcBef>
+              <a:buFont typeface="Arial"/>
+              <a:buChar char="•"/>
+              <a:defRPr sz="1800" kern="1200">
+                <a:solidFill>
+                  <a:schemeClr val="tx1"/>
+                </a:solidFill>
+                <a:latin typeface="+mn-lt"/>
+                <a:ea typeface="+mn-ea"/>
+                <a:cs typeface="+mn-cs"/>
+              </a:defRPr>
+            </a:lvl4pPr>
+            <a:lvl5pPr marL="2057400" indent="-228600" algn="l" defTabSz="914400" rtl="0" eaLnBrk="1" latinLnBrk="1" hangingPunct="1">
+              <a:lnSpc>
+                <a:spcPct val="90000"/>
+              </a:lnSpc>
+              <a:spcBef>
+                <a:spcPts val="500"/>
+              </a:spcBef>
+              <a:buFont typeface="Arial"/>
+              <a:buChar char="•"/>
+              <a:defRPr sz="1800" kern="1200">
+                <a:solidFill>
+                  <a:schemeClr val="tx1"/>
+                </a:solidFill>
+                <a:latin typeface="+mn-lt"/>
+                <a:ea typeface="+mn-ea"/>
+                <a:cs typeface="+mn-cs"/>
+              </a:defRPr>
+            </a:lvl5pPr>
+            <a:lvl6pPr marL="2514600" indent="-228600" algn="l" defTabSz="914400" rtl="0" eaLnBrk="1" latinLnBrk="1" hangingPunct="1">
+              <a:lnSpc>
+                <a:spcPct val="90000"/>
+              </a:lnSpc>
+              <a:spcBef>
+                <a:spcPts val="500"/>
+              </a:spcBef>
+              <a:buFont typeface="Arial"/>
+              <a:buChar char="•"/>
+              <a:defRPr sz="1800" kern="1200">
+                <a:solidFill>
+                  <a:schemeClr val="tx1"/>
+                </a:solidFill>
+                <a:latin typeface="+mn-lt"/>
+                <a:ea typeface="+mn-ea"/>
+                <a:cs typeface="+mn-cs"/>
+              </a:defRPr>
+            </a:lvl6pPr>
+            <a:lvl7pPr marL="2971800" indent="-228600" algn="l" defTabSz="914400" rtl="0" eaLnBrk="1" latinLnBrk="1" hangingPunct="1">
+              <a:lnSpc>
+                <a:spcPct val="90000"/>
+              </a:lnSpc>
+              <a:spcBef>
+                <a:spcPts val="500"/>
+              </a:spcBef>
+              <a:buFont typeface="Arial"/>
+              <a:buChar char="•"/>
+              <a:defRPr sz="1800" kern="1200">
+                <a:solidFill>
+                  <a:schemeClr val="tx1"/>
+                </a:solidFill>
+                <a:latin typeface="+mn-lt"/>
+                <a:ea typeface="+mn-ea"/>
+                <a:cs typeface="+mn-cs"/>
+              </a:defRPr>
+            </a:lvl7pPr>
+            <a:lvl8pPr marL="3429000" indent="-228600" algn="l" defTabSz="914400" rtl="0" eaLnBrk="1" latinLnBrk="1" hangingPunct="1">
+              <a:lnSpc>
+                <a:spcPct val="90000"/>
+              </a:lnSpc>
+              <a:spcBef>
+                <a:spcPts val="500"/>
+              </a:spcBef>
+              <a:buFont typeface="Arial"/>
+              <a:buChar char="•"/>
+              <a:defRPr sz="1800" kern="1200">
+                <a:solidFill>
+                  <a:schemeClr val="tx1"/>
+                </a:solidFill>
+                <a:latin typeface="+mn-lt"/>
+                <a:ea typeface="+mn-ea"/>
+                <a:cs typeface="+mn-cs"/>
+              </a:defRPr>
+            </a:lvl8pPr>
+            <a:lvl9pPr marL="3886200" indent="-228600" algn="l" defTabSz="914400" rtl="0" eaLnBrk="1" latinLnBrk="1" hangingPunct="1">
+              <a:lnSpc>
+                <a:spcPct val="90000"/>
+              </a:lnSpc>
+              <a:spcBef>
+                <a:spcPts val="500"/>
+              </a:spcBef>
+              <a:buFont typeface="Arial"/>
+              <a:buChar char="•"/>
+              <a:defRPr sz="1800" kern="1200">
+                <a:solidFill>
+                  <a:schemeClr val="tx1"/>
+                </a:solidFill>
+                <a:latin typeface="+mn-lt"/>
+                <a:ea typeface="+mn-ea"/>
+                <a:cs typeface="+mn-cs"/>
+              </a:defRPr>
+            </a:lvl9pPr>
+          </a:lstStyle>
+          <a:p>
+            <a:pPr marL="0" indent="0">
+              <a:buNone/>
+              <a:defRPr/>
+            </a:pPr>
+            <a:r>
+              <a:rPr lang="en-US" altLang="ko-KR"/>
+              <a:t>2-3. Modified Watson’s Perceptual Model</a:t>
+            </a:r>
+          </a:p>
+          <a:p>
+            <a:pPr lvl="0">
+              <a:defRPr/>
+            </a:pPr>
+            <a:endParaRPr lang="ko-KR" altLang="en-US"/>
+          </a:p>
+          <a:p>
+            <a:pPr lvl="0">
+              <a:defRPr/>
+            </a:pPr>
+            <a:r>
+              <a:rPr lang="en-US" altLang="ko-KR"/>
+              <a:t>Watson’s Perceptual Model</a:t>
+            </a:r>
+            <a:r>
+              <a:rPr lang="ko-KR" altLang="en-US"/>
+              <a:t>을</a:t>
+            </a:r>
+            <a:endParaRPr lang="en-US" altLang="ko-KR"/>
+          </a:p>
+          <a:p>
+            <a:pPr marL="0" lvl="0" indent="0">
+              <a:buNone/>
+              <a:defRPr/>
+            </a:pPr>
+            <a:r>
+              <a:rPr lang="ko-KR" altLang="en-US"/>
+              <a:t>  </a:t>
+            </a:r>
+            <a:r>
+              <a:rPr lang="en-US" altLang="ko-KR"/>
+              <a:t>smooth-maximum function</a:t>
+            </a:r>
+            <a:r>
+              <a:rPr lang="ko-KR" altLang="en-US"/>
+              <a:t>을 </a:t>
+            </a:r>
+          </a:p>
+          <a:p>
+            <a:pPr marL="0" lvl="0" indent="0">
+              <a:buNone/>
+              <a:defRPr/>
+            </a:pPr>
+            <a:r>
+              <a:rPr lang="ko-KR" altLang="en-US"/>
+              <a:t>  적용해 연속적이고 미분가능한 </a:t>
+            </a:r>
+          </a:p>
+          <a:p>
+            <a:pPr marL="0" lvl="0" indent="0">
+              <a:buNone/>
+              <a:defRPr/>
+            </a:pPr>
+            <a:r>
+              <a:rPr lang="ko-KR" altLang="en-US"/>
+              <a:t>  함수로 변경</a:t>
+            </a:r>
+          </a:p>
+          <a:p>
+            <a:pPr lvl="0">
+              <a:defRPr/>
+            </a:pPr>
+            <a:endParaRPr lang="ko-KR" altLang="en-US"/>
+          </a:p>
+        </p:txBody>
+      </p:sp>
+      <p:pic>
+        <p:nvPicPr>
+          <p:cNvPr id="1032" name="그림 1031"/>
+          <p:cNvPicPr>
+            <a:picLocks noChangeAspect="1"/>
+          </p:cNvPicPr>
+          <p:nvPr/>
+        </p:nvPicPr>
+        <p:blipFill rotWithShape="1">
+          <a:blip r:embed="rId3"/>
+          <a:stretch>
+            <a:fillRect/>
+          </a:stretch>
+        </p:blipFill>
+        <p:spPr>
+          <a:xfrm>
+            <a:off x="7009644" y="3356958"/>
+            <a:ext cx="4298950" cy="2755031"/>
+          </a:xfrm>
+          <a:prstGeom prst="rect">
+            <a:avLst/>
+          </a:prstGeom>
+        </p:spPr>
+      </p:pic>
+      <p:pic>
+        <p:nvPicPr>
+          <p:cNvPr id="1033" name="그림 1032"/>
+          <p:cNvPicPr>
+            <a:picLocks noChangeAspect="1"/>
+          </p:cNvPicPr>
+          <p:nvPr/>
+        </p:nvPicPr>
+        <p:blipFill rotWithShape="1">
+          <a:blip r:embed="rId4"/>
+          <a:stretch>
+            <a:fillRect/>
+          </a:stretch>
+        </p:blipFill>
+        <p:spPr>
+          <a:xfrm>
+            <a:off x="1361800" y="5071303"/>
+            <a:ext cx="3494864" cy="996120"/>
+          </a:xfrm>
+          <a:prstGeom prst="rect">
+            <a:avLst/>
+          </a:prstGeom>
+        </p:spPr>
+      </p:pic>
+      <p:pic>
+        <p:nvPicPr>
+          <p:cNvPr id="1034" name="그림 1033"/>
+          <p:cNvPicPr>
+            <a:picLocks noChangeAspect="1"/>
+          </p:cNvPicPr>
+          <p:nvPr/>
+        </p:nvPicPr>
+        <p:blipFill rotWithShape="1">
+          <a:blip r:embed="rId5"/>
+          <a:stretch>
+            <a:fillRect/>
+          </a:stretch>
+        </p:blipFill>
+        <p:spPr>
+          <a:xfrm>
+            <a:off x="1141369" y="6059895"/>
+            <a:ext cx="3867689" cy="657316"/>
+          </a:xfrm>
+          <a:prstGeom prst="rect">
+            <a:avLst/>
+          </a:prstGeom>
+        </p:spPr>
+      </p:pic>
+    </p:spTree>
+    <p:extLst>
+      <p:ext uri="{BB962C8B-B14F-4D97-AF65-F5344CB8AC3E}">
+        <p14:creationId xmlns:p14="http://schemas.microsoft.com/office/powerpoint/2010/main" val="2747265172"/>
+      </p:ext>
+    </p:extLst>
+  </p:cSld>
+  <p:clrMapOvr>
+    <a:masterClrMapping/>
+  </p:clrMapOvr>
+  <mc:AlternateContent xmlns:mc="http://schemas.openxmlformats.org/markup-compatibility/2006" xmlns:p14="http://schemas.microsoft.com/office/powerpoint/2010/main">
+    <mc:Choice Requires="p14">
+      <p:transition/>
+    </mc:Choice>
+    <mc:Fallback xmlns:dsp="http://schemas.microsoft.com/office/drawing/2008/diagram" xmlns:dgm="http://schemas.openxmlformats.org/drawingml/2006/diagram" xmlns:c="http://schemas.openxmlformats.org/drawingml/2006/chart" xmlns="">
+      <p:transition/>
+    </mc:Fallback>
+  </mc:AlternateContent>
+</p:sld>
+</file>
+
+<file path=ppt/slides/slide15.xml><?xml version="1.0" encoding="utf-8"?>
+<p:sld xmlns:a="http://schemas.openxmlformats.org/drawingml/2006/main" xmlns:r="http://schemas.openxmlformats.org/officeDocument/2006/relationships" xmlns:p="http://schemas.openxmlformats.org/presentationml/2006/main">
+  <p:cSld>
+    <p:spTree>
+      <p:nvGrpSpPr>
+        <p:cNvPr id="1" name=""/>
+        <p:cNvGrpSpPr/>
+        <p:nvPr/>
+      </p:nvGrpSpPr>
+      <p:grpSpPr>
+        <a:xfrm>
+          <a:off x="0" y="0"/>
+          <a:ext cx="0" cy="0"/>
+          <a:chOff x="0" y="0"/>
+          <a:chExt cx="0" cy="0"/>
+        </a:xfrm>
+      </p:grpSpPr>
+      <p:sp>
+        <p:nvSpPr>
+          <p:cNvPr id="2" name="제목 1"/>
+          <p:cNvSpPr>
+            <a:spLocks noGrp="1"/>
+          </p:cNvSpPr>
+          <p:nvPr>
+            <p:ph type="title"/>
+          </p:nvPr>
+        </p:nvSpPr>
+        <p:spPr/>
+        <p:txBody>
+          <a:bodyPr/>
+          <a:lstStyle/>
+          <a:p>
+            <a:pPr lvl="0">
+              <a:defRPr/>
+            </a:pPr>
+            <a:r>
+              <a:rPr lang="en-US" altLang="ko-KR"/>
+              <a:t>2. </a:t>
+            </a:r>
+            <a:r>
+              <a:rPr lang="ko-KR" altLang="en-US"/>
+              <a:t>모델</a:t>
+            </a:r>
+          </a:p>
+        </p:txBody>
+      </p:sp>
+      <p:sp>
+        <p:nvSpPr>
+          <p:cNvPr id="5" name="내용 개체 틀 2"/>
+          <p:cNvSpPr txBox="1"/>
+          <p:nvPr/>
+        </p:nvSpPr>
+        <p:spPr>
+          <a:xfrm>
+            <a:off x="838199" y="1833889"/>
+            <a:ext cx="10515599" cy="4482689"/>
+          </a:xfrm>
+          <a:prstGeom prst="rect">
+            <a:avLst/>
+          </a:prstGeom>
+        </p:spPr>
+        <p:txBody>
+          <a:bodyPr vert="horz" lIns="91440" tIns="45720" rIns="91440" bIns="45720">
+            <a:normAutofit/>
+          </a:bodyPr>
+          <a:lstStyle>
+            <a:lvl1pPr marL="228600" indent="-228600" algn="l" defTabSz="914400" rtl="0" eaLnBrk="1" latinLnBrk="1" hangingPunct="1">
+              <a:lnSpc>
+                <a:spcPct val="90000"/>
+              </a:lnSpc>
+              <a:spcBef>
+                <a:spcPts val="1000"/>
+              </a:spcBef>
+              <a:buFont typeface="Arial"/>
+              <a:buChar char="•"/>
+              <a:defRPr sz="2800" kern="1200">
+                <a:solidFill>
+                  <a:schemeClr val="tx1"/>
+                </a:solidFill>
+                <a:latin typeface="+mn-lt"/>
+                <a:ea typeface="+mn-ea"/>
+                <a:cs typeface="+mn-cs"/>
+              </a:defRPr>
+            </a:lvl1pPr>
+            <a:lvl2pPr marL="685800" indent="-228600" algn="l" defTabSz="914400" rtl="0" eaLnBrk="1" latinLnBrk="1" hangingPunct="1">
+              <a:lnSpc>
+                <a:spcPct val="90000"/>
+              </a:lnSpc>
+              <a:spcBef>
+                <a:spcPts val="500"/>
+              </a:spcBef>
+              <a:buFont typeface="Arial"/>
+              <a:buChar char="•"/>
+              <a:defRPr sz="2400" kern="1200">
+                <a:solidFill>
+                  <a:schemeClr val="tx1"/>
+                </a:solidFill>
+                <a:latin typeface="+mn-lt"/>
+                <a:ea typeface="+mn-ea"/>
+                <a:cs typeface="+mn-cs"/>
+              </a:defRPr>
+            </a:lvl2pPr>
+            <a:lvl3pPr marL="1143000" indent="-228600" algn="l" defTabSz="914400" rtl="0" eaLnBrk="1" latinLnBrk="1" hangingPunct="1">
+              <a:lnSpc>
+                <a:spcPct val="90000"/>
+              </a:lnSpc>
+              <a:spcBef>
+                <a:spcPts val="500"/>
+              </a:spcBef>
+              <a:buFont typeface="Arial"/>
+              <a:buChar char="•"/>
+              <a:defRPr sz="2000" kern="1200">
+                <a:solidFill>
+                  <a:schemeClr val="tx1"/>
+                </a:solidFill>
+                <a:latin typeface="+mn-lt"/>
+                <a:ea typeface="+mn-ea"/>
+                <a:cs typeface="+mn-cs"/>
+              </a:defRPr>
+            </a:lvl3pPr>
+            <a:lvl4pPr marL="1600200" indent="-228600" algn="l" defTabSz="914400" rtl="0" eaLnBrk="1" latinLnBrk="1" hangingPunct="1">
+              <a:lnSpc>
+                <a:spcPct val="90000"/>
+              </a:lnSpc>
+              <a:spcBef>
+                <a:spcPts val="500"/>
+              </a:spcBef>
+              <a:buFont typeface="Arial"/>
+              <a:buChar char="•"/>
+              <a:defRPr sz="1800" kern="1200">
+                <a:solidFill>
+                  <a:schemeClr val="tx1"/>
+                </a:solidFill>
+                <a:latin typeface="+mn-lt"/>
+                <a:ea typeface="+mn-ea"/>
+                <a:cs typeface="+mn-cs"/>
+              </a:defRPr>
+            </a:lvl4pPr>
+            <a:lvl5pPr marL="2057400" indent="-228600" algn="l" defTabSz="914400" rtl="0" eaLnBrk="1" latinLnBrk="1" hangingPunct="1">
+              <a:lnSpc>
+                <a:spcPct val="90000"/>
+              </a:lnSpc>
+              <a:spcBef>
+                <a:spcPts val="500"/>
+              </a:spcBef>
+              <a:buFont typeface="Arial"/>
+              <a:buChar char="•"/>
+              <a:defRPr sz="1800" kern="1200">
+                <a:solidFill>
+                  <a:schemeClr val="tx1"/>
+                </a:solidFill>
+                <a:latin typeface="+mn-lt"/>
+                <a:ea typeface="+mn-ea"/>
+                <a:cs typeface="+mn-cs"/>
+              </a:defRPr>
+            </a:lvl5pPr>
+            <a:lvl6pPr marL="2514600" indent="-228600" algn="l" defTabSz="914400" rtl="0" eaLnBrk="1" latinLnBrk="1" hangingPunct="1">
+              <a:lnSpc>
+                <a:spcPct val="90000"/>
+              </a:lnSpc>
+              <a:spcBef>
+                <a:spcPts val="500"/>
+              </a:spcBef>
+              <a:buFont typeface="Arial"/>
+              <a:buChar char="•"/>
+              <a:defRPr sz="1800" kern="1200">
+                <a:solidFill>
+                  <a:schemeClr val="tx1"/>
+                </a:solidFill>
+                <a:latin typeface="+mn-lt"/>
+                <a:ea typeface="+mn-ea"/>
+                <a:cs typeface="+mn-cs"/>
+              </a:defRPr>
+            </a:lvl6pPr>
+            <a:lvl7pPr marL="2971800" indent="-228600" algn="l" defTabSz="914400" rtl="0" eaLnBrk="1" latinLnBrk="1" hangingPunct="1">
+              <a:lnSpc>
+                <a:spcPct val="90000"/>
+              </a:lnSpc>
+              <a:spcBef>
+                <a:spcPts val="500"/>
+              </a:spcBef>
+              <a:buFont typeface="Arial"/>
+              <a:buChar char="•"/>
+              <a:defRPr sz="1800" kern="1200">
+                <a:solidFill>
+                  <a:schemeClr val="tx1"/>
+                </a:solidFill>
+                <a:latin typeface="+mn-lt"/>
+                <a:ea typeface="+mn-ea"/>
+                <a:cs typeface="+mn-cs"/>
+              </a:defRPr>
+            </a:lvl7pPr>
+            <a:lvl8pPr marL="3429000" indent="-228600" algn="l" defTabSz="914400" rtl="0" eaLnBrk="1" latinLnBrk="1" hangingPunct="1">
+              <a:lnSpc>
+                <a:spcPct val="90000"/>
+              </a:lnSpc>
+              <a:spcBef>
+                <a:spcPts val="500"/>
+              </a:spcBef>
+              <a:buFont typeface="Arial"/>
+              <a:buChar char="•"/>
+              <a:defRPr sz="1800" kern="1200">
+                <a:solidFill>
+                  <a:schemeClr val="tx1"/>
+                </a:solidFill>
+                <a:latin typeface="+mn-lt"/>
+                <a:ea typeface="+mn-ea"/>
+                <a:cs typeface="+mn-cs"/>
+              </a:defRPr>
+            </a:lvl8pPr>
+            <a:lvl9pPr marL="3886200" indent="-228600" algn="l" defTabSz="914400" rtl="0" eaLnBrk="1" latinLnBrk="1" hangingPunct="1">
+              <a:lnSpc>
+                <a:spcPct val="90000"/>
+              </a:lnSpc>
+              <a:spcBef>
+                <a:spcPts val="500"/>
+              </a:spcBef>
+              <a:buFont typeface="Arial"/>
+              <a:buChar char="•"/>
+              <a:defRPr sz="1800" kern="1200">
+                <a:solidFill>
+                  <a:schemeClr val="tx1"/>
+                </a:solidFill>
+                <a:latin typeface="+mn-lt"/>
+                <a:ea typeface="+mn-ea"/>
+                <a:cs typeface="+mn-cs"/>
+              </a:defRPr>
+            </a:lvl9pPr>
+          </a:lstStyle>
+          <a:p>
+            <a:pPr marL="0" indent="0">
+              <a:buNone/>
+              <a:defRPr/>
+            </a:pPr>
+            <a:r>
+              <a:rPr lang="en-US" altLang="ko-KR" dirty="0"/>
+              <a:t>2-3. Modified Watson’s Perceptual Model</a:t>
+            </a:r>
+          </a:p>
+          <a:p>
+            <a:pPr lvl="0">
+              <a:defRPr/>
+            </a:pPr>
+            <a:r>
+              <a:rPr lang="en-US" altLang="ko-KR" dirty="0"/>
+              <a:t>Watson-DFT</a:t>
+            </a:r>
+          </a:p>
+          <a:p>
+            <a:pPr lvl="0">
+              <a:buFontTx/>
+              <a:buChar char="-"/>
+              <a:defRPr/>
+            </a:pPr>
+            <a:r>
+              <a:rPr lang="en-US" altLang="ko-KR" dirty="0"/>
+              <a:t>DCT</a:t>
+            </a:r>
+            <a:r>
+              <a:rPr lang="ko-KR" altLang="en-US" dirty="0"/>
+              <a:t>를 통해 이미지를 변환했던 과정을 </a:t>
+            </a:r>
+            <a:r>
+              <a:rPr lang="en-US" altLang="ko-KR" dirty="0"/>
+              <a:t>DFT</a:t>
+            </a:r>
+            <a:r>
+              <a:rPr lang="ko-KR" altLang="en-US" dirty="0"/>
+              <a:t>로 교체</a:t>
+            </a:r>
+            <a:endParaRPr lang="en-US" altLang="ko-KR" dirty="0"/>
+          </a:p>
+          <a:p>
+            <a:pPr lvl="0">
+              <a:buFontTx/>
+              <a:buChar char="-"/>
+              <a:defRPr/>
+            </a:pPr>
+            <a:endParaRPr lang="en-US" altLang="ko-KR" dirty="0"/>
+          </a:p>
+          <a:p>
+            <a:pPr lvl="0">
+              <a:defRPr/>
+            </a:pPr>
+            <a:endParaRPr lang="ko-KR" altLang="en-US" dirty="0"/>
+          </a:p>
+          <a:p>
+            <a:pPr lvl="0">
+              <a:defRPr/>
+            </a:pPr>
+            <a:endParaRPr lang="ko-KR" altLang="en-US" dirty="0"/>
+          </a:p>
+        </p:txBody>
+      </p:sp>
+    </p:spTree>
+    <p:extLst>
+      <p:ext uri="{BB962C8B-B14F-4D97-AF65-F5344CB8AC3E}">
+        <p14:creationId xmlns:p14="http://schemas.microsoft.com/office/powerpoint/2010/main" val="3907642181"/>
+      </p:ext>
+    </p:extLst>
+  </p:cSld>
+  <p:clrMapOvr>
+    <a:masterClrMapping/>
+  </p:clrMapOvr>
+  <mc:AlternateContent xmlns:mc="http://schemas.openxmlformats.org/markup-compatibility/2006" xmlns:p14="http://schemas.microsoft.com/office/powerpoint/2010/main">
+    <mc:Choice Requires="p14">
+      <p:transition/>
+    </mc:Choice>
+    <mc:Fallback xmlns:dsp="http://schemas.microsoft.com/office/drawing/2008/diagram" xmlns:dgm="http://schemas.openxmlformats.org/drawingml/2006/diagram" xmlns:c="http://schemas.openxmlformats.org/drawingml/2006/chart" xmlns="">
+      <p:transition/>
+    </mc:Fallback>
+  </mc:AlternateContent>
+</p:sld>
+</file>
+
+<file path=ppt/slides/slide16.xml><?xml version="1.0" encoding="utf-8"?>
 <p:sld xmlns:a="http://schemas.openxmlformats.org/drawingml/2006/main" xmlns:r="http://schemas.openxmlformats.org/officeDocument/2006/relationships" xmlns:p="http://schemas.openxmlformats.org/presentationml/2006/main">
   <p:cSld>
     <p:spTree>
@@ -4427,7 +7445,7 @@
           <p:nvPr/>
         </p:nvPicPr>
         <p:blipFill>
-          <a:blip r:embed="rId4">
+          <a:blip r:embed="rId4" cstate="print">
             <a:extLst>
               <a:ext uri="{28A0092B-C50C-407E-A947-70E740481C1C}">
                 <a14:useLocalDpi xmlns:a14="http://schemas.microsoft.com/office/drawing/2010/main" val="0"/>
@@ -4472,7 +7490,7 @@
 </p:sld>
 </file>
 
-<file path=ppt/slides/slide12.xml><?xml version="1.0" encoding="utf-8"?>
+<file path=ppt/slides/slide17.xml><?xml version="1.0" encoding="utf-8"?>
 <p:sld xmlns:a="http://schemas.openxmlformats.org/drawingml/2006/main" xmlns:r="http://schemas.openxmlformats.org/officeDocument/2006/relationships" xmlns:p="http://schemas.openxmlformats.org/presentationml/2006/main">
   <p:cSld>
     <p:spTree>
@@ -9043,7 +12061,7 @@
         <a:latin typeface="맑은 고딕" panose="020F0302020204030204"/>
         <a:ea typeface=""/>
         <a:cs typeface=""/>
-        <a:font script="Jpan" typeface="游ゴシック Light"/>
+        <a:font script="Jpan" typeface="Yu Gothic Light"/>
         <a:font script="Hang" typeface="맑은 고딕"/>
         <a:font script="Hans" typeface="等线 Light"/>
         <a:font script="Hant" typeface="新細明體"/>
@@ -9095,7 +12113,7 @@
         <a:latin typeface="맑은 고딕" panose="020F0502020204030204"/>
         <a:ea typeface=""/>
         <a:cs typeface=""/>
-        <a:font script="Jpan" typeface="游ゴシック"/>
+        <a:font script="Jpan" typeface="Yu Gothic"/>
         <a:font script="Hang" typeface="맑은 고딕"/>
         <a:font script="Hans" typeface="等线"/>
         <a:font script="Hant" typeface="新細明體"/>
@@ -9208,21 +12226,21 @@
             <a:schemeClr val="phClr"/>
           </a:solidFill>
           <a:prstDash val="solid"/>
-          <a:miter lim="800000"/>
+          <a:miter/>
         </a:ln>
         <a:ln w="12700" cap="flat" cmpd="sng" algn="ctr">
           <a:solidFill>
             <a:schemeClr val="phClr"/>
           </a:solidFill>
           <a:prstDash val="solid"/>
-          <a:miter lim="800000"/>
+          <a:miter/>
         </a:ln>
         <a:ln w="19050" cap="flat" cmpd="sng" algn="ctr">
           <a:solidFill>
             <a:schemeClr val="phClr"/>
           </a:solidFill>
           <a:prstDash val="solid"/>
-          <a:miter lim="800000"/>
+          <a:miter/>
         </a:ln>
       </a:lnStyleLst>
       <a:effectStyleLst>
@@ -9284,11 +12302,6 @@
   </a:themeElements>
   <a:objectDefaults/>
   <a:extraClrSchemeLst/>
-  <a:extLst>
-    <a:ext uri="{05A4C25C-085E-4340-85A3-A5531E510DB2}">
-      <thm15:themeFamily xmlns:thm15="http://schemas.microsoft.com/office/thememl/2012/main" name="Office Theme" id="{62F939B6-93AF-4DB8-9C6B-D6C7DFDC589F}" vid="{4A3C46E8-61CC-4603-A589-7422A47A8E4A}"/>
-    </a:ext>
-  </a:extLst>
 </a:theme>
 </file>
 
@@ -9338,7 +12351,7 @@
         <a:latin typeface="맑은 고딕" panose="020F0302020204030204"/>
         <a:ea typeface=""/>
         <a:cs typeface=""/>
-        <a:font script="Jpan" typeface="游ゴシック Light"/>
+        <a:font script="Jpan" typeface="Yu Gothic Light"/>
         <a:font script="Hang" typeface="맑은 고딕"/>
         <a:font script="Hans" typeface="等线 Light"/>
         <a:font script="Hant" typeface="新細明體"/>
@@ -9390,7 +12403,7 @@
         <a:latin typeface="맑은 고딕" panose="020F0502020204030204"/>
         <a:ea typeface=""/>
         <a:cs typeface=""/>
-        <a:font script="Jpan" typeface="游ゴシック"/>
+        <a:font script="Jpan" typeface="Yu Gothic"/>
         <a:font script="Hang" typeface="맑은 고딕"/>
         <a:font script="Hans" typeface="等线"/>
         <a:font script="Hant" typeface="新細明體"/>
@@ -9503,21 +12516,21 @@
             <a:schemeClr val="phClr"/>
           </a:solidFill>
           <a:prstDash val="solid"/>
-          <a:miter lim="800000"/>
+          <a:miter/>
         </a:ln>
         <a:ln w="12700" cap="flat" cmpd="sng" algn="ctr">
           <a:solidFill>
             <a:schemeClr val="phClr"/>
           </a:solidFill>
           <a:prstDash val="solid"/>
-          <a:miter lim="800000"/>
+          <a:miter/>
         </a:ln>
         <a:ln w="19050" cap="flat" cmpd="sng" algn="ctr">
           <a:solidFill>
             <a:schemeClr val="phClr"/>
           </a:solidFill>
           <a:prstDash val="solid"/>
-          <a:miter lim="800000"/>
+          <a:miter/>
         </a:ln>
       </a:lnStyleLst>
       <a:effectStyleLst>
@@ -9579,10 +12592,5 @@
   </a:themeElements>
   <a:objectDefaults/>
   <a:extraClrSchemeLst/>
-  <a:extLst>
-    <a:ext uri="{05A4C25C-085E-4340-85A3-A5531E510DB2}">
-      <thm15:themeFamily xmlns:thm15="http://schemas.microsoft.com/office/thememl/2012/main" name="Office Theme" id="{62F939B6-93AF-4DB8-9C6B-D6C7DFDC589F}" vid="{4A3C46E8-61CC-4603-A589-7422A47A8E4A}"/>
-    </a:ext>
-  </a:extLst>
 </a:theme>
 </file>
--- a/The Stable Signature Rooting Watermarks in Latent Diffusion Models/Rooting Watermarks in Latent Diffusion Models.pptx
+++ b/The Stable Signature Rooting Watermarks in Latent Diffusion Models/Rooting Watermarks in Latent Diffusion Models.pptx
@@ -1,30 +1,30 @@
 
 <file path=ppt/presentation.xml><?xml version="1.0" encoding="utf-8"?>
-<p:presentation xmlns:a="http://schemas.openxmlformats.org/drawingml/2006/main" xmlns:r="http://schemas.openxmlformats.org/officeDocument/2006/relationships" xmlns:p="http://schemas.openxmlformats.org/presentationml/2006/main">
+<p:presentation xmlns:r="http://schemas.openxmlformats.org/officeDocument/2006/relationships" xmlns:c="http://schemas.openxmlformats.org/drawingml/2006/chart" xmlns:a="http://schemas.openxmlformats.org/drawingml/2006/main" xmlns:dgm="http://schemas.openxmlformats.org/drawingml/2006/diagram" xmlns:dsp="http://schemas.microsoft.com/office/drawing/2008/diagram" xmlns:p="http://schemas.openxmlformats.org/presentationml/2006/main">
   <p:sldMasterIdLst>
     <p:sldMasterId id="2147483648" r:id="rId1"/>
   </p:sldMasterIdLst>
   <p:notesMasterIdLst>
-    <p:notesMasterId r:id="rId19"/>
+    <p:notesMasterId r:id="rId2"/>
   </p:notesMasterIdLst>
   <p:sldIdLst>
-    <p:sldId id="256" r:id="rId2"/>
-    <p:sldId id="257" r:id="rId3"/>
-    <p:sldId id="294" r:id="rId4"/>
-    <p:sldId id="295" r:id="rId5"/>
-    <p:sldId id="296" r:id="rId6"/>
-    <p:sldId id="293" r:id="rId7"/>
-    <p:sldId id="297" r:id="rId8"/>
-    <p:sldId id="298" r:id="rId9"/>
-    <p:sldId id="299" r:id="rId10"/>
-    <p:sldId id="300" r:id="rId11"/>
-    <p:sldId id="303" r:id="rId12"/>
-    <p:sldId id="301" r:id="rId13"/>
-    <p:sldId id="302" r:id="rId14"/>
-    <p:sldId id="304" r:id="rId15"/>
-    <p:sldId id="305" r:id="rId16"/>
-    <p:sldId id="286" r:id="rId17"/>
-    <p:sldId id="270" r:id="rId18"/>
+    <p:sldId id="256" r:id="rId3"/>
+    <p:sldId id="257" r:id="rId4"/>
+    <p:sldId id="294" r:id="rId5"/>
+    <p:sldId id="295" r:id="rId6"/>
+    <p:sldId id="296" r:id="rId7"/>
+    <p:sldId id="293" r:id="rId8"/>
+    <p:sldId id="297" r:id="rId9"/>
+    <p:sldId id="298" r:id="rId10"/>
+    <p:sldId id="299" r:id="rId11"/>
+    <p:sldId id="300" r:id="rId12"/>
+    <p:sldId id="303" r:id="rId13"/>
+    <p:sldId id="301" r:id="rId14"/>
+    <p:sldId id="302" r:id="rId15"/>
+    <p:sldId id="304" r:id="rId16"/>
+    <p:sldId id="305" r:id="rId17"/>
+    <p:sldId id="306" r:id="rId18"/>
+    <p:sldId id="270" r:id="rId19"/>
   </p:sldIdLst>
   <p:sldSz cx="12192000" cy="6858000"/>
   <p:notesSz cx="6858000" cy="9144000"/>
@@ -123,22 +123,17 @@
       </a:defRPr>
     </a:lvl9pPr>
   </p:defaultTextStyle>
-  <p:extLst>
-    <p:ext uri="{EFAFB233-063F-42B5-8137-9DF3F51BA10A}">
-      <p15:sldGuideLst xmlns:p15="http://schemas.microsoft.com/office/powerpoint/2012/main"/>
-    </p:ext>
-  </p:extLst>
 </p:presentation>
 </file>
 
 <file path=ppt/commentAuthors.xml><?xml version="1.0" encoding="utf-8"?>
-<p:cmAuthorLst xmlns:a="http://schemas.openxmlformats.org/drawingml/2006/main" xmlns:r="http://schemas.openxmlformats.org/officeDocument/2006/relationships" xmlns:p="http://schemas.openxmlformats.org/presentationml/2006/main">
+<p:cmAuthorLst xmlns:r="http://schemas.openxmlformats.org/officeDocument/2006/relationships" xmlns:c="http://schemas.openxmlformats.org/drawingml/2006/chart" xmlns:a="http://schemas.openxmlformats.org/drawingml/2006/main" xmlns:dgm="http://schemas.openxmlformats.org/drawingml/2006/diagram" xmlns:dsp="http://schemas.microsoft.com/office/drawing/2008/diagram" xmlns:p="http://schemas.openxmlformats.org/presentationml/2006/main">
   <p:cmAuthor id="1" name="기범" initials="기" lastIdx="1" clrIdx="0"/>
 </p:cmAuthorLst>
 </file>
 
 <file path=ppt/notesMasters/notesMaster1.xml><?xml version="1.0" encoding="utf-8"?>
-<p:notesMaster xmlns:a="http://schemas.openxmlformats.org/drawingml/2006/main" xmlns:r="http://schemas.openxmlformats.org/officeDocument/2006/relationships" xmlns:p="http://schemas.openxmlformats.org/presentationml/2006/main">
+<p:notesMaster xmlns:r="http://schemas.openxmlformats.org/officeDocument/2006/relationships" xmlns:c="http://schemas.openxmlformats.org/drawingml/2006/chart" xmlns:a="http://schemas.openxmlformats.org/drawingml/2006/main" xmlns:dgm="http://schemas.openxmlformats.org/drawingml/2006/diagram" xmlns:dsp="http://schemas.microsoft.com/office/drawing/2008/diagram" xmlns:p="http://schemas.openxmlformats.org/presentationml/2006/main">
   <p:cSld>
     <p:bg>
       <p:bgRef idx="1001">
@@ -166,7 +161,7 @@
             <a:spLocks noGrp="1"/>
           </p:cNvSpPr>
           <p:nvPr>
-            <p:ph type="hdr" sz="quarter"/>
+            <p:ph type="hdr" sz="quarter" idx="0"/>
           </p:nvPr>
         </p:nvSpPr>
         <p:spPr>
@@ -300,6 +295,7 @@
               <a:rPr lang="ko-KR" altLang="en-US"/>
               <a:t>마스터 텍스트 스타일을 편집하려면 클릭</a:t>
             </a:r>
+            <a:endParaRPr lang="ko-KR" altLang="en-US"/>
           </a:p>
           <a:p>
             <a:pPr lvl="1">
@@ -309,6 +305,7 @@
               <a:rPr lang="ko-KR" altLang="en-US"/>
               <a:t>두 번째 수준</a:t>
             </a:r>
+            <a:endParaRPr lang="ko-KR" altLang="en-US"/>
           </a:p>
           <a:p>
             <a:pPr lvl="2">
@@ -318,6 +315,7 @@
               <a:rPr lang="ko-KR" altLang="en-US"/>
               <a:t>세 번째 수준</a:t>
             </a:r>
+            <a:endParaRPr lang="ko-KR" altLang="en-US"/>
           </a:p>
           <a:p>
             <a:pPr lvl="3">
@@ -327,6 +325,7 @@
               <a:rPr lang="ko-KR" altLang="en-US"/>
               <a:t>네 번째 수준</a:t>
             </a:r>
+            <a:endParaRPr lang="ko-KR" altLang="en-US"/>
           </a:p>
           <a:p>
             <a:pPr lvl="4">
@@ -336,6 +335,7 @@
               <a:rPr lang="ko-KR" altLang="en-US"/>
               <a:t>다섯 번째 수준</a:t>
             </a:r>
+            <a:endParaRPr lang="ko-KR" altLang="en-US"/>
           </a:p>
         </p:txBody>
       </p:sp>
@@ -1009,7 +1009,7 @@
 </file>
 
 <file path=ppt/notesSlides/notesSlide6.xml><?xml version="1.0" encoding="utf-8"?>
-<p:notes xmlns:a="http://schemas.openxmlformats.org/drawingml/2006/main" xmlns:r="http://schemas.openxmlformats.org/officeDocument/2006/relationships" xmlns:p="http://schemas.openxmlformats.org/presentationml/2006/main">
+<p:notes xmlns:r="http://schemas.openxmlformats.org/officeDocument/2006/relationships" xmlns:c="http://schemas.openxmlformats.org/drawingml/2006/chart" xmlns:a="http://schemas.openxmlformats.org/drawingml/2006/main" xmlns:dgm="http://schemas.openxmlformats.org/drawingml/2006/diagram" xmlns:dsp="http://schemas.microsoft.com/office/drawing/2008/diagram" xmlns:p="http://schemas.openxmlformats.org/presentationml/2006/main">
   <p:cSld>
     <p:spTree>
       <p:nvGrpSpPr>
@@ -1027,24 +1027,12 @@
       </p:grpSpPr>
       <p:sp>
         <p:nvSpPr>
-          <p:cNvPr id="2" name="슬라이드 이미지 개체 틀 1"/>
+          <p:cNvPr id="2" name="슬라이드 이미지 개체 틀 3"/>
           <p:cNvSpPr>
-            <a:spLocks noGrp="1" noRot="1" noChangeAspect="1"/>
+            <a:spLocks noGrp="1" noRot="1" noChangeAspect="1" noTextEdit="1"/>
           </p:cNvSpPr>
           <p:nvPr>
-            <p:ph type="sldImg"/>
-          </p:nvPr>
-        </p:nvSpPr>
-        <p:spPr/>
-      </p:sp>
-      <p:sp>
-        <p:nvSpPr>
-          <p:cNvPr id="3" name="슬라이드 노트 개체 틀 2"/>
-          <p:cNvSpPr>
-            <a:spLocks noGrp="1"/>
-          </p:cNvSpPr>
-          <p:nvPr>
-            <p:ph type="body" idx="1"/>
+            <p:ph type="sldImg" idx="2"/>
           </p:nvPr>
         </p:nvSpPr>
         <p:spPr/>
@@ -1052,13 +1040,40 @@
           <a:bodyPr/>
           <a:lstStyle/>
           <a:p>
-            <a:endParaRPr lang="ko-KR" altLang="en-US" dirty="0"/>
+            <a:pPr lvl="0"/>
+            <a:endParaRPr lang="ko-KR" altLang="en-US"/>
           </a:p>
         </p:txBody>
       </p:sp>
       <p:sp>
         <p:nvSpPr>
-          <p:cNvPr id="4" name="슬라이드 번호 개체 틀 3"/>
+          <p:cNvPr id="3" name="슬라이드 노트 개체 틀 4"/>
+          <p:cNvSpPr>
+            <a:spLocks noGrp="1"/>
+          </p:cNvSpPr>
+          <p:nvPr>
+            <p:ph type="body" sz="quarter" idx="3"/>
+          </p:nvPr>
+        </p:nvSpPr>
+        <p:spPr/>
+        <p:txBody>
+          <a:bodyPr/>
+          <a:lstStyle/>
+          <a:p>
+            <a:pPr>
+              <a:defRPr/>
+            </a:pPr>
+            <a:r>
+              <a:rPr lang="en-US" altLang="ko-KR"/>
+              <a:t/>
+            </a:r>
+            <a:endParaRPr lang="en-US" altLang="ko-KR"/>
+          </a:p>
+        </p:txBody>
+      </p:sp>
+      <p:sp>
+        <p:nvSpPr>
+          <p:cNvPr id="4" name="슬라이드 번호 개체 틀 6"/>
           <p:cNvSpPr>
             <a:spLocks noGrp="1"/>
           </p:cNvSpPr>
@@ -1071,8 +1086,14 @@
           <a:bodyPr/>
           <a:lstStyle/>
           <a:p>
+            <a:pPr lvl="0">
+              <a:defRPr/>
+            </a:pPr>
             <a:fld id="{17CD097A-5759-4135-9984-2451C32C3456}" type="slidenum">
-              <a:rPr lang="ko-KR" altLang="en-US" smtClean="0"/>
+              <a:rPr lang="ko-KR" altLang="en-US"/>
+              <a:pPr lvl="0">
+                <a:defRPr/>
+              </a:pPr>
               <a:t>16</a:t>
             </a:fld>
             <a:endParaRPr lang="ko-KR" altLang="en-US"/>
@@ -1082,7 +1103,7 @@
     </p:spTree>
     <p:extLst>
       <p:ext uri="{BB962C8B-B14F-4D97-AF65-F5344CB8AC3E}">
-        <p14:creationId xmlns:p14="http://schemas.microsoft.com/office/powerpoint/2010/main" val="3294391694"/>
+        <p14:creationId xmlns:p14="http://schemas.microsoft.com/office/powerpoint/2010/main" val="1867234448"/>
       </p:ext>
     </p:extLst>
   </p:cSld>
@@ -4957,7 +4978,7 @@
 </file>
 
 <file path=ppt/slides/slide11.xml><?xml version="1.0" encoding="utf-8"?>
-<p:sld xmlns:a="http://schemas.openxmlformats.org/drawingml/2006/main" xmlns:r="http://schemas.openxmlformats.org/officeDocument/2006/relationships" xmlns:p="http://schemas.openxmlformats.org/presentationml/2006/main">
+<p:sld xmlns:r="http://schemas.openxmlformats.org/officeDocument/2006/relationships" xmlns:c="http://schemas.openxmlformats.org/drawingml/2006/chart" xmlns:a="http://schemas.openxmlformats.org/drawingml/2006/main" xmlns:dgm="http://schemas.openxmlformats.org/drawingml/2006/diagram" xmlns:dsp="http://schemas.microsoft.com/office/drawing/2008/diagram" xmlns:p="http://schemas.openxmlformats.org/presentationml/2006/main">
   <p:cSld>
     <p:spTree>
       <p:nvGrpSpPr>
@@ -5259,13 +5280,7 @@
       </p:pic>
       <p:pic>
         <p:nvPicPr>
-          <p:cNvPr id="4" name="그림 3">
-            <a:extLst>
-              <a:ext uri="{FF2B5EF4-FFF2-40B4-BE49-F238E27FC236}">
-                <a16:creationId xmlns:a16="http://schemas.microsoft.com/office/drawing/2014/main" id="{A82AF6C3-D042-4AA8-A7BB-0AD062AB79BC}"/>
-              </a:ext>
-            </a:extLst>
-          </p:cNvPr>
+          <p:cNvPr id="4" name="그림 3"/>
           <p:cNvPicPr>
             <a:picLocks noChangeAspect="1"/>
           </p:cNvPicPr>
@@ -5273,8 +5288,10 @@
         </p:nvPicPr>
         <p:blipFill rotWithShape="1">
           <a:blip r:embed="rId5"/>
-          <a:srcRect l="51647"/>
-          <a:stretch/>
+          <a:srcRect l="51650"/>
+          <a:stretch>
+            <a:fillRect/>
+          </a:stretch>
         </p:blipFill>
         <p:spPr>
           <a:xfrm>
@@ -5296,11 +5313,11 @@
   <p:clrMapOvr>
     <a:masterClrMapping/>
   </p:clrMapOvr>
-  <mc:AlternateContent xmlns:mc="http://schemas.openxmlformats.org/markup-compatibility/2006" xmlns:p14="http://schemas.microsoft.com/office/powerpoint/2010/main">
-    <mc:Choice Requires="p14">
-      <p:transition/>
+  <mc:AlternateContent xmlns:mc="http://schemas.openxmlformats.org/markup-compatibility/2006">
+    <mc:Choice xmlns:p14="http://schemas.microsoft.com/office/powerpoint/2010/main" Requires="p14">
+      <p:transition xmlns:mc="http://schemas.openxmlformats.org/markup-compatibility/2006" xmlns:p14="http://schemas.microsoft.com/office/powerpoint/2010/main" mc:Ignorable="p14" p14:dur="500"/>
     </mc:Choice>
-    <mc:Fallback xmlns:dsp="http://schemas.microsoft.com/office/drawing/2008/diagram" xmlns:dgm="http://schemas.openxmlformats.org/drawingml/2006/diagram" xmlns:c="http://schemas.openxmlformats.org/drawingml/2006/chart" xmlns="">
+    <mc:Fallback>
       <p:transition/>
     </mc:Fallback>
   </mc:AlternateContent>
@@ -5308,7 +5325,7 @@
 </file>
 
 <file path=ppt/slides/slide12.xml><?xml version="1.0" encoding="utf-8"?>
-<p:sld xmlns:a="http://schemas.openxmlformats.org/drawingml/2006/main" xmlns:r="http://schemas.openxmlformats.org/officeDocument/2006/relationships" xmlns:p="http://schemas.openxmlformats.org/presentationml/2006/main">
+<p:sld xmlns:r="http://schemas.openxmlformats.org/officeDocument/2006/relationships" xmlns:c="http://schemas.openxmlformats.org/drawingml/2006/chart" xmlns:a="http://schemas.openxmlformats.org/drawingml/2006/main" xmlns:dgm="http://schemas.openxmlformats.org/drawingml/2006/diagram" xmlns:dsp="http://schemas.microsoft.com/office/drawing/2008/diagram" xmlns:p="http://schemas.openxmlformats.org/presentationml/2006/main">
   <p:cSld>
     <p:spTree>
       <p:nvGrpSpPr>
@@ -5545,6 +5562,7 @@
               <a:rPr lang="en-US" altLang="ko-KR"/>
               <a:t>2-2. Watson’s Perceptual Model</a:t>
             </a:r>
+            <a:endParaRPr lang="en-US" altLang="ko-KR"/>
           </a:p>
           <a:p>
             <a:pPr lvl="0">
@@ -5556,7 +5574,39 @@
             </a:r>
             <a:r>
               <a:rPr lang="ko-KR" altLang="en-US"/>
-              <a:t> 방법으로 이미지를 압축한 후</a:t>
+              <a:t> 방법으로 </a:t>
+            </a:r>
+            <a:r>
+              <a:rPr lang="en-US" altLang="ko-KR"/>
+              <a:t>source</a:t>
+            </a:r>
+            <a:r>
+              <a:rPr lang="ko-KR" altLang="en-US"/>
+              <a:t> 이미지와 </a:t>
+            </a:r>
+            <a:r>
+              <a:rPr lang="en-US" altLang="ko-KR"/>
+              <a:t>target</a:t>
+            </a:r>
+            <a:r>
+              <a:rPr lang="ko-KR" altLang="en-US"/>
+              <a:t> 이미지를 주파수 영역으로 변환</a:t>
+            </a:r>
+            <a:endParaRPr lang="ko-KR" altLang="en-US"/>
+          </a:p>
+          <a:p>
+            <a:pPr lvl="0">
+              <a:defRPr/>
+            </a:pPr>
+            <a:endParaRPr lang="ko-KR" altLang="en-US"/>
+          </a:p>
+          <a:p>
+            <a:pPr lvl="0">
+              <a:defRPr/>
+            </a:pPr>
+            <a:r>
+              <a:rPr lang="ko-KR" altLang="en-US"/>
+              <a:t>그 후</a:t>
             </a:r>
             <a:r>
               <a:rPr lang="en-US" altLang="ko-KR"/>
@@ -5564,8 +5614,9 @@
             </a:r>
             <a:r>
               <a:rPr lang="ko-KR" altLang="en-US"/>
-              <a:t> 압축된 이미지와 원본 이미지와의 손실을 인지적인 관점에서 계산하는 모델</a:t>
-            </a:r>
+              <a:t> 주파수 이미지끼리 비교하여 인지적인 관점에서 차이를 계산하는 방법</a:t>
+            </a:r>
+            <a:endParaRPr lang="ko-KR" altLang="en-US"/>
           </a:p>
           <a:p>
             <a:pPr lvl="0">
@@ -5593,6 +5644,7 @@
               <a:rPr lang="ko-KR" altLang="en-US"/>
               <a:t>를 고려하여 계산</a:t>
             </a:r>
+            <a:endParaRPr lang="ko-KR" altLang="en-US"/>
           </a:p>
           <a:p>
             <a:pPr marL="0" lvl="0" indent="0">
@@ -5613,11 +5665,11 @@
   <p:clrMapOvr>
     <a:masterClrMapping/>
   </p:clrMapOvr>
-  <mc:AlternateContent xmlns:mc="http://schemas.openxmlformats.org/markup-compatibility/2006" xmlns:p14="http://schemas.microsoft.com/office/powerpoint/2010/main">
-    <mc:Choice Requires="p14">
-      <p:transition/>
+  <mc:AlternateContent xmlns:mc="http://schemas.openxmlformats.org/markup-compatibility/2006">
+    <mc:Choice xmlns:p14="http://schemas.microsoft.com/office/powerpoint/2010/main" Requires="p14">
+      <p:transition xmlns:mc="http://schemas.openxmlformats.org/markup-compatibility/2006" xmlns:p14="http://schemas.microsoft.com/office/powerpoint/2010/main" mc:Ignorable="p14" p14:dur="500"/>
     </mc:Choice>
-    <mc:Fallback xmlns:dsp="http://schemas.microsoft.com/office/drawing/2008/diagram" xmlns:dgm="http://schemas.openxmlformats.org/drawingml/2006/diagram" xmlns:c="http://schemas.openxmlformats.org/drawingml/2006/chart" xmlns="">
+    <mc:Fallback>
       <p:transition/>
     </mc:Fallback>
   </mc:AlternateContent>
@@ -5625,7 +5677,7 @@
 </file>
 
 <file path=ppt/slides/slide13.xml><?xml version="1.0" encoding="utf-8"?>
-<p:sld xmlns:a="http://schemas.openxmlformats.org/drawingml/2006/main" xmlns:r="http://schemas.openxmlformats.org/officeDocument/2006/relationships" xmlns:p="http://schemas.openxmlformats.org/presentationml/2006/main">
+<p:sld xmlns:r="http://schemas.openxmlformats.org/officeDocument/2006/relationships" xmlns:c="http://schemas.openxmlformats.org/drawingml/2006/chart" xmlns:a="http://schemas.openxmlformats.org/drawingml/2006/main" xmlns:dgm="http://schemas.openxmlformats.org/drawingml/2006/diagram" xmlns:dsp="http://schemas.microsoft.com/office/drawing/2008/diagram" xmlns:p="http://schemas.openxmlformats.org/presentationml/2006/main">
   <p:cSld>
     <p:spTree>
       <p:nvGrpSpPr>
@@ -5940,7 +5992,7 @@
                 </a:solidFill>
                 <a:effectLst/>
               </a:rPr>
-              <a:t>C_ijk: </a:t>
+              <a:t>C_ijk: source</a:t>
             </a:r>
             <a:r>
               <a:rPr lang="ko-KR" altLang="en-US" sz="1100" baseline="0">
@@ -5949,7 +6001,7 @@
                 </a:solidFill>
                 <a:effectLst/>
               </a:rPr>
-              <a:t>원본 이미지의 </a:t>
+              <a:t> 이미지의 </a:t>
             </a:r>
             <a:r>
               <a:rPr lang="en-US" altLang="ko-KR" sz="1100" baseline="0">
@@ -6005,6 +6057,12 @@
               </a:rPr>
               <a:t> 계수</a:t>
             </a:r>
+            <a:endParaRPr lang="ko-KR" altLang="en-US" sz="1100" baseline="0">
+              <a:solidFill>
+                <a:srgbClr val="000000"/>
+              </a:solidFill>
+              <a:effectLst/>
+            </a:endParaRPr>
           </a:p>
           <a:p>
             <a:pPr marL="228600" indent="-228600" defTabSz="914400">
@@ -6025,7 +6083,7 @@
                 </a:solidFill>
                 <a:effectLst/>
               </a:rPr>
-              <a:t>C’_ijk: DCT</a:t>
+              <a:t>C’_ijk: target</a:t>
             </a:r>
             <a:r>
               <a:rPr lang="ko-KR" altLang="en-US" sz="1100" baseline="0">
@@ -6034,7 +6092,7 @@
                 </a:solidFill>
                 <a:effectLst/>
               </a:rPr>
-              <a:t> 변환을 적용한 이미지의 </a:t>
+              <a:t> 이미지의 </a:t>
             </a:r>
             <a:r>
               <a:rPr lang="en-US" altLang="ko-KR" sz="1100" baseline="0">
@@ -6090,6 +6148,12 @@
               </a:rPr>
               <a:t> 계수</a:t>
             </a:r>
+            <a:endParaRPr lang="ko-KR" altLang="en-US" sz="1100" baseline="0">
+              <a:solidFill>
+                <a:srgbClr val="000000"/>
+              </a:solidFill>
+              <a:effectLst/>
+            </a:endParaRPr>
           </a:p>
           <a:p>
             <a:pPr marL="228600" indent="-228600" defTabSz="914400">
@@ -6166,6 +6230,12 @@
               </a:rPr>
               <a:t>DCT 계수의 민감도</a:t>
             </a:r>
+            <a:endParaRPr lang="en-US" altLang="ko-KR" sz="1100" baseline="0">
+              <a:solidFill>
+                <a:srgbClr val="000000"/>
+              </a:solidFill>
+              <a:effectLst/>
+            </a:endParaRPr>
           </a:p>
           <a:p>
             <a:pPr marL="228600" indent="-228600" defTabSz="914400">
@@ -6206,6 +6276,12 @@
               </a:rPr>
               <a:t>sensity 테이블로, 이미지의 개별 DCT 성분에 대한 변화에 대한 인간의 민감도를 저장</a:t>
             </a:r>
+            <a:endParaRPr lang="en-US" altLang="ko-KR" sz="1100" baseline="0">
+              <a:solidFill>
+                <a:srgbClr val="000000"/>
+              </a:solidFill>
+              <a:effectLst/>
+            </a:endParaRPr>
           </a:p>
           <a:p>
             <a:pPr marL="228600" indent="-228600" defTabSz="914400">
@@ -6263,6 +6339,12 @@
               </a:rPr>
               <a:t>값으로, 각 블록의 DCT 계수에 대한 인간의 민감도를 밝기에 따라 조정한 값</a:t>
             </a:r>
+            <a:endParaRPr lang="en-US" altLang="ko-KR" sz="1100" baseline="0">
+              <a:solidFill>
+                <a:srgbClr val="000000"/>
+              </a:solidFill>
+              <a:effectLst/>
+            </a:endParaRPr>
           </a:p>
           <a:p>
             <a:pPr marL="228600" indent="-228600" defTabSz="914400">
@@ -6285,6 +6367,12 @@
               </a:rPr>
               <a:t>C_00k: 이는 k번째 블록의 평균 밝기</a:t>
             </a:r>
+            <a:endParaRPr lang="en-US" altLang="ko-KR" sz="1100" baseline="0">
+              <a:solidFill>
+                <a:srgbClr val="000000"/>
+              </a:solidFill>
+              <a:effectLst/>
+            </a:endParaRPr>
           </a:p>
           <a:p>
             <a:pPr marL="228600" indent="-228600" defTabSz="914400">
@@ -6307,6 +6395,12 @@
               </a:rPr>
               <a:t>C¯_00: 모든 블록의 C_00k 값의 평균</a:t>
             </a:r>
+            <a:endParaRPr lang="en-US" altLang="ko-KR" sz="1100" baseline="0">
+              <a:solidFill>
+                <a:srgbClr val="000000"/>
+              </a:solidFill>
+              <a:effectLst/>
+            </a:endParaRPr>
           </a:p>
           <a:p>
             <a:pPr marL="228600" indent="-228600" defTabSz="914400">
@@ -6374,6 +6468,12 @@
               </a:rPr>
               <a:t>0.649</a:t>
             </a:r>
+            <a:endParaRPr lang="en-US" altLang="ko-KR" sz="1100" baseline="0">
+              <a:solidFill>
+                <a:srgbClr val="000000"/>
+              </a:solidFill>
+              <a:effectLst/>
+            </a:endParaRPr>
           </a:p>
           <a:p>
             <a:pPr marL="228600" indent="-228600" defTabSz="914400">
@@ -6432,6 +6532,12 @@
               </a:rPr>
               <a:t> 0.7</a:t>
             </a:r>
+            <a:endParaRPr lang="en-US" altLang="ko-KR" sz="1100" baseline="0">
+              <a:solidFill>
+                <a:srgbClr val="000000"/>
+              </a:solidFill>
+              <a:effectLst/>
+            </a:endParaRPr>
           </a:p>
           <a:p>
             <a:pPr marL="228600" indent="-228600" defTabSz="914400">
@@ -6512,11 +6618,11 @@
   <p:clrMapOvr>
     <a:masterClrMapping/>
   </p:clrMapOvr>
-  <mc:AlternateContent xmlns:mc="http://schemas.openxmlformats.org/markup-compatibility/2006" xmlns:p14="http://schemas.microsoft.com/office/powerpoint/2010/main">
-    <mc:Choice Requires="p14">
-      <p:transition/>
+  <mc:AlternateContent xmlns:mc="http://schemas.openxmlformats.org/markup-compatibility/2006">
+    <mc:Choice xmlns:p14="http://schemas.microsoft.com/office/powerpoint/2010/main" Requires="p14">
+      <p:transition xmlns:mc="http://schemas.openxmlformats.org/markup-compatibility/2006" xmlns:p14="http://schemas.microsoft.com/office/powerpoint/2010/main" mc:Ignorable="p14" p14:dur="500"/>
     </mc:Choice>
-    <mc:Fallback xmlns:dsp="http://schemas.microsoft.com/office/drawing/2008/diagram" xmlns:dgm="http://schemas.openxmlformats.org/drawingml/2006/diagram" xmlns:c="http://schemas.openxmlformats.org/drawingml/2006/chart" xmlns="">
+    <mc:Fallback>
       <p:transition/>
     </mc:Fallback>
   </mc:AlternateContent>
@@ -6524,7 +6630,7 @@
 </file>
 
 <file path=ppt/slides/slide14.xml><?xml version="1.0" encoding="utf-8"?>
-<p:sld xmlns:a="http://schemas.openxmlformats.org/drawingml/2006/main" xmlns:r="http://schemas.openxmlformats.org/officeDocument/2006/relationships" xmlns:p="http://schemas.openxmlformats.org/presentationml/2006/main">
+<p:sld xmlns:r="http://schemas.openxmlformats.org/officeDocument/2006/relationships" xmlns:c="http://schemas.openxmlformats.org/drawingml/2006/chart" xmlns:a="http://schemas.openxmlformats.org/drawingml/2006/main" xmlns:dgm="http://schemas.openxmlformats.org/drawingml/2006/diagram" xmlns:dsp="http://schemas.microsoft.com/office/drawing/2008/diagram" xmlns:p="http://schemas.openxmlformats.org/presentationml/2006/main">
   <p:cSld>
     <p:spTree>
       <p:nvGrpSpPr>
@@ -6761,17 +6867,12 @@
               <a:rPr lang="en-US" altLang="ko-KR"/>
               <a:t>2-3. Modified Watson’s Perceptual Model</a:t>
             </a:r>
+            <a:endParaRPr lang="ko-KR" altLang="en-US"/>
           </a:p>
           <a:p>
             <a:pPr lvl="0">
               <a:defRPr/>
             </a:pPr>
-            <a:endParaRPr lang="ko-KR" altLang="en-US"/>
-          </a:p>
-          <a:p>
-            <a:pPr lvl="0">
-              <a:defRPr/>
-            </a:pPr>
             <a:r>
               <a:rPr lang="en-US" altLang="ko-KR"/>
               <a:t>Watson’s Perceptual Model</a:t>
@@ -6780,7 +6881,7 @@
               <a:rPr lang="ko-KR" altLang="en-US"/>
               <a:t>을</a:t>
             </a:r>
-            <a:endParaRPr lang="en-US" altLang="ko-KR"/>
+            <a:endParaRPr lang="ko-KR" altLang="en-US"/>
           </a:p>
           <a:p>
             <a:pPr marL="0" lvl="0" indent="0">
@@ -6799,6 +6900,7 @@
               <a:rPr lang="ko-KR" altLang="en-US"/>
               <a:t>을 </a:t>
             </a:r>
+            <a:endParaRPr lang="ko-KR" altLang="en-US"/>
           </a:p>
           <a:p>
             <a:pPr marL="0" lvl="0" indent="0">
@@ -6809,6 +6911,7 @@
               <a:rPr lang="ko-KR" altLang="en-US"/>
               <a:t>  적용해 연속적이고 미분가능한 </a:t>
             </a:r>
+            <a:endParaRPr lang="ko-KR" altLang="en-US"/>
           </a:p>
           <a:p>
             <a:pPr marL="0" lvl="0" indent="0">
@@ -6819,6 +6922,7 @@
               <a:rPr lang="ko-KR" altLang="en-US"/>
               <a:t>  함수로 변경</a:t>
             </a:r>
+            <a:endParaRPr lang="ko-KR" altLang="en-US"/>
           </a:p>
           <a:p>
             <a:pPr lvl="0">
@@ -6844,7 +6948,7 @@
         </p:blipFill>
         <p:spPr>
           <a:xfrm>
-            <a:off x="7009644" y="3356958"/>
+            <a:off x="7009644" y="3011677"/>
             <a:ext cx="4298950" cy="2755031"/>
           </a:xfrm>
           <a:prstGeom prst="rect">
@@ -6868,7 +6972,7 @@
         </p:blipFill>
         <p:spPr>
           <a:xfrm>
-            <a:off x="1361800" y="5071303"/>
+            <a:off x="1361800" y="4559334"/>
             <a:ext cx="3494864" cy="996120"/>
           </a:xfrm>
           <a:prstGeom prst="rect">
@@ -6892,7 +6996,7 @@
         </p:blipFill>
         <p:spPr>
           <a:xfrm>
-            <a:off x="1141369" y="6059895"/>
+            <a:off x="1141369" y="5666988"/>
             <a:ext cx="3867689" cy="657316"/>
           </a:xfrm>
           <a:prstGeom prst="rect">
@@ -6910,11 +7014,11 @@
   <p:clrMapOvr>
     <a:masterClrMapping/>
   </p:clrMapOvr>
-  <mc:AlternateContent xmlns:mc="http://schemas.openxmlformats.org/markup-compatibility/2006" xmlns:p14="http://schemas.microsoft.com/office/powerpoint/2010/main">
-    <mc:Choice Requires="p14">
-      <p:transition/>
+  <mc:AlternateContent xmlns:mc="http://schemas.openxmlformats.org/markup-compatibility/2006">
+    <mc:Choice xmlns:p14="http://schemas.microsoft.com/office/powerpoint/2010/main" Requires="p14">
+      <p:transition xmlns:mc="http://schemas.openxmlformats.org/markup-compatibility/2006" xmlns:p14="http://schemas.microsoft.com/office/powerpoint/2010/main" mc:Ignorable="p14" p14:dur="500"/>
     </mc:Choice>
-    <mc:Fallback xmlns:dsp="http://schemas.microsoft.com/office/drawing/2008/diagram" xmlns:dgm="http://schemas.openxmlformats.org/drawingml/2006/diagram" xmlns:c="http://schemas.openxmlformats.org/drawingml/2006/chart" xmlns="">
+    <mc:Fallback>
       <p:transition/>
     </mc:Fallback>
   </mc:AlternateContent>
@@ -6922,7 +7026,7 @@
 </file>
 
 <file path=ppt/slides/slide15.xml><?xml version="1.0" encoding="utf-8"?>
-<p:sld xmlns:a="http://schemas.openxmlformats.org/drawingml/2006/main" xmlns:r="http://schemas.openxmlformats.org/officeDocument/2006/relationships" xmlns:p="http://schemas.openxmlformats.org/presentationml/2006/main">
+<p:sld xmlns:r="http://schemas.openxmlformats.org/officeDocument/2006/relationships" xmlns:c="http://schemas.openxmlformats.org/drawingml/2006/chart" xmlns:a="http://schemas.openxmlformats.org/drawingml/2006/main" xmlns:dgm="http://schemas.openxmlformats.org/drawingml/2006/diagram" xmlns:dsp="http://schemas.microsoft.com/office/drawing/2008/diagram" xmlns:p="http://schemas.openxmlformats.org/presentationml/2006/main">
   <p:cSld>
     <p:spTree>
       <p:nvGrpSpPr>
@@ -7156,18 +7260,20 @@
               <a:defRPr/>
             </a:pPr>
             <a:r>
-              <a:rPr lang="en-US" altLang="ko-KR" dirty="0"/>
+              <a:rPr lang="en-US" altLang="ko-KR"/>
               <a:t>2-3. Modified Watson’s Perceptual Model</a:t>
             </a:r>
+            <a:endParaRPr lang="en-US" altLang="ko-KR"/>
           </a:p>
           <a:p>
             <a:pPr lvl="0">
               <a:defRPr/>
             </a:pPr>
             <a:r>
-              <a:rPr lang="en-US" altLang="ko-KR" dirty="0"/>
-              <a:t>Watson-DFT</a:t>
-            </a:r>
+              <a:rPr lang="en-US" altLang="ko-KR"/>
+              <a:t>Watson-DFT, Watson-FFT</a:t>
+            </a:r>
+            <a:endParaRPr lang="en-US" altLang="ko-KR"/>
           </a:p>
           <a:p>
             <a:pPr lvl="0">
@@ -7176,22 +7282,30 @@
               <a:defRPr/>
             </a:pPr>
             <a:r>
-              <a:rPr lang="en-US" altLang="ko-KR" dirty="0"/>
+              <a:rPr lang="en-US" altLang="ko-KR"/>
               <a:t>DCT</a:t>
             </a:r>
             <a:r>
-              <a:rPr lang="ko-KR" altLang="en-US" dirty="0"/>
-              <a:t>를 통해 이미지를 변환했던 과정을 </a:t>
-            </a:r>
-            <a:r>
-              <a:rPr lang="en-US" altLang="ko-KR" dirty="0"/>
+              <a:rPr lang="ko-KR" altLang="en-US"/>
+              <a:t>를 통해 이미지를 주파수 영역으로 변환했던 과정을 </a:t>
+            </a:r>
+            <a:r>
+              <a:rPr lang="en-US" altLang="ko-KR"/>
               <a:t>DFT</a:t>
             </a:r>
             <a:r>
-              <a:rPr lang="ko-KR" altLang="en-US" dirty="0"/>
+              <a:rPr lang="ko-KR" altLang="en-US"/>
+              <a:t> 혹은 </a:t>
+            </a:r>
+            <a:r>
+              <a:rPr lang="en-US" altLang="ko-KR"/>
+              <a:t>FFT</a:t>
+            </a:r>
+            <a:r>
+              <a:rPr lang="ko-KR" altLang="en-US"/>
               <a:t>로 교체</a:t>
             </a:r>
-            <a:endParaRPr lang="en-US" altLang="ko-KR" dirty="0"/>
+            <a:endParaRPr lang="ko-KR" altLang="en-US"/>
           </a:p>
           <a:p>
             <a:pPr lvl="0">
@@ -7199,19 +7313,59 @@
               <a:buChar char="-"/>
               <a:defRPr/>
             </a:pPr>
-            <a:endParaRPr lang="en-US" altLang="ko-KR" dirty="0"/>
+            <a:r>
+              <a:rPr lang="ko-KR" altLang="en-US"/>
+              <a:t>D</a:t>
+            </a:r>
+            <a:r>
+              <a:rPr lang="en-US" altLang="ko-KR"/>
+              <a:t>FT</a:t>
+            </a:r>
+            <a:r>
+              <a:rPr lang="ko-KR" altLang="en-US"/>
+              <a:t> 혹은 </a:t>
+            </a:r>
+            <a:r>
+              <a:rPr lang="en-US" altLang="ko-KR"/>
+              <a:t>FFT</a:t>
+            </a:r>
+            <a:r>
+              <a:rPr lang="ko-KR" altLang="en-US"/>
+              <a:t> 방법으로 source 이미지와 target 이미지를 주파수 영역으로 변환</a:t>
+            </a:r>
+            <a:endParaRPr lang="ko-KR" altLang="en-US"/>
+          </a:p>
+          <a:p>
+            <a:pPr lvl="0">
+              <a:buFontTx/>
+              <a:buChar char="-"/>
+              <a:defRPr/>
+            </a:pPr>
+            <a:r>
+              <a:rPr lang="ko-KR" altLang="en-US"/>
+              <a:t>그 후, 주파수 이미지끼리 비교하여 인지적인 관점에서 차이를 계산하는 방법</a:t>
+            </a:r>
+            <a:endParaRPr lang="ko-KR" altLang="en-US"/>
+          </a:p>
+          <a:p>
+            <a:pPr lvl="0">
+              <a:buFontTx/>
+              <a:buChar char="-"/>
+              <a:defRPr/>
+            </a:pPr>
+            <a:endParaRPr lang="en-US" altLang="ko-KR"/>
           </a:p>
           <a:p>
             <a:pPr lvl="0">
               <a:defRPr/>
             </a:pPr>
-            <a:endParaRPr lang="ko-KR" altLang="en-US" dirty="0"/>
+            <a:endParaRPr lang="ko-KR" altLang="en-US"/>
           </a:p>
           <a:p>
             <a:pPr lvl="0">
               <a:defRPr/>
             </a:pPr>
-            <a:endParaRPr lang="ko-KR" altLang="en-US" dirty="0"/>
+            <a:endParaRPr lang="ko-KR" altLang="en-US"/>
           </a:p>
         </p:txBody>
       </p:sp>
@@ -7225,11 +7379,11 @@
   <p:clrMapOvr>
     <a:masterClrMapping/>
   </p:clrMapOvr>
-  <mc:AlternateContent xmlns:mc="http://schemas.openxmlformats.org/markup-compatibility/2006" xmlns:p14="http://schemas.microsoft.com/office/powerpoint/2010/main">
-    <mc:Choice Requires="p14">
-      <p:transition/>
+  <mc:AlternateContent xmlns:mc="http://schemas.openxmlformats.org/markup-compatibility/2006">
+    <mc:Choice xmlns:p14="http://schemas.microsoft.com/office/powerpoint/2010/main" Requires="p14">
+      <p:transition xmlns:mc="http://schemas.openxmlformats.org/markup-compatibility/2006" xmlns:p14="http://schemas.microsoft.com/office/powerpoint/2010/main" mc:Ignorable="p14" p14:dur="500"/>
     </mc:Choice>
-    <mc:Fallback xmlns:dsp="http://schemas.microsoft.com/office/drawing/2008/diagram" xmlns:dgm="http://schemas.openxmlformats.org/drawingml/2006/diagram" xmlns:c="http://schemas.openxmlformats.org/drawingml/2006/chart" xmlns="">
+    <mc:Fallback>
       <p:transition/>
     </mc:Fallback>
   </mc:AlternateContent>
@@ -7237,7 +7391,7 @@
 </file>
 
 <file path=ppt/slides/slide16.xml><?xml version="1.0" encoding="utf-8"?>
-<p:sld xmlns:a="http://schemas.openxmlformats.org/drawingml/2006/main" xmlns:r="http://schemas.openxmlformats.org/officeDocument/2006/relationships" xmlns:p="http://schemas.openxmlformats.org/presentationml/2006/main">
+<p:sld xmlns:r="http://schemas.openxmlformats.org/officeDocument/2006/relationships" xmlns:c="http://schemas.openxmlformats.org/drawingml/2006/chart" xmlns:a="http://schemas.openxmlformats.org/drawingml/2006/main" xmlns:dgm="http://schemas.openxmlformats.org/drawingml/2006/diagram" xmlns:dsp="http://schemas.microsoft.com/office/drawing/2008/diagram" xmlns:p="http://schemas.openxmlformats.org/presentationml/2006/main">
   <p:cSld>
     <p:spTree>
       <p:nvGrpSpPr>
@@ -7255,18 +7409,12 @@
       </p:grpSpPr>
       <p:sp>
         <p:nvSpPr>
-          <p:cNvPr id="2" name="제목 1">
-            <a:extLst>
-              <a:ext uri="{FF2B5EF4-FFF2-40B4-BE49-F238E27FC236}">
-                <a16:creationId xmlns:a16="http://schemas.microsoft.com/office/drawing/2014/main" id="{44FE026F-B914-4142-BADB-732B8F33197D}"/>
-              </a:ext>
-            </a:extLst>
-          </p:cNvPr>
+          <p:cNvPr id="2" name="제목 1"/>
           <p:cNvSpPr>
             <a:spLocks noGrp="1"/>
           </p:cNvSpPr>
           <p:nvPr>
-            <p:ph type="title"/>
+            <p:ph type="title" idx="0"/>
           </p:nvPr>
         </p:nvSpPr>
         <p:spPr/>
@@ -7274,219 +7422,337 @@
           <a:bodyPr/>
           <a:lstStyle/>
           <a:p>
-            <a:r>
-              <a:rPr lang="en-US" altLang="ko-KR" dirty="0"/>
-              <a:t>3. </a:t>
-            </a:r>
-            <a:r>
-              <a:rPr lang="ko-KR" altLang="en-US" dirty="0"/>
-              <a:t>평가</a:t>
-            </a:r>
+            <a:pPr lvl="0">
+              <a:defRPr/>
+            </a:pPr>
+            <a:r>
+              <a:rPr lang="en-US" altLang="ko-KR"/>
+              <a:t>2. </a:t>
+            </a:r>
+            <a:r>
+              <a:rPr lang="ko-KR" altLang="en-US"/>
+              <a:t>모델</a:t>
+            </a:r>
+            <a:endParaRPr lang="ko-KR" altLang="en-US"/>
           </a:p>
         </p:txBody>
       </p:sp>
       <p:sp>
         <p:nvSpPr>
-          <p:cNvPr id="7" name="내용 개체 틀 3">
-            <a:extLst>
-              <a:ext uri="{FF2B5EF4-FFF2-40B4-BE49-F238E27FC236}">
-                <a16:creationId xmlns:a16="http://schemas.microsoft.com/office/drawing/2014/main" id="{FAE9A106-6325-4963-AECD-3F7D178E7C79}"/>
-              </a:ext>
-            </a:extLst>
-          </p:cNvPr>
-          <p:cNvSpPr>
-            <a:spLocks noGrp="1"/>
-          </p:cNvSpPr>
-          <p:nvPr>
-            <p:ph idx="1"/>
-          </p:nvPr>
+          <p:cNvPr id="5" name="내용 개체 틀 2"/>
+          <p:cNvSpPr txBox="1"/>
+          <p:nvPr/>
         </p:nvSpPr>
         <p:spPr>
           <a:xfrm>
-            <a:off x="838200" y="1825625"/>
-            <a:ext cx="3599329" cy="4351338"/>
-          </a:xfrm>
-        </p:spPr>
-        <p:txBody>
-          <a:bodyPr/>
-          <a:lstStyle/>
-          <a:p>
-            <a:r>
-              <a:rPr lang="en-US" altLang="ko-KR" dirty="0">
-                <a:latin typeface="맑은 고딕 (본문)"/>
-              </a:rPr>
-              <a:t>GLIDE</a:t>
-            </a:r>
-          </a:p>
-          <a:p>
-            <a:pPr>
-              <a:buFontTx/>
-              <a:buChar char="-"/>
-            </a:pPr>
-            <a:r>
-              <a:rPr lang="en-US" altLang="ko-KR" dirty="0">
-                <a:latin typeface="맑은 고딕 (본문)"/>
-              </a:rPr>
-              <a:t>Text-image </a:t>
-            </a:r>
-            <a:r>
-              <a:rPr lang="ko-KR" altLang="en-US" dirty="0">
-                <a:latin typeface="맑은 고딕 (본문)"/>
-              </a:rPr>
-              <a:t>모델로 </a:t>
-            </a:r>
-            <a:r>
-              <a:rPr lang="en-US" altLang="ko-KR" dirty="0">
-                <a:latin typeface="맑은 고딕 (본문)"/>
-              </a:rPr>
-              <a:t>256*256 </a:t>
-            </a:r>
-            <a:r>
-              <a:rPr lang="ko-KR" altLang="en-US" dirty="0">
-                <a:latin typeface="맑은 고딕 (본문)"/>
-              </a:rPr>
-              <a:t>이미지를 생성하는 모델</a:t>
-            </a:r>
-            <a:endParaRPr lang="en-US" altLang="ko-KR" dirty="0">
-              <a:latin typeface="맑은 고딕 (본문)"/>
-            </a:endParaRPr>
-          </a:p>
-          <a:p>
-            <a:pPr>
-              <a:buFontTx/>
-              <a:buChar char="-"/>
-            </a:pPr>
-            <a:r>
-              <a:rPr lang="en-US" altLang="ko-KR" dirty="0">
-                <a:latin typeface="맑은 고딕 (본문)"/>
-              </a:rPr>
-              <a:t>CLIP Guidance</a:t>
-            </a:r>
-            <a:r>
-              <a:rPr lang="ko-KR" altLang="en-US" dirty="0">
-                <a:latin typeface="맑은 고딕 (본문)"/>
-              </a:rPr>
-              <a:t>와 </a:t>
-            </a:r>
-            <a:r>
-              <a:rPr lang="en-US" altLang="ko-KR" dirty="0">
-                <a:latin typeface="맑은 고딕 (본문)"/>
-              </a:rPr>
-              <a:t>Classifier-free guidance</a:t>
-            </a:r>
-            <a:r>
-              <a:rPr lang="ko-KR" altLang="en-US" dirty="0">
-                <a:latin typeface="맑은 고딕 (본문)"/>
-              </a:rPr>
-              <a:t>를 비교</a:t>
-            </a:r>
-          </a:p>
-        </p:txBody>
-      </p:sp>
-      <p:pic>
-        <p:nvPicPr>
-          <p:cNvPr id="1026" name="Picture 2" descr="그림1. GLIDE Architecture">
-            <a:extLst>
-              <a:ext uri="{FF2B5EF4-FFF2-40B4-BE49-F238E27FC236}">
-                <a16:creationId xmlns:a16="http://schemas.microsoft.com/office/drawing/2014/main" id="{E082C00A-006B-44FC-A896-EBDB3BA086A2}"/>
-              </a:ext>
-            </a:extLst>
-          </p:cNvPr>
-          <p:cNvPicPr>
-            <a:picLocks noChangeAspect="1" noChangeArrowheads="1"/>
-          </p:cNvPicPr>
-          <p:nvPr/>
-        </p:nvPicPr>
-        <p:blipFill>
-          <a:blip r:embed="rId3">
-            <a:extLst>
-              <a:ext uri="{28A0092B-C50C-407E-A947-70E740481C1C}">
-                <a14:useLocalDpi xmlns:a14="http://schemas.microsoft.com/office/drawing/2010/main" val="0"/>
-              </a:ext>
-            </a:extLst>
-          </a:blip>
-          <a:srcRect/>
-          <a:stretch>
-            <a:fillRect/>
-          </a:stretch>
-        </p:blipFill>
-        <p:spPr bwMode="auto">
-          <a:xfrm>
-            <a:off x="5233737" y="1027906"/>
-            <a:ext cx="6388768" cy="1721973"/>
+            <a:off x="838199" y="1833889"/>
+            <a:ext cx="10515599" cy="4482689"/>
           </a:xfrm>
           <a:prstGeom prst="rect">
             <a:avLst/>
           </a:prstGeom>
-          <a:noFill/>
-          <a:extLst>
-            <a:ext uri="{909E8E84-426E-40DD-AFC4-6F175D3DCCD1}">
-              <a14:hiddenFill xmlns:a14="http://schemas.microsoft.com/office/drawing/2010/main">
-                <a:solidFill>
-                  <a:srgbClr val="FFFFFF"/>
-                </a:solidFill>
-              </a14:hiddenFill>
-            </a:ext>
-          </a:extLst>
         </p:spPr>
-      </p:pic>
-      <p:pic>
-        <p:nvPicPr>
-          <p:cNvPr id="1028" name="Picture 4" descr="그림3. GLIDE - Image Inpainting">
-            <a:extLst>
-              <a:ext uri="{FF2B5EF4-FFF2-40B4-BE49-F238E27FC236}">
-                <a16:creationId xmlns:a16="http://schemas.microsoft.com/office/drawing/2014/main" id="{4DE4945E-FA7B-493F-8613-06BD8F9B1230}"/>
-              </a:ext>
-            </a:extLst>
-          </p:cNvPr>
-          <p:cNvPicPr>
-            <a:picLocks noChangeAspect="1" noChangeArrowheads="1"/>
-          </p:cNvPicPr>
-          <p:nvPr/>
-        </p:nvPicPr>
-        <p:blipFill>
-          <a:blip r:embed="rId4" cstate="print">
-            <a:extLst>
-              <a:ext uri="{28A0092B-C50C-407E-A947-70E740481C1C}">
-                <a14:useLocalDpi xmlns:a14="http://schemas.microsoft.com/office/drawing/2010/main" val="0"/>
-              </a:ext>
-            </a:extLst>
-          </a:blip>
-          <a:srcRect/>
-          <a:stretch>
-            <a:fillRect/>
-          </a:stretch>
-        </p:blipFill>
-        <p:spPr bwMode="auto">
-          <a:xfrm>
-            <a:off x="6799729" y="3865353"/>
-            <a:ext cx="3886200" cy="2136651"/>
-          </a:xfrm>
-          <a:prstGeom prst="rect">
-            <a:avLst/>
-          </a:prstGeom>
-          <a:noFill/>
-          <a:extLst>
-            <a:ext uri="{909E8E84-426E-40DD-AFC4-6F175D3DCCD1}">
-              <a14:hiddenFill xmlns:a14="http://schemas.microsoft.com/office/drawing/2010/main">
-                <a:solidFill>
-                  <a:srgbClr val="FFFFFF"/>
-                </a:solidFill>
-              </a14:hiddenFill>
-            </a:ext>
-          </a:extLst>
-        </p:spPr>
-      </p:pic>
+        <p:txBody>
+          <a:bodyPr vert="horz" lIns="91440" tIns="45720" rIns="91440" bIns="45720">
+            <a:normAutofit/>
+          </a:bodyPr>
+          <a:lstStyle>
+            <a:lvl1pPr marL="228600" indent="-228600" algn="l" defTabSz="914400" rtl="0" eaLnBrk="1" latinLnBrk="1" hangingPunct="1">
+              <a:lnSpc>
+                <a:spcPct val="90000"/>
+              </a:lnSpc>
+              <a:spcBef>
+                <a:spcPts val="1000"/>
+              </a:spcBef>
+              <a:buFont typeface="Arial"/>
+              <a:buChar char="•"/>
+              <a:defRPr sz="2800" kern="1200">
+                <a:solidFill>
+                  <a:schemeClr val="tx1"/>
+                </a:solidFill>
+                <a:latin typeface="+mn-lt"/>
+                <a:ea typeface="+mn-ea"/>
+                <a:cs typeface="+mn-cs"/>
+              </a:defRPr>
+            </a:lvl1pPr>
+            <a:lvl2pPr marL="685800" indent="-228600" algn="l" defTabSz="914400" rtl="0" eaLnBrk="1" latinLnBrk="1" hangingPunct="1">
+              <a:lnSpc>
+                <a:spcPct val="90000"/>
+              </a:lnSpc>
+              <a:spcBef>
+                <a:spcPts val="500"/>
+              </a:spcBef>
+              <a:buFont typeface="Arial"/>
+              <a:buChar char="•"/>
+              <a:defRPr sz="2400" kern="1200">
+                <a:solidFill>
+                  <a:schemeClr val="tx1"/>
+                </a:solidFill>
+                <a:latin typeface="+mn-lt"/>
+                <a:ea typeface="+mn-ea"/>
+                <a:cs typeface="+mn-cs"/>
+              </a:defRPr>
+            </a:lvl2pPr>
+            <a:lvl3pPr marL="1143000" indent="-228600" algn="l" defTabSz="914400" rtl="0" eaLnBrk="1" latinLnBrk="1" hangingPunct="1">
+              <a:lnSpc>
+                <a:spcPct val="90000"/>
+              </a:lnSpc>
+              <a:spcBef>
+                <a:spcPts val="500"/>
+              </a:spcBef>
+              <a:buFont typeface="Arial"/>
+              <a:buChar char="•"/>
+              <a:defRPr sz="2000" kern="1200">
+                <a:solidFill>
+                  <a:schemeClr val="tx1"/>
+                </a:solidFill>
+                <a:latin typeface="+mn-lt"/>
+                <a:ea typeface="+mn-ea"/>
+                <a:cs typeface="+mn-cs"/>
+              </a:defRPr>
+            </a:lvl3pPr>
+            <a:lvl4pPr marL="1600200" indent="-228600" algn="l" defTabSz="914400" rtl="0" eaLnBrk="1" latinLnBrk="1" hangingPunct="1">
+              <a:lnSpc>
+                <a:spcPct val="90000"/>
+              </a:lnSpc>
+              <a:spcBef>
+                <a:spcPts val="500"/>
+              </a:spcBef>
+              <a:buFont typeface="Arial"/>
+              <a:buChar char="•"/>
+              <a:defRPr sz="1800" kern="1200">
+                <a:solidFill>
+                  <a:schemeClr val="tx1"/>
+                </a:solidFill>
+                <a:latin typeface="+mn-lt"/>
+                <a:ea typeface="+mn-ea"/>
+                <a:cs typeface="+mn-cs"/>
+              </a:defRPr>
+            </a:lvl4pPr>
+            <a:lvl5pPr marL="2057400" indent="-228600" algn="l" defTabSz="914400" rtl="0" eaLnBrk="1" latinLnBrk="1" hangingPunct="1">
+              <a:lnSpc>
+                <a:spcPct val="90000"/>
+              </a:lnSpc>
+              <a:spcBef>
+                <a:spcPts val="500"/>
+              </a:spcBef>
+              <a:buFont typeface="Arial"/>
+              <a:buChar char="•"/>
+              <a:defRPr sz="1800" kern="1200">
+                <a:solidFill>
+                  <a:schemeClr val="tx1"/>
+                </a:solidFill>
+                <a:latin typeface="+mn-lt"/>
+                <a:ea typeface="+mn-ea"/>
+                <a:cs typeface="+mn-cs"/>
+              </a:defRPr>
+            </a:lvl5pPr>
+            <a:lvl6pPr marL="2514600" indent="-228600" algn="l" defTabSz="914400" rtl="0" eaLnBrk="1" latinLnBrk="1" hangingPunct="1">
+              <a:lnSpc>
+                <a:spcPct val="90000"/>
+              </a:lnSpc>
+              <a:spcBef>
+                <a:spcPts val="500"/>
+              </a:spcBef>
+              <a:buFont typeface="Arial"/>
+              <a:buChar char="•"/>
+              <a:defRPr sz="1800" kern="1200">
+                <a:solidFill>
+                  <a:schemeClr val="tx1"/>
+                </a:solidFill>
+                <a:latin typeface="+mn-lt"/>
+                <a:ea typeface="+mn-ea"/>
+                <a:cs typeface="+mn-cs"/>
+              </a:defRPr>
+            </a:lvl6pPr>
+            <a:lvl7pPr marL="2971800" indent="-228600" algn="l" defTabSz="914400" rtl="0" eaLnBrk="1" latinLnBrk="1" hangingPunct="1">
+              <a:lnSpc>
+                <a:spcPct val="90000"/>
+              </a:lnSpc>
+              <a:spcBef>
+                <a:spcPts val="500"/>
+              </a:spcBef>
+              <a:buFont typeface="Arial"/>
+              <a:buChar char="•"/>
+              <a:defRPr sz="1800" kern="1200">
+                <a:solidFill>
+                  <a:schemeClr val="tx1"/>
+                </a:solidFill>
+                <a:latin typeface="+mn-lt"/>
+                <a:ea typeface="+mn-ea"/>
+                <a:cs typeface="+mn-cs"/>
+              </a:defRPr>
+            </a:lvl7pPr>
+            <a:lvl8pPr marL="3429000" indent="-228600" algn="l" defTabSz="914400" rtl="0" eaLnBrk="1" latinLnBrk="1" hangingPunct="1">
+              <a:lnSpc>
+                <a:spcPct val="90000"/>
+              </a:lnSpc>
+              <a:spcBef>
+                <a:spcPts val="500"/>
+              </a:spcBef>
+              <a:buFont typeface="Arial"/>
+              <a:buChar char="•"/>
+              <a:defRPr sz="1800" kern="1200">
+                <a:solidFill>
+                  <a:schemeClr val="tx1"/>
+                </a:solidFill>
+                <a:latin typeface="+mn-lt"/>
+                <a:ea typeface="+mn-ea"/>
+                <a:cs typeface="+mn-cs"/>
+              </a:defRPr>
+            </a:lvl8pPr>
+            <a:lvl9pPr marL="3886200" indent="-228600" algn="l" defTabSz="914400" rtl="0" eaLnBrk="1" latinLnBrk="1" hangingPunct="1">
+              <a:lnSpc>
+                <a:spcPct val="90000"/>
+              </a:lnSpc>
+              <a:spcBef>
+                <a:spcPts val="500"/>
+              </a:spcBef>
+              <a:buFont typeface="Arial"/>
+              <a:buChar char="•"/>
+              <a:defRPr sz="1800" kern="1200">
+                <a:solidFill>
+                  <a:schemeClr val="tx1"/>
+                </a:solidFill>
+                <a:latin typeface="+mn-lt"/>
+                <a:ea typeface="+mn-ea"/>
+                <a:cs typeface="+mn-cs"/>
+              </a:defRPr>
+            </a:lvl9pPr>
+          </a:lstStyle>
+          <a:p>
+            <a:pPr marL="0" indent="0">
+              <a:buNone/>
+              <a:defRPr/>
+            </a:pPr>
+            <a:r>
+              <a:rPr lang="en-US" altLang="ko-KR"/>
+              <a:t>2-3. Modified Watson’s Perceptual Model</a:t>
+            </a:r>
+            <a:endParaRPr lang="en-US" altLang="ko-KR"/>
+          </a:p>
+          <a:p>
+            <a:pPr lvl="0">
+              <a:defRPr/>
+            </a:pPr>
+            <a:r>
+              <a:rPr lang="en-US" altLang="ko-KR"/>
+              <a:t>Watson-VGG</a:t>
+            </a:r>
+            <a:endParaRPr lang="en-US" altLang="ko-KR"/>
+          </a:p>
+          <a:p>
+            <a:pPr lvl="0">
+              <a:buFontTx/>
+              <a:buChar char="-"/>
+              <a:defRPr/>
+            </a:pPr>
+            <a:r>
+              <a:rPr lang="en-US" altLang="ko-KR"/>
+              <a:t>pre-trained</a:t>
+            </a:r>
+            <a:r>
+              <a:rPr lang="ko-KR" altLang="en-US"/>
+              <a:t> </a:t>
+            </a:r>
+            <a:r>
+              <a:rPr lang="en-US" altLang="ko-KR"/>
+              <a:t>VGG16</a:t>
+            </a:r>
+            <a:r>
+              <a:rPr lang="ko-KR" altLang="en-US"/>
+              <a:t> 모델을 이용하여 이미지에서 특징을 추출</a:t>
+            </a:r>
+            <a:endParaRPr lang="ko-KR" altLang="en-US"/>
+          </a:p>
+          <a:p>
+            <a:pPr lvl="0">
+              <a:buFontTx/>
+              <a:buChar char="-"/>
+              <a:defRPr/>
+            </a:pPr>
+            <a:r>
+              <a:rPr lang="ko-KR" altLang="en-US"/>
+              <a:t>추출한 특징끼리 </a:t>
+            </a:r>
+            <a:r>
+              <a:rPr lang="en-US" altLang="ko-KR"/>
+              <a:t>watson distance</a:t>
+            </a:r>
+            <a:r>
+              <a:rPr lang="ko-KR" altLang="en-US"/>
+              <a:t>를 계산</a:t>
+            </a:r>
+            <a:endParaRPr lang="ko-KR" altLang="en-US"/>
+          </a:p>
+          <a:p>
+            <a:pPr lvl="0">
+              <a:buFontTx/>
+              <a:buChar char="-"/>
+              <a:defRPr/>
+            </a:pPr>
+            <a:r>
+              <a:rPr lang="ko-KR" altLang="en-US"/>
+              <a:t>이때 사용하는 </a:t>
+            </a:r>
+            <a:r>
+              <a:rPr lang="en-US" altLang="ko-KR"/>
+              <a:t>luminance masking, contrast masking</a:t>
+            </a:r>
+            <a:r>
+              <a:rPr lang="ko-KR" altLang="en-US"/>
+              <a:t> 값은 학습 가능하도록 설정하여 학습이 진행됨에 따라서 최적화</a:t>
+            </a:r>
+            <a:endParaRPr lang="ko-KR" altLang="en-US"/>
+          </a:p>
+          <a:p>
+            <a:pPr lvl="0">
+              <a:buFontTx/>
+              <a:buChar char="-"/>
+              <a:defRPr/>
+            </a:pPr>
+            <a:endParaRPr lang="ko-KR" altLang="en-US"/>
+          </a:p>
+          <a:p>
+            <a:pPr lvl="0">
+              <a:buFontTx/>
+              <a:buChar char="-"/>
+              <a:defRPr/>
+            </a:pPr>
+            <a:endParaRPr lang="en-US" altLang="ko-KR"/>
+          </a:p>
+          <a:p>
+            <a:pPr lvl="0">
+              <a:defRPr/>
+            </a:pPr>
+            <a:endParaRPr lang="ko-KR" altLang="en-US"/>
+          </a:p>
+          <a:p>
+            <a:pPr lvl="0">
+              <a:defRPr/>
+            </a:pPr>
+            <a:endParaRPr lang="ko-KR" altLang="en-US"/>
+          </a:p>
+        </p:txBody>
+      </p:sp>
     </p:spTree>
     <p:extLst>
       <p:ext uri="{BB962C8B-B14F-4D97-AF65-F5344CB8AC3E}">
-        <p14:creationId xmlns:p14="http://schemas.microsoft.com/office/powerpoint/2010/main" val="2661684346"/>
+        <p14:creationId xmlns:p14="http://schemas.microsoft.com/office/powerpoint/2010/main" val="2363293142"/>
       </p:ext>
     </p:extLst>
   </p:cSld>
   <p:clrMapOvr>
     <a:masterClrMapping/>
   </p:clrMapOvr>
+  <mc:AlternateContent xmlns:mc="http://schemas.openxmlformats.org/markup-compatibility/2006">
+    <mc:Choice xmlns:p14="http://schemas.microsoft.com/office/powerpoint/2010/main" Requires="p14">
+      <p:transition xmlns:mc="http://schemas.openxmlformats.org/markup-compatibility/2006" xmlns:p14="http://schemas.microsoft.com/office/powerpoint/2010/main" mc:Ignorable="p14" p14:dur="500"/>
+    </mc:Choice>
+    <mc:Fallback>
+      <p:transition/>
+    </mc:Fallback>
+  </mc:AlternateContent>
 </p:sld>
 </file>
 
@@ -12016,44 +12282,44 @@
 </file>
 
 <file path=ppt/theme/theme1.xml><?xml version="1.0" encoding="utf-8"?>
-<a:theme xmlns:a="http://schemas.openxmlformats.org/drawingml/2006/main" name="Office 테마">
+<a:theme xmlns:r="http://schemas.openxmlformats.org/officeDocument/2006/relationships" xmlns:c="http://schemas.openxmlformats.org/drawingml/2006/chart" xmlns:dgm="http://schemas.openxmlformats.org/drawingml/2006/diagram" xmlns:dsp="http://schemas.microsoft.com/office/drawing/2008/diagram" xmlns:a="http://schemas.openxmlformats.org/drawingml/2006/main" xmlns:pic="http://schemas.openxmlformats.org/drawingml/2006/picture" xmlns:wp="http://schemas.openxmlformats.org/drawingml/2006/wordprocessingDrawing" xmlns:xdr="http://schemas.openxmlformats.org/drawingml/2006/spreadsheetDrawing" xmlns:lc="http://schemas.openxmlformats.org/drawingml/2006/lockedCanvas" xmlns:p="http://schemas.openxmlformats.org/presentationml/2006/main" name="Office 테마">
   <a:themeElements>
     <a:clrScheme name="Office">
       <a:dk1>
         <a:sysClr val="windowText" lastClr="000000"/>
       </a:dk1>
       <a:lt1>
-        <a:sysClr val="window" lastClr="FFFFFF"/>
+        <a:sysClr val="window" lastClr="ffffff"/>
       </a:lt1>
       <a:dk2>
-        <a:srgbClr val="44546A"/>
+        <a:srgbClr val="44546a"/>
       </a:dk2>
       <a:lt2>
-        <a:srgbClr val="E7E6E6"/>
+        <a:srgbClr val="e7e6e6"/>
       </a:lt2>
       <a:accent1>
-        <a:srgbClr val="4472C4"/>
+        <a:srgbClr val="4472c4"/>
       </a:accent1>
       <a:accent2>
-        <a:srgbClr val="ED7D31"/>
+        <a:srgbClr val="ed7d31"/>
       </a:accent2>
       <a:accent3>
-        <a:srgbClr val="A5A5A5"/>
+        <a:srgbClr val="a5a5a5"/>
       </a:accent3>
       <a:accent4>
-        <a:srgbClr val="FFC000"/>
+        <a:srgbClr val="ffc000"/>
       </a:accent4>
       <a:accent5>
-        <a:srgbClr val="5B9BD5"/>
+        <a:srgbClr val="5b9bd5"/>
       </a:accent5>
       <a:accent6>
-        <a:srgbClr val="70AD47"/>
+        <a:srgbClr val="70ad47"/>
       </a:accent6>
       <a:hlink>
-        <a:srgbClr val="0563C1"/>
+        <a:srgbClr val="0563c1"/>
       </a:hlink>
       <a:folHlink>
-        <a:srgbClr val="954F72"/>
+        <a:srgbClr val="954f72"/>
       </a:folHlink>
     </a:clrScheme>
     <a:fontScheme name="Office">
@@ -12300,50 +12566,48 @@
       </a:bgFillStyleLst>
     </a:fmtScheme>
   </a:themeElements>
-  <a:objectDefaults/>
-  <a:extraClrSchemeLst/>
 </a:theme>
 </file>
 
 <file path=ppt/theme/theme2.xml><?xml version="1.0" encoding="utf-8"?>
-<a:theme xmlns:a="http://schemas.openxmlformats.org/drawingml/2006/main" name="Office 테마">
+<a:theme xmlns:r="http://schemas.openxmlformats.org/officeDocument/2006/relationships" xmlns:c="http://schemas.openxmlformats.org/drawingml/2006/chart" xmlns:dgm="http://schemas.openxmlformats.org/drawingml/2006/diagram" xmlns:dsp="http://schemas.microsoft.com/office/drawing/2008/diagram" xmlns:a="http://schemas.openxmlformats.org/drawingml/2006/main" xmlns:pic="http://schemas.openxmlformats.org/drawingml/2006/picture" xmlns:wp="http://schemas.openxmlformats.org/drawingml/2006/wordprocessingDrawing" xmlns:xdr="http://schemas.openxmlformats.org/drawingml/2006/spreadsheetDrawing" xmlns:lc="http://schemas.openxmlformats.org/drawingml/2006/lockedCanvas" xmlns:p="http://schemas.openxmlformats.org/presentationml/2006/main" name="Office 테마">
   <a:themeElements>
     <a:clrScheme name="Office">
       <a:dk1>
         <a:sysClr val="windowText" lastClr="000000"/>
       </a:dk1>
       <a:lt1>
-        <a:sysClr val="window" lastClr="FFFFFF"/>
+        <a:sysClr val="window" lastClr="ffffff"/>
       </a:lt1>
       <a:dk2>
-        <a:srgbClr val="44546A"/>
+        <a:srgbClr val="44546a"/>
       </a:dk2>
       <a:lt2>
-        <a:srgbClr val="E7E6E6"/>
+        <a:srgbClr val="e7e6e6"/>
       </a:lt2>
       <a:accent1>
-        <a:srgbClr val="4472C4"/>
+        <a:srgbClr val="4472c4"/>
       </a:accent1>
       <a:accent2>
-        <a:srgbClr val="ED7D31"/>
+        <a:srgbClr val="ed7d31"/>
       </a:accent2>
       <a:accent3>
-        <a:srgbClr val="A5A5A5"/>
+        <a:srgbClr val="a5a5a5"/>
       </a:accent3>
       <a:accent4>
-        <a:srgbClr val="FFC000"/>
+        <a:srgbClr val="ffc000"/>
       </a:accent4>
       <a:accent5>
-        <a:srgbClr val="5B9BD5"/>
+        <a:srgbClr val="5b9bd5"/>
       </a:accent5>
       <a:accent6>
-        <a:srgbClr val="70AD47"/>
+        <a:srgbClr val="70ad47"/>
       </a:accent6>
       <a:hlink>
-        <a:srgbClr val="0563C1"/>
+        <a:srgbClr val="0563c1"/>
       </a:hlink>
       <a:folHlink>
-        <a:srgbClr val="954F72"/>
+        <a:srgbClr val="954f72"/>
       </a:folHlink>
     </a:clrScheme>
     <a:fontScheme name="Office">
@@ -12590,7 +12854,5 @@
       </a:bgFillStyleLst>
     </a:fmtScheme>
   </a:themeElements>
-  <a:objectDefaults/>
-  <a:extraClrSchemeLst/>
 </a:theme>
 </file>